--- a/для сдачи/Презентация.pptx
+++ b/для сдачи/Презентация.pptx
@@ -1,28 +1,28 @@
 
 <file path=ppt/presentation.xml><?xml version="1.0" encoding="utf-8"?>
-<p:presentation xmlns:a="http://schemas.openxmlformats.org/drawingml/2006/main" xmlns:r="http://schemas.openxmlformats.org/officeDocument/2006/relationships" xmlns:mc="http://schemas.openxmlformats.org/markup-compatibility/2006" xmlns:mv="urn:schemas-microsoft-com:mac:vml" xmlns:p="http://schemas.openxmlformats.org/presentationml/2006/main" xmlns:c="http://schemas.openxmlformats.org/drawingml/2006/chart" xmlns:dgm="http://schemas.openxmlformats.org/drawingml/2006/diagram" xmlns:o="urn:schemas-microsoft-com:office:office" xmlns:v="urn:schemas-microsoft-com:vml" xmlns:pvml="urn:schemas-microsoft-com:office:powerpoint" xmlns:com="http://schemas.openxmlformats.org/drawingml/2006/compatibility" xmlns:p14="http://schemas.microsoft.com/office/powerpoint/2010/main" xmlns:p15="http://schemas.microsoft.com/office/powerpoint/2012/main" xmlns:ahyp="http://schemas.microsoft.com/office/drawing/2018/hyperlinkcolor" autoCompressPictures="0" strictFirstAndLastChars="0" saveSubsetFonts="1">
+<p:presentation xmlns:a="http://schemas.openxmlformats.org/drawingml/2006/main" xmlns:r="http://schemas.openxmlformats.org/officeDocument/2006/relationships" xmlns:p="http://schemas.openxmlformats.org/presentationml/2006/main" strictFirstAndLastChars="0" saveSubsetFonts="1" autoCompressPictures="0">
   <p:sldMasterIdLst>
-    <p:sldMasterId id="2147483659" r:id="rId4"/>
+    <p:sldMasterId id="2147483659" r:id="rId1"/>
   </p:sldMasterIdLst>
   <p:notesMasterIdLst>
-    <p:notesMasterId r:id="rId5"/>
+    <p:notesMasterId r:id="rId12"/>
   </p:notesMasterIdLst>
   <p:sldIdLst>
-    <p:sldId id="256" r:id="rId6"/>
-    <p:sldId id="257" r:id="rId7"/>
-    <p:sldId id="258" r:id="rId8"/>
-    <p:sldId id="259" r:id="rId9"/>
-    <p:sldId id="260" r:id="rId10"/>
-    <p:sldId id="261" r:id="rId11"/>
-    <p:sldId id="262" r:id="rId12"/>
-    <p:sldId id="263" r:id="rId13"/>
-    <p:sldId id="264" r:id="rId14"/>
-    <p:sldId id="265" r:id="rId15"/>
+    <p:sldId id="256" r:id="rId2"/>
+    <p:sldId id="257" r:id="rId3"/>
+    <p:sldId id="258" r:id="rId4"/>
+    <p:sldId id="259" r:id="rId5"/>
+    <p:sldId id="260" r:id="rId6"/>
+    <p:sldId id="261" r:id="rId7"/>
+    <p:sldId id="262" r:id="rId8"/>
+    <p:sldId id="263" r:id="rId9"/>
+    <p:sldId id="264" r:id="rId10"/>
+    <p:sldId id="265" r:id="rId11"/>
   </p:sldIdLst>
-  <p:sldSz cy="6858000" cx="12192000"/>
+  <p:sldSz cx="12192000" cy="6858000"/>
   <p:notesSz cx="6858000" cy="9144000"/>
   <p:defaultTextStyle>
-    <a:defPPr lvl="0" marR="0" rtl="0" algn="l">
+    <a:defPPr marR="0" lvl="0" algn="l" rtl="0">
       <a:lnSpc>
         <a:spcPct val="100000"/>
       </a:lnSpc>
@@ -33,7 +33,7 @@
         <a:spcPts val="0"/>
       </a:spcAft>
     </a:defPPr>
-    <a:lvl1pPr lvl="0" marR="0" rtl="0" algn="l">
+    <a:lvl1pPr marR="0" lvl="0" algn="l" rtl="0">
       <a:lnSpc>
         <a:spcPct val="100000"/>
       </a:lnSpc>
@@ -47,7 +47,7 @@
         <a:srgbClr val="000000"/>
       </a:buClr>
       <a:buFont typeface="Arial"/>
-      <a:defRPr b="0" i="0" sz="1400" u="none" cap="none" strike="noStrike">
+      <a:defRPr sz="1400" b="0" i="0" u="none" strike="noStrike" cap="none">
         <a:solidFill>
           <a:srgbClr val="000000"/>
         </a:solidFill>
@@ -57,7 +57,7 @@
         <a:sym typeface="Arial"/>
       </a:defRPr>
     </a:lvl1pPr>
-    <a:lvl2pPr lvl="1" marR="0" rtl="0" algn="l">
+    <a:lvl2pPr marR="0" lvl="1" algn="l" rtl="0">
       <a:lnSpc>
         <a:spcPct val="100000"/>
       </a:lnSpc>
@@ -71,7 +71,7 @@
         <a:srgbClr val="000000"/>
       </a:buClr>
       <a:buFont typeface="Arial"/>
-      <a:defRPr b="0" i="0" sz="1400" u="none" cap="none" strike="noStrike">
+      <a:defRPr sz="1400" b="0" i="0" u="none" strike="noStrike" cap="none">
         <a:solidFill>
           <a:srgbClr val="000000"/>
         </a:solidFill>
@@ -81,7 +81,7 @@
         <a:sym typeface="Arial"/>
       </a:defRPr>
     </a:lvl2pPr>
-    <a:lvl3pPr lvl="2" marR="0" rtl="0" algn="l">
+    <a:lvl3pPr marR="0" lvl="2" algn="l" rtl="0">
       <a:lnSpc>
         <a:spcPct val="100000"/>
       </a:lnSpc>
@@ -95,7 +95,7 @@
         <a:srgbClr val="000000"/>
       </a:buClr>
       <a:buFont typeface="Arial"/>
-      <a:defRPr b="0" i="0" sz="1400" u="none" cap="none" strike="noStrike">
+      <a:defRPr sz="1400" b="0" i="0" u="none" strike="noStrike" cap="none">
         <a:solidFill>
           <a:srgbClr val="000000"/>
         </a:solidFill>
@@ -105,7 +105,7 @@
         <a:sym typeface="Arial"/>
       </a:defRPr>
     </a:lvl3pPr>
-    <a:lvl4pPr lvl="3" marR="0" rtl="0" algn="l">
+    <a:lvl4pPr marR="0" lvl="3" algn="l" rtl="0">
       <a:lnSpc>
         <a:spcPct val="100000"/>
       </a:lnSpc>
@@ -119,7 +119,7 @@
         <a:srgbClr val="000000"/>
       </a:buClr>
       <a:buFont typeface="Arial"/>
-      <a:defRPr b="0" i="0" sz="1400" u="none" cap="none" strike="noStrike">
+      <a:defRPr sz="1400" b="0" i="0" u="none" strike="noStrike" cap="none">
         <a:solidFill>
           <a:srgbClr val="000000"/>
         </a:solidFill>
@@ -129,7 +129,7 @@
         <a:sym typeface="Arial"/>
       </a:defRPr>
     </a:lvl4pPr>
-    <a:lvl5pPr lvl="4" marR="0" rtl="0" algn="l">
+    <a:lvl5pPr marR="0" lvl="4" algn="l" rtl="0">
       <a:lnSpc>
         <a:spcPct val="100000"/>
       </a:lnSpc>
@@ -143,7 +143,7 @@
         <a:srgbClr val="000000"/>
       </a:buClr>
       <a:buFont typeface="Arial"/>
-      <a:defRPr b="0" i="0" sz="1400" u="none" cap="none" strike="noStrike">
+      <a:defRPr sz="1400" b="0" i="0" u="none" strike="noStrike" cap="none">
         <a:solidFill>
           <a:srgbClr val="000000"/>
         </a:solidFill>
@@ -153,7 +153,7 @@
         <a:sym typeface="Arial"/>
       </a:defRPr>
     </a:lvl5pPr>
-    <a:lvl6pPr lvl="5" marR="0" rtl="0" algn="l">
+    <a:lvl6pPr marR="0" lvl="5" algn="l" rtl="0">
       <a:lnSpc>
         <a:spcPct val="100000"/>
       </a:lnSpc>
@@ -167,7 +167,7 @@
         <a:srgbClr val="000000"/>
       </a:buClr>
       <a:buFont typeface="Arial"/>
-      <a:defRPr b="0" i="0" sz="1400" u="none" cap="none" strike="noStrike">
+      <a:defRPr sz="1400" b="0" i="0" u="none" strike="noStrike" cap="none">
         <a:solidFill>
           <a:srgbClr val="000000"/>
         </a:solidFill>
@@ -177,7 +177,7 @@
         <a:sym typeface="Arial"/>
       </a:defRPr>
     </a:lvl6pPr>
-    <a:lvl7pPr lvl="6" marR="0" rtl="0" algn="l">
+    <a:lvl7pPr marR="0" lvl="6" algn="l" rtl="0">
       <a:lnSpc>
         <a:spcPct val="100000"/>
       </a:lnSpc>
@@ -191,7 +191,7 @@
         <a:srgbClr val="000000"/>
       </a:buClr>
       <a:buFont typeface="Arial"/>
-      <a:defRPr b="0" i="0" sz="1400" u="none" cap="none" strike="noStrike">
+      <a:defRPr sz="1400" b="0" i="0" u="none" strike="noStrike" cap="none">
         <a:solidFill>
           <a:srgbClr val="000000"/>
         </a:solidFill>
@@ -201,7 +201,7 @@
         <a:sym typeface="Arial"/>
       </a:defRPr>
     </a:lvl7pPr>
-    <a:lvl8pPr lvl="7" marR="0" rtl="0" algn="l">
+    <a:lvl8pPr marR="0" lvl="7" algn="l" rtl="0">
       <a:lnSpc>
         <a:spcPct val="100000"/>
       </a:lnSpc>
@@ -215,7 +215,7 @@
         <a:srgbClr val="000000"/>
       </a:buClr>
       <a:buFont typeface="Arial"/>
-      <a:defRPr b="0" i="0" sz="1400" u="none" cap="none" strike="noStrike">
+      <a:defRPr sz="1400" b="0" i="0" u="none" strike="noStrike" cap="none">
         <a:solidFill>
           <a:srgbClr val="000000"/>
         </a:solidFill>
@@ -225,7 +225,7 @@
         <a:sym typeface="Arial"/>
       </a:defRPr>
     </a:lvl8pPr>
-    <a:lvl9pPr lvl="8" marR="0" rtl="0" algn="l">
+    <a:lvl9pPr marR="0" lvl="8" algn="l" rtl="0">
       <a:lnSpc>
         <a:spcPct val="100000"/>
       </a:lnSpc>
@@ -239,7 +239,7 @@
         <a:srgbClr val="000000"/>
       </a:buClr>
       <a:buFont typeface="Arial"/>
-      <a:defRPr b="0" i="0" sz="1400" u="none" cap="none" strike="noStrike">
+      <a:defRPr sz="1400" b="0" i="0" u="none" strike="noStrike" cap="none">
         <a:solidFill>
           <a:srgbClr val="000000"/>
         </a:solidFill>
@@ -252,7 +252,7 @@
   </p:defaultTextStyle>
   <p:extLst>
     <p:ext uri="{EFAFB233-063F-42B5-8137-9DF3F51BA10A}">
-      <p15:sldGuideLst>
+      <p15:sldGuideLst xmlns:p15="http://schemas.microsoft.com/office/powerpoint/2012/main">
         <p15:guide id="1" orient="horz" pos="2160">
           <p15:clr>
             <a:srgbClr val="A4A3A4"/>
@@ -270,18 +270,19 @@
 </file>
 
 <file path=ppt/notesMasters/notesMaster1.xml><?xml version="1.0" encoding="utf-8"?>
-<p:notesMaster xmlns:a="http://schemas.openxmlformats.org/drawingml/2006/main" xmlns:r="http://schemas.openxmlformats.org/officeDocument/2006/relationships" xmlns:mc="http://schemas.openxmlformats.org/markup-compatibility/2006" xmlns:mv="urn:schemas-microsoft-com:mac:vml" xmlns:p="http://schemas.openxmlformats.org/presentationml/2006/main" xmlns:c="http://schemas.openxmlformats.org/drawingml/2006/chart" xmlns:dgm="http://schemas.openxmlformats.org/drawingml/2006/diagram" xmlns:o="urn:schemas-microsoft-com:office:office" xmlns:v="urn:schemas-microsoft-com:vml" xmlns:pvml="urn:schemas-microsoft-com:office:powerpoint" xmlns:com="http://schemas.openxmlformats.org/drawingml/2006/compatibility" xmlns:p14="http://schemas.microsoft.com/office/powerpoint/2010/main" xmlns:p15="http://schemas.microsoft.com/office/powerpoint/2012/main" xmlns:ahyp="http://schemas.microsoft.com/office/drawing/2018/hyperlinkcolor">
+<p:notesMaster xmlns:a="http://schemas.openxmlformats.org/drawingml/2006/main" xmlns:r="http://schemas.openxmlformats.org/officeDocument/2006/relationships" xmlns:p="http://schemas.openxmlformats.org/presentationml/2006/main">
   <p:cSld>
     <p:bg>
       <p:bgPr>
         <a:solidFill>
           <a:schemeClr val="lt1"/>
         </a:solidFill>
+        <a:effectLst/>
       </p:bgPr>
     </p:bg>
     <p:spTree>
       <p:nvGrpSpPr>
-        <p:cNvPr id="2" name="Shape 2"/>
+        <p:cNvPr id="1" name="Shape 2"/>
         <p:cNvGrpSpPr/>
         <p:nvPr/>
       </p:nvGrpSpPr>
@@ -296,9 +297,11 @@
       <p:sp>
         <p:nvSpPr>
           <p:cNvPr id="3" name="Google Shape;3;n"/>
-          <p:cNvSpPr txBox="1"/>
+          <p:cNvSpPr txBox="1">
+            <a:spLocks noGrp="1"/>
+          </p:cNvSpPr>
           <p:nvPr>
-            <p:ph idx="2" type="hdr"/>
+            <p:ph type="hdr" idx="2"/>
           </p:nvPr>
         </p:nvSpPr>
         <p:spPr>
@@ -315,11 +318,11 @@
           </a:ln>
         </p:spPr>
         <p:txBody>
-          <a:bodyPr anchorCtr="0" anchor="t" bIns="45700" lIns="91425" spcFirstLastPara="1" rIns="91425" wrap="square" tIns="45700">
+          <a:bodyPr spcFirstLastPara="1" wrap="square" lIns="91425" tIns="45700" rIns="91425" bIns="45700" anchor="t" anchorCtr="0">
             <a:noAutofit/>
           </a:bodyPr>
           <a:lstStyle>
-            <a:lvl1pPr lvl="0" marR="0" rtl="0" algn="l">
+            <a:lvl1pPr marR="0" lvl="0" algn="l" rtl="0">
               <a:lnSpc>
                 <a:spcPct val="100000"/>
               </a:lnSpc>
@@ -335,7 +338,7 @@
               <a:buSzPts val="1400"/>
               <a:buFont typeface="Arial"/>
               <a:buNone/>
-              <a:defRPr b="0" i="0" sz="1200" u="none" cap="none" strike="noStrike">
+              <a:defRPr sz="1200" b="0" i="0" u="none" strike="noStrike" cap="none">
                 <a:solidFill>
                   <a:schemeClr val="dk1"/>
                 </a:solidFill>
@@ -345,7 +348,7 @@
                 <a:sym typeface="Calibri"/>
               </a:defRPr>
             </a:lvl1pPr>
-            <a:lvl2pPr lvl="1" marR="0" rtl="0" algn="l">
+            <a:lvl2pPr marR="0" lvl="1" algn="l" rtl="0">
               <a:lnSpc>
                 <a:spcPct val="100000"/>
               </a:lnSpc>
@@ -361,7 +364,7 @@
               <a:buSzPts val="1400"/>
               <a:buFont typeface="Arial"/>
               <a:buNone/>
-              <a:defRPr b="0" i="0" sz="1800" u="none" cap="none" strike="noStrike">
+              <a:defRPr sz="1800" b="0" i="0" u="none" strike="noStrike" cap="none">
                 <a:solidFill>
                   <a:schemeClr val="dk1"/>
                 </a:solidFill>
@@ -371,7 +374,7 @@
                 <a:sym typeface="Calibri"/>
               </a:defRPr>
             </a:lvl2pPr>
-            <a:lvl3pPr lvl="2" marR="0" rtl="0" algn="l">
+            <a:lvl3pPr marR="0" lvl="2" algn="l" rtl="0">
               <a:lnSpc>
                 <a:spcPct val="100000"/>
               </a:lnSpc>
@@ -387,7 +390,7 @@
               <a:buSzPts val="1400"/>
               <a:buFont typeface="Arial"/>
               <a:buNone/>
-              <a:defRPr b="0" i="0" sz="1800" u="none" cap="none" strike="noStrike">
+              <a:defRPr sz="1800" b="0" i="0" u="none" strike="noStrike" cap="none">
                 <a:solidFill>
                   <a:schemeClr val="dk1"/>
                 </a:solidFill>
@@ -397,7 +400,7 @@
                 <a:sym typeface="Calibri"/>
               </a:defRPr>
             </a:lvl3pPr>
-            <a:lvl4pPr lvl="3" marR="0" rtl="0" algn="l">
+            <a:lvl4pPr marR="0" lvl="3" algn="l" rtl="0">
               <a:lnSpc>
                 <a:spcPct val="100000"/>
               </a:lnSpc>
@@ -413,7 +416,7 @@
               <a:buSzPts val="1400"/>
               <a:buFont typeface="Arial"/>
               <a:buNone/>
-              <a:defRPr b="0" i="0" sz="1800" u="none" cap="none" strike="noStrike">
+              <a:defRPr sz="1800" b="0" i="0" u="none" strike="noStrike" cap="none">
                 <a:solidFill>
                   <a:schemeClr val="dk1"/>
                 </a:solidFill>
@@ -423,7 +426,7 @@
                 <a:sym typeface="Calibri"/>
               </a:defRPr>
             </a:lvl4pPr>
-            <a:lvl5pPr lvl="4" marR="0" rtl="0" algn="l">
+            <a:lvl5pPr marR="0" lvl="4" algn="l" rtl="0">
               <a:lnSpc>
                 <a:spcPct val="100000"/>
               </a:lnSpc>
@@ -439,7 +442,7 @@
               <a:buSzPts val="1400"/>
               <a:buFont typeface="Arial"/>
               <a:buNone/>
-              <a:defRPr b="0" i="0" sz="1800" u="none" cap="none" strike="noStrike">
+              <a:defRPr sz="1800" b="0" i="0" u="none" strike="noStrike" cap="none">
                 <a:solidFill>
                   <a:schemeClr val="dk1"/>
                 </a:solidFill>
@@ -449,7 +452,7 @@
                 <a:sym typeface="Calibri"/>
               </a:defRPr>
             </a:lvl5pPr>
-            <a:lvl6pPr lvl="5" marR="0" rtl="0" algn="l">
+            <a:lvl6pPr marR="0" lvl="5" algn="l" rtl="0">
               <a:lnSpc>
                 <a:spcPct val="100000"/>
               </a:lnSpc>
@@ -465,7 +468,7 @@
               <a:buSzPts val="1400"/>
               <a:buFont typeface="Arial"/>
               <a:buNone/>
-              <a:defRPr b="0" i="0" sz="1800" u="none" cap="none" strike="noStrike">
+              <a:defRPr sz="1800" b="0" i="0" u="none" strike="noStrike" cap="none">
                 <a:solidFill>
                   <a:schemeClr val="dk1"/>
                 </a:solidFill>
@@ -475,7 +478,7 @@
                 <a:sym typeface="Calibri"/>
               </a:defRPr>
             </a:lvl6pPr>
-            <a:lvl7pPr lvl="6" marR="0" rtl="0" algn="l">
+            <a:lvl7pPr marR="0" lvl="6" algn="l" rtl="0">
               <a:lnSpc>
                 <a:spcPct val="100000"/>
               </a:lnSpc>
@@ -491,7 +494,7 @@
               <a:buSzPts val="1400"/>
               <a:buFont typeface="Arial"/>
               <a:buNone/>
-              <a:defRPr b="0" i="0" sz="1800" u="none" cap="none" strike="noStrike">
+              <a:defRPr sz="1800" b="0" i="0" u="none" strike="noStrike" cap="none">
                 <a:solidFill>
                   <a:schemeClr val="dk1"/>
                 </a:solidFill>
@@ -501,7 +504,7 @@
                 <a:sym typeface="Calibri"/>
               </a:defRPr>
             </a:lvl7pPr>
-            <a:lvl8pPr lvl="7" marR="0" rtl="0" algn="l">
+            <a:lvl8pPr marR="0" lvl="7" algn="l" rtl="0">
               <a:lnSpc>
                 <a:spcPct val="100000"/>
               </a:lnSpc>
@@ -517,7 +520,7 @@
               <a:buSzPts val="1400"/>
               <a:buFont typeface="Arial"/>
               <a:buNone/>
-              <a:defRPr b="0" i="0" sz="1800" u="none" cap="none" strike="noStrike">
+              <a:defRPr sz="1800" b="0" i="0" u="none" strike="noStrike" cap="none">
                 <a:solidFill>
                   <a:schemeClr val="dk1"/>
                 </a:solidFill>
@@ -527,7 +530,7 @@
                 <a:sym typeface="Calibri"/>
               </a:defRPr>
             </a:lvl8pPr>
-            <a:lvl9pPr lvl="8" marR="0" rtl="0" algn="l">
+            <a:lvl9pPr marR="0" lvl="8" algn="l" rtl="0">
               <a:lnSpc>
                 <a:spcPct val="100000"/>
               </a:lnSpc>
@@ -543,7 +546,7 @@
               <a:buSzPts val="1400"/>
               <a:buFont typeface="Arial"/>
               <a:buNone/>
-              <a:defRPr b="0" i="0" sz="1800" u="none" cap="none" strike="noStrike">
+              <a:defRPr sz="1800" b="0" i="0" u="none" strike="noStrike" cap="none">
                 <a:solidFill>
                   <a:schemeClr val="dk1"/>
                 </a:solidFill>
@@ -554,15 +557,19 @@
               </a:defRPr>
             </a:lvl9pPr>
           </a:lstStyle>
-          <a:p/>
+          <a:p>
+            <a:endParaRPr/>
+          </a:p>
         </p:txBody>
       </p:sp>
       <p:sp>
         <p:nvSpPr>
           <p:cNvPr id="4" name="Google Shape;4;n"/>
-          <p:cNvSpPr txBox="1"/>
+          <p:cNvSpPr txBox="1">
+            <a:spLocks noGrp="1"/>
+          </p:cNvSpPr>
           <p:nvPr>
-            <p:ph idx="10" type="dt"/>
+            <p:ph type="dt" idx="10"/>
           </p:nvPr>
         </p:nvSpPr>
         <p:spPr>
@@ -579,11 +586,11 @@
           </a:ln>
         </p:spPr>
         <p:txBody>
-          <a:bodyPr anchorCtr="0" anchor="t" bIns="45700" lIns="91425" spcFirstLastPara="1" rIns="91425" wrap="square" tIns="45700">
+          <a:bodyPr spcFirstLastPara="1" wrap="square" lIns="91425" tIns="45700" rIns="91425" bIns="45700" anchor="t" anchorCtr="0">
             <a:noAutofit/>
           </a:bodyPr>
           <a:lstStyle>
-            <a:lvl1pPr lvl="0" marR="0" rtl="0" algn="r">
+            <a:lvl1pPr marR="0" lvl="0" algn="r" rtl="0">
               <a:lnSpc>
                 <a:spcPct val="100000"/>
               </a:lnSpc>
@@ -599,7 +606,7 @@
               <a:buSzPts val="1400"/>
               <a:buFont typeface="Arial"/>
               <a:buNone/>
-              <a:defRPr b="0" i="0" sz="1200" u="none" cap="none" strike="noStrike">
+              <a:defRPr sz="1200" b="0" i="0" u="none" strike="noStrike" cap="none">
                 <a:solidFill>
                   <a:schemeClr val="dk1"/>
                 </a:solidFill>
@@ -609,7 +616,7 @@
                 <a:sym typeface="Calibri"/>
               </a:defRPr>
             </a:lvl1pPr>
-            <a:lvl2pPr lvl="1" marR="0" rtl="0" algn="l">
+            <a:lvl2pPr marR="0" lvl="1" algn="l" rtl="0">
               <a:lnSpc>
                 <a:spcPct val="100000"/>
               </a:lnSpc>
@@ -625,7 +632,7 @@
               <a:buSzPts val="1400"/>
               <a:buFont typeface="Arial"/>
               <a:buNone/>
-              <a:defRPr b="0" i="0" sz="1800" u="none" cap="none" strike="noStrike">
+              <a:defRPr sz="1800" b="0" i="0" u="none" strike="noStrike" cap="none">
                 <a:solidFill>
                   <a:schemeClr val="dk1"/>
                 </a:solidFill>
@@ -635,7 +642,7 @@
                 <a:sym typeface="Calibri"/>
               </a:defRPr>
             </a:lvl2pPr>
-            <a:lvl3pPr lvl="2" marR="0" rtl="0" algn="l">
+            <a:lvl3pPr marR="0" lvl="2" algn="l" rtl="0">
               <a:lnSpc>
                 <a:spcPct val="100000"/>
               </a:lnSpc>
@@ -651,7 +658,7 @@
               <a:buSzPts val="1400"/>
               <a:buFont typeface="Arial"/>
               <a:buNone/>
-              <a:defRPr b="0" i="0" sz="1800" u="none" cap="none" strike="noStrike">
+              <a:defRPr sz="1800" b="0" i="0" u="none" strike="noStrike" cap="none">
                 <a:solidFill>
                   <a:schemeClr val="dk1"/>
                 </a:solidFill>
@@ -661,7 +668,7 @@
                 <a:sym typeface="Calibri"/>
               </a:defRPr>
             </a:lvl3pPr>
-            <a:lvl4pPr lvl="3" marR="0" rtl="0" algn="l">
+            <a:lvl4pPr marR="0" lvl="3" algn="l" rtl="0">
               <a:lnSpc>
                 <a:spcPct val="100000"/>
               </a:lnSpc>
@@ -677,7 +684,7 @@
               <a:buSzPts val="1400"/>
               <a:buFont typeface="Arial"/>
               <a:buNone/>
-              <a:defRPr b="0" i="0" sz="1800" u="none" cap="none" strike="noStrike">
+              <a:defRPr sz="1800" b="0" i="0" u="none" strike="noStrike" cap="none">
                 <a:solidFill>
                   <a:schemeClr val="dk1"/>
                 </a:solidFill>
@@ -687,7 +694,7 @@
                 <a:sym typeface="Calibri"/>
               </a:defRPr>
             </a:lvl4pPr>
-            <a:lvl5pPr lvl="4" marR="0" rtl="0" algn="l">
+            <a:lvl5pPr marR="0" lvl="4" algn="l" rtl="0">
               <a:lnSpc>
                 <a:spcPct val="100000"/>
               </a:lnSpc>
@@ -703,7 +710,7 @@
               <a:buSzPts val="1400"/>
               <a:buFont typeface="Arial"/>
               <a:buNone/>
-              <a:defRPr b="0" i="0" sz="1800" u="none" cap="none" strike="noStrike">
+              <a:defRPr sz="1800" b="0" i="0" u="none" strike="noStrike" cap="none">
                 <a:solidFill>
                   <a:schemeClr val="dk1"/>
                 </a:solidFill>
@@ -713,7 +720,7 @@
                 <a:sym typeface="Calibri"/>
               </a:defRPr>
             </a:lvl5pPr>
-            <a:lvl6pPr lvl="5" marR="0" rtl="0" algn="l">
+            <a:lvl6pPr marR="0" lvl="5" algn="l" rtl="0">
               <a:lnSpc>
                 <a:spcPct val="100000"/>
               </a:lnSpc>
@@ -729,7 +736,7 @@
               <a:buSzPts val="1400"/>
               <a:buFont typeface="Arial"/>
               <a:buNone/>
-              <a:defRPr b="0" i="0" sz="1800" u="none" cap="none" strike="noStrike">
+              <a:defRPr sz="1800" b="0" i="0" u="none" strike="noStrike" cap="none">
                 <a:solidFill>
                   <a:schemeClr val="dk1"/>
                 </a:solidFill>
@@ -739,7 +746,7 @@
                 <a:sym typeface="Calibri"/>
               </a:defRPr>
             </a:lvl6pPr>
-            <a:lvl7pPr lvl="6" marR="0" rtl="0" algn="l">
+            <a:lvl7pPr marR="0" lvl="6" algn="l" rtl="0">
               <a:lnSpc>
                 <a:spcPct val="100000"/>
               </a:lnSpc>
@@ -755,7 +762,7 @@
               <a:buSzPts val="1400"/>
               <a:buFont typeface="Arial"/>
               <a:buNone/>
-              <a:defRPr b="0" i="0" sz="1800" u="none" cap="none" strike="noStrike">
+              <a:defRPr sz="1800" b="0" i="0" u="none" strike="noStrike" cap="none">
                 <a:solidFill>
                   <a:schemeClr val="dk1"/>
                 </a:solidFill>
@@ -765,7 +772,7 @@
                 <a:sym typeface="Calibri"/>
               </a:defRPr>
             </a:lvl7pPr>
-            <a:lvl8pPr lvl="7" marR="0" rtl="0" algn="l">
+            <a:lvl8pPr marR="0" lvl="7" algn="l" rtl="0">
               <a:lnSpc>
                 <a:spcPct val="100000"/>
               </a:lnSpc>
@@ -781,7 +788,7 @@
               <a:buSzPts val="1400"/>
               <a:buFont typeface="Arial"/>
               <a:buNone/>
-              <a:defRPr b="0" i="0" sz="1800" u="none" cap="none" strike="noStrike">
+              <a:defRPr sz="1800" b="0" i="0" u="none" strike="noStrike" cap="none">
                 <a:solidFill>
                   <a:schemeClr val="dk1"/>
                 </a:solidFill>
@@ -791,7 +798,7 @@
                 <a:sym typeface="Calibri"/>
               </a:defRPr>
             </a:lvl8pPr>
-            <a:lvl9pPr lvl="8" marR="0" rtl="0" algn="l">
+            <a:lvl9pPr marR="0" lvl="8" algn="l" rtl="0">
               <a:lnSpc>
                 <a:spcPct val="100000"/>
               </a:lnSpc>
@@ -807,7 +814,7 @@
               <a:buSzPts val="1400"/>
               <a:buFont typeface="Arial"/>
               <a:buNone/>
-              <a:defRPr b="0" i="0" sz="1800" u="none" cap="none" strike="noStrike">
+              <a:defRPr sz="1800" b="0" i="0" u="none" strike="noStrike" cap="none">
                 <a:solidFill>
                   <a:schemeClr val="dk1"/>
                 </a:solidFill>
@@ -818,15 +825,19 @@
               </a:defRPr>
             </a:lvl9pPr>
           </a:lstStyle>
-          <a:p/>
+          <a:p>
+            <a:endParaRPr/>
+          </a:p>
         </p:txBody>
       </p:sp>
       <p:sp>
         <p:nvSpPr>
           <p:cNvPr id="5" name="Google Shape;5;n"/>
-          <p:cNvSpPr/>
+          <p:cNvSpPr>
+            <a:spLocks noGrp="1" noRot="1" noChangeAspect="1"/>
+          </p:cNvSpPr>
           <p:nvPr>
-            <p:ph idx="3" type="sldImg"/>
+            <p:ph type="sldImg" idx="3"/>
           </p:nvPr>
         </p:nvSpPr>
         <p:spPr>
@@ -835,9 +846,13 @@
             <a:ext cx="5486400" cy="3086100"/>
           </a:xfrm>
           <a:custGeom>
-            <a:rect b="b" l="l" r="r" t="t"/>
+            <a:avLst/>
+            <a:gdLst/>
+            <a:ahLst/>
+            <a:cxnLst/>
+            <a:rect l="l" t="t" r="r" b="b"/>
             <a:pathLst>
-              <a:path extrusionOk="0" h="120000" w="120000">
+              <a:path w="120000" h="120000" extrusionOk="0">
                 <a:moveTo>
                   <a:pt x="0" y="0"/>
                 </a:moveTo>
@@ -855,23 +870,25 @@
             </a:pathLst>
           </a:custGeom>
           <a:noFill/>
-          <a:ln cap="flat" cmpd="sng" w="12700">
+          <a:ln w="12700" cap="flat" cmpd="sng">
             <a:solidFill>
               <a:srgbClr val="000000"/>
             </a:solidFill>
             <a:prstDash val="solid"/>
             <a:round/>
-            <a:headEnd len="sm" w="sm" type="none"/>
-            <a:tailEnd len="sm" w="sm" type="none"/>
+            <a:headEnd type="none" w="sm" len="sm"/>
+            <a:tailEnd type="none" w="sm" len="sm"/>
           </a:ln>
         </p:spPr>
       </p:sp>
       <p:sp>
         <p:nvSpPr>
           <p:cNvPr id="6" name="Google Shape;6;n"/>
-          <p:cNvSpPr txBox="1"/>
+          <p:cNvSpPr txBox="1">
+            <a:spLocks noGrp="1"/>
+          </p:cNvSpPr>
           <p:nvPr>
-            <p:ph idx="1" type="body"/>
+            <p:ph type="body" idx="1"/>
           </p:nvPr>
         </p:nvSpPr>
         <p:spPr>
@@ -888,11 +905,11 @@
           </a:ln>
         </p:spPr>
         <p:txBody>
-          <a:bodyPr anchorCtr="0" anchor="t" bIns="45700" lIns="91425" spcFirstLastPara="1" rIns="91425" wrap="square" tIns="45700">
+          <a:bodyPr spcFirstLastPara="1" wrap="square" lIns="91425" tIns="45700" rIns="91425" bIns="45700" anchor="t" anchorCtr="0">
             <a:noAutofit/>
           </a:bodyPr>
           <a:lstStyle>
-            <a:lvl1pPr indent="-228600" lvl="0" marL="457200" marR="0" rtl="0" algn="l">
+            <a:lvl1pPr marL="457200" marR="0" lvl="0" indent="-228600" algn="l" rtl="0">
               <a:lnSpc>
                 <a:spcPct val="100000"/>
               </a:lnSpc>
@@ -908,7 +925,7 @@
               <a:buSzPts val="1400"/>
               <a:buFont typeface="Arial"/>
               <a:buNone/>
-              <a:defRPr b="0" i="0" sz="1200" u="none" cap="none" strike="noStrike">
+              <a:defRPr sz="1200" b="0" i="0" u="none" strike="noStrike" cap="none">
                 <a:solidFill>
                   <a:schemeClr val="dk1"/>
                 </a:solidFill>
@@ -918,7 +935,7 @@
                 <a:sym typeface="Calibri"/>
               </a:defRPr>
             </a:lvl1pPr>
-            <a:lvl2pPr indent="-228600" lvl="1" marL="914400" marR="0" rtl="0" algn="l">
+            <a:lvl2pPr marL="914400" marR="0" lvl="1" indent="-228600" algn="l" rtl="0">
               <a:lnSpc>
                 <a:spcPct val="100000"/>
               </a:lnSpc>
@@ -934,7 +951,7 @@
               <a:buSzPts val="1400"/>
               <a:buFont typeface="Arial"/>
               <a:buNone/>
-              <a:defRPr b="0" i="0" sz="1200" u="none" cap="none" strike="noStrike">
+              <a:defRPr sz="1200" b="0" i="0" u="none" strike="noStrike" cap="none">
                 <a:solidFill>
                   <a:schemeClr val="dk1"/>
                 </a:solidFill>
@@ -944,7 +961,7 @@
                 <a:sym typeface="Calibri"/>
               </a:defRPr>
             </a:lvl2pPr>
-            <a:lvl3pPr indent="-228600" lvl="2" marL="1371600" marR="0" rtl="0" algn="l">
+            <a:lvl3pPr marL="1371600" marR="0" lvl="2" indent="-228600" algn="l" rtl="0">
               <a:lnSpc>
                 <a:spcPct val="100000"/>
               </a:lnSpc>
@@ -960,7 +977,7 @@
               <a:buSzPts val="1400"/>
               <a:buFont typeface="Arial"/>
               <a:buNone/>
-              <a:defRPr b="0" i="0" sz="1200" u="none" cap="none" strike="noStrike">
+              <a:defRPr sz="1200" b="0" i="0" u="none" strike="noStrike" cap="none">
                 <a:solidFill>
                   <a:schemeClr val="dk1"/>
                 </a:solidFill>
@@ -970,7 +987,7 @@
                 <a:sym typeface="Calibri"/>
               </a:defRPr>
             </a:lvl3pPr>
-            <a:lvl4pPr indent="-228600" lvl="3" marL="1828800" marR="0" rtl="0" algn="l">
+            <a:lvl4pPr marL="1828800" marR="0" lvl="3" indent="-228600" algn="l" rtl="0">
               <a:lnSpc>
                 <a:spcPct val="100000"/>
               </a:lnSpc>
@@ -986,7 +1003,7 @@
               <a:buSzPts val="1400"/>
               <a:buFont typeface="Arial"/>
               <a:buNone/>
-              <a:defRPr b="0" i="0" sz="1200" u="none" cap="none" strike="noStrike">
+              <a:defRPr sz="1200" b="0" i="0" u="none" strike="noStrike" cap="none">
                 <a:solidFill>
                   <a:schemeClr val="dk1"/>
                 </a:solidFill>
@@ -996,7 +1013,7 @@
                 <a:sym typeface="Calibri"/>
               </a:defRPr>
             </a:lvl4pPr>
-            <a:lvl5pPr indent="-228600" lvl="4" marL="2286000" marR="0" rtl="0" algn="l">
+            <a:lvl5pPr marL="2286000" marR="0" lvl="4" indent="-228600" algn="l" rtl="0">
               <a:lnSpc>
                 <a:spcPct val="100000"/>
               </a:lnSpc>
@@ -1012,7 +1029,7 @@
               <a:buSzPts val="1400"/>
               <a:buFont typeface="Arial"/>
               <a:buNone/>
-              <a:defRPr b="0" i="0" sz="1200" u="none" cap="none" strike="noStrike">
+              <a:defRPr sz="1200" b="0" i="0" u="none" strike="noStrike" cap="none">
                 <a:solidFill>
                   <a:schemeClr val="dk1"/>
                 </a:solidFill>
@@ -1022,7 +1039,7 @@
                 <a:sym typeface="Calibri"/>
               </a:defRPr>
             </a:lvl5pPr>
-            <a:lvl6pPr indent="-228600" lvl="5" marL="2743200" marR="0" rtl="0" algn="l">
+            <a:lvl6pPr marL="2743200" marR="0" lvl="5" indent="-228600" algn="l" rtl="0">
               <a:lnSpc>
                 <a:spcPct val="100000"/>
               </a:lnSpc>
@@ -1038,7 +1055,7 @@
               <a:buSzPts val="1400"/>
               <a:buFont typeface="Arial"/>
               <a:buNone/>
-              <a:defRPr b="0" i="0" sz="1200" u="none" cap="none" strike="noStrike">
+              <a:defRPr sz="1200" b="0" i="0" u="none" strike="noStrike" cap="none">
                 <a:solidFill>
                   <a:schemeClr val="dk1"/>
                 </a:solidFill>
@@ -1048,7 +1065,7 @@
                 <a:sym typeface="Calibri"/>
               </a:defRPr>
             </a:lvl6pPr>
-            <a:lvl7pPr indent="-228600" lvl="6" marL="3200400" marR="0" rtl="0" algn="l">
+            <a:lvl7pPr marL="3200400" marR="0" lvl="6" indent="-228600" algn="l" rtl="0">
               <a:lnSpc>
                 <a:spcPct val="100000"/>
               </a:lnSpc>
@@ -1064,7 +1081,7 @@
               <a:buSzPts val="1400"/>
               <a:buFont typeface="Arial"/>
               <a:buNone/>
-              <a:defRPr b="0" i="0" sz="1200" u="none" cap="none" strike="noStrike">
+              <a:defRPr sz="1200" b="0" i="0" u="none" strike="noStrike" cap="none">
                 <a:solidFill>
                   <a:schemeClr val="dk1"/>
                 </a:solidFill>
@@ -1074,7 +1091,7 @@
                 <a:sym typeface="Calibri"/>
               </a:defRPr>
             </a:lvl7pPr>
-            <a:lvl8pPr indent="-228600" lvl="7" marL="3657600" marR="0" rtl="0" algn="l">
+            <a:lvl8pPr marL="3657600" marR="0" lvl="7" indent="-228600" algn="l" rtl="0">
               <a:lnSpc>
                 <a:spcPct val="100000"/>
               </a:lnSpc>
@@ -1090,7 +1107,7 @@
               <a:buSzPts val="1400"/>
               <a:buFont typeface="Arial"/>
               <a:buNone/>
-              <a:defRPr b="0" i="0" sz="1200" u="none" cap="none" strike="noStrike">
+              <a:defRPr sz="1200" b="0" i="0" u="none" strike="noStrike" cap="none">
                 <a:solidFill>
                   <a:schemeClr val="dk1"/>
                 </a:solidFill>
@@ -1100,7 +1117,7 @@
                 <a:sym typeface="Calibri"/>
               </a:defRPr>
             </a:lvl8pPr>
-            <a:lvl9pPr indent="-228600" lvl="8" marL="4114800" marR="0" rtl="0" algn="l">
+            <a:lvl9pPr marL="4114800" marR="0" lvl="8" indent="-228600" algn="l" rtl="0">
               <a:lnSpc>
                 <a:spcPct val="100000"/>
               </a:lnSpc>
@@ -1116,7 +1133,7 @@
               <a:buSzPts val="1400"/>
               <a:buFont typeface="Arial"/>
               <a:buNone/>
-              <a:defRPr b="0" i="0" sz="1200" u="none" cap="none" strike="noStrike">
+              <a:defRPr sz="1200" b="0" i="0" u="none" strike="noStrike" cap="none">
                 <a:solidFill>
                   <a:schemeClr val="dk1"/>
                 </a:solidFill>
@@ -1127,15 +1144,19 @@
               </a:defRPr>
             </a:lvl9pPr>
           </a:lstStyle>
-          <a:p/>
+          <a:p>
+            <a:endParaRPr/>
+          </a:p>
         </p:txBody>
       </p:sp>
       <p:sp>
         <p:nvSpPr>
           <p:cNvPr id="7" name="Google Shape;7;n"/>
-          <p:cNvSpPr txBox="1"/>
+          <p:cNvSpPr txBox="1">
+            <a:spLocks noGrp="1"/>
+          </p:cNvSpPr>
           <p:nvPr>
-            <p:ph idx="11" type="ftr"/>
+            <p:ph type="ftr" idx="11"/>
           </p:nvPr>
         </p:nvSpPr>
         <p:spPr>
@@ -1152,11 +1173,11 @@
           </a:ln>
         </p:spPr>
         <p:txBody>
-          <a:bodyPr anchorCtr="0" anchor="b" bIns="45700" lIns="91425" spcFirstLastPara="1" rIns="91425" wrap="square" tIns="45700">
+          <a:bodyPr spcFirstLastPara="1" wrap="square" lIns="91425" tIns="45700" rIns="91425" bIns="45700" anchor="b" anchorCtr="0">
             <a:noAutofit/>
           </a:bodyPr>
           <a:lstStyle>
-            <a:lvl1pPr lvl="0" marR="0" rtl="0" algn="l">
+            <a:lvl1pPr marR="0" lvl="0" algn="l" rtl="0">
               <a:lnSpc>
                 <a:spcPct val="100000"/>
               </a:lnSpc>
@@ -1172,7 +1193,7 @@
               <a:buSzPts val="1400"/>
               <a:buFont typeface="Arial"/>
               <a:buNone/>
-              <a:defRPr b="0" i="0" sz="1200" u="none" cap="none" strike="noStrike">
+              <a:defRPr sz="1200" b="0" i="0" u="none" strike="noStrike" cap="none">
                 <a:solidFill>
                   <a:schemeClr val="dk1"/>
                 </a:solidFill>
@@ -1182,7 +1203,7 @@
                 <a:sym typeface="Calibri"/>
               </a:defRPr>
             </a:lvl1pPr>
-            <a:lvl2pPr lvl="1" marR="0" rtl="0" algn="l">
+            <a:lvl2pPr marR="0" lvl="1" algn="l" rtl="0">
               <a:lnSpc>
                 <a:spcPct val="100000"/>
               </a:lnSpc>
@@ -1198,7 +1219,7 @@
               <a:buSzPts val="1400"/>
               <a:buFont typeface="Arial"/>
               <a:buNone/>
-              <a:defRPr b="0" i="0" sz="1800" u="none" cap="none" strike="noStrike">
+              <a:defRPr sz="1800" b="0" i="0" u="none" strike="noStrike" cap="none">
                 <a:solidFill>
                   <a:schemeClr val="dk1"/>
                 </a:solidFill>
@@ -1208,7 +1229,7 @@
                 <a:sym typeface="Calibri"/>
               </a:defRPr>
             </a:lvl2pPr>
-            <a:lvl3pPr lvl="2" marR="0" rtl="0" algn="l">
+            <a:lvl3pPr marR="0" lvl="2" algn="l" rtl="0">
               <a:lnSpc>
                 <a:spcPct val="100000"/>
               </a:lnSpc>
@@ -1224,7 +1245,7 @@
               <a:buSzPts val="1400"/>
               <a:buFont typeface="Arial"/>
               <a:buNone/>
-              <a:defRPr b="0" i="0" sz="1800" u="none" cap="none" strike="noStrike">
+              <a:defRPr sz="1800" b="0" i="0" u="none" strike="noStrike" cap="none">
                 <a:solidFill>
                   <a:schemeClr val="dk1"/>
                 </a:solidFill>
@@ -1234,7 +1255,7 @@
                 <a:sym typeface="Calibri"/>
               </a:defRPr>
             </a:lvl3pPr>
-            <a:lvl4pPr lvl="3" marR="0" rtl="0" algn="l">
+            <a:lvl4pPr marR="0" lvl="3" algn="l" rtl="0">
               <a:lnSpc>
                 <a:spcPct val="100000"/>
               </a:lnSpc>
@@ -1250,7 +1271,7 @@
               <a:buSzPts val="1400"/>
               <a:buFont typeface="Arial"/>
               <a:buNone/>
-              <a:defRPr b="0" i="0" sz="1800" u="none" cap="none" strike="noStrike">
+              <a:defRPr sz="1800" b="0" i="0" u="none" strike="noStrike" cap="none">
                 <a:solidFill>
                   <a:schemeClr val="dk1"/>
                 </a:solidFill>
@@ -1260,7 +1281,7 @@
                 <a:sym typeface="Calibri"/>
               </a:defRPr>
             </a:lvl4pPr>
-            <a:lvl5pPr lvl="4" marR="0" rtl="0" algn="l">
+            <a:lvl5pPr marR="0" lvl="4" algn="l" rtl="0">
               <a:lnSpc>
                 <a:spcPct val="100000"/>
               </a:lnSpc>
@@ -1276,7 +1297,7 @@
               <a:buSzPts val="1400"/>
               <a:buFont typeface="Arial"/>
               <a:buNone/>
-              <a:defRPr b="0" i="0" sz="1800" u="none" cap="none" strike="noStrike">
+              <a:defRPr sz="1800" b="0" i="0" u="none" strike="noStrike" cap="none">
                 <a:solidFill>
                   <a:schemeClr val="dk1"/>
                 </a:solidFill>
@@ -1286,7 +1307,7 @@
                 <a:sym typeface="Calibri"/>
               </a:defRPr>
             </a:lvl5pPr>
-            <a:lvl6pPr lvl="5" marR="0" rtl="0" algn="l">
+            <a:lvl6pPr marR="0" lvl="5" algn="l" rtl="0">
               <a:lnSpc>
                 <a:spcPct val="100000"/>
               </a:lnSpc>
@@ -1302,7 +1323,7 @@
               <a:buSzPts val="1400"/>
               <a:buFont typeface="Arial"/>
               <a:buNone/>
-              <a:defRPr b="0" i="0" sz="1800" u="none" cap="none" strike="noStrike">
+              <a:defRPr sz="1800" b="0" i="0" u="none" strike="noStrike" cap="none">
                 <a:solidFill>
                   <a:schemeClr val="dk1"/>
                 </a:solidFill>
@@ -1312,7 +1333,7 @@
                 <a:sym typeface="Calibri"/>
               </a:defRPr>
             </a:lvl6pPr>
-            <a:lvl7pPr lvl="6" marR="0" rtl="0" algn="l">
+            <a:lvl7pPr marR="0" lvl="6" algn="l" rtl="0">
               <a:lnSpc>
                 <a:spcPct val="100000"/>
               </a:lnSpc>
@@ -1328,7 +1349,7 @@
               <a:buSzPts val="1400"/>
               <a:buFont typeface="Arial"/>
               <a:buNone/>
-              <a:defRPr b="0" i="0" sz="1800" u="none" cap="none" strike="noStrike">
+              <a:defRPr sz="1800" b="0" i="0" u="none" strike="noStrike" cap="none">
                 <a:solidFill>
                   <a:schemeClr val="dk1"/>
                 </a:solidFill>
@@ -1338,7 +1359,7 @@
                 <a:sym typeface="Calibri"/>
               </a:defRPr>
             </a:lvl7pPr>
-            <a:lvl8pPr lvl="7" marR="0" rtl="0" algn="l">
+            <a:lvl8pPr marR="0" lvl="7" algn="l" rtl="0">
               <a:lnSpc>
                 <a:spcPct val="100000"/>
               </a:lnSpc>
@@ -1354,7 +1375,7 @@
               <a:buSzPts val="1400"/>
               <a:buFont typeface="Arial"/>
               <a:buNone/>
-              <a:defRPr b="0" i="0" sz="1800" u="none" cap="none" strike="noStrike">
+              <a:defRPr sz="1800" b="0" i="0" u="none" strike="noStrike" cap="none">
                 <a:solidFill>
                   <a:schemeClr val="dk1"/>
                 </a:solidFill>
@@ -1364,7 +1385,7 @@
                 <a:sym typeface="Calibri"/>
               </a:defRPr>
             </a:lvl8pPr>
-            <a:lvl9pPr lvl="8" marR="0" rtl="0" algn="l">
+            <a:lvl9pPr marR="0" lvl="8" algn="l" rtl="0">
               <a:lnSpc>
                 <a:spcPct val="100000"/>
               </a:lnSpc>
@@ -1380,7 +1401,7 @@
               <a:buSzPts val="1400"/>
               <a:buFont typeface="Arial"/>
               <a:buNone/>
-              <a:defRPr b="0" i="0" sz="1800" u="none" cap="none" strike="noStrike">
+              <a:defRPr sz="1800" b="0" i="0" u="none" strike="noStrike" cap="none">
                 <a:solidFill>
                   <a:schemeClr val="dk1"/>
                 </a:solidFill>
@@ -1391,15 +1412,19 @@
               </a:defRPr>
             </a:lvl9pPr>
           </a:lstStyle>
-          <a:p/>
+          <a:p>
+            <a:endParaRPr/>
+          </a:p>
         </p:txBody>
       </p:sp>
       <p:sp>
         <p:nvSpPr>
           <p:cNvPr id="8" name="Google Shape;8;n"/>
-          <p:cNvSpPr txBox="1"/>
+          <p:cNvSpPr txBox="1">
+            <a:spLocks noGrp="1"/>
+          </p:cNvSpPr>
           <p:nvPr>
-            <p:ph idx="12" type="sldNum"/>
+            <p:ph type="sldNum" idx="12"/>
           </p:nvPr>
         </p:nvSpPr>
         <p:spPr>
@@ -1416,12 +1441,12 @@
           </a:ln>
         </p:spPr>
         <p:txBody>
-          <a:bodyPr anchorCtr="0" anchor="b" bIns="45700" lIns="91425" spcFirstLastPara="1" rIns="91425" wrap="square" tIns="45700">
+          <a:bodyPr spcFirstLastPara="1" wrap="square" lIns="91425" tIns="45700" rIns="91425" bIns="45700" anchor="b" anchorCtr="0">
             <a:noAutofit/>
           </a:bodyPr>
           <a:lstStyle/>
           <a:p>
-            <a:pPr indent="0" lvl="0" marL="0" marR="0" rtl="0" algn="r">
+            <a:pPr marL="0" marR="0" lvl="0" indent="0" algn="r" rtl="0">
               <a:lnSpc>
                 <a:spcPct val="100000"/>
               </a:lnSpc>
@@ -1439,7 +1464,7 @@
               <a:buNone/>
             </a:pPr>
             <a:fld id="{00000000-1234-1234-1234-123412341234}" type="slidenum">
-              <a:rPr b="0" i="0" lang="ru-RU" sz="1200" u="none" cap="none" strike="noStrike">
+              <a:rPr lang="ru-RU" sz="1200" b="0" i="0" u="none" strike="noStrike" cap="none">
                 <a:solidFill>
                   <a:schemeClr val="dk1"/>
                 </a:solidFill>
@@ -1450,7 +1475,7 @@
               </a:rPr>
               <a:t>‹#›</a:t>
             </a:fld>
-            <a:endParaRPr b="0" i="0" sz="1200" u="none" cap="none" strike="noStrike">
+            <a:endParaRPr sz="1200" b="0" i="0" u="none" strike="noStrike" cap="none">
               <a:solidFill>
                 <a:schemeClr val="dk1"/>
               </a:solidFill>
@@ -1464,9 +1489,9 @@
       </p:sp>
     </p:spTree>
   </p:cSld>
-  <p:clrMap accent1="accent1" accent2="accent2" accent3="accent3" accent4="accent4" accent5="accent5" accent6="accent6" bg1="lt1" bg2="dk2" tx1="dk1" tx2="lt2" folHlink="folHlink" hlink="hlink"/>
+  <p:clrMap bg1="lt1" tx1="dk1" bg2="dk2" tx2="lt2" accent1="accent1" accent2="accent2" accent3="accent3" accent4="accent4" accent5="accent5" accent6="accent6" hlink="hlink" folHlink="folHlink"/>
   <p:notesStyle>
-    <a:defPPr lvl="0" marR="0" rtl="0" algn="l">
+    <a:defPPr marR="0" lvl="0" algn="l" rtl="0">
       <a:lnSpc>
         <a:spcPct val="100000"/>
       </a:lnSpc>
@@ -1477,7 +1502,7 @@
         <a:spcPts val="0"/>
       </a:spcAft>
     </a:defPPr>
-    <a:lvl1pPr lvl="0" marR="0" rtl="0" algn="l">
+    <a:lvl1pPr marR="0" lvl="0" algn="l" rtl="0">
       <a:lnSpc>
         <a:spcPct val="100000"/>
       </a:lnSpc>
@@ -1491,7 +1516,7 @@
         <a:srgbClr val="000000"/>
       </a:buClr>
       <a:buFont typeface="Arial"/>
-      <a:defRPr b="0" i="0" sz="1400" u="none" cap="none" strike="noStrike">
+      <a:defRPr sz="1400" b="0" i="0" u="none" strike="noStrike" cap="none">
         <a:solidFill>
           <a:srgbClr val="000000"/>
         </a:solidFill>
@@ -1501,7 +1526,7 @@
         <a:sym typeface="Arial"/>
       </a:defRPr>
     </a:lvl1pPr>
-    <a:lvl2pPr lvl="1" marR="0" rtl="0" algn="l">
+    <a:lvl2pPr marR="0" lvl="1" algn="l" rtl="0">
       <a:lnSpc>
         <a:spcPct val="100000"/>
       </a:lnSpc>
@@ -1515,7 +1540,7 @@
         <a:srgbClr val="000000"/>
       </a:buClr>
       <a:buFont typeface="Arial"/>
-      <a:defRPr b="0" i="0" sz="1400" u="none" cap="none" strike="noStrike">
+      <a:defRPr sz="1400" b="0" i="0" u="none" strike="noStrike" cap="none">
         <a:solidFill>
           <a:srgbClr val="000000"/>
         </a:solidFill>
@@ -1525,7 +1550,7 @@
         <a:sym typeface="Arial"/>
       </a:defRPr>
     </a:lvl2pPr>
-    <a:lvl3pPr lvl="2" marR="0" rtl="0" algn="l">
+    <a:lvl3pPr marR="0" lvl="2" algn="l" rtl="0">
       <a:lnSpc>
         <a:spcPct val="100000"/>
       </a:lnSpc>
@@ -1539,7 +1564,7 @@
         <a:srgbClr val="000000"/>
       </a:buClr>
       <a:buFont typeface="Arial"/>
-      <a:defRPr b="0" i="0" sz="1400" u="none" cap="none" strike="noStrike">
+      <a:defRPr sz="1400" b="0" i="0" u="none" strike="noStrike" cap="none">
         <a:solidFill>
           <a:srgbClr val="000000"/>
         </a:solidFill>
@@ -1549,7 +1574,7 @@
         <a:sym typeface="Arial"/>
       </a:defRPr>
     </a:lvl3pPr>
-    <a:lvl4pPr lvl="3" marR="0" rtl="0" algn="l">
+    <a:lvl4pPr marR="0" lvl="3" algn="l" rtl="0">
       <a:lnSpc>
         <a:spcPct val="100000"/>
       </a:lnSpc>
@@ -1563,7 +1588,7 @@
         <a:srgbClr val="000000"/>
       </a:buClr>
       <a:buFont typeface="Arial"/>
-      <a:defRPr b="0" i="0" sz="1400" u="none" cap="none" strike="noStrike">
+      <a:defRPr sz="1400" b="0" i="0" u="none" strike="noStrike" cap="none">
         <a:solidFill>
           <a:srgbClr val="000000"/>
         </a:solidFill>
@@ -1573,7 +1598,7 @@
         <a:sym typeface="Arial"/>
       </a:defRPr>
     </a:lvl4pPr>
-    <a:lvl5pPr lvl="4" marR="0" rtl="0" algn="l">
+    <a:lvl5pPr marR="0" lvl="4" algn="l" rtl="0">
       <a:lnSpc>
         <a:spcPct val="100000"/>
       </a:lnSpc>
@@ -1587,7 +1612,7 @@
         <a:srgbClr val="000000"/>
       </a:buClr>
       <a:buFont typeface="Arial"/>
-      <a:defRPr b="0" i="0" sz="1400" u="none" cap="none" strike="noStrike">
+      <a:defRPr sz="1400" b="0" i="0" u="none" strike="noStrike" cap="none">
         <a:solidFill>
           <a:srgbClr val="000000"/>
         </a:solidFill>
@@ -1597,7 +1622,7 @@
         <a:sym typeface="Arial"/>
       </a:defRPr>
     </a:lvl5pPr>
-    <a:lvl6pPr lvl="5" marR="0" rtl="0" algn="l">
+    <a:lvl6pPr marR="0" lvl="5" algn="l" rtl="0">
       <a:lnSpc>
         <a:spcPct val="100000"/>
       </a:lnSpc>
@@ -1611,7 +1636,7 @@
         <a:srgbClr val="000000"/>
       </a:buClr>
       <a:buFont typeface="Arial"/>
-      <a:defRPr b="0" i="0" sz="1400" u="none" cap="none" strike="noStrike">
+      <a:defRPr sz="1400" b="0" i="0" u="none" strike="noStrike" cap="none">
         <a:solidFill>
           <a:srgbClr val="000000"/>
         </a:solidFill>
@@ -1621,7 +1646,7 @@
         <a:sym typeface="Arial"/>
       </a:defRPr>
     </a:lvl6pPr>
-    <a:lvl7pPr lvl="6" marR="0" rtl="0" algn="l">
+    <a:lvl7pPr marR="0" lvl="6" algn="l" rtl="0">
       <a:lnSpc>
         <a:spcPct val="100000"/>
       </a:lnSpc>
@@ -1635,7 +1660,7 @@
         <a:srgbClr val="000000"/>
       </a:buClr>
       <a:buFont typeface="Arial"/>
-      <a:defRPr b="0" i="0" sz="1400" u="none" cap="none" strike="noStrike">
+      <a:defRPr sz="1400" b="0" i="0" u="none" strike="noStrike" cap="none">
         <a:solidFill>
           <a:srgbClr val="000000"/>
         </a:solidFill>
@@ -1645,7 +1670,7 @@
         <a:sym typeface="Arial"/>
       </a:defRPr>
     </a:lvl7pPr>
-    <a:lvl8pPr lvl="7" marR="0" rtl="0" algn="l">
+    <a:lvl8pPr marR="0" lvl="7" algn="l" rtl="0">
       <a:lnSpc>
         <a:spcPct val="100000"/>
       </a:lnSpc>
@@ -1659,7 +1684,7 @@
         <a:srgbClr val="000000"/>
       </a:buClr>
       <a:buFont typeface="Arial"/>
-      <a:defRPr b="0" i="0" sz="1400" u="none" cap="none" strike="noStrike">
+      <a:defRPr sz="1400" b="0" i="0" u="none" strike="noStrike" cap="none">
         <a:solidFill>
           <a:srgbClr val="000000"/>
         </a:solidFill>
@@ -1669,7 +1694,7 @@
         <a:sym typeface="Arial"/>
       </a:defRPr>
     </a:lvl8pPr>
-    <a:lvl9pPr lvl="8" marR="0" rtl="0" algn="l">
+    <a:lvl9pPr marR="0" lvl="8" algn="l" rtl="0">
       <a:lnSpc>
         <a:spcPct val="100000"/>
       </a:lnSpc>
@@ -1683,7 +1708,7 @@
         <a:srgbClr val="000000"/>
       </a:buClr>
       <a:buFont typeface="Arial"/>
-      <a:defRPr b="0" i="0" sz="1400" u="none" cap="none" strike="noStrike">
+      <a:defRPr sz="1400" b="0" i="0" u="none" strike="noStrike" cap="none">
         <a:solidFill>
           <a:srgbClr val="000000"/>
         </a:solidFill>
@@ -1698,11 +1723,11 @@
 </file>
 
 <file path=ppt/notesSlides/notesSlide1.xml><?xml version="1.0" encoding="utf-8"?>
-<p:notes xmlns:a="http://schemas.openxmlformats.org/drawingml/2006/main" xmlns:r="http://schemas.openxmlformats.org/officeDocument/2006/relationships" xmlns:mc="http://schemas.openxmlformats.org/markup-compatibility/2006" xmlns:mv="urn:schemas-microsoft-com:mac:vml" xmlns:p="http://schemas.openxmlformats.org/presentationml/2006/main" xmlns:c="http://schemas.openxmlformats.org/drawingml/2006/chart" xmlns:dgm="http://schemas.openxmlformats.org/drawingml/2006/diagram" xmlns:o="urn:schemas-microsoft-com:office:office" xmlns:v="urn:schemas-microsoft-com:vml" xmlns:pvml="urn:schemas-microsoft-com:office:powerpoint" xmlns:com="http://schemas.openxmlformats.org/drawingml/2006/compatibility" xmlns:p14="http://schemas.microsoft.com/office/powerpoint/2010/main" xmlns:p15="http://schemas.microsoft.com/office/powerpoint/2012/main" xmlns:ahyp="http://schemas.microsoft.com/office/drawing/2018/hyperlinkcolor" showMasterPhAnim="0" showMasterSp="0">
+<p:notes xmlns:a="http://schemas.openxmlformats.org/drawingml/2006/main" xmlns:r="http://schemas.openxmlformats.org/officeDocument/2006/relationships" xmlns:p="http://schemas.openxmlformats.org/presentationml/2006/main" showMasterSp="0" showMasterPhAnim="0">
   <p:cSld>
     <p:spTree>
       <p:nvGrpSpPr>
-        <p:cNvPr id="84" name="Shape 84"/>
+        <p:cNvPr id="1" name="Shape 84"/>
         <p:cNvGrpSpPr/>
         <p:nvPr/>
       </p:nvGrpSpPr>
@@ -1717,9 +1742,11 @@
       <p:sp>
         <p:nvSpPr>
           <p:cNvPr id="85" name="Google Shape;85;p1:notes"/>
-          <p:cNvSpPr txBox="1"/>
+          <p:cNvSpPr txBox="1">
+            <a:spLocks noGrp="1"/>
+          </p:cNvSpPr>
           <p:nvPr>
-            <p:ph idx="1" type="body"/>
+            <p:ph type="body" idx="1"/>
           </p:nvPr>
         </p:nvSpPr>
         <p:spPr>
@@ -1736,12 +1763,12 @@
           </a:ln>
         </p:spPr>
         <p:txBody>
-          <a:bodyPr anchorCtr="0" anchor="t" bIns="45700" lIns="91425" spcFirstLastPara="1" rIns="91425" wrap="square" tIns="45700">
+          <a:bodyPr spcFirstLastPara="1" wrap="square" lIns="91425" tIns="45700" rIns="91425" bIns="45700" anchor="t" anchorCtr="0">
             <a:noAutofit/>
           </a:bodyPr>
           <a:lstStyle/>
           <a:p>
-            <a:pPr indent="0" lvl="0" marL="0" rtl="0" algn="l">
+            <a:pPr marL="0" lvl="0" indent="0" algn="l" rtl="0">
               <a:lnSpc>
                 <a:spcPct val="100000"/>
               </a:lnSpc>
@@ -1754,9 +1781,6 @@
               <a:buSzPts val="1400"/>
               <a:buNone/>
             </a:pPr>
-            <a:r>
-              <a:t/>
-            </a:r>
             <a:endParaRPr/>
           </a:p>
         </p:txBody>
@@ -1764,9 +1788,11 @@
       <p:sp>
         <p:nvSpPr>
           <p:cNvPr id="86" name="Google Shape;86;p1:notes"/>
-          <p:cNvSpPr/>
+          <p:cNvSpPr>
+            <a:spLocks noGrp="1" noRot="1" noChangeAspect="1"/>
+          </p:cNvSpPr>
           <p:nvPr>
-            <p:ph idx="2" type="sldImg"/>
+            <p:ph type="sldImg" idx="2"/>
           </p:nvPr>
         </p:nvSpPr>
         <p:spPr>
@@ -1775,9 +1801,13 @@
             <a:ext cx="5486400" cy="3086100"/>
           </a:xfrm>
           <a:custGeom>
-            <a:rect b="b" l="l" r="r" t="t"/>
+            <a:avLst/>
+            <a:gdLst/>
+            <a:ahLst/>
+            <a:cxnLst/>
+            <a:rect l="l" t="t" r="r" b="b"/>
             <a:pathLst>
-              <a:path extrusionOk="0" h="120000" w="120000">
+              <a:path w="120000" h="120000" extrusionOk="0">
                 <a:moveTo>
                   <a:pt x="0" y="0"/>
                 </a:moveTo>
@@ -1795,14 +1825,14 @@
             </a:pathLst>
           </a:custGeom>
           <a:noFill/>
-          <a:ln cap="flat" cmpd="sng" w="12700">
+          <a:ln w="12700" cap="flat" cmpd="sng">
             <a:solidFill>
               <a:srgbClr val="000000"/>
             </a:solidFill>
             <a:prstDash val="solid"/>
             <a:round/>
-            <a:headEnd len="sm" w="sm" type="none"/>
-            <a:tailEnd len="sm" w="sm" type="none"/>
+            <a:headEnd type="none" w="sm" len="sm"/>
+            <a:tailEnd type="none" w="sm" len="sm"/>
           </a:ln>
         </p:spPr>
       </p:sp>
@@ -1815,11 +1845,11 @@
 </file>
 
 <file path=ppt/notesSlides/notesSlide10.xml><?xml version="1.0" encoding="utf-8"?>
-<p:notes xmlns:a="http://schemas.openxmlformats.org/drawingml/2006/main" xmlns:r="http://schemas.openxmlformats.org/officeDocument/2006/relationships" xmlns:mc="http://schemas.openxmlformats.org/markup-compatibility/2006" xmlns:mv="urn:schemas-microsoft-com:mac:vml" xmlns:p="http://schemas.openxmlformats.org/presentationml/2006/main" xmlns:c="http://schemas.openxmlformats.org/drawingml/2006/chart" xmlns:dgm="http://schemas.openxmlformats.org/drawingml/2006/diagram" xmlns:o="urn:schemas-microsoft-com:office:office" xmlns:v="urn:schemas-microsoft-com:vml" xmlns:pvml="urn:schemas-microsoft-com:office:powerpoint" xmlns:com="http://schemas.openxmlformats.org/drawingml/2006/compatibility" xmlns:p14="http://schemas.microsoft.com/office/powerpoint/2010/main" xmlns:p15="http://schemas.microsoft.com/office/powerpoint/2012/main" xmlns:ahyp="http://schemas.microsoft.com/office/drawing/2018/hyperlinkcolor" showMasterPhAnim="0" showMasterSp="0">
+<p:notes xmlns:a="http://schemas.openxmlformats.org/drawingml/2006/main" xmlns:r="http://schemas.openxmlformats.org/officeDocument/2006/relationships" xmlns:p="http://schemas.openxmlformats.org/presentationml/2006/main" showMasterSp="0" showMasterPhAnim="0">
   <p:cSld>
     <p:spTree>
       <p:nvGrpSpPr>
-        <p:cNvPr id="138" name="Shape 138"/>
+        <p:cNvPr id="1" name="Shape 138"/>
         <p:cNvGrpSpPr/>
         <p:nvPr/>
       </p:nvGrpSpPr>
@@ -1834,9 +1864,11 @@
       <p:sp>
         <p:nvSpPr>
           <p:cNvPr id="139" name="Google Shape;139;p10:notes"/>
-          <p:cNvSpPr txBox="1"/>
+          <p:cNvSpPr txBox="1">
+            <a:spLocks noGrp="1"/>
+          </p:cNvSpPr>
           <p:nvPr>
-            <p:ph idx="1" type="body"/>
+            <p:ph type="body" idx="1"/>
           </p:nvPr>
         </p:nvSpPr>
         <p:spPr>
@@ -1853,12 +1885,12 @@
           </a:ln>
         </p:spPr>
         <p:txBody>
-          <a:bodyPr anchorCtr="0" anchor="t" bIns="45700" lIns="91425" spcFirstLastPara="1" rIns="91425" wrap="square" tIns="45700">
+          <a:bodyPr spcFirstLastPara="1" wrap="square" lIns="91425" tIns="45700" rIns="91425" bIns="45700" anchor="t" anchorCtr="0">
             <a:noAutofit/>
           </a:bodyPr>
           <a:lstStyle/>
           <a:p>
-            <a:pPr indent="0" lvl="0" marL="0" rtl="0" algn="l">
+            <a:pPr marL="0" lvl="0" indent="0" algn="l" rtl="0">
               <a:lnSpc>
                 <a:spcPct val="100000"/>
               </a:lnSpc>
@@ -1871,9 +1903,6 @@
               <a:buSzPts val="1400"/>
               <a:buNone/>
             </a:pPr>
-            <a:r>
-              <a:t/>
-            </a:r>
             <a:endParaRPr/>
           </a:p>
         </p:txBody>
@@ -1881,9 +1910,11 @@
       <p:sp>
         <p:nvSpPr>
           <p:cNvPr id="140" name="Google Shape;140;p10:notes"/>
-          <p:cNvSpPr/>
+          <p:cNvSpPr>
+            <a:spLocks noGrp="1" noRot="1" noChangeAspect="1"/>
+          </p:cNvSpPr>
           <p:nvPr>
-            <p:ph idx="2" type="sldImg"/>
+            <p:ph type="sldImg" idx="2"/>
           </p:nvPr>
         </p:nvSpPr>
         <p:spPr>
@@ -1892,9 +1923,13 @@
             <a:ext cx="5486400" cy="3086100"/>
           </a:xfrm>
           <a:custGeom>
-            <a:rect b="b" l="l" r="r" t="t"/>
+            <a:avLst/>
+            <a:gdLst/>
+            <a:ahLst/>
+            <a:cxnLst/>
+            <a:rect l="l" t="t" r="r" b="b"/>
             <a:pathLst>
-              <a:path extrusionOk="0" h="120000" w="120000">
+              <a:path w="120000" h="120000" extrusionOk="0">
                 <a:moveTo>
                   <a:pt x="0" y="0"/>
                 </a:moveTo>
@@ -1912,14 +1947,14 @@
             </a:pathLst>
           </a:custGeom>
           <a:noFill/>
-          <a:ln cap="flat" cmpd="sng" w="12700">
+          <a:ln w="12700" cap="flat" cmpd="sng">
             <a:solidFill>
               <a:srgbClr val="000000"/>
             </a:solidFill>
             <a:prstDash val="solid"/>
             <a:round/>
-            <a:headEnd len="sm" w="sm" type="none"/>
-            <a:tailEnd len="sm" w="sm" type="none"/>
+            <a:headEnd type="none" w="sm" len="sm"/>
+            <a:tailEnd type="none" w="sm" len="sm"/>
           </a:ln>
         </p:spPr>
       </p:sp>
@@ -1932,11 +1967,11 @@
 </file>
 
 <file path=ppt/notesSlides/notesSlide2.xml><?xml version="1.0" encoding="utf-8"?>
-<p:notes xmlns:a="http://schemas.openxmlformats.org/drawingml/2006/main" xmlns:r="http://schemas.openxmlformats.org/officeDocument/2006/relationships" xmlns:mc="http://schemas.openxmlformats.org/markup-compatibility/2006" xmlns:mv="urn:schemas-microsoft-com:mac:vml" xmlns:p="http://schemas.openxmlformats.org/presentationml/2006/main" xmlns:c="http://schemas.openxmlformats.org/drawingml/2006/chart" xmlns:dgm="http://schemas.openxmlformats.org/drawingml/2006/diagram" xmlns:o="urn:schemas-microsoft-com:office:office" xmlns:v="urn:schemas-microsoft-com:vml" xmlns:pvml="urn:schemas-microsoft-com:office:powerpoint" xmlns:com="http://schemas.openxmlformats.org/drawingml/2006/compatibility" xmlns:p14="http://schemas.microsoft.com/office/powerpoint/2010/main" xmlns:p15="http://schemas.microsoft.com/office/powerpoint/2012/main" xmlns:ahyp="http://schemas.microsoft.com/office/drawing/2018/hyperlinkcolor" showMasterPhAnim="0" showMasterSp="0">
+<p:notes xmlns:a="http://schemas.openxmlformats.org/drawingml/2006/main" xmlns:r="http://schemas.openxmlformats.org/officeDocument/2006/relationships" xmlns:p="http://schemas.openxmlformats.org/presentationml/2006/main" showMasterSp="0" showMasterPhAnim="0">
   <p:cSld>
     <p:spTree>
       <p:nvGrpSpPr>
-        <p:cNvPr id="92" name="Shape 92"/>
+        <p:cNvPr id="1" name="Shape 92"/>
         <p:cNvGrpSpPr/>
         <p:nvPr/>
       </p:nvGrpSpPr>
@@ -1951,9 +1986,11 @@
       <p:sp>
         <p:nvSpPr>
           <p:cNvPr id="93" name="Google Shape;93;p2:notes"/>
-          <p:cNvSpPr txBox="1"/>
+          <p:cNvSpPr txBox="1">
+            <a:spLocks noGrp="1"/>
+          </p:cNvSpPr>
           <p:nvPr>
-            <p:ph idx="1" type="body"/>
+            <p:ph type="body" idx="1"/>
           </p:nvPr>
         </p:nvSpPr>
         <p:spPr>
@@ -1970,12 +2007,12 @@
           </a:ln>
         </p:spPr>
         <p:txBody>
-          <a:bodyPr anchorCtr="0" anchor="t" bIns="45700" lIns="91425" spcFirstLastPara="1" rIns="91425" wrap="square" tIns="45700">
+          <a:bodyPr spcFirstLastPara="1" wrap="square" lIns="91425" tIns="45700" rIns="91425" bIns="45700" anchor="t" anchorCtr="0">
             <a:noAutofit/>
           </a:bodyPr>
           <a:lstStyle/>
           <a:p>
-            <a:pPr indent="0" lvl="0" marL="0" rtl="0" algn="l">
+            <a:pPr marL="0" lvl="0" indent="0" algn="l" rtl="0">
               <a:lnSpc>
                 <a:spcPct val="100000"/>
               </a:lnSpc>
@@ -1988,9 +2025,6 @@
               <a:buSzPts val="1400"/>
               <a:buNone/>
             </a:pPr>
-            <a:r>
-              <a:t/>
-            </a:r>
             <a:endParaRPr/>
           </a:p>
         </p:txBody>
@@ -1998,9 +2032,11 @@
       <p:sp>
         <p:nvSpPr>
           <p:cNvPr id="94" name="Google Shape;94;p2:notes"/>
-          <p:cNvSpPr/>
+          <p:cNvSpPr>
+            <a:spLocks noGrp="1" noRot="1" noChangeAspect="1"/>
+          </p:cNvSpPr>
           <p:nvPr>
-            <p:ph idx="2" type="sldImg"/>
+            <p:ph type="sldImg" idx="2"/>
           </p:nvPr>
         </p:nvSpPr>
         <p:spPr>
@@ -2009,9 +2045,13 @@
             <a:ext cx="5486400" cy="3086100"/>
           </a:xfrm>
           <a:custGeom>
-            <a:rect b="b" l="l" r="r" t="t"/>
+            <a:avLst/>
+            <a:gdLst/>
+            <a:ahLst/>
+            <a:cxnLst/>
+            <a:rect l="l" t="t" r="r" b="b"/>
             <a:pathLst>
-              <a:path extrusionOk="0" h="120000" w="120000">
+              <a:path w="120000" h="120000" extrusionOk="0">
                 <a:moveTo>
                   <a:pt x="0" y="0"/>
                 </a:moveTo>
@@ -2029,14 +2069,14 @@
             </a:pathLst>
           </a:custGeom>
           <a:noFill/>
-          <a:ln cap="flat" cmpd="sng" w="12700">
+          <a:ln w="12700" cap="flat" cmpd="sng">
             <a:solidFill>
               <a:srgbClr val="000000"/>
             </a:solidFill>
             <a:prstDash val="solid"/>
             <a:round/>
-            <a:headEnd len="sm" w="sm" type="none"/>
-            <a:tailEnd len="sm" w="sm" type="none"/>
+            <a:headEnd type="none" w="sm" len="sm"/>
+            <a:tailEnd type="none" w="sm" len="sm"/>
           </a:ln>
         </p:spPr>
       </p:sp>
@@ -2049,11 +2089,11 @@
 </file>
 
 <file path=ppt/notesSlides/notesSlide3.xml><?xml version="1.0" encoding="utf-8"?>
-<p:notes xmlns:a="http://schemas.openxmlformats.org/drawingml/2006/main" xmlns:r="http://schemas.openxmlformats.org/officeDocument/2006/relationships" xmlns:mc="http://schemas.openxmlformats.org/markup-compatibility/2006" xmlns:mv="urn:schemas-microsoft-com:mac:vml" xmlns:p="http://schemas.openxmlformats.org/presentationml/2006/main" xmlns:c="http://schemas.openxmlformats.org/drawingml/2006/chart" xmlns:dgm="http://schemas.openxmlformats.org/drawingml/2006/diagram" xmlns:o="urn:schemas-microsoft-com:office:office" xmlns:v="urn:schemas-microsoft-com:vml" xmlns:pvml="urn:schemas-microsoft-com:office:powerpoint" xmlns:com="http://schemas.openxmlformats.org/drawingml/2006/compatibility" xmlns:p14="http://schemas.microsoft.com/office/powerpoint/2010/main" xmlns:p15="http://schemas.microsoft.com/office/powerpoint/2012/main" xmlns:ahyp="http://schemas.microsoft.com/office/drawing/2018/hyperlinkcolor" showMasterPhAnim="0" showMasterSp="0">
+<p:notes xmlns:a="http://schemas.openxmlformats.org/drawingml/2006/main" xmlns:r="http://schemas.openxmlformats.org/officeDocument/2006/relationships" xmlns:p="http://schemas.openxmlformats.org/presentationml/2006/main" showMasterSp="0" showMasterPhAnim="0">
   <p:cSld>
     <p:spTree>
       <p:nvGrpSpPr>
-        <p:cNvPr id="97" name="Shape 97"/>
+        <p:cNvPr id="1" name="Shape 97"/>
         <p:cNvGrpSpPr/>
         <p:nvPr/>
       </p:nvGrpSpPr>
@@ -2068,9 +2108,11 @@
       <p:sp>
         <p:nvSpPr>
           <p:cNvPr id="98" name="Google Shape;98;p3:notes"/>
-          <p:cNvSpPr txBox="1"/>
+          <p:cNvSpPr txBox="1">
+            <a:spLocks noGrp="1"/>
+          </p:cNvSpPr>
           <p:nvPr>
-            <p:ph idx="1" type="body"/>
+            <p:ph type="body" idx="1"/>
           </p:nvPr>
         </p:nvSpPr>
         <p:spPr>
@@ -2087,12 +2129,12 @@
           </a:ln>
         </p:spPr>
         <p:txBody>
-          <a:bodyPr anchorCtr="0" anchor="t" bIns="45700" lIns="91425" spcFirstLastPara="1" rIns="91425" wrap="square" tIns="45700">
+          <a:bodyPr spcFirstLastPara="1" wrap="square" lIns="91425" tIns="45700" rIns="91425" bIns="45700" anchor="t" anchorCtr="0">
             <a:noAutofit/>
           </a:bodyPr>
           <a:lstStyle/>
           <a:p>
-            <a:pPr indent="0" lvl="0" marL="0" rtl="0" algn="l">
+            <a:pPr marL="0" lvl="0" indent="0" algn="l" rtl="0">
               <a:lnSpc>
                 <a:spcPct val="100000"/>
               </a:lnSpc>
@@ -2105,9 +2147,6 @@
               <a:buSzPts val="1400"/>
               <a:buNone/>
             </a:pPr>
-            <a:r>
-              <a:t/>
-            </a:r>
             <a:endParaRPr/>
           </a:p>
         </p:txBody>
@@ -2115,9 +2154,11 @@
       <p:sp>
         <p:nvSpPr>
           <p:cNvPr id="99" name="Google Shape;99;p3:notes"/>
-          <p:cNvSpPr/>
+          <p:cNvSpPr>
+            <a:spLocks noGrp="1" noRot="1" noChangeAspect="1"/>
+          </p:cNvSpPr>
           <p:nvPr>
-            <p:ph idx="2" type="sldImg"/>
+            <p:ph type="sldImg" idx="2"/>
           </p:nvPr>
         </p:nvSpPr>
         <p:spPr>
@@ -2126,9 +2167,13 @@
             <a:ext cx="5486400" cy="3086100"/>
           </a:xfrm>
           <a:custGeom>
-            <a:rect b="b" l="l" r="r" t="t"/>
+            <a:avLst/>
+            <a:gdLst/>
+            <a:ahLst/>
+            <a:cxnLst/>
+            <a:rect l="l" t="t" r="r" b="b"/>
             <a:pathLst>
-              <a:path extrusionOk="0" h="120000" w="120000">
+              <a:path w="120000" h="120000" extrusionOk="0">
                 <a:moveTo>
                   <a:pt x="0" y="0"/>
                 </a:moveTo>
@@ -2146,14 +2191,14 @@
             </a:pathLst>
           </a:custGeom>
           <a:noFill/>
-          <a:ln cap="flat" cmpd="sng" w="12700">
+          <a:ln w="12700" cap="flat" cmpd="sng">
             <a:solidFill>
               <a:srgbClr val="000000"/>
             </a:solidFill>
             <a:prstDash val="solid"/>
             <a:round/>
-            <a:headEnd len="sm" w="sm" type="none"/>
-            <a:tailEnd len="sm" w="sm" type="none"/>
+            <a:headEnd type="none" w="sm" len="sm"/>
+            <a:tailEnd type="none" w="sm" len="sm"/>
           </a:ln>
         </p:spPr>
       </p:sp>
@@ -2166,11 +2211,11 @@
 </file>
 
 <file path=ppt/notesSlides/notesSlide4.xml><?xml version="1.0" encoding="utf-8"?>
-<p:notes xmlns:a="http://schemas.openxmlformats.org/drawingml/2006/main" xmlns:r="http://schemas.openxmlformats.org/officeDocument/2006/relationships" xmlns:mc="http://schemas.openxmlformats.org/markup-compatibility/2006" xmlns:mv="urn:schemas-microsoft-com:mac:vml" xmlns:p="http://schemas.openxmlformats.org/presentationml/2006/main" xmlns:c="http://schemas.openxmlformats.org/drawingml/2006/chart" xmlns:dgm="http://schemas.openxmlformats.org/drawingml/2006/diagram" xmlns:o="urn:schemas-microsoft-com:office:office" xmlns:v="urn:schemas-microsoft-com:vml" xmlns:pvml="urn:schemas-microsoft-com:office:powerpoint" xmlns:com="http://schemas.openxmlformats.org/drawingml/2006/compatibility" xmlns:p14="http://schemas.microsoft.com/office/powerpoint/2010/main" xmlns:p15="http://schemas.microsoft.com/office/powerpoint/2012/main" xmlns:ahyp="http://schemas.microsoft.com/office/drawing/2018/hyperlinkcolor" showMasterPhAnim="0" showMasterSp="0">
+<p:notes xmlns:a="http://schemas.openxmlformats.org/drawingml/2006/main" xmlns:r="http://schemas.openxmlformats.org/officeDocument/2006/relationships" xmlns:p="http://schemas.openxmlformats.org/presentationml/2006/main" showMasterSp="0" showMasterPhAnim="0">
   <p:cSld>
     <p:spTree>
       <p:nvGrpSpPr>
-        <p:cNvPr id="102" name="Shape 102"/>
+        <p:cNvPr id="1" name="Shape 102"/>
         <p:cNvGrpSpPr/>
         <p:nvPr/>
       </p:nvGrpSpPr>
@@ -2185,9 +2230,11 @@
       <p:sp>
         <p:nvSpPr>
           <p:cNvPr id="103" name="Google Shape;103;p4:notes"/>
-          <p:cNvSpPr txBox="1"/>
+          <p:cNvSpPr txBox="1">
+            <a:spLocks noGrp="1"/>
+          </p:cNvSpPr>
           <p:nvPr>
-            <p:ph idx="1" type="body"/>
+            <p:ph type="body" idx="1"/>
           </p:nvPr>
         </p:nvSpPr>
         <p:spPr>
@@ -2204,12 +2251,12 @@
           </a:ln>
         </p:spPr>
         <p:txBody>
-          <a:bodyPr anchorCtr="0" anchor="t" bIns="45700" lIns="91425" spcFirstLastPara="1" rIns="91425" wrap="square" tIns="45700">
+          <a:bodyPr spcFirstLastPara="1" wrap="square" lIns="91425" tIns="45700" rIns="91425" bIns="45700" anchor="t" anchorCtr="0">
             <a:noAutofit/>
           </a:bodyPr>
           <a:lstStyle/>
           <a:p>
-            <a:pPr indent="0" lvl="0" marL="0" rtl="0" algn="l">
+            <a:pPr marL="0" lvl="0" indent="0" algn="l" rtl="0">
               <a:lnSpc>
                 <a:spcPct val="100000"/>
               </a:lnSpc>
@@ -2222,9 +2269,6 @@
               <a:buSzPts val="1400"/>
               <a:buNone/>
             </a:pPr>
-            <a:r>
-              <a:t/>
-            </a:r>
             <a:endParaRPr/>
           </a:p>
         </p:txBody>
@@ -2232,9 +2276,11 @@
       <p:sp>
         <p:nvSpPr>
           <p:cNvPr id="104" name="Google Shape;104;p4:notes"/>
-          <p:cNvSpPr/>
+          <p:cNvSpPr>
+            <a:spLocks noGrp="1" noRot="1" noChangeAspect="1"/>
+          </p:cNvSpPr>
           <p:nvPr>
-            <p:ph idx="2" type="sldImg"/>
+            <p:ph type="sldImg" idx="2"/>
           </p:nvPr>
         </p:nvSpPr>
         <p:spPr>
@@ -2243,9 +2289,13 @@
             <a:ext cx="5486400" cy="3086100"/>
           </a:xfrm>
           <a:custGeom>
-            <a:rect b="b" l="l" r="r" t="t"/>
+            <a:avLst/>
+            <a:gdLst/>
+            <a:ahLst/>
+            <a:cxnLst/>
+            <a:rect l="l" t="t" r="r" b="b"/>
             <a:pathLst>
-              <a:path extrusionOk="0" h="120000" w="120000">
+              <a:path w="120000" h="120000" extrusionOk="0">
                 <a:moveTo>
                   <a:pt x="0" y="0"/>
                 </a:moveTo>
@@ -2263,14 +2313,14 @@
             </a:pathLst>
           </a:custGeom>
           <a:noFill/>
-          <a:ln cap="flat" cmpd="sng" w="12700">
+          <a:ln w="12700" cap="flat" cmpd="sng">
             <a:solidFill>
               <a:srgbClr val="000000"/>
             </a:solidFill>
             <a:prstDash val="solid"/>
             <a:round/>
-            <a:headEnd len="sm" w="sm" type="none"/>
-            <a:tailEnd len="sm" w="sm" type="none"/>
+            <a:headEnd type="none" w="sm" len="sm"/>
+            <a:tailEnd type="none" w="sm" len="sm"/>
           </a:ln>
         </p:spPr>
       </p:sp>
@@ -2283,11 +2333,11 @@
 </file>
 
 <file path=ppt/notesSlides/notesSlide5.xml><?xml version="1.0" encoding="utf-8"?>
-<p:notes xmlns:a="http://schemas.openxmlformats.org/drawingml/2006/main" xmlns:r="http://schemas.openxmlformats.org/officeDocument/2006/relationships" xmlns:mc="http://schemas.openxmlformats.org/markup-compatibility/2006" xmlns:mv="urn:schemas-microsoft-com:mac:vml" xmlns:p="http://schemas.openxmlformats.org/presentationml/2006/main" xmlns:c="http://schemas.openxmlformats.org/drawingml/2006/chart" xmlns:dgm="http://schemas.openxmlformats.org/drawingml/2006/diagram" xmlns:o="urn:schemas-microsoft-com:office:office" xmlns:v="urn:schemas-microsoft-com:vml" xmlns:pvml="urn:schemas-microsoft-com:office:powerpoint" xmlns:com="http://schemas.openxmlformats.org/drawingml/2006/compatibility" xmlns:p14="http://schemas.microsoft.com/office/powerpoint/2010/main" xmlns:p15="http://schemas.microsoft.com/office/powerpoint/2012/main" xmlns:ahyp="http://schemas.microsoft.com/office/drawing/2018/hyperlinkcolor" showMasterPhAnim="0" showMasterSp="0">
+<p:notes xmlns:a="http://schemas.openxmlformats.org/drawingml/2006/main" xmlns:r="http://schemas.openxmlformats.org/officeDocument/2006/relationships" xmlns:p="http://schemas.openxmlformats.org/presentationml/2006/main" showMasterSp="0" showMasterPhAnim="0">
   <p:cSld>
     <p:spTree>
       <p:nvGrpSpPr>
-        <p:cNvPr id="109" name="Shape 109"/>
+        <p:cNvPr id="1" name="Shape 109"/>
         <p:cNvGrpSpPr/>
         <p:nvPr/>
       </p:nvGrpSpPr>
@@ -2302,9 +2352,11 @@
       <p:sp>
         <p:nvSpPr>
           <p:cNvPr id="110" name="Google Shape;110;p5:notes"/>
-          <p:cNvSpPr txBox="1"/>
+          <p:cNvSpPr txBox="1">
+            <a:spLocks noGrp="1"/>
+          </p:cNvSpPr>
           <p:nvPr>
-            <p:ph idx="1" type="body"/>
+            <p:ph type="body" idx="1"/>
           </p:nvPr>
         </p:nvSpPr>
         <p:spPr>
@@ -2321,12 +2373,12 @@
           </a:ln>
         </p:spPr>
         <p:txBody>
-          <a:bodyPr anchorCtr="0" anchor="t" bIns="45700" lIns="91425" spcFirstLastPara="1" rIns="91425" wrap="square" tIns="45700">
+          <a:bodyPr spcFirstLastPara="1" wrap="square" lIns="91425" tIns="45700" rIns="91425" bIns="45700" anchor="t" anchorCtr="0">
             <a:noAutofit/>
           </a:bodyPr>
           <a:lstStyle/>
           <a:p>
-            <a:pPr indent="0" lvl="0" marL="0" rtl="0" algn="l">
+            <a:pPr marL="0" lvl="0" indent="0" algn="l" rtl="0">
               <a:lnSpc>
                 <a:spcPct val="100000"/>
               </a:lnSpc>
@@ -2339,9 +2391,6 @@
               <a:buSzPts val="1400"/>
               <a:buNone/>
             </a:pPr>
-            <a:r>
-              <a:t/>
-            </a:r>
             <a:endParaRPr/>
           </a:p>
         </p:txBody>
@@ -2349,9 +2398,11 @@
       <p:sp>
         <p:nvSpPr>
           <p:cNvPr id="111" name="Google Shape;111;p5:notes"/>
-          <p:cNvSpPr/>
+          <p:cNvSpPr>
+            <a:spLocks noGrp="1" noRot="1" noChangeAspect="1"/>
+          </p:cNvSpPr>
           <p:nvPr>
-            <p:ph idx="2" type="sldImg"/>
+            <p:ph type="sldImg" idx="2"/>
           </p:nvPr>
         </p:nvSpPr>
         <p:spPr>
@@ -2360,9 +2411,13 @@
             <a:ext cx="5486400" cy="3086100"/>
           </a:xfrm>
           <a:custGeom>
-            <a:rect b="b" l="l" r="r" t="t"/>
+            <a:avLst/>
+            <a:gdLst/>
+            <a:ahLst/>
+            <a:cxnLst/>
+            <a:rect l="l" t="t" r="r" b="b"/>
             <a:pathLst>
-              <a:path extrusionOk="0" h="120000" w="120000">
+              <a:path w="120000" h="120000" extrusionOk="0">
                 <a:moveTo>
                   <a:pt x="0" y="0"/>
                 </a:moveTo>
@@ -2380,14 +2435,14 @@
             </a:pathLst>
           </a:custGeom>
           <a:noFill/>
-          <a:ln cap="flat" cmpd="sng" w="12700">
+          <a:ln w="12700" cap="flat" cmpd="sng">
             <a:solidFill>
               <a:srgbClr val="000000"/>
             </a:solidFill>
             <a:prstDash val="solid"/>
             <a:round/>
-            <a:headEnd len="sm" w="sm" type="none"/>
-            <a:tailEnd len="sm" w="sm" type="none"/>
+            <a:headEnd type="none" w="sm" len="sm"/>
+            <a:tailEnd type="none" w="sm" len="sm"/>
           </a:ln>
         </p:spPr>
       </p:sp>
@@ -2400,11 +2455,11 @@
 </file>
 
 <file path=ppt/notesSlides/notesSlide6.xml><?xml version="1.0" encoding="utf-8"?>
-<p:notes xmlns:a="http://schemas.openxmlformats.org/drawingml/2006/main" xmlns:r="http://schemas.openxmlformats.org/officeDocument/2006/relationships" xmlns:mc="http://schemas.openxmlformats.org/markup-compatibility/2006" xmlns:mv="urn:schemas-microsoft-com:mac:vml" xmlns:p="http://schemas.openxmlformats.org/presentationml/2006/main" xmlns:c="http://schemas.openxmlformats.org/drawingml/2006/chart" xmlns:dgm="http://schemas.openxmlformats.org/drawingml/2006/diagram" xmlns:o="urn:schemas-microsoft-com:office:office" xmlns:v="urn:schemas-microsoft-com:vml" xmlns:pvml="urn:schemas-microsoft-com:office:powerpoint" xmlns:com="http://schemas.openxmlformats.org/drawingml/2006/compatibility" xmlns:p14="http://schemas.microsoft.com/office/powerpoint/2010/main" xmlns:p15="http://schemas.microsoft.com/office/powerpoint/2012/main" xmlns:ahyp="http://schemas.microsoft.com/office/drawing/2018/hyperlinkcolor" showMasterPhAnim="0" showMasterSp="0">
+<p:notes xmlns:a="http://schemas.openxmlformats.org/drawingml/2006/main" xmlns:r="http://schemas.openxmlformats.org/officeDocument/2006/relationships" xmlns:p="http://schemas.openxmlformats.org/presentationml/2006/main" showMasterSp="0" showMasterPhAnim="0">
   <p:cSld>
     <p:spTree>
       <p:nvGrpSpPr>
-        <p:cNvPr id="117" name="Shape 117"/>
+        <p:cNvPr id="1" name="Shape 117"/>
         <p:cNvGrpSpPr/>
         <p:nvPr/>
       </p:nvGrpSpPr>
@@ -2419,9 +2474,11 @@
       <p:sp>
         <p:nvSpPr>
           <p:cNvPr id="118" name="Google Shape;118;p6:notes"/>
-          <p:cNvSpPr txBox="1"/>
+          <p:cNvSpPr txBox="1">
+            <a:spLocks noGrp="1"/>
+          </p:cNvSpPr>
           <p:nvPr>
-            <p:ph idx="1" type="body"/>
+            <p:ph type="body" idx="1"/>
           </p:nvPr>
         </p:nvSpPr>
         <p:spPr>
@@ -2438,12 +2495,12 @@
           </a:ln>
         </p:spPr>
         <p:txBody>
-          <a:bodyPr anchorCtr="0" anchor="t" bIns="45700" lIns="91425" spcFirstLastPara="1" rIns="91425" wrap="square" tIns="45700">
+          <a:bodyPr spcFirstLastPara="1" wrap="square" lIns="91425" tIns="45700" rIns="91425" bIns="45700" anchor="t" anchorCtr="0">
             <a:noAutofit/>
           </a:bodyPr>
           <a:lstStyle/>
           <a:p>
-            <a:pPr indent="0" lvl="0" marL="0" rtl="0" algn="l">
+            <a:pPr marL="0" lvl="0" indent="0" algn="l" rtl="0">
               <a:lnSpc>
                 <a:spcPct val="100000"/>
               </a:lnSpc>
@@ -2456,9 +2513,6 @@
               <a:buSzPts val="1400"/>
               <a:buNone/>
             </a:pPr>
-            <a:r>
-              <a:t/>
-            </a:r>
             <a:endParaRPr/>
           </a:p>
         </p:txBody>
@@ -2466,9 +2520,11 @@
       <p:sp>
         <p:nvSpPr>
           <p:cNvPr id="119" name="Google Shape;119;p6:notes"/>
-          <p:cNvSpPr/>
+          <p:cNvSpPr>
+            <a:spLocks noGrp="1" noRot="1" noChangeAspect="1"/>
+          </p:cNvSpPr>
           <p:nvPr>
-            <p:ph idx="2" type="sldImg"/>
+            <p:ph type="sldImg" idx="2"/>
           </p:nvPr>
         </p:nvSpPr>
         <p:spPr>
@@ -2477,9 +2533,13 @@
             <a:ext cx="5486400" cy="3086100"/>
           </a:xfrm>
           <a:custGeom>
-            <a:rect b="b" l="l" r="r" t="t"/>
+            <a:avLst/>
+            <a:gdLst/>
+            <a:ahLst/>
+            <a:cxnLst/>
+            <a:rect l="l" t="t" r="r" b="b"/>
             <a:pathLst>
-              <a:path extrusionOk="0" h="120000" w="120000">
+              <a:path w="120000" h="120000" extrusionOk="0">
                 <a:moveTo>
                   <a:pt x="0" y="0"/>
                 </a:moveTo>
@@ -2497,14 +2557,14 @@
             </a:pathLst>
           </a:custGeom>
           <a:noFill/>
-          <a:ln cap="flat" cmpd="sng" w="12700">
+          <a:ln w="12700" cap="flat" cmpd="sng">
             <a:solidFill>
               <a:srgbClr val="000000"/>
             </a:solidFill>
             <a:prstDash val="solid"/>
             <a:round/>
-            <a:headEnd len="sm" w="sm" type="none"/>
-            <a:tailEnd len="sm" w="sm" type="none"/>
+            <a:headEnd type="none" w="sm" len="sm"/>
+            <a:tailEnd type="none" w="sm" len="sm"/>
           </a:ln>
         </p:spPr>
       </p:sp>
@@ -2517,11 +2577,11 @@
 </file>
 
 <file path=ppt/notesSlides/notesSlide7.xml><?xml version="1.0" encoding="utf-8"?>
-<p:notes xmlns:a="http://schemas.openxmlformats.org/drawingml/2006/main" xmlns:r="http://schemas.openxmlformats.org/officeDocument/2006/relationships" xmlns:mc="http://schemas.openxmlformats.org/markup-compatibility/2006" xmlns:mv="urn:schemas-microsoft-com:mac:vml" xmlns:p="http://schemas.openxmlformats.org/presentationml/2006/main" xmlns:c="http://schemas.openxmlformats.org/drawingml/2006/chart" xmlns:dgm="http://schemas.openxmlformats.org/drawingml/2006/diagram" xmlns:o="urn:schemas-microsoft-com:office:office" xmlns:v="urn:schemas-microsoft-com:vml" xmlns:pvml="urn:schemas-microsoft-com:office:powerpoint" xmlns:com="http://schemas.openxmlformats.org/drawingml/2006/compatibility" xmlns:p14="http://schemas.microsoft.com/office/powerpoint/2010/main" xmlns:p15="http://schemas.microsoft.com/office/powerpoint/2012/main" xmlns:ahyp="http://schemas.microsoft.com/office/drawing/2018/hyperlinkcolor" showMasterPhAnim="0" showMasterSp="0">
+<p:notes xmlns:a="http://schemas.openxmlformats.org/drawingml/2006/main" xmlns:r="http://schemas.openxmlformats.org/officeDocument/2006/relationships" xmlns:p="http://schemas.openxmlformats.org/presentationml/2006/main" showMasterSp="0" showMasterPhAnim="0">
   <p:cSld>
     <p:spTree>
       <p:nvGrpSpPr>
-        <p:cNvPr id="122" name="Shape 122"/>
+        <p:cNvPr id="1" name="Shape 122"/>
         <p:cNvGrpSpPr/>
         <p:nvPr/>
       </p:nvGrpSpPr>
@@ -2536,9 +2596,11 @@
       <p:sp>
         <p:nvSpPr>
           <p:cNvPr id="123" name="Google Shape;123;p7:notes"/>
-          <p:cNvSpPr txBox="1"/>
+          <p:cNvSpPr txBox="1">
+            <a:spLocks noGrp="1"/>
+          </p:cNvSpPr>
           <p:nvPr>
-            <p:ph idx="1" type="body"/>
+            <p:ph type="body" idx="1"/>
           </p:nvPr>
         </p:nvSpPr>
         <p:spPr>
@@ -2555,12 +2617,12 @@
           </a:ln>
         </p:spPr>
         <p:txBody>
-          <a:bodyPr anchorCtr="0" anchor="t" bIns="45700" lIns="91425" spcFirstLastPara="1" rIns="91425" wrap="square" tIns="45700">
+          <a:bodyPr spcFirstLastPara="1" wrap="square" lIns="91425" tIns="45700" rIns="91425" bIns="45700" anchor="t" anchorCtr="0">
             <a:noAutofit/>
           </a:bodyPr>
           <a:lstStyle/>
           <a:p>
-            <a:pPr indent="0" lvl="0" marL="0" rtl="0" algn="l">
+            <a:pPr marL="0" lvl="0" indent="0" algn="l" rtl="0">
               <a:lnSpc>
                 <a:spcPct val="100000"/>
               </a:lnSpc>
@@ -2573,9 +2635,6 @@
               <a:buSzPts val="1400"/>
               <a:buNone/>
             </a:pPr>
-            <a:r>
-              <a:t/>
-            </a:r>
             <a:endParaRPr/>
           </a:p>
         </p:txBody>
@@ -2583,9 +2642,11 @@
       <p:sp>
         <p:nvSpPr>
           <p:cNvPr id="124" name="Google Shape;124;p7:notes"/>
-          <p:cNvSpPr/>
+          <p:cNvSpPr>
+            <a:spLocks noGrp="1" noRot="1" noChangeAspect="1"/>
+          </p:cNvSpPr>
           <p:nvPr>
-            <p:ph idx="2" type="sldImg"/>
+            <p:ph type="sldImg" idx="2"/>
           </p:nvPr>
         </p:nvSpPr>
         <p:spPr>
@@ -2594,9 +2655,13 @@
             <a:ext cx="5486400" cy="3086100"/>
           </a:xfrm>
           <a:custGeom>
-            <a:rect b="b" l="l" r="r" t="t"/>
+            <a:avLst/>
+            <a:gdLst/>
+            <a:ahLst/>
+            <a:cxnLst/>
+            <a:rect l="l" t="t" r="r" b="b"/>
             <a:pathLst>
-              <a:path extrusionOk="0" h="120000" w="120000">
+              <a:path w="120000" h="120000" extrusionOk="0">
                 <a:moveTo>
                   <a:pt x="0" y="0"/>
                 </a:moveTo>
@@ -2614,14 +2679,14 @@
             </a:pathLst>
           </a:custGeom>
           <a:noFill/>
-          <a:ln cap="flat" cmpd="sng" w="12700">
+          <a:ln w="12700" cap="flat" cmpd="sng">
             <a:solidFill>
               <a:srgbClr val="000000"/>
             </a:solidFill>
             <a:prstDash val="solid"/>
             <a:round/>
-            <a:headEnd len="sm" w="sm" type="none"/>
-            <a:tailEnd len="sm" w="sm" type="none"/>
+            <a:headEnd type="none" w="sm" len="sm"/>
+            <a:tailEnd type="none" w="sm" len="sm"/>
           </a:ln>
         </p:spPr>
       </p:sp>
@@ -2634,11 +2699,11 @@
 </file>
 
 <file path=ppt/notesSlides/notesSlide8.xml><?xml version="1.0" encoding="utf-8"?>
-<p:notes xmlns:a="http://schemas.openxmlformats.org/drawingml/2006/main" xmlns:r="http://schemas.openxmlformats.org/officeDocument/2006/relationships" xmlns:mc="http://schemas.openxmlformats.org/markup-compatibility/2006" xmlns:mv="urn:schemas-microsoft-com:mac:vml" xmlns:p="http://schemas.openxmlformats.org/presentationml/2006/main" xmlns:c="http://schemas.openxmlformats.org/drawingml/2006/chart" xmlns:dgm="http://schemas.openxmlformats.org/drawingml/2006/diagram" xmlns:o="urn:schemas-microsoft-com:office:office" xmlns:v="urn:schemas-microsoft-com:vml" xmlns:pvml="urn:schemas-microsoft-com:office:powerpoint" xmlns:com="http://schemas.openxmlformats.org/drawingml/2006/compatibility" xmlns:p14="http://schemas.microsoft.com/office/powerpoint/2010/main" xmlns:p15="http://schemas.microsoft.com/office/powerpoint/2012/main" xmlns:ahyp="http://schemas.microsoft.com/office/drawing/2018/hyperlinkcolor" showMasterPhAnim="0" showMasterSp="0">
+<p:notes xmlns:a="http://schemas.openxmlformats.org/drawingml/2006/main" xmlns:r="http://schemas.openxmlformats.org/officeDocument/2006/relationships" xmlns:p="http://schemas.openxmlformats.org/presentationml/2006/main" showMasterSp="0" showMasterPhAnim="0">
   <p:cSld>
     <p:spTree>
       <p:nvGrpSpPr>
-        <p:cNvPr id="128" name="Shape 128"/>
+        <p:cNvPr id="1" name="Shape 128"/>
         <p:cNvGrpSpPr/>
         <p:nvPr/>
       </p:nvGrpSpPr>
@@ -2653,9 +2718,11 @@
       <p:sp>
         <p:nvSpPr>
           <p:cNvPr id="129" name="Google Shape;129;p8:notes"/>
-          <p:cNvSpPr txBox="1"/>
+          <p:cNvSpPr txBox="1">
+            <a:spLocks noGrp="1"/>
+          </p:cNvSpPr>
           <p:nvPr>
-            <p:ph idx="1" type="body"/>
+            <p:ph type="body" idx="1"/>
           </p:nvPr>
         </p:nvSpPr>
         <p:spPr>
@@ -2672,12 +2739,12 @@
           </a:ln>
         </p:spPr>
         <p:txBody>
-          <a:bodyPr anchorCtr="0" anchor="t" bIns="45700" lIns="91425" spcFirstLastPara="1" rIns="91425" wrap="square" tIns="45700">
+          <a:bodyPr spcFirstLastPara="1" wrap="square" lIns="91425" tIns="45700" rIns="91425" bIns="45700" anchor="t" anchorCtr="0">
             <a:noAutofit/>
           </a:bodyPr>
           <a:lstStyle/>
           <a:p>
-            <a:pPr indent="0" lvl="0" marL="0" rtl="0" algn="l">
+            <a:pPr marL="0" lvl="0" indent="0" algn="l" rtl="0">
               <a:lnSpc>
                 <a:spcPct val="100000"/>
               </a:lnSpc>
@@ -2690,9 +2757,6 @@
               <a:buSzPts val="1400"/>
               <a:buNone/>
             </a:pPr>
-            <a:r>
-              <a:t/>
-            </a:r>
             <a:endParaRPr/>
           </a:p>
         </p:txBody>
@@ -2700,9 +2764,11 @@
       <p:sp>
         <p:nvSpPr>
           <p:cNvPr id="130" name="Google Shape;130;p8:notes"/>
-          <p:cNvSpPr/>
+          <p:cNvSpPr>
+            <a:spLocks noGrp="1" noRot="1" noChangeAspect="1"/>
+          </p:cNvSpPr>
           <p:nvPr>
-            <p:ph idx="2" type="sldImg"/>
+            <p:ph type="sldImg" idx="2"/>
           </p:nvPr>
         </p:nvSpPr>
         <p:spPr>
@@ -2711,9 +2777,13 @@
             <a:ext cx="5486400" cy="3086100"/>
           </a:xfrm>
           <a:custGeom>
-            <a:rect b="b" l="l" r="r" t="t"/>
+            <a:avLst/>
+            <a:gdLst/>
+            <a:ahLst/>
+            <a:cxnLst/>
+            <a:rect l="l" t="t" r="r" b="b"/>
             <a:pathLst>
-              <a:path extrusionOk="0" h="120000" w="120000">
+              <a:path w="120000" h="120000" extrusionOk="0">
                 <a:moveTo>
                   <a:pt x="0" y="0"/>
                 </a:moveTo>
@@ -2731,14 +2801,14 @@
             </a:pathLst>
           </a:custGeom>
           <a:noFill/>
-          <a:ln cap="flat" cmpd="sng" w="12700">
+          <a:ln w="12700" cap="flat" cmpd="sng">
             <a:solidFill>
               <a:srgbClr val="000000"/>
             </a:solidFill>
             <a:prstDash val="solid"/>
             <a:round/>
-            <a:headEnd len="sm" w="sm" type="none"/>
-            <a:tailEnd len="sm" w="sm" type="none"/>
+            <a:headEnd type="none" w="sm" len="sm"/>
+            <a:tailEnd type="none" w="sm" len="sm"/>
           </a:ln>
         </p:spPr>
       </p:sp>
@@ -2751,11 +2821,11 @@
 </file>
 
 <file path=ppt/notesSlides/notesSlide9.xml><?xml version="1.0" encoding="utf-8"?>
-<p:notes xmlns:a="http://schemas.openxmlformats.org/drawingml/2006/main" xmlns:r="http://schemas.openxmlformats.org/officeDocument/2006/relationships" xmlns:mc="http://schemas.openxmlformats.org/markup-compatibility/2006" xmlns:mv="urn:schemas-microsoft-com:mac:vml" xmlns:p="http://schemas.openxmlformats.org/presentationml/2006/main" xmlns:c="http://schemas.openxmlformats.org/drawingml/2006/chart" xmlns:dgm="http://schemas.openxmlformats.org/drawingml/2006/diagram" xmlns:o="urn:schemas-microsoft-com:office:office" xmlns:v="urn:schemas-microsoft-com:vml" xmlns:pvml="urn:schemas-microsoft-com:office:powerpoint" xmlns:com="http://schemas.openxmlformats.org/drawingml/2006/compatibility" xmlns:p14="http://schemas.microsoft.com/office/powerpoint/2010/main" xmlns:p15="http://schemas.microsoft.com/office/powerpoint/2012/main" xmlns:ahyp="http://schemas.microsoft.com/office/drawing/2018/hyperlinkcolor" showMasterPhAnim="0" showMasterSp="0">
+<p:notes xmlns:a="http://schemas.openxmlformats.org/drawingml/2006/main" xmlns:r="http://schemas.openxmlformats.org/officeDocument/2006/relationships" xmlns:p="http://schemas.openxmlformats.org/presentationml/2006/main" showMasterSp="0" showMasterPhAnim="0">
   <p:cSld>
     <p:spTree>
       <p:nvGrpSpPr>
-        <p:cNvPr id="133" name="Shape 133"/>
+        <p:cNvPr id="1" name="Shape 133"/>
         <p:cNvGrpSpPr/>
         <p:nvPr/>
       </p:nvGrpSpPr>
@@ -2770,9 +2840,11 @@
       <p:sp>
         <p:nvSpPr>
           <p:cNvPr id="134" name="Google Shape;134;p9:notes"/>
-          <p:cNvSpPr txBox="1"/>
+          <p:cNvSpPr txBox="1">
+            <a:spLocks noGrp="1"/>
+          </p:cNvSpPr>
           <p:nvPr>
-            <p:ph idx="1" type="body"/>
+            <p:ph type="body" idx="1"/>
           </p:nvPr>
         </p:nvSpPr>
         <p:spPr>
@@ -2789,12 +2861,12 @@
           </a:ln>
         </p:spPr>
         <p:txBody>
-          <a:bodyPr anchorCtr="0" anchor="t" bIns="45700" lIns="91425" spcFirstLastPara="1" rIns="91425" wrap="square" tIns="45700">
+          <a:bodyPr spcFirstLastPara="1" wrap="square" lIns="91425" tIns="45700" rIns="91425" bIns="45700" anchor="t" anchorCtr="0">
             <a:noAutofit/>
           </a:bodyPr>
           <a:lstStyle/>
           <a:p>
-            <a:pPr indent="0" lvl="0" marL="0" rtl="0" algn="l">
+            <a:pPr marL="0" lvl="0" indent="0" algn="l" rtl="0">
               <a:lnSpc>
                 <a:spcPct val="100000"/>
               </a:lnSpc>
@@ -2807,9 +2879,6 @@
               <a:buSzPts val="1400"/>
               <a:buNone/>
             </a:pPr>
-            <a:r>
-              <a:t/>
-            </a:r>
             <a:endParaRPr/>
           </a:p>
         </p:txBody>
@@ -2817,9 +2886,11 @@
       <p:sp>
         <p:nvSpPr>
           <p:cNvPr id="135" name="Google Shape;135;p9:notes"/>
-          <p:cNvSpPr/>
+          <p:cNvSpPr>
+            <a:spLocks noGrp="1" noRot="1" noChangeAspect="1"/>
+          </p:cNvSpPr>
           <p:nvPr>
-            <p:ph idx="2" type="sldImg"/>
+            <p:ph type="sldImg" idx="2"/>
           </p:nvPr>
         </p:nvSpPr>
         <p:spPr>
@@ -2828,9 +2899,13 @@
             <a:ext cx="5486400" cy="3086100"/>
           </a:xfrm>
           <a:custGeom>
-            <a:rect b="b" l="l" r="r" t="t"/>
+            <a:avLst/>
+            <a:gdLst/>
+            <a:ahLst/>
+            <a:cxnLst/>
+            <a:rect l="l" t="t" r="r" b="b"/>
             <a:pathLst>
-              <a:path extrusionOk="0" h="120000" w="120000">
+              <a:path w="120000" h="120000" extrusionOk="0">
                 <a:moveTo>
                   <a:pt x="0" y="0"/>
                 </a:moveTo>
@@ -2848,14 +2923,14 @@
             </a:pathLst>
           </a:custGeom>
           <a:noFill/>
-          <a:ln cap="flat" cmpd="sng" w="12700">
+          <a:ln w="12700" cap="flat" cmpd="sng">
             <a:solidFill>
               <a:srgbClr val="000000"/>
             </a:solidFill>
             <a:prstDash val="solid"/>
             <a:round/>
-            <a:headEnd len="sm" w="sm" type="none"/>
-            <a:tailEnd len="sm" w="sm" type="none"/>
+            <a:headEnd type="none" w="sm" len="sm"/>
+            <a:tailEnd type="none" w="sm" len="sm"/>
           </a:ln>
         </p:spPr>
       </p:sp>
@@ -2868,11 +2943,11 @@
 </file>
 
 <file path=ppt/slideLayouts/slideLayout1.xml><?xml version="1.0" encoding="utf-8"?>
-<p:sldLayout xmlns:a="http://schemas.openxmlformats.org/drawingml/2006/main" xmlns:r="http://schemas.openxmlformats.org/officeDocument/2006/relationships" xmlns:mc="http://schemas.openxmlformats.org/markup-compatibility/2006" xmlns:mv="urn:schemas-microsoft-com:mac:vml" xmlns:p="http://schemas.openxmlformats.org/presentationml/2006/main" xmlns:c="http://schemas.openxmlformats.org/drawingml/2006/chart" xmlns:dgm="http://schemas.openxmlformats.org/drawingml/2006/diagram" xmlns:o="urn:schemas-microsoft-com:office:office" xmlns:v="urn:schemas-microsoft-com:vml" xmlns:pvml="urn:schemas-microsoft-com:office:powerpoint" xmlns:com="http://schemas.openxmlformats.org/drawingml/2006/compatibility" xmlns:p14="http://schemas.microsoft.com/office/powerpoint/2010/main" xmlns:p15="http://schemas.microsoft.com/office/powerpoint/2012/main" xmlns:ahyp="http://schemas.microsoft.com/office/drawing/2018/hyperlinkcolor" matchingName="Титульный слайд" type="title">
+<p:sldLayout xmlns:a="http://schemas.openxmlformats.org/drawingml/2006/main" xmlns:r="http://schemas.openxmlformats.org/officeDocument/2006/relationships" xmlns:p="http://schemas.openxmlformats.org/presentationml/2006/main" matchingName="Титульный слайд" type="title">
   <p:cSld name="TITLE">
     <p:spTree>
       <p:nvGrpSpPr>
-        <p:cNvPr id="15" name="Shape 15"/>
+        <p:cNvPr id="1" name="Shape 15"/>
         <p:cNvGrpSpPr/>
         <p:nvPr/>
       </p:nvGrpSpPr>
@@ -2887,7 +2962,9 @@
       <p:sp>
         <p:nvSpPr>
           <p:cNvPr id="16" name="Google Shape;16;p2"/>
-          <p:cNvSpPr txBox="1"/>
+          <p:cNvSpPr txBox="1">
+            <a:spLocks noGrp="1"/>
+          </p:cNvSpPr>
           <p:nvPr>
             <p:ph type="ctrTitle"/>
           </p:nvPr>
@@ -2906,7 +2983,7 @@
           </a:ln>
         </p:spPr>
         <p:txBody>
-          <a:bodyPr anchorCtr="0" anchor="b" bIns="45700" lIns="91425" spcFirstLastPara="1" rIns="91425" wrap="square" tIns="45700">
+          <a:bodyPr spcFirstLastPara="1" wrap="square" lIns="91425" tIns="45700" rIns="91425" bIns="45700" anchor="b" anchorCtr="0">
             <a:normAutofit/>
           </a:bodyPr>
           <a:lstStyle>
@@ -3041,15 +3118,19 @@
               <a:defRPr/>
             </a:lvl9pPr>
           </a:lstStyle>
-          <a:p/>
+          <a:p>
+            <a:endParaRPr/>
+          </a:p>
         </p:txBody>
       </p:sp>
       <p:sp>
         <p:nvSpPr>
           <p:cNvPr id="17" name="Google Shape;17;p2"/>
-          <p:cNvSpPr txBox="1"/>
+          <p:cNvSpPr txBox="1">
+            <a:spLocks noGrp="1"/>
+          </p:cNvSpPr>
           <p:nvPr>
-            <p:ph idx="1" type="subTitle"/>
+            <p:ph type="subTitle" idx="1"/>
           </p:nvPr>
         </p:nvSpPr>
         <p:spPr>
@@ -3066,7 +3147,7 @@
           </a:ln>
         </p:spPr>
         <p:txBody>
-          <a:bodyPr anchorCtr="0" anchor="t" bIns="45700" lIns="91425" spcFirstLastPara="1" rIns="91425" wrap="square" tIns="45700">
+          <a:bodyPr spcFirstLastPara="1" wrap="square" lIns="91425" tIns="45700" rIns="91425" bIns="45700" anchor="t" anchorCtr="0">
             <a:normAutofit/>
           </a:bodyPr>
           <a:lstStyle>
@@ -3224,15 +3305,19 @@
               <a:defRPr sz="1600"/>
             </a:lvl9pPr>
           </a:lstStyle>
-          <a:p/>
+          <a:p>
+            <a:endParaRPr/>
+          </a:p>
         </p:txBody>
       </p:sp>
       <p:sp>
         <p:nvSpPr>
           <p:cNvPr id="18" name="Google Shape;18;p2"/>
-          <p:cNvSpPr txBox="1"/>
+          <p:cNvSpPr txBox="1">
+            <a:spLocks noGrp="1"/>
+          </p:cNvSpPr>
           <p:nvPr>
-            <p:ph idx="10" type="dt"/>
+            <p:ph type="dt" idx="10"/>
           </p:nvPr>
         </p:nvSpPr>
         <p:spPr>
@@ -3249,7 +3334,7 @@
           </a:ln>
         </p:spPr>
         <p:txBody>
-          <a:bodyPr anchorCtr="0" anchor="ctr" bIns="45700" lIns="91425" spcFirstLastPara="1" rIns="91425" wrap="square" tIns="45700">
+          <a:bodyPr spcFirstLastPara="1" wrap="square" lIns="91425" tIns="45700" rIns="91425" bIns="45700" anchor="ctr" anchorCtr="0">
             <a:noAutofit/>
           </a:bodyPr>
           <a:lstStyle>
@@ -3380,15 +3465,19 @@
               <a:defRPr/>
             </a:lvl9pPr>
           </a:lstStyle>
-          <a:p/>
+          <a:p>
+            <a:endParaRPr/>
+          </a:p>
         </p:txBody>
       </p:sp>
       <p:sp>
         <p:nvSpPr>
           <p:cNvPr id="19" name="Google Shape;19;p2"/>
-          <p:cNvSpPr txBox="1"/>
+          <p:cNvSpPr txBox="1">
+            <a:spLocks noGrp="1"/>
+          </p:cNvSpPr>
           <p:nvPr>
-            <p:ph idx="11" type="ftr"/>
+            <p:ph type="ftr" idx="11"/>
           </p:nvPr>
         </p:nvSpPr>
         <p:spPr>
@@ -3405,7 +3494,7 @@
           </a:ln>
         </p:spPr>
         <p:txBody>
-          <a:bodyPr anchorCtr="0" anchor="ctr" bIns="45700" lIns="91425" spcFirstLastPara="1" rIns="91425" wrap="square" tIns="45700">
+          <a:bodyPr spcFirstLastPara="1" wrap="square" lIns="91425" tIns="45700" rIns="91425" bIns="45700" anchor="ctr" anchorCtr="0">
             <a:noAutofit/>
           </a:bodyPr>
           <a:lstStyle>
@@ -3536,15 +3625,19 @@
               <a:defRPr/>
             </a:lvl9pPr>
           </a:lstStyle>
-          <a:p/>
+          <a:p>
+            <a:endParaRPr/>
+          </a:p>
         </p:txBody>
       </p:sp>
       <p:sp>
         <p:nvSpPr>
           <p:cNvPr id="20" name="Google Shape;20;p2"/>
-          <p:cNvSpPr txBox="1"/>
+          <p:cNvSpPr txBox="1">
+            <a:spLocks noGrp="1"/>
+          </p:cNvSpPr>
           <p:nvPr>
-            <p:ph idx="12" type="sldNum"/>
+            <p:ph type="sldNum" idx="12"/>
           </p:nvPr>
         </p:nvSpPr>
         <p:spPr>
@@ -3561,11 +3654,11 @@
           </a:ln>
         </p:spPr>
         <p:txBody>
-          <a:bodyPr anchorCtr="0" anchor="ctr" bIns="45700" lIns="91425" spcFirstLastPara="1" rIns="91425" wrap="square" tIns="45700">
+          <a:bodyPr spcFirstLastPara="1" wrap="square" lIns="91425" tIns="45700" rIns="91425" bIns="45700" anchor="ctr" anchorCtr="0">
             <a:noAutofit/>
           </a:bodyPr>
           <a:lstStyle>
-            <a:lvl1pPr indent="0" lvl="0" marL="0" marR="0" algn="r">
+            <a:lvl1pPr marL="0" marR="0" lvl="0" indent="0" algn="r">
               <a:lnSpc>
                 <a:spcPct val="100000"/>
               </a:lnSpc>
@@ -3581,7 +3674,7 @@
               <a:buSzPts val="1200"/>
               <a:buFont typeface="Arial"/>
               <a:buNone/>
-              <a:defRPr b="0" i="0" sz="1200" u="none" cap="none" strike="noStrike">
+              <a:defRPr sz="1200" b="0" i="0" u="none" strike="noStrike" cap="none">
                 <a:solidFill>
                   <a:srgbClr val="888888"/>
                 </a:solidFill>
@@ -3591,7 +3684,7 @@
                 <a:sym typeface="Calibri"/>
               </a:defRPr>
             </a:lvl1pPr>
-            <a:lvl2pPr indent="0" lvl="1" marL="0" marR="0" algn="r">
+            <a:lvl2pPr marL="0" marR="0" lvl="1" indent="0" algn="r">
               <a:lnSpc>
                 <a:spcPct val="100000"/>
               </a:lnSpc>
@@ -3607,7 +3700,7 @@
               <a:buSzPts val="1200"/>
               <a:buFont typeface="Arial"/>
               <a:buNone/>
-              <a:defRPr b="0" i="0" sz="1200" u="none" cap="none" strike="noStrike">
+              <a:defRPr sz="1200" b="0" i="0" u="none" strike="noStrike" cap="none">
                 <a:solidFill>
                   <a:srgbClr val="888888"/>
                 </a:solidFill>
@@ -3617,7 +3710,7 @@
                 <a:sym typeface="Calibri"/>
               </a:defRPr>
             </a:lvl2pPr>
-            <a:lvl3pPr indent="0" lvl="2" marL="0" marR="0" algn="r">
+            <a:lvl3pPr marL="0" marR="0" lvl="2" indent="0" algn="r">
               <a:lnSpc>
                 <a:spcPct val="100000"/>
               </a:lnSpc>
@@ -3633,7 +3726,7 @@
               <a:buSzPts val="1200"/>
               <a:buFont typeface="Arial"/>
               <a:buNone/>
-              <a:defRPr b="0" i="0" sz="1200" u="none" cap="none" strike="noStrike">
+              <a:defRPr sz="1200" b="0" i="0" u="none" strike="noStrike" cap="none">
                 <a:solidFill>
                   <a:srgbClr val="888888"/>
                 </a:solidFill>
@@ -3643,7 +3736,7 @@
                 <a:sym typeface="Calibri"/>
               </a:defRPr>
             </a:lvl3pPr>
-            <a:lvl4pPr indent="0" lvl="3" marL="0" marR="0" algn="r">
+            <a:lvl4pPr marL="0" marR="0" lvl="3" indent="0" algn="r">
               <a:lnSpc>
                 <a:spcPct val="100000"/>
               </a:lnSpc>
@@ -3659,7 +3752,7 @@
               <a:buSzPts val="1200"/>
               <a:buFont typeface="Arial"/>
               <a:buNone/>
-              <a:defRPr b="0" i="0" sz="1200" u="none" cap="none" strike="noStrike">
+              <a:defRPr sz="1200" b="0" i="0" u="none" strike="noStrike" cap="none">
                 <a:solidFill>
                   <a:srgbClr val="888888"/>
                 </a:solidFill>
@@ -3669,7 +3762,7 @@
                 <a:sym typeface="Calibri"/>
               </a:defRPr>
             </a:lvl4pPr>
-            <a:lvl5pPr indent="0" lvl="4" marL="0" marR="0" algn="r">
+            <a:lvl5pPr marL="0" marR="0" lvl="4" indent="0" algn="r">
               <a:lnSpc>
                 <a:spcPct val="100000"/>
               </a:lnSpc>
@@ -3685,7 +3778,7 @@
               <a:buSzPts val="1200"/>
               <a:buFont typeface="Arial"/>
               <a:buNone/>
-              <a:defRPr b="0" i="0" sz="1200" u="none" cap="none" strike="noStrike">
+              <a:defRPr sz="1200" b="0" i="0" u="none" strike="noStrike" cap="none">
                 <a:solidFill>
                   <a:srgbClr val="888888"/>
                 </a:solidFill>
@@ -3695,7 +3788,7 @@
                 <a:sym typeface="Calibri"/>
               </a:defRPr>
             </a:lvl5pPr>
-            <a:lvl6pPr indent="0" lvl="5" marL="0" marR="0" algn="r">
+            <a:lvl6pPr marL="0" marR="0" lvl="5" indent="0" algn="r">
               <a:lnSpc>
                 <a:spcPct val="100000"/>
               </a:lnSpc>
@@ -3711,7 +3804,7 @@
               <a:buSzPts val="1200"/>
               <a:buFont typeface="Arial"/>
               <a:buNone/>
-              <a:defRPr b="0" i="0" sz="1200" u="none" cap="none" strike="noStrike">
+              <a:defRPr sz="1200" b="0" i="0" u="none" strike="noStrike" cap="none">
                 <a:solidFill>
                   <a:srgbClr val="888888"/>
                 </a:solidFill>
@@ -3721,7 +3814,7 @@
                 <a:sym typeface="Calibri"/>
               </a:defRPr>
             </a:lvl6pPr>
-            <a:lvl7pPr indent="0" lvl="6" marL="0" marR="0" algn="r">
+            <a:lvl7pPr marL="0" marR="0" lvl="6" indent="0" algn="r">
               <a:lnSpc>
                 <a:spcPct val="100000"/>
               </a:lnSpc>
@@ -3737,7 +3830,7 @@
               <a:buSzPts val="1200"/>
               <a:buFont typeface="Arial"/>
               <a:buNone/>
-              <a:defRPr b="0" i="0" sz="1200" u="none" cap="none" strike="noStrike">
+              <a:defRPr sz="1200" b="0" i="0" u="none" strike="noStrike" cap="none">
                 <a:solidFill>
                   <a:srgbClr val="888888"/>
                 </a:solidFill>
@@ -3747,7 +3840,7 @@
                 <a:sym typeface="Calibri"/>
               </a:defRPr>
             </a:lvl7pPr>
-            <a:lvl8pPr indent="0" lvl="7" marL="0" marR="0" algn="r">
+            <a:lvl8pPr marL="0" marR="0" lvl="7" indent="0" algn="r">
               <a:lnSpc>
                 <a:spcPct val="100000"/>
               </a:lnSpc>
@@ -3763,7 +3856,7 @@
               <a:buSzPts val="1200"/>
               <a:buFont typeface="Arial"/>
               <a:buNone/>
-              <a:defRPr b="0" i="0" sz="1200" u="none" cap="none" strike="noStrike">
+              <a:defRPr sz="1200" b="0" i="0" u="none" strike="noStrike" cap="none">
                 <a:solidFill>
                   <a:srgbClr val="888888"/>
                 </a:solidFill>
@@ -3773,7 +3866,7 @@
                 <a:sym typeface="Calibri"/>
               </a:defRPr>
             </a:lvl8pPr>
-            <a:lvl9pPr indent="0" lvl="8" marL="0" marR="0" algn="r">
+            <a:lvl9pPr marL="0" marR="0" lvl="8" indent="0" algn="r">
               <a:lnSpc>
                 <a:spcPct val="100000"/>
               </a:lnSpc>
@@ -3789,7 +3882,7 @@
               <a:buSzPts val="1200"/>
               <a:buFont typeface="Arial"/>
               <a:buNone/>
-              <a:defRPr b="0" i="0" sz="1200" u="none" cap="none" strike="noStrike">
+              <a:defRPr sz="1200" b="0" i="0" u="none" strike="noStrike" cap="none">
                 <a:solidFill>
                   <a:srgbClr val="888888"/>
                 </a:solidFill>
@@ -3801,7 +3894,7 @@
             </a:lvl9pPr>
           </a:lstStyle>
           <a:p>
-            <a:pPr indent="0" lvl="0" marL="0" rtl="0" algn="r">
+            <a:pPr marL="0" lvl="0" indent="0" algn="r" rtl="0">
               <a:spcBef>
                 <a:spcPts val="0"/>
               </a:spcBef>
@@ -3827,11 +3920,11 @@
 </file>
 
 <file path=ppt/slideLayouts/slideLayout10.xml><?xml version="1.0" encoding="utf-8"?>
-<p:sldLayout xmlns:a="http://schemas.openxmlformats.org/drawingml/2006/main" xmlns:r="http://schemas.openxmlformats.org/officeDocument/2006/relationships" xmlns:mc="http://schemas.openxmlformats.org/markup-compatibility/2006" xmlns:mv="urn:schemas-microsoft-com:mac:vml" xmlns:p="http://schemas.openxmlformats.org/presentationml/2006/main" xmlns:c="http://schemas.openxmlformats.org/drawingml/2006/chart" xmlns:dgm="http://schemas.openxmlformats.org/drawingml/2006/diagram" xmlns:o="urn:schemas-microsoft-com:office:office" xmlns:v="urn:schemas-microsoft-com:vml" xmlns:pvml="urn:schemas-microsoft-com:office:powerpoint" xmlns:com="http://schemas.openxmlformats.org/drawingml/2006/compatibility" xmlns:p14="http://schemas.microsoft.com/office/powerpoint/2010/main" xmlns:p15="http://schemas.microsoft.com/office/powerpoint/2012/main" xmlns:ahyp="http://schemas.microsoft.com/office/drawing/2018/hyperlinkcolor" matchingName="Заголовок и вертикальный текст" type="vertTx">
+<p:sldLayout xmlns:a="http://schemas.openxmlformats.org/drawingml/2006/main" xmlns:r="http://schemas.openxmlformats.org/officeDocument/2006/relationships" xmlns:p="http://schemas.openxmlformats.org/presentationml/2006/main" matchingName="Заголовок и вертикальный текст" type="vertTx">
   <p:cSld name="VERTICAL_TEXT">
     <p:spTree>
       <p:nvGrpSpPr>
-        <p:cNvPr id="72" name="Shape 72"/>
+        <p:cNvPr id="1" name="Shape 72"/>
         <p:cNvGrpSpPr/>
         <p:nvPr/>
       </p:nvGrpSpPr>
@@ -3846,7 +3939,9 @@
       <p:sp>
         <p:nvSpPr>
           <p:cNvPr id="73" name="Google Shape;73;p11"/>
-          <p:cNvSpPr txBox="1"/>
+          <p:cNvSpPr txBox="1">
+            <a:spLocks noGrp="1"/>
+          </p:cNvSpPr>
           <p:nvPr>
             <p:ph type="title"/>
           </p:nvPr>
@@ -3865,7 +3960,7 @@
           </a:ln>
         </p:spPr>
         <p:txBody>
-          <a:bodyPr anchorCtr="0" anchor="ctr" bIns="45700" lIns="91425" spcFirstLastPara="1" rIns="91425" wrap="square" tIns="45700">
+          <a:bodyPr spcFirstLastPara="1" wrap="square" lIns="91425" tIns="45700" rIns="91425" bIns="45700" anchor="ctr" anchorCtr="0">
             <a:normAutofit/>
           </a:bodyPr>
           <a:lstStyle>
@@ -3999,15 +4094,19 @@
               <a:defRPr/>
             </a:lvl9pPr>
           </a:lstStyle>
-          <a:p/>
+          <a:p>
+            <a:endParaRPr/>
+          </a:p>
         </p:txBody>
       </p:sp>
       <p:sp>
         <p:nvSpPr>
           <p:cNvPr id="74" name="Google Shape;74;p11"/>
-          <p:cNvSpPr txBox="1"/>
+          <p:cNvSpPr txBox="1">
+            <a:spLocks noGrp="1"/>
+          </p:cNvSpPr>
           <p:nvPr>
-            <p:ph idx="1" type="body"/>
+            <p:ph type="body" idx="1"/>
           </p:nvPr>
         </p:nvSpPr>
         <p:spPr>
@@ -4024,11 +4123,11 @@
           </a:ln>
         </p:spPr>
         <p:txBody>
-          <a:bodyPr anchorCtr="0" anchor="t" bIns="45700" lIns="91425" spcFirstLastPara="1" rIns="91425" wrap="square" tIns="45700">
+          <a:bodyPr spcFirstLastPara="1" wrap="square" lIns="91425" tIns="45700" rIns="91425" bIns="45700" anchor="t" anchorCtr="0">
             <a:normAutofit/>
           </a:bodyPr>
           <a:lstStyle>
-            <a:lvl1pPr indent="-342900" lvl="0" marL="457200" algn="l">
+            <a:lvl1pPr marL="457200" lvl="0" indent="-342900" algn="l">
               <a:lnSpc>
                 <a:spcPct val="90000"/>
               </a:lnSpc>
@@ -4045,7 +4144,7 @@
               <a:buChar char="•"/>
               <a:defRPr/>
             </a:lvl1pPr>
-            <a:lvl2pPr indent="-342900" lvl="1" marL="914400" algn="l">
+            <a:lvl2pPr marL="914400" lvl="1" indent="-342900" algn="l">
               <a:lnSpc>
                 <a:spcPct val="90000"/>
               </a:lnSpc>
@@ -4062,7 +4161,7 @@
               <a:buChar char="•"/>
               <a:defRPr/>
             </a:lvl2pPr>
-            <a:lvl3pPr indent="-342900" lvl="2" marL="1371600" algn="l">
+            <a:lvl3pPr marL="1371600" lvl="2" indent="-342900" algn="l">
               <a:lnSpc>
                 <a:spcPct val="90000"/>
               </a:lnSpc>
@@ -4079,7 +4178,7 @@
               <a:buChar char="•"/>
               <a:defRPr/>
             </a:lvl3pPr>
-            <a:lvl4pPr indent="-342900" lvl="3" marL="1828800" algn="l">
+            <a:lvl4pPr marL="1828800" lvl="3" indent="-342900" algn="l">
               <a:lnSpc>
                 <a:spcPct val="90000"/>
               </a:lnSpc>
@@ -4096,7 +4195,7 @@
               <a:buChar char="•"/>
               <a:defRPr/>
             </a:lvl4pPr>
-            <a:lvl5pPr indent="-342900" lvl="4" marL="2286000" algn="l">
+            <a:lvl5pPr marL="2286000" lvl="4" indent="-342900" algn="l">
               <a:lnSpc>
                 <a:spcPct val="90000"/>
               </a:lnSpc>
@@ -4113,7 +4212,7 @@
               <a:buChar char="•"/>
               <a:defRPr/>
             </a:lvl5pPr>
-            <a:lvl6pPr indent="-342900" lvl="5" marL="2743200" algn="l">
+            <a:lvl6pPr marL="2743200" lvl="5" indent="-342900" algn="l">
               <a:lnSpc>
                 <a:spcPct val="90000"/>
               </a:lnSpc>
@@ -4130,7 +4229,7 @@
               <a:buChar char="•"/>
               <a:defRPr/>
             </a:lvl6pPr>
-            <a:lvl7pPr indent="-342900" lvl="6" marL="3200400" algn="l">
+            <a:lvl7pPr marL="3200400" lvl="6" indent="-342900" algn="l">
               <a:lnSpc>
                 <a:spcPct val="90000"/>
               </a:lnSpc>
@@ -4147,7 +4246,7 @@
               <a:buChar char="•"/>
               <a:defRPr/>
             </a:lvl7pPr>
-            <a:lvl8pPr indent="-342900" lvl="7" marL="3657600" algn="l">
+            <a:lvl8pPr marL="3657600" lvl="7" indent="-342900" algn="l">
               <a:lnSpc>
                 <a:spcPct val="90000"/>
               </a:lnSpc>
@@ -4164,7 +4263,7 @@
               <a:buChar char="•"/>
               <a:defRPr/>
             </a:lvl8pPr>
-            <a:lvl9pPr indent="-342900" lvl="8" marL="4114800" algn="l">
+            <a:lvl9pPr marL="4114800" lvl="8" indent="-342900" algn="l">
               <a:lnSpc>
                 <a:spcPct val="90000"/>
               </a:lnSpc>
@@ -4182,15 +4281,19 @@
               <a:defRPr/>
             </a:lvl9pPr>
           </a:lstStyle>
-          <a:p/>
+          <a:p>
+            <a:endParaRPr/>
+          </a:p>
         </p:txBody>
       </p:sp>
       <p:sp>
         <p:nvSpPr>
           <p:cNvPr id="75" name="Google Shape;75;p11"/>
-          <p:cNvSpPr txBox="1"/>
+          <p:cNvSpPr txBox="1">
+            <a:spLocks noGrp="1"/>
+          </p:cNvSpPr>
           <p:nvPr>
-            <p:ph idx="10" type="dt"/>
+            <p:ph type="dt" idx="10"/>
           </p:nvPr>
         </p:nvSpPr>
         <p:spPr>
@@ -4207,7 +4310,7 @@
           </a:ln>
         </p:spPr>
         <p:txBody>
-          <a:bodyPr anchorCtr="0" anchor="ctr" bIns="45700" lIns="91425" spcFirstLastPara="1" rIns="91425" wrap="square" tIns="45700">
+          <a:bodyPr spcFirstLastPara="1" wrap="square" lIns="91425" tIns="45700" rIns="91425" bIns="45700" anchor="ctr" anchorCtr="0">
             <a:noAutofit/>
           </a:bodyPr>
           <a:lstStyle>
@@ -4338,15 +4441,19 @@
               <a:defRPr/>
             </a:lvl9pPr>
           </a:lstStyle>
-          <a:p/>
+          <a:p>
+            <a:endParaRPr/>
+          </a:p>
         </p:txBody>
       </p:sp>
       <p:sp>
         <p:nvSpPr>
           <p:cNvPr id="76" name="Google Shape;76;p11"/>
-          <p:cNvSpPr txBox="1"/>
+          <p:cNvSpPr txBox="1">
+            <a:spLocks noGrp="1"/>
+          </p:cNvSpPr>
           <p:nvPr>
-            <p:ph idx="11" type="ftr"/>
+            <p:ph type="ftr" idx="11"/>
           </p:nvPr>
         </p:nvSpPr>
         <p:spPr>
@@ -4363,7 +4470,7 @@
           </a:ln>
         </p:spPr>
         <p:txBody>
-          <a:bodyPr anchorCtr="0" anchor="ctr" bIns="45700" lIns="91425" spcFirstLastPara="1" rIns="91425" wrap="square" tIns="45700">
+          <a:bodyPr spcFirstLastPara="1" wrap="square" lIns="91425" tIns="45700" rIns="91425" bIns="45700" anchor="ctr" anchorCtr="0">
             <a:noAutofit/>
           </a:bodyPr>
           <a:lstStyle>
@@ -4494,15 +4601,19 @@
               <a:defRPr/>
             </a:lvl9pPr>
           </a:lstStyle>
-          <a:p/>
+          <a:p>
+            <a:endParaRPr/>
+          </a:p>
         </p:txBody>
       </p:sp>
       <p:sp>
         <p:nvSpPr>
           <p:cNvPr id="77" name="Google Shape;77;p11"/>
-          <p:cNvSpPr txBox="1"/>
+          <p:cNvSpPr txBox="1">
+            <a:spLocks noGrp="1"/>
+          </p:cNvSpPr>
           <p:nvPr>
-            <p:ph idx="12" type="sldNum"/>
+            <p:ph type="sldNum" idx="12"/>
           </p:nvPr>
         </p:nvSpPr>
         <p:spPr>
@@ -4519,11 +4630,11 @@
           </a:ln>
         </p:spPr>
         <p:txBody>
-          <a:bodyPr anchorCtr="0" anchor="ctr" bIns="45700" lIns="91425" spcFirstLastPara="1" rIns="91425" wrap="square" tIns="45700">
+          <a:bodyPr spcFirstLastPara="1" wrap="square" lIns="91425" tIns="45700" rIns="91425" bIns="45700" anchor="ctr" anchorCtr="0">
             <a:noAutofit/>
           </a:bodyPr>
           <a:lstStyle>
-            <a:lvl1pPr indent="0" lvl="0" marL="0" marR="0" algn="r">
+            <a:lvl1pPr marL="0" marR="0" lvl="0" indent="0" algn="r">
               <a:lnSpc>
                 <a:spcPct val="100000"/>
               </a:lnSpc>
@@ -4539,7 +4650,7 @@
               <a:buSzPts val="1200"/>
               <a:buFont typeface="Arial"/>
               <a:buNone/>
-              <a:defRPr b="0" i="0" sz="1200" u="none" cap="none" strike="noStrike">
+              <a:defRPr sz="1200" b="0" i="0" u="none" strike="noStrike" cap="none">
                 <a:solidFill>
                   <a:srgbClr val="888888"/>
                 </a:solidFill>
@@ -4549,7 +4660,7 @@
                 <a:sym typeface="Calibri"/>
               </a:defRPr>
             </a:lvl1pPr>
-            <a:lvl2pPr indent="0" lvl="1" marL="0" marR="0" algn="r">
+            <a:lvl2pPr marL="0" marR="0" lvl="1" indent="0" algn="r">
               <a:lnSpc>
                 <a:spcPct val="100000"/>
               </a:lnSpc>
@@ -4565,7 +4676,7 @@
               <a:buSzPts val="1200"/>
               <a:buFont typeface="Arial"/>
               <a:buNone/>
-              <a:defRPr b="0" i="0" sz="1200" u="none" cap="none" strike="noStrike">
+              <a:defRPr sz="1200" b="0" i="0" u="none" strike="noStrike" cap="none">
                 <a:solidFill>
                   <a:srgbClr val="888888"/>
                 </a:solidFill>
@@ -4575,7 +4686,7 @@
                 <a:sym typeface="Calibri"/>
               </a:defRPr>
             </a:lvl2pPr>
-            <a:lvl3pPr indent="0" lvl="2" marL="0" marR="0" algn="r">
+            <a:lvl3pPr marL="0" marR="0" lvl="2" indent="0" algn="r">
               <a:lnSpc>
                 <a:spcPct val="100000"/>
               </a:lnSpc>
@@ -4591,7 +4702,7 @@
               <a:buSzPts val="1200"/>
               <a:buFont typeface="Arial"/>
               <a:buNone/>
-              <a:defRPr b="0" i="0" sz="1200" u="none" cap="none" strike="noStrike">
+              <a:defRPr sz="1200" b="0" i="0" u="none" strike="noStrike" cap="none">
                 <a:solidFill>
                   <a:srgbClr val="888888"/>
                 </a:solidFill>
@@ -4601,7 +4712,7 @@
                 <a:sym typeface="Calibri"/>
               </a:defRPr>
             </a:lvl3pPr>
-            <a:lvl4pPr indent="0" lvl="3" marL="0" marR="0" algn="r">
+            <a:lvl4pPr marL="0" marR="0" lvl="3" indent="0" algn="r">
               <a:lnSpc>
                 <a:spcPct val="100000"/>
               </a:lnSpc>
@@ -4617,7 +4728,7 @@
               <a:buSzPts val="1200"/>
               <a:buFont typeface="Arial"/>
               <a:buNone/>
-              <a:defRPr b="0" i="0" sz="1200" u="none" cap="none" strike="noStrike">
+              <a:defRPr sz="1200" b="0" i="0" u="none" strike="noStrike" cap="none">
                 <a:solidFill>
                   <a:srgbClr val="888888"/>
                 </a:solidFill>
@@ -4627,7 +4738,7 @@
                 <a:sym typeface="Calibri"/>
               </a:defRPr>
             </a:lvl4pPr>
-            <a:lvl5pPr indent="0" lvl="4" marL="0" marR="0" algn="r">
+            <a:lvl5pPr marL="0" marR="0" lvl="4" indent="0" algn="r">
               <a:lnSpc>
                 <a:spcPct val="100000"/>
               </a:lnSpc>
@@ -4643,7 +4754,7 @@
               <a:buSzPts val="1200"/>
               <a:buFont typeface="Arial"/>
               <a:buNone/>
-              <a:defRPr b="0" i="0" sz="1200" u="none" cap="none" strike="noStrike">
+              <a:defRPr sz="1200" b="0" i="0" u="none" strike="noStrike" cap="none">
                 <a:solidFill>
                   <a:srgbClr val="888888"/>
                 </a:solidFill>
@@ -4653,7 +4764,7 @@
                 <a:sym typeface="Calibri"/>
               </a:defRPr>
             </a:lvl5pPr>
-            <a:lvl6pPr indent="0" lvl="5" marL="0" marR="0" algn="r">
+            <a:lvl6pPr marL="0" marR="0" lvl="5" indent="0" algn="r">
               <a:lnSpc>
                 <a:spcPct val="100000"/>
               </a:lnSpc>
@@ -4669,7 +4780,7 @@
               <a:buSzPts val="1200"/>
               <a:buFont typeface="Arial"/>
               <a:buNone/>
-              <a:defRPr b="0" i="0" sz="1200" u="none" cap="none" strike="noStrike">
+              <a:defRPr sz="1200" b="0" i="0" u="none" strike="noStrike" cap="none">
                 <a:solidFill>
                   <a:srgbClr val="888888"/>
                 </a:solidFill>
@@ -4679,7 +4790,7 @@
                 <a:sym typeface="Calibri"/>
               </a:defRPr>
             </a:lvl6pPr>
-            <a:lvl7pPr indent="0" lvl="6" marL="0" marR="0" algn="r">
+            <a:lvl7pPr marL="0" marR="0" lvl="6" indent="0" algn="r">
               <a:lnSpc>
                 <a:spcPct val="100000"/>
               </a:lnSpc>
@@ -4695,7 +4806,7 @@
               <a:buSzPts val="1200"/>
               <a:buFont typeface="Arial"/>
               <a:buNone/>
-              <a:defRPr b="0" i="0" sz="1200" u="none" cap="none" strike="noStrike">
+              <a:defRPr sz="1200" b="0" i="0" u="none" strike="noStrike" cap="none">
                 <a:solidFill>
                   <a:srgbClr val="888888"/>
                 </a:solidFill>
@@ -4705,7 +4816,7 @@
                 <a:sym typeface="Calibri"/>
               </a:defRPr>
             </a:lvl7pPr>
-            <a:lvl8pPr indent="0" lvl="7" marL="0" marR="0" algn="r">
+            <a:lvl8pPr marL="0" marR="0" lvl="7" indent="0" algn="r">
               <a:lnSpc>
                 <a:spcPct val="100000"/>
               </a:lnSpc>
@@ -4721,7 +4832,7 @@
               <a:buSzPts val="1200"/>
               <a:buFont typeface="Arial"/>
               <a:buNone/>
-              <a:defRPr b="0" i="0" sz="1200" u="none" cap="none" strike="noStrike">
+              <a:defRPr sz="1200" b="0" i="0" u="none" strike="noStrike" cap="none">
                 <a:solidFill>
                   <a:srgbClr val="888888"/>
                 </a:solidFill>
@@ -4731,7 +4842,7 @@
                 <a:sym typeface="Calibri"/>
               </a:defRPr>
             </a:lvl8pPr>
-            <a:lvl9pPr indent="0" lvl="8" marL="0" marR="0" algn="r">
+            <a:lvl9pPr marL="0" marR="0" lvl="8" indent="0" algn="r">
               <a:lnSpc>
                 <a:spcPct val="100000"/>
               </a:lnSpc>
@@ -4747,7 +4858,7 @@
               <a:buSzPts val="1200"/>
               <a:buFont typeface="Arial"/>
               <a:buNone/>
-              <a:defRPr b="0" i="0" sz="1200" u="none" cap="none" strike="noStrike">
+              <a:defRPr sz="1200" b="0" i="0" u="none" strike="noStrike" cap="none">
                 <a:solidFill>
                   <a:srgbClr val="888888"/>
                 </a:solidFill>
@@ -4759,7 +4870,7 @@
             </a:lvl9pPr>
           </a:lstStyle>
           <a:p>
-            <a:pPr indent="0" lvl="0" marL="0" rtl="0" algn="r">
+            <a:pPr marL="0" lvl="0" indent="0" algn="r" rtl="0">
               <a:spcBef>
                 <a:spcPts val="0"/>
               </a:spcBef>
@@ -4785,11 +4896,11 @@
 </file>
 
 <file path=ppt/slideLayouts/slideLayout11.xml><?xml version="1.0" encoding="utf-8"?>
-<p:sldLayout xmlns:a="http://schemas.openxmlformats.org/drawingml/2006/main" xmlns:r="http://schemas.openxmlformats.org/officeDocument/2006/relationships" xmlns:mc="http://schemas.openxmlformats.org/markup-compatibility/2006" xmlns:mv="urn:schemas-microsoft-com:mac:vml" xmlns:p="http://schemas.openxmlformats.org/presentationml/2006/main" xmlns:c="http://schemas.openxmlformats.org/drawingml/2006/chart" xmlns:dgm="http://schemas.openxmlformats.org/drawingml/2006/diagram" xmlns:o="urn:schemas-microsoft-com:office:office" xmlns:v="urn:schemas-microsoft-com:vml" xmlns:pvml="urn:schemas-microsoft-com:office:powerpoint" xmlns:com="http://schemas.openxmlformats.org/drawingml/2006/compatibility" xmlns:p14="http://schemas.microsoft.com/office/powerpoint/2010/main" xmlns:p15="http://schemas.microsoft.com/office/powerpoint/2012/main" xmlns:ahyp="http://schemas.microsoft.com/office/drawing/2018/hyperlinkcolor" matchingName="Вертикальный заголовок и текст" type="vertTitleAndTx">
+<p:sldLayout xmlns:a="http://schemas.openxmlformats.org/drawingml/2006/main" xmlns:r="http://schemas.openxmlformats.org/officeDocument/2006/relationships" xmlns:p="http://schemas.openxmlformats.org/presentationml/2006/main" matchingName="Вертикальный заголовок и текст" type="vertTitleAndTx">
   <p:cSld name="VERTICAL_TITLE_AND_VERTICAL_TEXT">
     <p:spTree>
       <p:nvGrpSpPr>
-        <p:cNvPr id="78" name="Shape 78"/>
+        <p:cNvPr id="1" name="Shape 78"/>
         <p:cNvGrpSpPr/>
         <p:nvPr/>
       </p:nvGrpSpPr>
@@ -4804,7 +4915,9 @@
       <p:sp>
         <p:nvSpPr>
           <p:cNvPr id="79" name="Google Shape;79;p12"/>
-          <p:cNvSpPr txBox="1"/>
+          <p:cNvSpPr txBox="1">
+            <a:spLocks noGrp="1"/>
+          </p:cNvSpPr>
           <p:nvPr>
             <p:ph type="title"/>
           </p:nvPr>
@@ -4823,7 +4936,7 @@
           </a:ln>
         </p:spPr>
         <p:txBody>
-          <a:bodyPr anchorCtr="0" anchor="ctr" bIns="45700" lIns="91425" spcFirstLastPara="1" rIns="91425" wrap="square" tIns="45700">
+          <a:bodyPr spcFirstLastPara="1" wrap="square" lIns="91425" tIns="45700" rIns="91425" bIns="45700" anchor="ctr" anchorCtr="0">
             <a:normAutofit/>
           </a:bodyPr>
           <a:lstStyle>
@@ -4957,15 +5070,19 @@
               <a:defRPr/>
             </a:lvl9pPr>
           </a:lstStyle>
-          <a:p/>
+          <a:p>
+            <a:endParaRPr/>
+          </a:p>
         </p:txBody>
       </p:sp>
       <p:sp>
         <p:nvSpPr>
           <p:cNvPr id="80" name="Google Shape;80;p12"/>
-          <p:cNvSpPr txBox="1"/>
+          <p:cNvSpPr txBox="1">
+            <a:spLocks noGrp="1"/>
+          </p:cNvSpPr>
           <p:nvPr>
-            <p:ph idx="1" type="body"/>
+            <p:ph type="body" idx="1"/>
           </p:nvPr>
         </p:nvSpPr>
         <p:spPr>
@@ -4982,11 +5099,11 @@
           </a:ln>
         </p:spPr>
         <p:txBody>
-          <a:bodyPr anchorCtr="0" anchor="t" bIns="45700" lIns="91425" spcFirstLastPara="1" rIns="91425" wrap="square" tIns="45700">
+          <a:bodyPr spcFirstLastPara="1" wrap="square" lIns="91425" tIns="45700" rIns="91425" bIns="45700" anchor="t" anchorCtr="0">
             <a:normAutofit/>
           </a:bodyPr>
           <a:lstStyle>
-            <a:lvl1pPr indent="-342900" lvl="0" marL="457200" algn="l">
+            <a:lvl1pPr marL="457200" lvl="0" indent="-342900" algn="l">
               <a:lnSpc>
                 <a:spcPct val="90000"/>
               </a:lnSpc>
@@ -5003,7 +5120,7 @@
               <a:buChar char="•"/>
               <a:defRPr/>
             </a:lvl1pPr>
-            <a:lvl2pPr indent="-342900" lvl="1" marL="914400" algn="l">
+            <a:lvl2pPr marL="914400" lvl="1" indent="-342900" algn="l">
               <a:lnSpc>
                 <a:spcPct val="90000"/>
               </a:lnSpc>
@@ -5020,7 +5137,7 @@
               <a:buChar char="•"/>
               <a:defRPr/>
             </a:lvl2pPr>
-            <a:lvl3pPr indent="-342900" lvl="2" marL="1371600" algn="l">
+            <a:lvl3pPr marL="1371600" lvl="2" indent="-342900" algn="l">
               <a:lnSpc>
                 <a:spcPct val="90000"/>
               </a:lnSpc>
@@ -5037,7 +5154,7 @@
               <a:buChar char="•"/>
               <a:defRPr/>
             </a:lvl3pPr>
-            <a:lvl4pPr indent="-342900" lvl="3" marL="1828800" algn="l">
+            <a:lvl4pPr marL="1828800" lvl="3" indent="-342900" algn="l">
               <a:lnSpc>
                 <a:spcPct val="90000"/>
               </a:lnSpc>
@@ -5054,7 +5171,7 @@
               <a:buChar char="•"/>
               <a:defRPr/>
             </a:lvl4pPr>
-            <a:lvl5pPr indent="-342900" lvl="4" marL="2286000" algn="l">
+            <a:lvl5pPr marL="2286000" lvl="4" indent="-342900" algn="l">
               <a:lnSpc>
                 <a:spcPct val="90000"/>
               </a:lnSpc>
@@ -5071,7 +5188,7 @@
               <a:buChar char="•"/>
               <a:defRPr/>
             </a:lvl5pPr>
-            <a:lvl6pPr indent="-342900" lvl="5" marL="2743200" algn="l">
+            <a:lvl6pPr marL="2743200" lvl="5" indent="-342900" algn="l">
               <a:lnSpc>
                 <a:spcPct val="90000"/>
               </a:lnSpc>
@@ -5088,7 +5205,7 @@
               <a:buChar char="•"/>
               <a:defRPr/>
             </a:lvl6pPr>
-            <a:lvl7pPr indent="-342900" lvl="6" marL="3200400" algn="l">
+            <a:lvl7pPr marL="3200400" lvl="6" indent="-342900" algn="l">
               <a:lnSpc>
                 <a:spcPct val="90000"/>
               </a:lnSpc>
@@ -5105,7 +5222,7 @@
               <a:buChar char="•"/>
               <a:defRPr/>
             </a:lvl7pPr>
-            <a:lvl8pPr indent="-342900" lvl="7" marL="3657600" algn="l">
+            <a:lvl8pPr marL="3657600" lvl="7" indent="-342900" algn="l">
               <a:lnSpc>
                 <a:spcPct val="90000"/>
               </a:lnSpc>
@@ -5122,7 +5239,7 @@
               <a:buChar char="•"/>
               <a:defRPr/>
             </a:lvl8pPr>
-            <a:lvl9pPr indent="-342900" lvl="8" marL="4114800" algn="l">
+            <a:lvl9pPr marL="4114800" lvl="8" indent="-342900" algn="l">
               <a:lnSpc>
                 <a:spcPct val="90000"/>
               </a:lnSpc>
@@ -5140,15 +5257,19 @@
               <a:defRPr/>
             </a:lvl9pPr>
           </a:lstStyle>
-          <a:p/>
+          <a:p>
+            <a:endParaRPr/>
+          </a:p>
         </p:txBody>
       </p:sp>
       <p:sp>
         <p:nvSpPr>
           <p:cNvPr id="81" name="Google Shape;81;p12"/>
-          <p:cNvSpPr txBox="1"/>
+          <p:cNvSpPr txBox="1">
+            <a:spLocks noGrp="1"/>
+          </p:cNvSpPr>
           <p:nvPr>
-            <p:ph idx="10" type="dt"/>
+            <p:ph type="dt" idx="10"/>
           </p:nvPr>
         </p:nvSpPr>
         <p:spPr>
@@ -5165,7 +5286,7 @@
           </a:ln>
         </p:spPr>
         <p:txBody>
-          <a:bodyPr anchorCtr="0" anchor="ctr" bIns="45700" lIns="91425" spcFirstLastPara="1" rIns="91425" wrap="square" tIns="45700">
+          <a:bodyPr spcFirstLastPara="1" wrap="square" lIns="91425" tIns="45700" rIns="91425" bIns="45700" anchor="ctr" anchorCtr="0">
             <a:noAutofit/>
           </a:bodyPr>
           <a:lstStyle>
@@ -5296,15 +5417,19 @@
               <a:defRPr/>
             </a:lvl9pPr>
           </a:lstStyle>
-          <a:p/>
+          <a:p>
+            <a:endParaRPr/>
+          </a:p>
         </p:txBody>
       </p:sp>
       <p:sp>
         <p:nvSpPr>
           <p:cNvPr id="82" name="Google Shape;82;p12"/>
-          <p:cNvSpPr txBox="1"/>
+          <p:cNvSpPr txBox="1">
+            <a:spLocks noGrp="1"/>
+          </p:cNvSpPr>
           <p:nvPr>
-            <p:ph idx="11" type="ftr"/>
+            <p:ph type="ftr" idx="11"/>
           </p:nvPr>
         </p:nvSpPr>
         <p:spPr>
@@ -5321,7 +5446,7 @@
           </a:ln>
         </p:spPr>
         <p:txBody>
-          <a:bodyPr anchorCtr="0" anchor="ctr" bIns="45700" lIns="91425" spcFirstLastPara="1" rIns="91425" wrap="square" tIns="45700">
+          <a:bodyPr spcFirstLastPara="1" wrap="square" lIns="91425" tIns="45700" rIns="91425" bIns="45700" anchor="ctr" anchorCtr="0">
             <a:noAutofit/>
           </a:bodyPr>
           <a:lstStyle>
@@ -5452,15 +5577,19 @@
               <a:defRPr/>
             </a:lvl9pPr>
           </a:lstStyle>
-          <a:p/>
+          <a:p>
+            <a:endParaRPr/>
+          </a:p>
         </p:txBody>
       </p:sp>
       <p:sp>
         <p:nvSpPr>
           <p:cNvPr id="83" name="Google Shape;83;p12"/>
-          <p:cNvSpPr txBox="1"/>
+          <p:cNvSpPr txBox="1">
+            <a:spLocks noGrp="1"/>
+          </p:cNvSpPr>
           <p:nvPr>
-            <p:ph idx="12" type="sldNum"/>
+            <p:ph type="sldNum" idx="12"/>
           </p:nvPr>
         </p:nvSpPr>
         <p:spPr>
@@ -5477,11 +5606,11 @@
           </a:ln>
         </p:spPr>
         <p:txBody>
-          <a:bodyPr anchorCtr="0" anchor="ctr" bIns="45700" lIns="91425" spcFirstLastPara="1" rIns="91425" wrap="square" tIns="45700">
+          <a:bodyPr spcFirstLastPara="1" wrap="square" lIns="91425" tIns="45700" rIns="91425" bIns="45700" anchor="ctr" anchorCtr="0">
             <a:noAutofit/>
           </a:bodyPr>
           <a:lstStyle>
-            <a:lvl1pPr indent="0" lvl="0" marL="0" marR="0" algn="r">
+            <a:lvl1pPr marL="0" marR="0" lvl="0" indent="0" algn="r">
               <a:lnSpc>
                 <a:spcPct val="100000"/>
               </a:lnSpc>
@@ -5497,7 +5626,7 @@
               <a:buSzPts val="1200"/>
               <a:buFont typeface="Arial"/>
               <a:buNone/>
-              <a:defRPr b="0" i="0" sz="1200" u="none" cap="none" strike="noStrike">
+              <a:defRPr sz="1200" b="0" i="0" u="none" strike="noStrike" cap="none">
                 <a:solidFill>
                   <a:srgbClr val="888888"/>
                 </a:solidFill>
@@ -5507,7 +5636,7 @@
                 <a:sym typeface="Calibri"/>
               </a:defRPr>
             </a:lvl1pPr>
-            <a:lvl2pPr indent="0" lvl="1" marL="0" marR="0" algn="r">
+            <a:lvl2pPr marL="0" marR="0" lvl="1" indent="0" algn="r">
               <a:lnSpc>
                 <a:spcPct val="100000"/>
               </a:lnSpc>
@@ -5523,7 +5652,7 @@
               <a:buSzPts val="1200"/>
               <a:buFont typeface="Arial"/>
               <a:buNone/>
-              <a:defRPr b="0" i="0" sz="1200" u="none" cap="none" strike="noStrike">
+              <a:defRPr sz="1200" b="0" i="0" u="none" strike="noStrike" cap="none">
                 <a:solidFill>
                   <a:srgbClr val="888888"/>
                 </a:solidFill>
@@ -5533,7 +5662,7 @@
                 <a:sym typeface="Calibri"/>
               </a:defRPr>
             </a:lvl2pPr>
-            <a:lvl3pPr indent="0" lvl="2" marL="0" marR="0" algn="r">
+            <a:lvl3pPr marL="0" marR="0" lvl="2" indent="0" algn="r">
               <a:lnSpc>
                 <a:spcPct val="100000"/>
               </a:lnSpc>
@@ -5549,7 +5678,7 @@
               <a:buSzPts val="1200"/>
               <a:buFont typeface="Arial"/>
               <a:buNone/>
-              <a:defRPr b="0" i="0" sz="1200" u="none" cap="none" strike="noStrike">
+              <a:defRPr sz="1200" b="0" i="0" u="none" strike="noStrike" cap="none">
                 <a:solidFill>
                   <a:srgbClr val="888888"/>
                 </a:solidFill>
@@ -5559,7 +5688,7 @@
                 <a:sym typeface="Calibri"/>
               </a:defRPr>
             </a:lvl3pPr>
-            <a:lvl4pPr indent="0" lvl="3" marL="0" marR="0" algn="r">
+            <a:lvl4pPr marL="0" marR="0" lvl="3" indent="0" algn="r">
               <a:lnSpc>
                 <a:spcPct val="100000"/>
               </a:lnSpc>
@@ -5575,7 +5704,7 @@
               <a:buSzPts val="1200"/>
               <a:buFont typeface="Arial"/>
               <a:buNone/>
-              <a:defRPr b="0" i="0" sz="1200" u="none" cap="none" strike="noStrike">
+              <a:defRPr sz="1200" b="0" i="0" u="none" strike="noStrike" cap="none">
                 <a:solidFill>
                   <a:srgbClr val="888888"/>
                 </a:solidFill>
@@ -5585,7 +5714,7 @@
                 <a:sym typeface="Calibri"/>
               </a:defRPr>
             </a:lvl4pPr>
-            <a:lvl5pPr indent="0" lvl="4" marL="0" marR="0" algn="r">
+            <a:lvl5pPr marL="0" marR="0" lvl="4" indent="0" algn="r">
               <a:lnSpc>
                 <a:spcPct val="100000"/>
               </a:lnSpc>
@@ -5601,7 +5730,7 @@
               <a:buSzPts val="1200"/>
               <a:buFont typeface="Arial"/>
               <a:buNone/>
-              <a:defRPr b="0" i="0" sz="1200" u="none" cap="none" strike="noStrike">
+              <a:defRPr sz="1200" b="0" i="0" u="none" strike="noStrike" cap="none">
                 <a:solidFill>
                   <a:srgbClr val="888888"/>
                 </a:solidFill>
@@ -5611,7 +5740,7 @@
                 <a:sym typeface="Calibri"/>
               </a:defRPr>
             </a:lvl5pPr>
-            <a:lvl6pPr indent="0" lvl="5" marL="0" marR="0" algn="r">
+            <a:lvl6pPr marL="0" marR="0" lvl="5" indent="0" algn="r">
               <a:lnSpc>
                 <a:spcPct val="100000"/>
               </a:lnSpc>
@@ -5627,7 +5756,7 @@
               <a:buSzPts val="1200"/>
               <a:buFont typeface="Arial"/>
               <a:buNone/>
-              <a:defRPr b="0" i="0" sz="1200" u="none" cap="none" strike="noStrike">
+              <a:defRPr sz="1200" b="0" i="0" u="none" strike="noStrike" cap="none">
                 <a:solidFill>
                   <a:srgbClr val="888888"/>
                 </a:solidFill>
@@ -5637,7 +5766,7 @@
                 <a:sym typeface="Calibri"/>
               </a:defRPr>
             </a:lvl6pPr>
-            <a:lvl7pPr indent="0" lvl="6" marL="0" marR="0" algn="r">
+            <a:lvl7pPr marL="0" marR="0" lvl="6" indent="0" algn="r">
               <a:lnSpc>
                 <a:spcPct val="100000"/>
               </a:lnSpc>
@@ -5653,7 +5782,7 @@
               <a:buSzPts val="1200"/>
               <a:buFont typeface="Arial"/>
               <a:buNone/>
-              <a:defRPr b="0" i="0" sz="1200" u="none" cap="none" strike="noStrike">
+              <a:defRPr sz="1200" b="0" i="0" u="none" strike="noStrike" cap="none">
                 <a:solidFill>
                   <a:srgbClr val="888888"/>
                 </a:solidFill>
@@ -5663,7 +5792,7 @@
                 <a:sym typeface="Calibri"/>
               </a:defRPr>
             </a:lvl7pPr>
-            <a:lvl8pPr indent="0" lvl="7" marL="0" marR="0" algn="r">
+            <a:lvl8pPr marL="0" marR="0" lvl="7" indent="0" algn="r">
               <a:lnSpc>
                 <a:spcPct val="100000"/>
               </a:lnSpc>
@@ -5679,7 +5808,7 @@
               <a:buSzPts val="1200"/>
               <a:buFont typeface="Arial"/>
               <a:buNone/>
-              <a:defRPr b="0" i="0" sz="1200" u="none" cap="none" strike="noStrike">
+              <a:defRPr sz="1200" b="0" i="0" u="none" strike="noStrike" cap="none">
                 <a:solidFill>
                   <a:srgbClr val="888888"/>
                 </a:solidFill>
@@ -5689,7 +5818,7 @@
                 <a:sym typeface="Calibri"/>
               </a:defRPr>
             </a:lvl8pPr>
-            <a:lvl9pPr indent="0" lvl="8" marL="0" marR="0" algn="r">
+            <a:lvl9pPr marL="0" marR="0" lvl="8" indent="0" algn="r">
               <a:lnSpc>
                 <a:spcPct val="100000"/>
               </a:lnSpc>
@@ -5705,7 +5834,7 @@
               <a:buSzPts val="1200"/>
               <a:buFont typeface="Arial"/>
               <a:buNone/>
-              <a:defRPr b="0" i="0" sz="1200" u="none" cap="none" strike="noStrike">
+              <a:defRPr sz="1200" b="0" i="0" u="none" strike="noStrike" cap="none">
                 <a:solidFill>
                   <a:srgbClr val="888888"/>
                 </a:solidFill>
@@ -5717,7 +5846,7 @@
             </a:lvl9pPr>
           </a:lstStyle>
           <a:p>
-            <a:pPr indent="0" lvl="0" marL="0" rtl="0" algn="r">
+            <a:pPr marL="0" lvl="0" indent="0" algn="r" rtl="0">
               <a:spcBef>
                 <a:spcPts val="0"/>
               </a:spcBef>
@@ -5743,11 +5872,11 @@
 </file>
 
 <file path=ppt/slideLayouts/slideLayout2.xml><?xml version="1.0" encoding="utf-8"?>
-<p:sldLayout xmlns:a="http://schemas.openxmlformats.org/drawingml/2006/main" xmlns:r="http://schemas.openxmlformats.org/officeDocument/2006/relationships" xmlns:mc="http://schemas.openxmlformats.org/markup-compatibility/2006" xmlns:mv="urn:schemas-microsoft-com:mac:vml" xmlns:p="http://schemas.openxmlformats.org/presentationml/2006/main" xmlns:c="http://schemas.openxmlformats.org/drawingml/2006/chart" xmlns:dgm="http://schemas.openxmlformats.org/drawingml/2006/diagram" xmlns:o="urn:schemas-microsoft-com:office:office" xmlns:v="urn:schemas-microsoft-com:vml" xmlns:pvml="urn:schemas-microsoft-com:office:powerpoint" xmlns:com="http://schemas.openxmlformats.org/drawingml/2006/compatibility" xmlns:p14="http://schemas.microsoft.com/office/powerpoint/2010/main" xmlns:p15="http://schemas.microsoft.com/office/powerpoint/2012/main" xmlns:ahyp="http://schemas.microsoft.com/office/drawing/2018/hyperlinkcolor" matchingName="Заголовок и объект" type="obj">
+<p:sldLayout xmlns:a="http://schemas.openxmlformats.org/drawingml/2006/main" xmlns:r="http://schemas.openxmlformats.org/officeDocument/2006/relationships" xmlns:p="http://schemas.openxmlformats.org/presentationml/2006/main" matchingName="Заголовок и объект" type="obj">
   <p:cSld name="OBJECT">
     <p:spTree>
       <p:nvGrpSpPr>
-        <p:cNvPr id="21" name="Shape 21"/>
+        <p:cNvPr id="1" name="Shape 21"/>
         <p:cNvGrpSpPr/>
         <p:nvPr/>
       </p:nvGrpSpPr>
@@ -5762,7 +5891,9 @@
       <p:sp>
         <p:nvSpPr>
           <p:cNvPr id="22" name="Google Shape;22;p3"/>
-          <p:cNvSpPr txBox="1"/>
+          <p:cNvSpPr txBox="1">
+            <a:spLocks noGrp="1"/>
+          </p:cNvSpPr>
           <p:nvPr>
             <p:ph type="title"/>
           </p:nvPr>
@@ -5781,7 +5912,7 @@
           </a:ln>
         </p:spPr>
         <p:txBody>
-          <a:bodyPr anchorCtr="0" anchor="ctr" bIns="45700" lIns="91425" spcFirstLastPara="1" rIns="91425" wrap="square" tIns="45700">
+          <a:bodyPr spcFirstLastPara="1" wrap="square" lIns="91425" tIns="45700" rIns="91425" bIns="45700" anchor="ctr" anchorCtr="0">
             <a:normAutofit/>
           </a:bodyPr>
           <a:lstStyle>
@@ -5915,15 +6046,19 @@
               <a:defRPr/>
             </a:lvl9pPr>
           </a:lstStyle>
-          <a:p/>
+          <a:p>
+            <a:endParaRPr/>
+          </a:p>
         </p:txBody>
       </p:sp>
       <p:sp>
         <p:nvSpPr>
           <p:cNvPr id="23" name="Google Shape;23;p3"/>
-          <p:cNvSpPr txBox="1"/>
+          <p:cNvSpPr txBox="1">
+            <a:spLocks noGrp="1"/>
+          </p:cNvSpPr>
           <p:nvPr>
-            <p:ph idx="1" type="body"/>
+            <p:ph type="body" idx="1"/>
           </p:nvPr>
         </p:nvSpPr>
         <p:spPr>
@@ -5940,11 +6075,11 @@
           </a:ln>
         </p:spPr>
         <p:txBody>
-          <a:bodyPr anchorCtr="0" anchor="t" bIns="45700" lIns="91425" spcFirstLastPara="1" rIns="91425" wrap="square" tIns="45700">
+          <a:bodyPr spcFirstLastPara="1" wrap="square" lIns="91425" tIns="45700" rIns="91425" bIns="45700" anchor="t" anchorCtr="0">
             <a:normAutofit/>
           </a:bodyPr>
           <a:lstStyle>
-            <a:lvl1pPr indent="-342900" lvl="0" marL="457200" algn="l">
+            <a:lvl1pPr marL="457200" lvl="0" indent="-342900" algn="l">
               <a:lnSpc>
                 <a:spcPct val="90000"/>
               </a:lnSpc>
@@ -5961,7 +6096,7 @@
               <a:buChar char="•"/>
               <a:defRPr/>
             </a:lvl1pPr>
-            <a:lvl2pPr indent="-342900" lvl="1" marL="914400" algn="l">
+            <a:lvl2pPr marL="914400" lvl="1" indent="-342900" algn="l">
               <a:lnSpc>
                 <a:spcPct val="90000"/>
               </a:lnSpc>
@@ -5978,7 +6113,7 @@
               <a:buChar char="•"/>
               <a:defRPr/>
             </a:lvl2pPr>
-            <a:lvl3pPr indent="-342900" lvl="2" marL="1371600" algn="l">
+            <a:lvl3pPr marL="1371600" lvl="2" indent="-342900" algn="l">
               <a:lnSpc>
                 <a:spcPct val="90000"/>
               </a:lnSpc>
@@ -5995,7 +6130,7 @@
               <a:buChar char="•"/>
               <a:defRPr/>
             </a:lvl3pPr>
-            <a:lvl4pPr indent="-342900" lvl="3" marL="1828800" algn="l">
+            <a:lvl4pPr marL="1828800" lvl="3" indent="-342900" algn="l">
               <a:lnSpc>
                 <a:spcPct val="90000"/>
               </a:lnSpc>
@@ -6012,7 +6147,7 @@
               <a:buChar char="•"/>
               <a:defRPr/>
             </a:lvl4pPr>
-            <a:lvl5pPr indent="-342900" lvl="4" marL="2286000" algn="l">
+            <a:lvl5pPr marL="2286000" lvl="4" indent="-342900" algn="l">
               <a:lnSpc>
                 <a:spcPct val="90000"/>
               </a:lnSpc>
@@ -6029,7 +6164,7 @@
               <a:buChar char="•"/>
               <a:defRPr/>
             </a:lvl5pPr>
-            <a:lvl6pPr indent="-342900" lvl="5" marL="2743200" algn="l">
+            <a:lvl6pPr marL="2743200" lvl="5" indent="-342900" algn="l">
               <a:lnSpc>
                 <a:spcPct val="90000"/>
               </a:lnSpc>
@@ -6046,7 +6181,7 @@
               <a:buChar char="•"/>
               <a:defRPr/>
             </a:lvl6pPr>
-            <a:lvl7pPr indent="-342900" lvl="6" marL="3200400" algn="l">
+            <a:lvl7pPr marL="3200400" lvl="6" indent="-342900" algn="l">
               <a:lnSpc>
                 <a:spcPct val="90000"/>
               </a:lnSpc>
@@ -6063,7 +6198,7 @@
               <a:buChar char="•"/>
               <a:defRPr/>
             </a:lvl7pPr>
-            <a:lvl8pPr indent="-342900" lvl="7" marL="3657600" algn="l">
+            <a:lvl8pPr marL="3657600" lvl="7" indent="-342900" algn="l">
               <a:lnSpc>
                 <a:spcPct val="90000"/>
               </a:lnSpc>
@@ -6080,7 +6215,7 @@
               <a:buChar char="•"/>
               <a:defRPr/>
             </a:lvl8pPr>
-            <a:lvl9pPr indent="-342900" lvl="8" marL="4114800" algn="l">
+            <a:lvl9pPr marL="4114800" lvl="8" indent="-342900" algn="l">
               <a:lnSpc>
                 <a:spcPct val="90000"/>
               </a:lnSpc>
@@ -6098,15 +6233,19 @@
               <a:defRPr/>
             </a:lvl9pPr>
           </a:lstStyle>
-          <a:p/>
+          <a:p>
+            <a:endParaRPr/>
+          </a:p>
         </p:txBody>
       </p:sp>
       <p:sp>
         <p:nvSpPr>
           <p:cNvPr id="24" name="Google Shape;24;p3"/>
-          <p:cNvSpPr txBox="1"/>
+          <p:cNvSpPr txBox="1">
+            <a:spLocks noGrp="1"/>
+          </p:cNvSpPr>
           <p:nvPr>
-            <p:ph idx="10" type="dt"/>
+            <p:ph type="dt" idx="10"/>
           </p:nvPr>
         </p:nvSpPr>
         <p:spPr>
@@ -6123,7 +6262,7 @@
           </a:ln>
         </p:spPr>
         <p:txBody>
-          <a:bodyPr anchorCtr="0" anchor="ctr" bIns="45700" lIns="91425" spcFirstLastPara="1" rIns="91425" wrap="square" tIns="45700">
+          <a:bodyPr spcFirstLastPara="1" wrap="square" lIns="91425" tIns="45700" rIns="91425" bIns="45700" anchor="ctr" anchorCtr="0">
             <a:noAutofit/>
           </a:bodyPr>
           <a:lstStyle>
@@ -6254,15 +6393,19 @@
               <a:defRPr/>
             </a:lvl9pPr>
           </a:lstStyle>
-          <a:p/>
+          <a:p>
+            <a:endParaRPr/>
+          </a:p>
         </p:txBody>
       </p:sp>
       <p:sp>
         <p:nvSpPr>
           <p:cNvPr id="25" name="Google Shape;25;p3"/>
-          <p:cNvSpPr txBox="1"/>
+          <p:cNvSpPr txBox="1">
+            <a:spLocks noGrp="1"/>
+          </p:cNvSpPr>
           <p:nvPr>
-            <p:ph idx="11" type="ftr"/>
+            <p:ph type="ftr" idx="11"/>
           </p:nvPr>
         </p:nvSpPr>
         <p:spPr>
@@ -6279,7 +6422,7 @@
           </a:ln>
         </p:spPr>
         <p:txBody>
-          <a:bodyPr anchorCtr="0" anchor="ctr" bIns="45700" lIns="91425" spcFirstLastPara="1" rIns="91425" wrap="square" tIns="45700">
+          <a:bodyPr spcFirstLastPara="1" wrap="square" lIns="91425" tIns="45700" rIns="91425" bIns="45700" anchor="ctr" anchorCtr="0">
             <a:noAutofit/>
           </a:bodyPr>
           <a:lstStyle>
@@ -6410,15 +6553,19 @@
               <a:defRPr/>
             </a:lvl9pPr>
           </a:lstStyle>
-          <a:p/>
+          <a:p>
+            <a:endParaRPr/>
+          </a:p>
         </p:txBody>
       </p:sp>
       <p:sp>
         <p:nvSpPr>
           <p:cNvPr id="26" name="Google Shape;26;p3"/>
-          <p:cNvSpPr txBox="1"/>
+          <p:cNvSpPr txBox="1">
+            <a:spLocks noGrp="1"/>
+          </p:cNvSpPr>
           <p:nvPr>
-            <p:ph idx="12" type="sldNum"/>
+            <p:ph type="sldNum" idx="12"/>
           </p:nvPr>
         </p:nvSpPr>
         <p:spPr>
@@ -6435,11 +6582,11 @@
           </a:ln>
         </p:spPr>
         <p:txBody>
-          <a:bodyPr anchorCtr="0" anchor="ctr" bIns="45700" lIns="91425" spcFirstLastPara="1" rIns="91425" wrap="square" tIns="45700">
+          <a:bodyPr spcFirstLastPara="1" wrap="square" lIns="91425" tIns="45700" rIns="91425" bIns="45700" anchor="ctr" anchorCtr="0">
             <a:noAutofit/>
           </a:bodyPr>
           <a:lstStyle>
-            <a:lvl1pPr indent="0" lvl="0" marL="0" marR="0" algn="r">
+            <a:lvl1pPr marL="0" marR="0" lvl="0" indent="0" algn="r">
               <a:lnSpc>
                 <a:spcPct val="100000"/>
               </a:lnSpc>
@@ -6455,7 +6602,7 @@
               <a:buSzPts val="1200"/>
               <a:buFont typeface="Arial"/>
               <a:buNone/>
-              <a:defRPr b="0" i="0" sz="1200" u="none" cap="none" strike="noStrike">
+              <a:defRPr sz="1200" b="0" i="0" u="none" strike="noStrike" cap="none">
                 <a:solidFill>
                   <a:srgbClr val="888888"/>
                 </a:solidFill>
@@ -6465,7 +6612,7 @@
                 <a:sym typeface="Calibri"/>
               </a:defRPr>
             </a:lvl1pPr>
-            <a:lvl2pPr indent="0" lvl="1" marL="0" marR="0" algn="r">
+            <a:lvl2pPr marL="0" marR="0" lvl="1" indent="0" algn="r">
               <a:lnSpc>
                 <a:spcPct val="100000"/>
               </a:lnSpc>
@@ -6481,7 +6628,7 @@
               <a:buSzPts val="1200"/>
               <a:buFont typeface="Arial"/>
               <a:buNone/>
-              <a:defRPr b="0" i="0" sz="1200" u="none" cap="none" strike="noStrike">
+              <a:defRPr sz="1200" b="0" i="0" u="none" strike="noStrike" cap="none">
                 <a:solidFill>
                   <a:srgbClr val="888888"/>
                 </a:solidFill>
@@ -6491,7 +6638,7 @@
                 <a:sym typeface="Calibri"/>
               </a:defRPr>
             </a:lvl2pPr>
-            <a:lvl3pPr indent="0" lvl="2" marL="0" marR="0" algn="r">
+            <a:lvl3pPr marL="0" marR="0" lvl="2" indent="0" algn="r">
               <a:lnSpc>
                 <a:spcPct val="100000"/>
               </a:lnSpc>
@@ -6507,7 +6654,7 @@
               <a:buSzPts val="1200"/>
               <a:buFont typeface="Arial"/>
               <a:buNone/>
-              <a:defRPr b="0" i="0" sz="1200" u="none" cap="none" strike="noStrike">
+              <a:defRPr sz="1200" b="0" i="0" u="none" strike="noStrike" cap="none">
                 <a:solidFill>
                   <a:srgbClr val="888888"/>
                 </a:solidFill>
@@ -6517,7 +6664,7 @@
                 <a:sym typeface="Calibri"/>
               </a:defRPr>
             </a:lvl3pPr>
-            <a:lvl4pPr indent="0" lvl="3" marL="0" marR="0" algn="r">
+            <a:lvl4pPr marL="0" marR="0" lvl="3" indent="0" algn="r">
               <a:lnSpc>
                 <a:spcPct val="100000"/>
               </a:lnSpc>
@@ -6533,7 +6680,7 @@
               <a:buSzPts val="1200"/>
               <a:buFont typeface="Arial"/>
               <a:buNone/>
-              <a:defRPr b="0" i="0" sz="1200" u="none" cap="none" strike="noStrike">
+              <a:defRPr sz="1200" b="0" i="0" u="none" strike="noStrike" cap="none">
                 <a:solidFill>
                   <a:srgbClr val="888888"/>
                 </a:solidFill>
@@ -6543,7 +6690,7 @@
                 <a:sym typeface="Calibri"/>
               </a:defRPr>
             </a:lvl4pPr>
-            <a:lvl5pPr indent="0" lvl="4" marL="0" marR="0" algn="r">
+            <a:lvl5pPr marL="0" marR="0" lvl="4" indent="0" algn="r">
               <a:lnSpc>
                 <a:spcPct val="100000"/>
               </a:lnSpc>
@@ -6559,7 +6706,7 @@
               <a:buSzPts val="1200"/>
               <a:buFont typeface="Arial"/>
               <a:buNone/>
-              <a:defRPr b="0" i="0" sz="1200" u="none" cap="none" strike="noStrike">
+              <a:defRPr sz="1200" b="0" i="0" u="none" strike="noStrike" cap="none">
                 <a:solidFill>
                   <a:srgbClr val="888888"/>
                 </a:solidFill>
@@ -6569,7 +6716,7 @@
                 <a:sym typeface="Calibri"/>
               </a:defRPr>
             </a:lvl5pPr>
-            <a:lvl6pPr indent="0" lvl="5" marL="0" marR="0" algn="r">
+            <a:lvl6pPr marL="0" marR="0" lvl="5" indent="0" algn="r">
               <a:lnSpc>
                 <a:spcPct val="100000"/>
               </a:lnSpc>
@@ -6585,7 +6732,7 @@
               <a:buSzPts val="1200"/>
               <a:buFont typeface="Arial"/>
               <a:buNone/>
-              <a:defRPr b="0" i="0" sz="1200" u="none" cap="none" strike="noStrike">
+              <a:defRPr sz="1200" b="0" i="0" u="none" strike="noStrike" cap="none">
                 <a:solidFill>
                   <a:srgbClr val="888888"/>
                 </a:solidFill>
@@ -6595,7 +6742,7 @@
                 <a:sym typeface="Calibri"/>
               </a:defRPr>
             </a:lvl6pPr>
-            <a:lvl7pPr indent="0" lvl="6" marL="0" marR="0" algn="r">
+            <a:lvl7pPr marL="0" marR="0" lvl="6" indent="0" algn="r">
               <a:lnSpc>
                 <a:spcPct val="100000"/>
               </a:lnSpc>
@@ -6611,7 +6758,7 @@
               <a:buSzPts val="1200"/>
               <a:buFont typeface="Arial"/>
               <a:buNone/>
-              <a:defRPr b="0" i="0" sz="1200" u="none" cap="none" strike="noStrike">
+              <a:defRPr sz="1200" b="0" i="0" u="none" strike="noStrike" cap="none">
                 <a:solidFill>
                   <a:srgbClr val="888888"/>
                 </a:solidFill>
@@ -6621,7 +6768,7 @@
                 <a:sym typeface="Calibri"/>
               </a:defRPr>
             </a:lvl7pPr>
-            <a:lvl8pPr indent="0" lvl="7" marL="0" marR="0" algn="r">
+            <a:lvl8pPr marL="0" marR="0" lvl="7" indent="0" algn="r">
               <a:lnSpc>
                 <a:spcPct val="100000"/>
               </a:lnSpc>
@@ -6637,7 +6784,7 @@
               <a:buSzPts val="1200"/>
               <a:buFont typeface="Arial"/>
               <a:buNone/>
-              <a:defRPr b="0" i="0" sz="1200" u="none" cap="none" strike="noStrike">
+              <a:defRPr sz="1200" b="0" i="0" u="none" strike="noStrike" cap="none">
                 <a:solidFill>
                   <a:srgbClr val="888888"/>
                 </a:solidFill>
@@ -6647,7 +6794,7 @@
                 <a:sym typeface="Calibri"/>
               </a:defRPr>
             </a:lvl8pPr>
-            <a:lvl9pPr indent="0" lvl="8" marL="0" marR="0" algn="r">
+            <a:lvl9pPr marL="0" marR="0" lvl="8" indent="0" algn="r">
               <a:lnSpc>
                 <a:spcPct val="100000"/>
               </a:lnSpc>
@@ -6663,7 +6810,7 @@
               <a:buSzPts val="1200"/>
               <a:buFont typeface="Arial"/>
               <a:buNone/>
-              <a:defRPr b="0" i="0" sz="1200" u="none" cap="none" strike="noStrike">
+              <a:defRPr sz="1200" b="0" i="0" u="none" strike="noStrike" cap="none">
                 <a:solidFill>
                   <a:srgbClr val="888888"/>
                 </a:solidFill>
@@ -6675,7 +6822,7 @@
             </a:lvl9pPr>
           </a:lstStyle>
           <a:p>
-            <a:pPr indent="0" lvl="0" marL="0" rtl="0" algn="r">
+            <a:pPr marL="0" lvl="0" indent="0" algn="r" rtl="0">
               <a:spcBef>
                 <a:spcPts val="0"/>
               </a:spcBef>
@@ -6701,11 +6848,11 @@
 </file>
 
 <file path=ppt/slideLayouts/slideLayout3.xml><?xml version="1.0" encoding="utf-8"?>
-<p:sldLayout xmlns:a="http://schemas.openxmlformats.org/drawingml/2006/main" xmlns:r="http://schemas.openxmlformats.org/officeDocument/2006/relationships" xmlns:mc="http://schemas.openxmlformats.org/markup-compatibility/2006" xmlns:mv="urn:schemas-microsoft-com:mac:vml" xmlns:p="http://schemas.openxmlformats.org/presentationml/2006/main" xmlns:c="http://schemas.openxmlformats.org/drawingml/2006/chart" xmlns:dgm="http://schemas.openxmlformats.org/drawingml/2006/diagram" xmlns:o="urn:schemas-microsoft-com:office:office" xmlns:v="urn:schemas-microsoft-com:vml" xmlns:pvml="urn:schemas-microsoft-com:office:powerpoint" xmlns:com="http://schemas.openxmlformats.org/drawingml/2006/compatibility" xmlns:p14="http://schemas.microsoft.com/office/powerpoint/2010/main" xmlns:p15="http://schemas.microsoft.com/office/powerpoint/2012/main" xmlns:ahyp="http://schemas.microsoft.com/office/drawing/2018/hyperlinkcolor" matchingName="Пустой слайд" type="blank">
+<p:sldLayout xmlns:a="http://schemas.openxmlformats.org/drawingml/2006/main" xmlns:r="http://schemas.openxmlformats.org/officeDocument/2006/relationships" xmlns:p="http://schemas.openxmlformats.org/presentationml/2006/main" matchingName="Пустой слайд" type="blank">
   <p:cSld name="BLANK">
     <p:spTree>
       <p:nvGrpSpPr>
-        <p:cNvPr id="27" name="Shape 27"/>
+        <p:cNvPr id="1" name="Shape 27"/>
         <p:cNvGrpSpPr/>
         <p:nvPr/>
       </p:nvGrpSpPr>
@@ -6720,9 +6867,11 @@
       <p:sp>
         <p:nvSpPr>
           <p:cNvPr id="28" name="Google Shape;28;p4"/>
-          <p:cNvSpPr txBox="1"/>
+          <p:cNvSpPr txBox="1">
+            <a:spLocks noGrp="1"/>
+          </p:cNvSpPr>
           <p:nvPr>
-            <p:ph idx="10" type="dt"/>
+            <p:ph type="dt" idx="10"/>
           </p:nvPr>
         </p:nvSpPr>
         <p:spPr>
@@ -6739,7 +6888,7 @@
           </a:ln>
         </p:spPr>
         <p:txBody>
-          <a:bodyPr anchorCtr="0" anchor="ctr" bIns="45700" lIns="91425" spcFirstLastPara="1" rIns="91425" wrap="square" tIns="45700">
+          <a:bodyPr spcFirstLastPara="1" wrap="square" lIns="91425" tIns="45700" rIns="91425" bIns="45700" anchor="ctr" anchorCtr="0">
             <a:noAutofit/>
           </a:bodyPr>
           <a:lstStyle>
@@ -6870,15 +7019,19 @@
               <a:defRPr/>
             </a:lvl9pPr>
           </a:lstStyle>
-          <a:p/>
+          <a:p>
+            <a:endParaRPr/>
+          </a:p>
         </p:txBody>
       </p:sp>
       <p:sp>
         <p:nvSpPr>
           <p:cNvPr id="29" name="Google Shape;29;p4"/>
-          <p:cNvSpPr txBox="1"/>
+          <p:cNvSpPr txBox="1">
+            <a:spLocks noGrp="1"/>
+          </p:cNvSpPr>
           <p:nvPr>
-            <p:ph idx="11" type="ftr"/>
+            <p:ph type="ftr" idx="11"/>
           </p:nvPr>
         </p:nvSpPr>
         <p:spPr>
@@ -6895,7 +7048,7 @@
           </a:ln>
         </p:spPr>
         <p:txBody>
-          <a:bodyPr anchorCtr="0" anchor="ctr" bIns="45700" lIns="91425" spcFirstLastPara="1" rIns="91425" wrap="square" tIns="45700">
+          <a:bodyPr spcFirstLastPara="1" wrap="square" lIns="91425" tIns="45700" rIns="91425" bIns="45700" anchor="ctr" anchorCtr="0">
             <a:noAutofit/>
           </a:bodyPr>
           <a:lstStyle>
@@ -7026,15 +7179,19 @@
               <a:defRPr/>
             </a:lvl9pPr>
           </a:lstStyle>
-          <a:p/>
+          <a:p>
+            <a:endParaRPr/>
+          </a:p>
         </p:txBody>
       </p:sp>
       <p:sp>
         <p:nvSpPr>
           <p:cNvPr id="30" name="Google Shape;30;p4"/>
-          <p:cNvSpPr txBox="1"/>
+          <p:cNvSpPr txBox="1">
+            <a:spLocks noGrp="1"/>
+          </p:cNvSpPr>
           <p:nvPr>
-            <p:ph idx="12" type="sldNum"/>
+            <p:ph type="sldNum" idx="12"/>
           </p:nvPr>
         </p:nvSpPr>
         <p:spPr>
@@ -7051,11 +7208,11 @@
           </a:ln>
         </p:spPr>
         <p:txBody>
-          <a:bodyPr anchorCtr="0" anchor="ctr" bIns="45700" lIns="91425" spcFirstLastPara="1" rIns="91425" wrap="square" tIns="45700">
+          <a:bodyPr spcFirstLastPara="1" wrap="square" lIns="91425" tIns="45700" rIns="91425" bIns="45700" anchor="ctr" anchorCtr="0">
             <a:noAutofit/>
           </a:bodyPr>
           <a:lstStyle>
-            <a:lvl1pPr indent="0" lvl="0" marL="0" marR="0" algn="r">
+            <a:lvl1pPr marL="0" marR="0" lvl="0" indent="0" algn="r">
               <a:lnSpc>
                 <a:spcPct val="100000"/>
               </a:lnSpc>
@@ -7071,7 +7228,7 @@
               <a:buSzPts val="1200"/>
               <a:buFont typeface="Arial"/>
               <a:buNone/>
-              <a:defRPr b="0" i="0" sz="1200" u="none" cap="none" strike="noStrike">
+              <a:defRPr sz="1200" b="0" i="0" u="none" strike="noStrike" cap="none">
                 <a:solidFill>
                   <a:srgbClr val="888888"/>
                 </a:solidFill>
@@ -7081,7 +7238,7 @@
                 <a:sym typeface="Calibri"/>
               </a:defRPr>
             </a:lvl1pPr>
-            <a:lvl2pPr indent="0" lvl="1" marL="0" marR="0" algn="r">
+            <a:lvl2pPr marL="0" marR="0" lvl="1" indent="0" algn="r">
               <a:lnSpc>
                 <a:spcPct val="100000"/>
               </a:lnSpc>
@@ -7097,7 +7254,7 @@
               <a:buSzPts val="1200"/>
               <a:buFont typeface="Arial"/>
               <a:buNone/>
-              <a:defRPr b="0" i="0" sz="1200" u="none" cap="none" strike="noStrike">
+              <a:defRPr sz="1200" b="0" i="0" u="none" strike="noStrike" cap="none">
                 <a:solidFill>
                   <a:srgbClr val="888888"/>
                 </a:solidFill>
@@ -7107,7 +7264,7 @@
                 <a:sym typeface="Calibri"/>
               </a:defRPr>
             </a:lvl2pPr>
-            <a:lvl3pPr indent="0" lvl="2" marL="0" marR="0" algn="r">
+            <a:lvl3pPr marL="0" marR="0" lvl="2" indent="0" algn="r">
               <a:lnSpc>
                 <a:spcPct val="100000"/>
               </a:lnSpc>
@@ -7123,7 +7280,7 @@
               <a:buSzPts val="1200"/>
               <a:buFont typeface="Arial"/>
               <a:buNone/>
-              <a:defRPr b="0" i="0" sz="1200" u="none" cap="none" strike="noStrike">
+              <a:defRPr sz="1200" b="0" i="0" u="none" strike="noStrike" cap="none">
                 <a:solidFill>
                   <a:srgbClr val="888888"/>
                 </a:solidFill>
@@ -7133,7 +7290,7 @@
                 <a:sym typeface="Calibri"/>
               </a:defRPr>
             </a:lvl3pPr>
-            <a:lvl4pPr indent="0" lvl="3" marL="0" marR="0" algn="r">
+            <a:lvl4pPr marL="0" marR="0" lvl="3" indent="0" algn="r">
               <a:lnSpc>
                 <a:spcPct val="100000"/>
               </a:lnSpc>
@@ -7149,7 +7306,7 @@
               <a:buSzPts val="1200"/>
               <a:buFont typeface="Arial"/>
               <a:buNone/>
-              <a:defRPr b="0" i="0" sz="1200" u="none" cap="none" strike="noStrike">
+              <a:defRPr sz="1200" b="0" i="0" u="none" strike="noStrike" cap="none">
                 <a:solidFill>
                   <a:srgbClr val="888888"/>
                 </a:solidFill>
@@ -7159,7 +7316,7 @@
                 <a:sym typeface="Calibri"/>
               </a:defRPr>
             </a:lvl4pPr>
-            <a:lvl5pPr indent="0" lvl="4" marL="0" marR="0" algn="r">
+            <a:lvl5pPr marL="0" marR="0" lvl="4" indent="0" algn="r">
               <a:lnSpc>
                 <a:spcPct val="100000"/>
               </a:lnSpc>
@@ -7175,7 +7332,7 @@
               <a:buSzPts val="1200"/>
               <a:buFont typeface="Arial"/>
               <a:buNone/>
-              <a:defRPr b="0" i="0" sz="1200" u="none" cap="none" strike="noStrike">
+              <a:defRPr sz="1200" b="0" i="0" u="none" strike="noStrike" cap="none">
                 <a:solidFill>
                   <a:srgbClr val="888888"/>
                 </a:solidFill>
@@ -7185,7 +7342,7 @@
                 <a:sym typeface="Calibri"/>
               </a:defRPr>
             </a:lvl5pPr>
-            <a:lvl6pPr indent="0" lvl="5" marL="0" marR="0" algn="r">
+            <a:lvl6pPr marL="0" marR="0" lvl="5" indent="0" algn="r">
               <a:lnSpc>
                 <a:spcPct val="100000"/>
               </a:lnSpc>
@@ -7201,7 +7358,7 @@
               <a:buSzPts val="1200"/>
               <a:buFont typeface="Arial"/>
               <a:buNone/>
-              <a:defRPr b="0" i="0" sz="1200" u="none" cap="none" strike="noStrike">
+              <a:defRPr sz="1200" b="0" i="0" u="none" strike="noStrike" cap="none">
                 <a:solidFill>
                   <a:srgbClr val="888888"/>
                 </a:solidFill>
@@ -7211,7 +7368,7 @@
                 <a:sym typeface="Calibri"/>
               </a:defRPr>
             </a:lvl6pPr>
-            <a:lvl7pPr indent="0" lvl="6" marL="0" marR="0" algn="r">
+            <a:lvl7pPr marL="0" marR="0" lvl="6" indent="0" algn="r">
               <a:lnSpc>
                 <a:spcPct val="100000"/>
               </a:lnSpc>
@@ -7227,7 +7384,7 @@
               <a:buSzPts val="1200"/>
               <a:buFont typeface="Arial"/>
               <a:buNone/>
-              <a:defRPr b="0" i="0" sz="1200" u="none" cap="none" strike="noStrike">
+              <a:defRPr sz="1200" b="0" i="0" u="none" strike="noStrike" cap="none">
                 <a:solidFill>
                   <a:srgbClr val="888888"/>
                 </a:solidFill>
@@ -7237,7 +7394,7 @@
                 <a:sym typeface="Calibri"/>
               </a:defRPr>
             </a:lvl7pPr>
-            <a:lvl8pPr indent="0" lvl="7" marL="0" marR="0" algn="r">
+            <a:lvl8pPr marL="0" marR="0" lvl="7" indent="0" algn="r">
               <a:lnSpc>
                 <a:spcPct val="100000"/>
               </a:lnSpc>
@@ -7253,7 +7410,7 @@
               <a:buSzPts val="1200"/>
               <a:buFont typeface="Arial"/>
               <a:buNone/>
-              <a:defRPr b="0" i="0" sz="1200" u="none" cap="none" strike="noStrike">
+              <a:defRPr sz="1200" b="0" i="0" u="none" strike="noStrike" cap="none">
                 <a:solidFill>
                   <a:srgbClr val="888888"/>
                 </a:solidFill>
@@ -7263,7 +7420,7 @@
                 <a:sym typeface="Calibri"/>
               </a:defRPr>
             </a:lvl8pPr>
-            <a:lvl9pPr indent="0" lvl="8" marL="0" marR="0" algn="r">
+            <a:lvl9pPr marL="0" marR="0" lvl="8" indent="0" algn="r">
               <a:lnSpc>
                 <a:spcPct val="100000"/>
               </a:lnSpc>
@@ -7279,7 +7436,7 @@
               <a:buSzPts val="1200"/>
               <a:buFont typeface="Arial"/>
               <a:buNone/>
-              <a:defRPr b="0" i="0" sz="1200" u="none" cap="none" strike="noStrike">
+              <a:defRPr sz="1200" b="0" i="0" u="none" strike="noStrike" cap="none">
                 <a:solidFill>
                   <a:srgbClr val="888888"/>
                 </a:solidFill>
@@ -7291,7 +7448,7 @@
             </a:lvl9pPr>
           </a:lstStyle>
           <a:p>
-            <a:pPr indent="0" lvl="0" marL="0" rtl="0" algn="r">
+            <a:pPr marL="0" lvl="0" indent="0" algn="r" rtl="0">
               <a:spcBef>
                 <a:spcPts val="0"/>
               </a:spcBef>
@@ -7317,11 +7474,11 @@
 </file>
 
 <file path=ppt/slideLayouts/slideLayout4.xml><?xml version="1.0" encoding="utf-8"?>
-<p:sldLayout xmlns:a="http://schemas.openxmlformats.org/drawingml/2006/main" xmlns:r="http://schemas.openxmlformats.org/officeDocument/2006/relationships" xmlns:mc="http://schemas.openxmlformats.org/markup-compatibility/2006" xmlns:mv="urn:schemas-microsoft-com:mac:vml" xmlns:p="http://schemas.openxmlformats.org/presentationml/2006/main" xmlns:c="http://schemas.openxmlformats.org/drawingml/2006/chart" xmlns:dgm="http://schemas.openxmlformats.org/drawingml/2006/diagram" xmlns:o="urn:schemas-microsoft-com:office:office" xmlns:v="urn:schemas-microsoft-com:vml" xmlns:pvml="urn:schemas-microsoft-com:office:powerpoint" xmlns:com="http://schemas.openxmlformats.org/drawingml/2006/compatibility" xmlns:p14="http://schemas.microsoft.com/office/powerpoint/2010/main" xmlns:p15="http://schemas.microsoft.com/office/powerpoint/2012/main" xmlns:ahyp="http://schemas.microsoft.com/office/drawing/2018/hyperlinkcolor" matchingName="Заголовок раздела" type="secHead">
+<p:sldLayout xmlns:a="http://schemas.openxmlformats.org/drawingml/2006/main" xmlns:r="http://schemas.openxmlformats.org/officeDocument/2006/relationships" xmlns:p="http://schemas.openxmlformats.org/presentationml/2006/main" matchingName="Заголовок раздела" type="secHead">
   <p:cSld name="SECTION_HEADER">
     <p:spTree>
       <p:nvGrpSpPr>
-        <p:cNvPr id="31" name="Shape 31"/>
+        <p:cNvPr id="1" name="Shape 31"/>
         <p:cNvGrpSpPr/>
         <p:nvPr/>
       </p:nvGrpSpPr>
@@ -7336,7 +7493,9 @@
       <p:sp>
         <p:nvSpPr>
           <p:cNvPr id="32" name="Google Shape;32;p5"/>
-          <p:cNvSpPr txBox="1"/>
+          <p:cNvSpPr txBox="1">
+            <a:spLocks noGrp="1"/>
+          </p:cNvSpPr>
           <p:nvPr>
             <p:ph type="title"/>
           </p:nvPr>
@@ -7355,7 +7514,7 @@
           </a:ln>
         </p:spPr>
         <p:txBody>
-          <a:bodyPr anchorCtr="0" anchor="b" bIns="45700" lIns="91425" spcFirstLastPara="1" rIns="91425" wrap="square" tIns="45700">
+          <a:bodyPr spcFirstLastPara="1" wrap="square" lIns="91425" tIns="45700" rIns="91425" bIns="45700" anchor="b" anchorCtr="0">
             <a:normAutofit/>
           </a:bodyPr>
           <a:lstStyle>
@@ -7490,15 +7649,19 @@
               <a:defRPr/>
             </a:lvl9pPr>
           </a:lstStyle>
-          <a:p/>
+          <a:p>
+            <a:endParaRPr/>
+          </a:p>
         </p:txBody>
       </p:sp>
       <p:sp>
         <p:nvSpPr>
           <p:cNvPr id="33" name="Google Shape;33;p5"/>
-          <p:cNvSpPr txBox="1"/>
+          <p:cNvSpPr txBox="1">
+            <a:spLocks noGrp="1"/>
+          </p:cNvSpPr>
           <p:nvPr>
-            <p:ph idx="1" type="body"/>
+            <p:ph type="body" idx="1"/>
           </p:nvPr>
         </p:nvSpPr>
         <p:spPr>
@@ -7515,11 +7678,11 @@
           </a:ln>
         </p:spPr>
         <p:txBody>
-          <a:bodyPr anchorCtr="0" anchor="t" bIns="45700" lIns="91425" spcFirstLastPara="1" rIns="91425" wrap="square" tIns="45700">
+          <a:bodyPr spcFirstLastPara="1" wrap="square" lIns="91425" tIns="45700" rIns="91425" bIns="45700" anchor="t" anchorCtr="0">
             <a:normAutofit/>
           </a:bodyPr>
           <a:lstStyle>
-            <a:lvl1pPr indent="-228600" lvl="0" marL="457200" algn="l">
+            <a:lvl1pPr marL="457200" lvl="0" indent="-228600" algn="l">
               <a:lnSpc>
                 <a:spcPct val="90000"/>
               </a:lnSpc>
@@ -7540,7 +7703,7 @@
                 </a:solidFill>
               </a:defRPr>
             </a:lvl1pPr>
-            <a:lvl2pPr indent="-228600" lvl="1" marL="914400" algn="l">
+            <a:lvl2pPr marL="914400" lvl="1" indent="-228600" algn="l">
               <a:lnSpc>
                 <a:spcPct val="90000"/>
               </a:lnSpc>
@@ -7561,7 +7724,7 @@
                 </a:solidFill>
               </a:defRPr>
             </a:lvl2pPr>
-            <a:lvl3pPr indent="-228600" lvl="2" marL="1371600" algn="l">
+            <a:lvl3pPr marL="1371600" lvl="2" indent="-228600" algn="l">
               <a:lnSpc>
                 <a:spcPct val="90000"/>
               </a:lnSpc>
@@ -7582,7 +7745,7 @@
                 </a:solidFill>
               </a:defRPr>
             </a:lvl3pPr>
-            <a:lvl4pPr indent="-228600" lvl="3" marL="1828800" algn="l">
+            <a:lvl4pPr marL="1828800" lvl="3" indent="-228600" algn="l">
               <a:lnSpc>
                 <a:spcPct val="90000"/>
               </a:lnSpc>
@@ -7603,7 +7766,7 @@
                 </a:solidFill>
               </a:defRPr>
             </a:lvl4pPr>
-            <a:lvl5pPr indent="-228600" lvl="4" marL="2286000" algn="l">
+            <a:lvl5pPr marL="2286000" lvl="4" indent="-228600" algn="l">
               <a:lnSpc>
                 <a:spcPct val="90000"/>
               </a:lnSpc>
@@ -7624,7 +7787,7 @@
                 </a:solidFill>
               </a:defRPr>
             </a:lvl5pPr>
-            <a:lvl6pPr indent="-228600" lvl="5" marL="2743200" algn="l">
+            <a:lvl6pPr marL="2743200" lvl="5" indent="-228600" algn="l">
               <a:lnSpc>
                 <a:spcPct val="90000"/>
               </a:lnSpc>
@@ -7645,7 +7808,7 @@
                 </a:solidFill>
               </a:defRPr>
             </a:lvl6pPr>
-            <a:lvl7pPr indent="-228600" lvl="6" marL="3200400" algn="l">
+            <a:lvl7pPr marL="3200400" lvl="6" indent="-228600" algn="l">
               <a:lnSpc>
                 <a:spcPct val="90000"/>
               </a:lnSpc>
@@ -7666,7 +7829,7 @@
                 </a:solidFill>
               </a:defRPr>
             </a:lvl7pPr>
-            <a:lvl8pPr indent="-228600" lvl="7" marL="3657600" algn="l">
+            <a:lvl8pPr marL="3657600" lvl="7" indent="-228600" algn="l">
               <a:lnSpc>
                 <a:spcPct val="90000"/>
               </a:lnSpc>
@@ -7687,7 +7850,7 @@
                 </a:solidFill>
               </a:defRPr>
             </a:lvl8pPr>
-            <a:lvl9pPr indent="-228600" lvl="8" marL="4114800" algn="l">
+            <a:lvl9pPr marL="4114800" lvl="8" indent="-228600" algn="l">
               <a:lnSpc>
                 <a:spcPct val="90000"/>
               </a:lnSpc>
@@ -7709,15 +7872,19 @@
               </a:defRPr>
             </a:lvl9pPr>
           </a:lstStyle>
-          <a:p/>
+          <a:p>
+            <a:endParaRPr/>
+          </a:p>
         </p:txBody>
       </p:sp>
       <p:sp>
         <p:nvSpPr>
           <p:cNvPr id="34" name="Google Shape;34;p5"/>
-          <p:cNvSpPr txBox="1"/>
+          <p:cNvSpPr txBox="1">
+            <a:spLocks noGrp="1"/>
+          </p:cNvSpPr>
           <p:nvPr>
-            <p:ph idx="10" type="dt"/>
+            <p:ph type="dt" idx="10"/>
           </p:nvPr>
         </p:nvSpPr>
         <p:spPr>
@@ -7734,7 +7901,7 @@
           </a:ln>
         </p:spPr>
         <p:txBody>
-          <a:bodyPr anchorCtr="0" anchor="ctr" bIns="45700" lIns="91425" spcFirstLastPara="1" rIns="91425" wrap="square" tIns="45700">
+          <a:bodyPr spcFirstLastPara="1" wrap="square" lIns="91425" tIns="45700" rIns="91425" bIns="45700" anchor="ctr" anchorCtr="0">
             <a:noAutofit/>
           </a:bodyPr>
           <a:lstStyle>
@@ -7865,15 +8032,19 @@
               <a:defRPr/>
             </a:lvl9pPr>
           </a:lstStyle>
-          <a:p/>
+          <a:p>
+            <a:endParaRPr/>
+          </a:p>
         </p:txBody>
       </p:sp>
       <p:sp>
         <p:nvSpPr>
           <p:cNvPr id="35" name="Google Shape;35;p5"/>
-          <p:cNvSpPr txBox="1"/>
+          <p:cNvSpPr txBox="1">
+            <a:spLocks noGrp="1"/>
+          </p:cNvSpPr>
           <p:nvPr>
-            <p:ph idx="11" type="ftr"/>
+            <p:ph type="ftr" idx="11"/>
           </p:nvPr>
         </p:nvSpPr>
         <p:spPr>
@@ -7890,7 +8061,7 @@
           </a:ln>
         </p:spPr>
         <p:txBody>
-          <a:bodyPr anchorCtr="0" anchor="ctr" bIns="45700" lIns="91425" spcFirstLastPara="1" rIns="91425" wrap="square" tIns="45700">
+          <a:bodyPr spcFirstLastPara="1" wrap="square" lIns="91425" tIns="45700" rIns="91425" bIns="45700" anchor="ctr" anchorCtr="0">
             <a:noAutofit/>
           </a:bodyPr>
           <a:lstStyle>
@@ -8021,15 +8192,19 @@
               <a:defRPr/>
             </a:lvl9pPr>
           </a:lstStyle>
-          <a:p/>
+          <a:p>
+            <a:endParaRPr/>
+          </a:p>
         </p:txBody>
       </p:sp>
       <p:sp>
         <p:nvSpPr>
           <p:cNvPr id="36" name="Google Shape;36;p5"/>
-          <p:cNvSpPr txBox="1"/>
+          <p:cNvSpPr txBox="1">
+            <a:spLocks noGrp="1"/>
+          </p:cNvSpPr>
           <p:nvPr>
-            <p:ph idx="12" type="sldNum"/>
+            <p:ph type="sldNum" idx="12"/>
           </p:nvPr>
         </p:nvSpPr>
         <p:spPr>
@@ -8046,11 +8221,11 @@
           </a:ln>
         </p:spPr>
         <p:txBody>
-          <a:bodyPr anchorCtr="0" anchor="ctr" bIns="45700" lIns="91425" spcFirstLastPara="1" rIns="91425" wrap="square" tIns="45700">
+          <a:bodyPr spcFirstLastPara="1" wrap="square" lIns="91425" tIns="45700" rIns="91425" bIns="45700" anchor="ctr" anchorCtr="0">
             <a:noAutofit/>
           </a:bodyPr>
           <a:lstStyle>
-            <a:lvl1pPr indent="0" lvl="0" marL="0" marR="0" algn="r">
+            <a:lvl1pPr marL="0" marR="0" lvl="0" indent="0" algn="r">
               <a:lnSpc>
                 <a:spcPct val="100000"/>
               </a:lnSpc>
@@ -8066,7 +8241,7 @@
               <a:buSzPts val="1200"/>
               <a:buFont typeface="Arial"/>
               <a:buNone/>
-              <a:defRPr b="0" i="0" sz="1200" u="none" cap="none" strike="noStrike">
+              <a:defRPr sz="1200" b="0" i="0" u="none" strike="noStrike" cap="none">
                 <a:solidFill>
                   <a:srgbClr val="888888"/>
                 </a:solidFill>
@@ -8076,7 +8251,7 @@
                 <a:sym typeface="Calibri"/>
               </a:defRPr>
             </a:lvl1pPr>
-            <a:lvl2pPr indent="0" lvl="1" marL="0" marR="0" algn="r">
+            <a:lvl2pPr marL="0" marR="0" lvl="1" indent="0" algn="r">
               <a:lnSpc>
                 <a:spcPct val="100000"/>
               </a:lnSpc>
@@ -8092,7 +8267,7 @@
               <a:buSzPts val="1200"/>
               <a:buFont typeface="Arial"/>
               <a:buNone/>
-              <a:defRPr b="0" i="0" sz="1200" u="none" cap="none" strike="noStrike">
+              <a:defRPr sz="1200" b="0" i="0" u="none" strike="noStrike" cap="none">
                 <a:solidFill>
                   <a:srgbClr val="888888"/>
                 </a:solidFill>
@@ -8102,7 +8277,7 @@
                 <a:sym typeface="Calibri"/>
               </a:defRPr>
             </a:lvl2pPr>
-            <a:lvl3pPr indent="0" lvl="2" marL="0" marR="0" algn="r">
+            <a:lvl3pPr marL="0" marR="0" lvl="2" indent="0" algn="r">
               <a:lnSpc>
                 <a:spcPct val="100000"/>
               </a:lnSpc>
@@ -8118,7 +8293,7 @@
               <a:buSzPts val="1200"/>
               <a:buFont typeface="Arial"/>
               <a:buNone/>
-              <a:defRPr b="0" i="0" sz="1200" u="none" cap="none" strike="noStrike">
+              <a:defRPr sz="1200" b="0" i="0" u="none" strike="noStrike" cap="none">
                 <a:solidFill>
                   <a:srgbClr val="888888"/>
                 </a:solidFill>
@@ -8128,7 +8303,7 @@
                 <a:sym typeface="Calibri"/>
               </a:defRPr>
             </a:lvl3pPr>
-            <a:lvl4pPr indent="0" lvl="3" marL="0" marR="0" algn="r">
+            <a:lvl4pPr marL="0" marR="0" lvl="3" indent="0" algn="r">
               <a:lnSpc>
                 <a:spcPct val="100000"/>
               </a:lnSpc>
@@ -8144,7 +8319,7 @@
               <a:buSzPts val="1200"/>
               <a:buFont typeface="Arial"/>
               <a:buNone/>
-              <a:defRPr b="0" i="0" sz="1200" u="none" cap="none" strike="noStrike">
+              <a:defRPr sz="1200" b="0" i="0" u="none" strike="noStrike" cap="none">
                 <a:solidFill>
                   <a:srgbClr val="888888"/>
                 </a:solidFill>
@@ -8154,7 +8329,7 @@
                 <a:sym typeface="Calibri"/>
               </a:defRPr>
             </a:lvl4pPr>
-            <a:lvl5pPr indent="0" lvl="4" marL="0" marR="0" algn="r">
+            <a:lvl5pPr marL="0" marR="0" lvl="4" indent="0" algn="r">
               <a:lnSpc>
                 <a:spcPct val="100000"/>
               </a:lnSpc>
@@ -8170,7 +8345,7 @@
               <a:buSzPts val="1200"/>
               <a:buFont typeface="Arial"/>
               <a:buNone/>
-              <a:defRPr b="0" i="0" sz="1200" u="none" cap="none" strike="noStrike">
+              <a:defRPr sz="1200" b="0" i="0" u="none" strike="noStrike" cap="none">
                 <a:solidFill>
                   <a:srgbClr val="888888"/>
                 </a:solidFill>
@@ -8180,7 +8355,7 @@
                 <a:sym typeface="Calibri"/>
               </a:defRPr>
             </a:lvl5pPr>
-            <a:lvl6pPr indent="0" lvl="5" marL="0" marR="0" algn="r">
+            <a:lvl6pPr marL="0" marR="0" lvl="5" indent="0" algn="r">
               <a:lnSpc>
                 <a:spcPct val="100000"/>
               </a:lnSpc>
@@ -8196,7 +8371,7 @@
               <a:buSzPts val="1200"/>
               <a:buFont typeface="Arial"/>
               <a:buNone/>
-              <a:defRPr b="0" i="0" sz="1200" u="none" cap="none" strike="noStrike">
+              <a:defRPr sz="1200" b="0" i="0" u="none" strike="noStrike" cap="none">
                 <a:solidFill>
                   <a:srgbClr val="888888"/>
                 </a:solidFill>
@@ -8206,7 +8381,7 @@
                 <a:sym typeface="Calibri"/>
               </a:defRPr>
             </a:lvl6pPr>
-            <a:lvl7pPr indent="0" lvl="6" marL="0" marR="0" algn="r">
+            <a:lvl7pPr marL="0" marR="0" lvl="6" indent="0" algn="r">
               <a:lnSpc>
                 <a:spcPct val="100000"/>
               </a:lnSpc>
@@ -8222,7 +8397,7 @@
               <a:buSzPts val="1200"/>
               <a:buFont typeface="Arial"/>
               <a:buNone/>
-              <a:defRPr b="0" i="0" sz="1200" u="none" cap="none" strike="noStrike">
+              <a:defRPr sz="1200" b="0" i="0" u="none" strike="noStrike" cap="none">
                 <a:solidFill>
                   <a:srgbClr val="888888"/>
                 </a:solidFill>
@@ -8232,7 +8407,7 @@
                 <a:sym typeface="Calibri"/>
               </a:defRPr>
             </a:lvl7pPr>
-            <a:lvl8pPr indent="0" lvl="7" marL="0" marR="0" algn="r">
+            <a:lvl8pPr marL="0" marR="0" lvl="7" indent="0" algn="r">
               <a:lnSpc>
                 <a:spcPct val="100000"/>
               </a:lnSpc>
@@ -8248,7 +8423,7 @@
               <a:buSzPts val="1200"/>
               <a:buFont typeface="Arial"/>
               <a:buNone/>
-              <a:defRPr b="0" i="0" sz="1200" u="none" cap="none" strike="noStrike">
+              <a:defRPr sz="1200" b="0" i="0" u="none" strike="noStrike" cap="none">
                 <a:solidFill>
                   <a:srgbClr val="888888"/>
                 </a:solidFill>
@@ -8258,7 +8433,7 @@
                 <a:sym typeface="Calibri"/>
               </a:defRPr>
             </a:lvl8pPr>
-            <a:lvl9pPr indent="0" lvl="8" marL="0" marR="0" algn="r">
+            <a:lvl9pPr marL="0" marR="0" lvl="8" indent="0" algn="r">
               <a:lnSpc>
                 <a:spcPct val="100000"/>
               </a:lnSpc>
@@ -8274,7 +8449,7 @@
               <a:buSzPts val="1200"/>
               <a:buFont typeface="Arial"/>
               <a:buNone/>
-              <a:defRPr b="0" i="0" sz="1200" u="none" cap="none" strike="noStrike">
+              <a:defRPr sz="1200" b="0" i="0" u="none" strike="noStrike" cap="none">
                 <a:solidFill>
                   <a:srgbClr val="888888"/>
                 </a:solidFill>
@@ -8286,7 +8461,7 @@
             </a:lvl9pPr>
           </a:lstStyle>
           <a:p>
-            <a:pPr indent="0" lvl="0" marL="0" rtl="0" algn="r">
+            <a:pPr marL="0" lvl="0" indent="0" algn="r" rtl="0">
               <a:spcBef>
                 <a:spcPts val="0"/>
               </a:spcBef>
@@ -8312,11 +8487,11 @@
 </file>
 
 <file path=ppt/slideLayouts/slideLayout5.xml><?xml version="1.0" encoding="utf-8"?>
-<p:sldLayout xmlns:a="http://schemas.openxmlformats.org/drawingml/2006/main" xmlns:r="http://schemas.openxmlformats.org/officeDocument/2006/relationships" xmlns:mc="http://schemas.openxmlformats.org/markup-compatibility/2006" xmlns:mv="urn:schemas-microsoft-com:mac:vml" xmlns:p="http://schemas.openxmlformats.org/presentationml/2006/main" xmlns:c="http://schemas.openxmlformats.org/drawingml/2006/chart" xmlns:dgm="http://schemas.openxmlformats.org/drawingml/2006/diagram" xmlns:o="urn:schemas-microsoft-com:office:office" xmlns:v="urn:schemas-microsoft-com:vml" xmlns:pvml="urn:schemas-microsoft-com:office:powerpoint" xmlns:com="http://schemas.openxmlformats.org/drawingml/2006/compatibility" xmlns:p14="http://schemas.microsoft.com/office/powerpoint/2010/main" xmlns:p15="http://schemas.microsoft.com/office/powerpoint/2012/main" xmlns:ahyp="http://schemas.microsoft.com/office/drawing/2018/hyperlinkcolor" matchingName="Два объекта" type="twoObj">
+<p:sldLayout xmlns:a="http://schemas.openxmlformats.org/drawingml/2006/main" xmlns:r="http://schemas.openxmlformats.org/officeDocument/2006/relationships" xmlns:p="http://schemas.openxmlformats.org/presentationml/2006/main" matchingName="Два объекта" type="twoObj">
   <p:cSld name="TWO_OBJECTS">
     <p:spTree>
       <p:nvGrpSpPr>
-        <p:cNvPr id="37" name="Shape 37"/>
+        <p:cNvPr id="1" name="Shape 37"/>
         <p:cNvGrpSpPr/>
         <p:nvPr/>
       </p:nvGrpSpPr>
@@ -8331,7 +8506,9 @@
       <p:sp>
         <p:nvSpPr>
           <p:cNvPr id="38" name="Google Shape;38;p6"/>
-          <p:cNvSpPr txBox="1"/>
+          <p:cNvSpPr txBox="1">
+            <a:spLocks noGrp="1"/>
+          </p:cNvSpPr>
           <p:nvPr>
             <p:ph type="title"/>
           </p:nvPr>
@@ -8350,7 +8527,7 @@
           </a:ln>
         </p:spPr>
         <p:txBody>
-          <a:bodyPr anchorCtr="0" anchor="ctr" bIns="45700" lIns="91425" spcFirstLastPara="1" rIns="91425" wrap="square" tIns="45700">
+          <a:bodyPr spcFirstLastPara="1" wrap="square" lIns="91425" tIns="45700" rIns="91425" bIns="45700" anchor="ctr" anchorCtr="0">
             <a:normAutofit/>
           </a:bodyPr>
           <a:lstStyle>
@@ -8484,15 +8661,19 @@
               <a:defRPr/>
             </a:lvl9pPr>
           </a:lstStyle>
-          <a:p/>
+          <a:p>
+            <a:endParaRPr/>
+          </a:p>
         </p:txBody>
       </p:sp>
       <p:sp>
         <p:nvSpPr>
           <p:cNvPr id="39" name="Google Shape;39;p6"/>
-          <p:cNvSpPr txBox="1"/>
+          <p:cNvSpPr txBox="1">
+            <a:spLocks noGrp="1"/>
+          </p:cNvSpPr>
           <p:nvPr>
-            <p:ph idx="1" type="body"/>
+            <p:ph type="body" idx="1"/>
           </p:nvPr>
         </p:nvSpPr>
         <p:spPr>
@@ -8509,11 +8690,11 @@
           </a:ln>
         </p:spPr>
         <p:txBody>
-          <a:bodyPr anchorCtr="0" anchor="t" bIns="45700" lIns="91425" spcFirstLastPara="1" rIns="91425" wrap="square" tIns="45700">
+          <a:bodyPr spcFirstLastPara="1" wrap="square" lIns="91425" tIns="45700" rIns="91425" bIns="45700" anchor="t" anchorCtr="0">
             <a:normAutofit/>
           </a:bodyPr>
           <a:lstStyle>
-            <a:lvl1pPr indent="-342900" lvl="0" marL="457200" algn="l">
+            <a:lvl1pPr marL="457200" lvl="0" indent="-342900" algn="l">
               <a:lnSpc>
                 <a:spcPct val="90000"/>
               </a:lnSpc>
@@ -8530,7 +8711,7 @@
               <a:buChar char="•"/>
               <a:defRPr/>
             </a:lvl1pPr>
-            <a:lvl2pPr indent="-342900" lvl="1" marL="914400" algn="l">
+            <a:lvl2pPr marL="914400" lvl="1" indent="-342900" algn="l">
               <a:lnSpc>
                 <a:spcPct val="90000"/>
               </a:lnSpc>
@@ -8547,7 +8728,7 @@
               <a:buChar char="•"/>
               <a:defRPr/>
             </a:lvl2pPr>
-            <a:lvl3pPr indent="-342900" lvl="2" marL="1371600" algn="l">
+            <a:lvl3pPr marL="1371600" lvl="2" indent="-342900" algn="l">
               <a:lnSpc>
                 <a:spcPct val="90000"/>
               </a:lnSpc>
@@ -8564,7 +8745,7 @@
               <a:buChar char="•"/>
               <a:defRPr/>
             </a:lvl3pPr>
-            <a:lvl4pPr indent="-342900" lvl="3" marL="1828800" algn="l">
+            <a:lvl4pPr marL="1828800" lvl="3" indent="-342900" algn="l">
               <a:lnSpc>
                 <a:spcPct val="90000"/>
               </a:lnSpc>
@@ -8581,7 +8762,7 @@
               <a:buChar char="•"/>
               <a:defRPr/>
             </a:lvl4pPr>
-            <a:lvl5pPr indent="-342900" lvl="4" marL="2286000" algn="l">
+            <a:lvl5pPr marL="2286000" lvl="4" indent="-342900" algn="l">
               <a:lnSpc>
                 <a:spcPct val="90000"/>
               </a:lnSpc>
@@ -8598,7 +8779,7 @@
               <a:buChar char="•"/>
               <a:defRPr/>
             </a:lvl5pPr>
-            <a:lvl6pPr indent="-342900" lvl="5" marL="2743200" algn="l">
+            <a:lvl6pPr marL="2743200" lvl="5" indent="-342900" algn="l">
               <a:lnSpc>
                 <a:spcPct val="90000"/>
               </a:lnSpc>
@@ -8615,7 +8796,7 @@
               <a:buChar char="•"/>
               <a:defRPr/>
             </a:lvl6pPr>
-            <a:lvl7pPr indent="-342900" lvl="6" marL="3200400" algn="l">
+            <a:lvl7pPr marL="3200400" lvl="6" indent="-342900" algn="l">
               <a:lnSpc>
                 <a:spcPct val="90000"/>
               </a:lnSpc>
@@ -8632,7 +8813,7 @@
               <a:buChar char="•"/>
               <a:defRPr/>
             </a:lvl7pPr>
-            <a:lvl8pPr indent="-342900" lvl="7" marL="3657600" algn="l">
+            <a:lvl8pPr marL="3657600" lvl="7" indent="-342900" algn="l">
               <a:lnSpc>
                 <a:spcPct val="90000"/>
               </a:lnSpc>
@@ -8649,7 +8830,7 @@
               <a:buChar char="•"/>
               <a:defRPr/>
             </a:lvl8pPr>
-            <a:lvl9pPr indent="-342900" lvl="8" marL="4114800" algn="l">
+            <a:lvl9pPr marL="4114800" lvl="8" indent="-342900" algn="l">
               <a:lnSpc>
                 <a:spcPct val="90000"/>
               </a:lnSpc>
@@ -8667,15 +8848,19 @@
               <a:defRPr/>
             </a:lvl9pPr>
           </a:lstStyle>
-          <a:p/>
+          <a:p>
+            <a:endParaRPr/>
+          </a:p>
         </p:txBody>
       </p:sp>
       <p:sp>
         <p:nvSpPr>
           <p:cNvPr id="40" name="Google Shape;40;p6"/>
-          <p:cNvSpPr txBox="1"/>
+          <p:cNvSpPr txBox="1">
+            <a:spLocks noGrp="1"/>
+          </p:cNvSpPr>
           <p:nvPr>
-            <p:ph idx="2" type="body"/>
+            <p:ph type="body" idx="2"/>
           </p:nvPr>
         </p:nvSpPr>
         <p:spPr>
@@ -8692,11 +8877,11 @@
           </a:ln>
         </p:spPr>
         <p:txBody>
-          <a:bodyPr anchorCtr="0" anchor="t" bIns="45700" lIns="91425" spcFirstLastPara="1" rIns="91425" wrap="square" tIns="45700">
+          <a:bodyPr spcFirstLastPara="1" wrap="square" lIns="91425" tIns="45700" rIns="91425" bIns="45700" anchor="t" anchorCtr="0">
             <a:normAutofit/>
           </a:bodyPr>
           <a:lstStyle>
-            <a:lvl1pPr indent="-342900" lvl="0" marL="457200" algn="l">
+            <a:lvl1pPr marL="457200" lvl="0" indent="-342900" algn="l">
               <a:lnSpc>
                 <a:spcPct val="90000"/>
               </a:lnSpc>
@@ -8713,7 +8898,7 @@
               <a:buChar char="•"/>
               <a:defRPr/>
             </a:lvl1pPr>
-            <a:lvl2pPr indent="-342900" lvl="1" marL="914400" algn="l">
+            <a:lvl2pPr marL="914400" lvl="1" indent="-342900" algn="l">
               <a:lnSpc>
                 <a:spcPct val="90000"/>
               </a:lnSpc>
@@ -8730,7 +8915,7 @@
               <a:buChar char="•"/>
               <a:defRPr/>
             </a:lvl2pPr>
-            <a:lvl3pPr indent="-342900" lvl="2" marL="1371600" algn="l">
+            <a:lvl3pPr marL="1371600" lvl="2" indent="-342900" algn="l">
               <a:lnSpc>
                 <a:spcPct val="90000"/>
               </a:lnSpc>
@@ -8747,7 +8932,7 @@
               <a:buChar char="•"/>
               <a:defRPr/>
             </a:lvl3pPr>
-            <a:lvl4pPr indent="-342900" lvl="3" marL="1828800" algn="l">
+            <a:lvl4pPr marL="1828800" lvl="3" indent="-342900" algn="l">
               <a:lnSpc>
                 <a:spcPct val="90000"/>
               </a:lnSpc>
@@ -8764,7 +8949,7 @@
               <a:buChar char="•"/>
               <a:defRPr/>
             </a:lvl4pPr>
-            <a:lvl5pPr indent="-342900" lvl="4" marL="2286000" algn="l">
+            <a:lvl5pPr marL="2286000" lvl="4" indent="-342900" algn="l">
               <a:lnSpc>
                 <a:spcPct val="90000"/>
               </a:lnSpc>
@@ -8781,7 +8966,7 @@
               <a:buChar char="•"/>
               <a:defRPr/>
             </a:lvl5pPr>
-            <a:lvl6pPr indent="-342900" lvl="5" marL="2743200" algn="l">
+            <a:lvl6pPr marL="2743200" lvl="5" indent="-342900" algn="l">
               <a:lnSpc>
                 <a:spcPct val="90000"/>
               </a:lnSpc>
@@ -8798,7 +8983,7 @@
               <a:buChar char="•"/>
               <a:defRPr/>
             </a:lvl6pPr>
-            <a:lvl7pPr indent="-342900" lvl="6" marL="3200400" algn="l">
+            <a:lvl7pPr marL="3200400" lvl="6" indent="-342900" algn="l">
               <a:lnSpc>
                 <a:spcPct val="90000"/>
               </a:lnSpc>
@@ -8815,7 +9000,7 @@
               <a:buChar char="•"/>
               <a:defRPr/>
             </a:lvl7pPr>
-            <a:lvl8pPr indent="-342900" lvl="7" marL="3657600" algn="l">
+            <a:lvl8pPr marL="3657600" lvl="7" indent="-342900" algn="l">
               <a:lnSpc>
                 <a:spcPct val="90000"/>
               </a:lnSpc>
@@ -8832,7 +9017,7 @@
               <a:buChar char="•"/>
               <a:defRPr/>
             </a:lvl8pPr>
-            <a:lvl9pPr indent="-342900" lvl="8" marL="4114800" algn="l">
+            <a:lvl9pPr marL="4114800" lvl="8" indent="-342900" algn="l">
               <a:lnSpc>
                 <a:spcPct val="90000"/>
               </a:lnSpc>
@@ -8850,15 +9035,19 @@
               <a:defRPr/>
             </a:lvl9pPr>
           </a:lstStyle>
-          <a:p/>
+          <a:p>
+            <a:endParaRPr/>
+          </a:p>
         </p:txBody>
       </p:sp>
       <p:sp>
         <p:nvSpPr>
           <p:cNvPr id="41" name="Google Shape;41;p6"/>
-          <p:cNvSpPr txBox="1"/>
+          <p:cNvSpPr txBox="1">
+            <a:spLocks noGrp="1"/>
+          </p:cNvSpPr>
           <p:nvPr>
-            <p:ph idx="10" type="dt"/>
+            <p:ph type="dt" idx="10"/>
           </p:nvPr>
         </p:nvSpPr>
         <p:spPr>
@@ -8875,7 +9064,7 @@
           </a:ln>
         </p:spPr>
         <p:txBody>
-          <a:bodyPr anchorCtr="0" anchor="ctr" bIns="45700" lIns="91425" spcFirstLastPara="1" rIns="91425" wrap="square" tIns="45700">
+          <a:bodyPr spcFirstLastPara="1" wrap="square" lIns="91425" tIns="45700" rIns="91425" bIns="45700" anchor="ctr" anchorCtr="0">
             <a:noAutofit/>
           </a:bodyPr>
           <a:lstStyle>
@@ -9006,15 +9195,19 @@
               <a:defRPr/>
             </a:lvl9pPr>
           </a:lstStyle>
-          <a:p/>
+          <a:p>
+            <a:endParaRPr/>
+          </a:p>
         </p:txBody>
       </p:sp>
       <p:sp>
         <p:nvSpPr>
           <p:cNvPr id="42" name="Google Shape;42;p6"/>
-          <p:cNvSpPr txBox="1"/>
+          <p:cNvSpPr txBox="1">
+            <a:spLocks noGrp="1"/>
+          </p:cNvSpPr>
           <p:nvPr>
-            <p:ph idx="11" type="ftr"/>
+            <p:ph type="ftr" idx="11"/>
           </p:nvPr>
         </p:nvSpPr>
         <p:spPr>
@@ -9031,7 +9224,7 @@
           </a:ln>
         </p:spPr>
         <p:txBody>
-          <a:bodyPr anchorCtr="0" anchor="ctr" bIns="45700" lIns="91425" spcFirstLastPara="1" rIns="91425" wrap="square" tIns="45700">
+          <a:bodyPr spcFirstLastPara="1" wrap="square" lIns="91425" tIns="45700" rIns="91425" bIns="45700" anchor="ctr" anchorCtr="0">
             <a:noAutofit/>
           </a:bodyPr>
           <a:lstStyle>
@@ -9162,15 +9355,19 @@
               <a:defRPr/>
             </a:lvl9pPr>
           </a:lstStyle>
-          <a:p/>
+          <a:p>
+            <a:endParaRPr/>
+          </a:p>
         </p:txBody>
       </p:sp>
       <p:sp>
         <p:nvSpPr>
           <p:cNvPr id="43" name="Google Shape;43;p6"/>
-          <p:cNvSpPr txBox="1"/>
+          <p:cNvSpPr txBox="1">
+            <a:spLocks noGrp="1"/>
+          </p:cNvSpPr>
           <p:nvPr>
-            <p:ph idx="12" type="sldNum"/>
+            <p:ph type="sldNum" idx="12"/>
           </p:nvPr>
         </p:nvSpPr>
         <p:spPr>
@@ -9187,11 +9384,11 @@
           </a:ln>
         </p:spPr>
         <p:txBody>
-          <a:bodyPr anchorCtr="0" anchor="ctr" bIns="45700" lIns="91425" spcFirstLastPara="1" rIns="91425" wrap="square" tIns="45700">
+          <a:bodyPr spcFirstLastPara="1" wrap="square" lIns="91425" tIns="45700" rIns="91425" bIns="45700" anchor="ctr" anchorCtr="0">
             <a:noAutofit/>
           </a:bodyPr>
           <a:lstStyle>
-            <a:lvl1pPr indent="0" lvl="0" marL="0" marR="0" algn="r">
+            <a:lvl1pPr marL="0" marR="0" lvl="0" indent="0" algn="r">
               <a:lnSpc>
                 <a:spcPct val="100000"/>
               </a:lnSpc>
@@ -9207,7 +9404,7 @@
               <a:buSzPts val="1200"/>
               <a:buFont typeface="Arial"/>
               <a:buNone/>
-              <a:defRPr b="0" i="0" sz="1200" u="none" cap="none" strike="noStrike">
+              <a:defRPr sz="1200" b="0" i="0" u="none" strike="noStrike" cap="none">
                 <a:solidFill>
                   <a:srgbClr val="888888"/>
                 </a:solidFill>
@@ -9217,7 +9414,7 @@
                 <a:sym typeface="Calibri"/>
               </a:defRPr>
             </a:lvl1pPr>
-            <a:lvl2pPr indent="0" lvl="1" marL="0" marR="0" algn="r">
+            <a:lvl2pPr marL="0" marR="0" lvl="1" indent="0" algn="r">
               <a:lnSpc>
                 <a:spcPct val="100000"/>
               </a:lnSpc>
@@ -9233,7 +9430,7 @@
               <a:buSzPts val="1200"/>
               <a:buFont typeface="Arial"/>
               <a:buNone/>
-              <a:defRPr b="0" i="0" sz="1200" u="none" cap="none" strike="noStrike">
+              <a:defRPr sz="1200" b="0" i="0" u="none" strike="noStrike" cap="none">
                 <a:solidFill>
                   <a:srgbClr val="888888"/>
                 </a:solidFill>
@@ -9243,7 +9440,7 @@
                 <a:sym typeface="Calibri"/>
               </a:defRPr>
             </a:lvl2pPr>
-            <a:lvl3pPr indent="0" lvl="2" marL="0" marR="0" algn="r">
+            <a:lvl3pPr marL="0" marR="0" lvl="2" indent="0" algn="r">
               <a:lnSpc>
                 <a:spcPct val="100000"/>
               </a:lnSpc>
@@ -9259,7 +9456,7 @@
               <a:buSzPts val="1200"/>
               <a:buFont typeface="Arial"/>
               <a:buNone/>
-              <a:defRPr b="0" i="0" sz="1200" u="none" cap="none" strike="noStrike">
+              <a:defRPr sz="1200" b="0" i="0" u="none" strike="noStrike" cap="none">
                 <a:solidFill>
                   <a:srgbClr val="888888"/>
                 </a:solidFill>
@@ -9269,7 +9466,7 @@
                 <a:sym typeface="Calibri"/>
               </a:defRPr>
             </a:lvl3pPr>
-            <a:lvl4pPr indent="0" lvl="3" marL="0" marR="0" algn="r">
+            <a:lvl4pPr marL="0" marR="0" lvl="3" indent="0" algn="r">
               <a:lnSpc>
                 <a:spcPct val="100000"/>
               </a:lnSpc>
@@ -9285,7 +9482,7 @@
               <a:buSzPts val="1200"/>
               <a:buFont typeface="Arial"/>
               <a:buNone/>
-              <a:defRPr b="0" i="0" sz="1200" u="none" cap="none" strike="noStrike">
+              <a:defRPr sz="1200" b="0" i="0" u="none" strike="noStrike" cap="none">
                 <a:solidFill>
                   <a:srgbClr val="888888"/>
                 </a:solidFill>
@@ -9295,7 +9492,7 @@
                 <a:sym typeface="Calibri"/>
               </a:defRPr>
             </a:lvl4pPr>
-            <a:lvl5pPr indent="0" lvl="4" marL="0" marR="0" algn="r">
+            <a:lvl5pPr marL="0" marR="0" lvl="4" indent="0" algn="r">
               <a:lnSpc>
                 <a:spcPct val="100000"/>
               </a:lnSpc>
@@ -9311,7 +9508,7 @@
               <a:buSzPts val="1200"/>
               <a:buFont typeface="Arial"/>
               <a:buNone/>
-              <a:defRPr b="0" i="0" sz="1200" u="none" cap="none" strike="noStrike">
+              <a:defRPr sz="1200" b="0" i="0" u="none" strike="noStrike" cap="none">
                 <a:solidFill>
                   <a:srgbClr val="888888"/>
                 </a:solidFill>
@@ -9321,7 +9518,7 @@
                 <a:sym typeface="Calibri"/>
               </a:defRPr>
             </a:lvl5pPr>
-            <a:lvl6pPr indent="0" lvl="5" marL="0" marR="0" algn="r">
+            <a:lvl6pPr marL="0" marR="0" lvl="5" indent="0" algn="r">
               <a:lnSpc>
                 <a:spcPct val="100000"/>
               </a:lnSpc>
@@ -9337,7 +9534,7 @@
               <a:buSzPts val="1200"/>
               <a:buFont typeface="Arial"/>
               <a:buNone/>
-              <a:defRPr b="0" i="0" sz="1200" u="none" cap="none" strike="noStrike">
+              <a:defRPr sz="1200" b="0" i="0" u="none" strike="noStrike" cap="none">
                 <a:solidFill>
                   <a:srgbClr val="888888"/>
                 </a:solidFill>
@@ -9347,7 +9544,7 @@
                 <a:sym typeface="Calibri"/>
               </a:defRPr>
             </a:lvl6pPr>
-            <a:lvl7pPr indent="0" lvl="6" marL="0" marR="0" algn="r">
+            <a:lvl7pPr marL="0" marR="0" lvl="6" indent="0" algn="r">
               <a:lnSpc>
                 <a:spcPct val="100000"/>
               </a:lnSpc>
@@ -9363,7 +9560,7 @@
               <a:buSzPts val="1200"/>
               <a:buFont typeface="Arial"/>
               <a:buNone/>
-              <a:defRPr b="0" i="0" sz="1200" u="none" cap="none" strike="noStrike">
+              <a:defRPr sz="1200" b="0" i="0" u="none" strike="noStrike" cap="none">
                 <a:solidFill>
                   <a:srgbClr val="888888"/>
                 </a:solidFill>
@@ -9373,7 +9570,7 @@
                 <a:sym typeface="Calibri"/>
               </a:defRPr>
             </a:lvl7pPr>
-            <a:lvl8pPr indent="0" lvl="7" marL="0" marR="0" algn="r">
+            <a:lvl8pPr marL="0" marR="0" lvl="7" indent="0" algn="r">
               <a:lnSpc>
                 <a:spcPct val="100000"/>
               </a:lnSpc>
@@ -9389,7 +9586,7 @@
               <a:buSzPts val="1200"/>
               <a:buFont typeface="Arial"/>
               <a:buNone/>
-              <a:defRPr b="0" i="0" sz="1200" u="none" cap="none" strike="noStrike">
+              <a:defRPr sz="1200" b="0" i="0" u="none" strike="noStrike" cap="none">
                 <a:solidFill>
                   <a:srgbClr val="888888"/>
                 </a:solidFill>
@@ -9399,7 +9596,7 @@
                 <a:sym typeface="Calibri"/>
               </a:defRPr>
             </a:lvl8pPr>
-            <a:lvl9pPr indent="0" lvl="8" marL="0" marR="0" algn="r">
+            <a:lvl9pPr marL="0" marR="0" lvl="8" indent="0" algn="r">
               <a:lnSpc>
                 <a:spcPct val="100000"/>
               </a:lnSpc>
@@ -9415,7 +9612,7 @@
               <a:buSzPts val="1200"/>
               <a:buFont typeface="Arial"/>
               <a:buNone/>
-              <a:defRPr b="0" i="0" sz="1200" u="none" cap="none" strike="noStrike">
+              <a:defRPr sz="1200" b="0" i="0" u="none" strike="noStrike" cap="none">
                 <a:solidFill>
                   <a:srgbClr val="888888"/>
                 </a:solidFill>
@@ -9427,7 +9624,7 @@
             </a:lvl9pPr>
           </a:lstStyle>
           <a:p>
-            <a:pPr indent="0" lvl="0" marL="0" rtl="0" algn="r">
+            <a:pPr marL="0" lvl="0" indent="0" algn="r" rtl="0">
               <a:spcBef>
                 <a:spcPts val="0"/>
               </a:spcBef>
@@ -9453,11 +9650,11 @@
 </file>
 
 <file path=ppt/slideLayouts/slideLayout6.xml><?xml version="1.0" encoding="utf-8"?>
-<p:sldLayout xmlns:a="http://schemas.openxmlformats.org/drawingml/2006/main" xmlns:r="http://schemas.openxmlformats.org/officeDocument/2006/relationships" xmlns:mc="http://schemas.openxmlformats.org/markup-compatibility/2006" xmlns:mv="urn:schemas-microsoft-com:mac:vml" xmlns:p="http://schemas.openxmlformats.org/presentationml/2006/main" xmlns:c="http://schemas.openxmlformats.org/drawingml/2006/chart" xmlns:dgm="http://schemas.openxmlformats.org/drawingml/2006/diagram" xmlns:o="urn:schemas-microsoft-com:office:office" xmlns:v="urn:schemas-microsoft-com:vml" xmlns:pvml="urn:schemas-microsoft-com:office:powerpoint" xmlns:com="http://schemas.openxmlformats.org/drawingml/2006/compatibility" xmlns:p14="http://schemas.microsoft.com/office/powerpoint/2010/main" xmlns:p15="http://schemas.microsoft.com/office/powerpoint/2012/main" xmlns:ahyp="http://schemas.microsoft.com/office/drawing/2018/hyperlinkcolor" matchingName="Сравнение" type="twoTxTwoObj">
+<p:sldLayout xmlns:a="http://schemas.openxmlformats.org/drawingml/2006/main" xmlns:r="http://schemas.openxmlformats.org/officeDocument/2006/relationships" xmlns:p="http://schemas.openxmlformats.org/presentationml/2006/main" matchingName="Сравнение" type="twoTxTwoObj">
   <p:cSld name="TWO_OBJECTS_WITH_TEXT">
     <p:spTree>
       <p:nvGrpSpPr>
-        <p:cNvPr id="44" name="Shape 44"/>
+        <p:cNvPr id="1" name="Shape 44"/>
         <p:cNvGrpSpPr/>
         <p:nvPr/>
       </p:nvGrpSpPr>
@@ -9472,7 +9669,9 @@
       <p:sp>
         <p:nvSpPr>
           <p:cNvPr id="45" name="Google Shape;45;p7"/>
-          <p:cNvSpPr txBox="1"/>
+          <p:cNvSpPr txBox="1">
+            <a:spLocks noGrp="1"/>
+          </p:cNvSpPr>
           <p:nvPr>
             <p:ph type="title"/>
           </p:nvPr>
@@ -9491,7 +9690,7 @@
           </a:ln>
         </p:spPr>
         <p:txBody>
-          <a:bodyPr anchorCtr="0" anchor="ctr" bIns="45700" lIns="91425" spcFirstLastPara="1" rIns="91425" wrap="square" tIns="45700">
+          <a:bodyPr spcFirstLastPara="1" wrap="square" lIns="91425" tIns="45700" rIns="91425" bIns="45700" anchor="ctr" anchorCtr="0">
             <a:normAutofit/>
           </a:bodyPr>
           <a:lstStyle>
@@ -9625,15 +9824,19 @@
               <a:defRPr/>
             </a:lvl9pPr>
           </a:lstStyle>
-          <a:p/>
+          <a:p>
+            <a:endParaRPr/>
+          </a:p>
         </p:txBody>
       </p:sp>
       <p:sp>
         <p:nvSpPr>
           <p:cNvPr id="46" name="Google Shape;46;p7"/>
-          <p:cNvSpPr txBox="1"/>
+          <p:cNvSpPr txBox="1">
+            <a:spLocks noGrp="1"/>
+          </p:cNvSpPr>
           <p:nvPr>
-            <p:ph idx="1" type="body"/>
+            <p:ph type="body" idx="1"/>
           </p:nvPr>
         </p:nvSpPr>
         <p:spPr>
@@ -9650,11 +9853,11 @@
           </a:ln>
         </p:spPr>
         <p:txBody>
-          <a:bodyPr anchorCtr="0" anchor="b" bIns="45700" lIns="91425" spcFirstLastPara="1" rIns="91425" wrap="square" tIns="45700">
+          <a:bodyPr spcFirstLastPara="1" wrap="square" lIns="91425" tIns="45700" rIns="91425" bIns="45700" anchor="b" anchorCtr="0">
             <a:normAutofit/>
           </a:bodyPr>
           <a:lstStyle>
-            <a:lvl1pPr indent="-228600" lvl="0" marL="457200" algn="l">
+            <a:lvl1pPr marL="457200" lvl="0" indent="-228600" algn="l">
               <a:lnSpc>
                 <a:spcPct val="90000"/>
               </a:lnSpc>
@@ -9669,9 +9872,9 @@
               </a:buClr>
               <a:buSzPts val="2400"/>
               <a:buNone/>
-              <a:defRPr b="1" sz="2400"/>
+              <a:defRPr sz="2400" b="1"/>
             </a:lvl1pPr>
-            <a:lvl2pPr indent="-228600" lvl="1" marL="914400" algn="l">
+            <a:lvl2pPr marL="914400" lvl="1" indent="-228600" algn="l">
               <a:lnSpc>
                 <a:spcPct val="90000"/>
               </a:lnSpc>
@@ -9686,9 +9889,9 @@
               </a:buClr>
               <a:buSzPts val="2000"/>
               <a:buNone/>
-              <a:defRPr b="1" sz="2000"/>
+              <a:defRPr sz="2000" b="1"/>
             </a:lvl2pPr>
-            <a:lvl3pPr indent="-228600" lvl="2" marL="1371600" algn="l">
+            <a:lvl3pPr marL="1371600" lvl="2" indent="-228600" algn="l">
               <a:lnSpc>
                 <a:spcPct val="90000"/>
               </a:lnSpc>
@@ -9703,9 +9906,9 @@
               </a:buClr>
               <a:buSzPts val="1800"/>
               <a:buNone/>
-              <a:defRPr b="1" sz="1800"/>
+              <a:defRPr sz="1800" b="1"/>
             </a:lvl3pPr>
-            <a:lvl4pPr indent="-228600" lvl="3" marL="1828800" algn="l">
+            <a:lvl4pPr marL="1828800" lvl="3" indent="-228600" algn="l">
               <a:lnSpc>
                 <a:spcPct val="90000"/>
               </a:lnSpc>
@@ -9720,9 +9923,9 @@
               </a:buClr>
               <a:buSzPts val="1600"/>
               <a:buNone/>
-              <a:defRPr b="1" sz="1600"/>
+              <a:defRPr sz="1600" b="1"/>
             </a:lvl4pPr>
-            <a:lvl5pPr indent="-228600" lvl="4" marL="2286000" algn="l">
+            <a:lvl5pPr marL="2286000" lvl="4" indent="-228600" algn="l">
               <a:lnSpc>
                 <a:spcPct val="90000"/>
               </a:lnSpc>
@@ -9737,9 +9940,9 @@
               </a:buClr>
               <a:buSzPts val="1600"/>
               <a:buNone/>
-              <a:defRPr b="1" sz="1600"/>
+              <a:defRPr sz="1600" b="1"/>
             </a:lvl5pPr>
-            <a:lvl6pPr indent="-228600" lvl="5" marL="2743200" algn="l">
+            <a:lvl6pPr marL="2743200" lvl="5" indent="-228600" algn="l">
               <a:lnSpc>
                 <a:spcPct val="90000"/>
               </a:lnSpc>
@@ -9754,9 +9957,9 @@
               </a:buClr>
               <a:buSzPts val="1600"/>
               <a:buNone/>
-              <a:defRPr b="1" sz="1600"/>
+              <a:defRPr sz="1600" b="1"/>
             </a:lvl6pPr>
-            <a:lvl7pPr indent="-228600" lvl="6" marL="3200400" algn="l">
+            <a:lvl7pPr marL="3200400" lvl="6" indent="-228600" algn="l">
               <a:lnSpc>
                 <a:spcPct val="90000"/>
               </a:lnSpc>
@@ -9771,9 +9974,9 @@
               </a:buClr>
               <a:buSzPts val="1600"/>
               <a:buNone/>
-              <a:defRPr b="1" sz="1600"/>
+              <a:defRPr sz="1600" b="1"/>
             </a:lvl7pPr>
-            <a:lvl8pPr indent="-228600" lvl="7" marL="3657600" algn="l">
+            <a:lvl8pPr marL="3657600" lvl="7" indent="-228600" algn="l">
               <a:lnSpc>
                 <a:spcPct val="90000"/>
               </a:lnSpc>
@@ -9788,9 +9991,9 @@
               </a:buClr>
               <a:buSzPts val="1600"/>
               <a:buNone/>
-              <a:defRPr b="1" sz="1600"/>
+              <a:defRPr sz="1600" b="1"/>
             </a:lvl8pPr>
-            <a:lvl9pPr indent="-228600" lvl="8" marL="4114800" algn="l">
+            <a:lvl9pPr marL="4114800" lvl="8" indent="-228600" algn="l">
               <a:lnSpc>
                 <a:spcPct val="90000"/>
               </a:lnSpc>
@@ -9805,18 +10008,22 @@
               </a:buClr>
               <a:buSzPts val="1600"/>
               <a:buNone/>
-              <a:defRPr b="1" sz="1600"/>
+              <a:defRPr sz="1600" b="1"/>
             </a:lvl9pPr>
           </a:lstStyle>
-          <a:p/>
+          <a:p>
+            <a:endParaRPr/>
+          </a:p>
         </p:txBody>
       </p:sp>
       <p:sp>
         <p:nvSpPr>
           <p:cNvPr id="47" name="Google Shape;47;p7"/>
-          <p:cNvSpPr txBox="1"/>
+          <p:cNvSpPr txBox="1">
+            <a:spLocks noGrp="1"/>
+          </p:cNvSpPr>
           <p:nvPr>
-            <p:ph idx="2" type="body"/>
+            <p:ph type="body" idx="2"/>
           </p:nvPr>
         </p:nvSpPr>
         <p:spPr>
@@ -9833,11 +10040,11 @@
           </a:ln>
         </p:spPr>
         <p:txBody>
-          <a:bodyPr anchorCtr="0" anchor="t" bIns="45700" lIns="91425" spcFirstLastPara="1" rIns="91425" wrap="square" tIns="45700">
+          <a:bodyPr spcFirstLastPara="1" wrap="square" lIns="91425" tIns="45700" rIns="91425" bIns="45700" anchor="t" anchorCtr="0">
             <a:normAutofit/>
           </a:bodyPr>
           <a:lstStyle>
-            <a:lvl1pPr indent="-342900" lvl="0" marL="457200" algn="l">
+            <a:lvl1pPr marL="457200" lvl="0" indent="-342900" algn="l">
               <a:lnSpc>
                 <a:spcPct val="90000"/>
               </a:lnSpc>
@@ -9854,7 +10061,7 @@
               <a:buChar char="•"/>
               <a:defRPr/>
             </a:lvl1pPr>
-            <a:lvl2pPr indent="-342900" lvl="1" marL="914400" algn="l">
+            <a:lvl2pPr marL="914400" lvl="1" indent="-342900" algn="l">
               <a:lnSpc>
                 <a:spcPct val="90000"/>
               </a:lnSpc>
@@ -9871,7 +10078,7 @@
               <a:buChar char="•"/>
               <a:defRPr/>
             </a:lvl2pPr>
-            <a:lvl3pPr indent="-342900" lvl="2" marL="1371600" algn="l">
+            <a:lvl3pPr marL="1371600" lvl="2" indent="-342900" algn="l">
               <a:lnSpc>
                 <a:spcPct val="90000"/>
               </a:lnSpc>
@@ -9888,7 +10095,7 @@
               <a:buChar char="•"/>
               <a:defRPr/>
             </a:lvl3pPr>
-            <a:lvl4pPr indent="-342900" lvl="3" marL="1828800" algn="l">
+            <a:lvl4pPr marL="1828800" lvl="3" indent="-342900" algn="l">
               <a:lnSpc>
                 <a:spcPct val="90000"/>
               </a:lnSpc>
@@ -9905,7 +10112,7 @@
               <a:buChar char="•"/>
               <a:defRPr/>
             </a:lvl4pPr>
-            <a:lvl5pPr indent="-342900" lvl="4" marL="2286000" algn="l">
+            <a:lvl5pPr marL="2286000" lvl="4" indent="-342900" algn="l">
               <a:lnSpc>
                 <a:spcPct val="90000"/>
               </a:lnSpc>
@@ -9922,7 +10129,7 @@
               <a:buChar char="•"/>
               <a:defRPr/>
             </a:lvl5pPr>
-            <a:lvl6pPr indent="-342900" lvl="5" marL="2743200" algn="l">
+            <a:lvl6pPr marL="2743200" lvl="5" indent="-342900" algn="l">
               <a:lnSpc>
                 <a:spcPct val="90000"/>
               </a:lnSpc>
@@ -9939,7 +10146,7 @@
               <a:buChar char="•"/>
               <a:defRPr/>
             </a:lvl6pPr>
-            <a:lvl7pPr indent="-342900" lvl="6" marL="3200400" algn="l">
+            <a:lvl7pPr marL="3200400" lvl="6" indent="-342900" algn="l">
               <a:lnSpc>
                 <a:spcPct val="90000"/>
               </a:lnSpc>
@@ -9956,7 +10163,7 @@
               <a:buChar char="•"/>
               <a:defRPr/>
             </a:lvl7pPr>
-            <a:lvl8pPr indent="-342900" lvl="7" marL="3657600" algn="l">
+            <a:lvl8pPr marL="3657600" lvl="7" indent="-342900" algn="l">
               <a:lnSpc>
                 <a:spcPct val="90000"/>
               </a:lnSpc>
@@ -9973,7 +10180,7 @@
               <a:buChar char="•"/>
               <a:defRPr/>
             </a:lvl8pPr>
-            <a:lvl9pPr indent="-342900" lvl="8" marL="4114800" algn="l">
+            <a:lvl9pPr marL="4114800" lvl="8" indent="-342900" algn="l">
               <a:lnSpc>
                 <a:spcPct val="90000"/>
               </a:lnSpc>
@@ -9991,15 +10198,19 @@
               <a:defRPr/>
             </a:lvl9pPr>
           </a:lstStyle>
-          <a:p/>
+          <a:p>
+            <a:endParaRPr/>
+          </a:p>
         </p:txBody>
       </p:sp>
       <p:sp>
         <p:nvSpPr>
           <p:cNvPr id="48" name="Google Shape;48;p7"/>
-          <p:cNvSpPr txBox="1"/>
+          <p:cNvSpPr txBox="1">
+            <a:spLocks noGrp="1"/>
+          </p:cNvSpPr>
           <p:nvPr>
-            <p:ph idx="3" type="body"/>
+            <p:ph type="body" idx="3"/>
           </p:nvPr>
         </p:nvSpPr>
         <p:spPr>
@@ -10016,11 +10227,11 @@
           </a:ln>
         </p:spPr>
         <p:txBody>
-          <a:bodyPr anchorCtr="0" anchor="b" bIns="45700" lIns="91425" spcFirstLastPara="1" rIns="91425" wrap="square" tIns="45700">
+          <a:bodyPr spcFirstLastPara="1" wrap="square" lIns="91425" tIns="45700" rIns="91425" bIns="45700" anchor="b" anchorCtr="0">
             <a:normAutofit/>
           </a:bodyPr>
           <a:lstStyle>
-            <a:lvl1pPr indent="-228600" lvl="0" marL="457200" algn="l">
+            <a:lvl1pPr marL="457200" lvl="0" indent="-228600" algn="l">
               <a:lnSpc>
                 <a:spcPct val="90000"/>
               </a:lnSpc>
@@ -10035,9 +10246,9 @@
               </a:buClr>
               <a:buSzPts val="2400"/>
               <a:buNone/>
-              <a:defRPr b="1" sz="2400"/>
+              <a:defRPr sz="2400" b="1"/>
             </a:lvl1pPr>
-            <a:lvl2pPr indent="-228600" lvl="1" marL="914400" algn="l">
+            <a:lvl2pPr marL="914400" lvl="1" indent="-228600" algn="l">
               <a:lnSpc>
                 <a:spcPct val="90000"/>
               </a:lnSpc>
@@ -10052,9 +10263,9 @@
               </a:buClr>
               <a:buSzPts val="2000"/>
               <a:buNone/>
-              <a:defRPr b="1" sz="2000"/>
+              <a:defRPr sz="2000" b="1"/>
             </a:lvl2pPr>
-            <a:lvl3pPr indent="-228600" lvl="2" marL="1371600" algn="l">
+            <a:lvl3pPr marL="1371600" lvl="2" indent="-228600" algn="l">
               <a:lnSpc>
                 <a:spcPct val="90000"/>
               </a:lnSpc>
@@ -10069,9 +10280,9 @@
               </a:buClr>
               <a:buSzPts val="1800"/>
               <a:buNone/>
-              <a:defRPr b="1" sz="1800"/>
+              <a:defRPr sz="1800" b="1"/>
             </a:lvl3pPr>
-            <a:lvl4pPr indent="-228600" lvl="3" marL="1828800" algn="l">
+            <a:lvl4pPr marL="1828800" lvl="3" indent="-228600" algn="l">
               <a:lnSpc>
                 <a:spcPct val="90000"/>
               </a:lnSpc>
@@ -10086,9 +10297,9 @@
               </a:buClr>
               <a:buSzPts val="1600"/>
               <a:buNone/>
-              <a:defRPr b="1" sz="1600"/>
+              <a:defRPr sz="1600" b="1"/>
             </a:lvl4pPr>
-            <a:lvl5pPr indent="-228600" lvl="4" marL="2286000" algn="l">
+            <a:lvl5pPr marL="2286000" lvl="4" indent="-228600" algn="l">
               <a:lnSpc>
                 <a:spcPct val="90000"/>
               </a:lnSpc>
@@ -10103,9 +10314,9 @@
               </a:buClr>
               <a:buSzPts val="1600"/>
               <a:buNone/>
-              <a:defRPr b="1" sz="1600"/>
+              <a:defRPr sz="1600" b="1"/>
             </a:lvl5pPr>
-            <a:lvl6pPr indent="-228600" lvl="5" marL="2743200" algn="l">
+            <a:lvl6pPr marL="2743200" lvl="5" indent="-228600" algn="l">
               <a:lnSpc>
                 <a:spcPct val="90000"/>
               </a:lnSpc>
@@ -10120,9 +10331,9 @@
               </a:buClr>
               <a:buSzPts val="1600"/>
               <a:buNone/>
-              <a:defRPr b="1" sz="1600"/>
+              <a:defRPr sz="1600" b="1"/>
             </a:lvl6pPr>
-            <a:lvl7pPr indent="-228600" lvl="6" marL="3200400" algn="l">
+            <a:lvl7pPr marL="3200400" lvl="6" indent="-228600" algn="l">
               <a:lnSpc>
                 <a:spcPct val="90000"/>
               </a:lnSpc>
@@ -10137,9 +10348,9 @@
               </a:buClr>
               <a:buSzPts val="1600"/>
               <a:buNone/>
-              <a:defRPr b="1" sz="1600"/>
+              <a:defRPr sz="1600" b="1"/>
             </a:lvl7pPr>
-            <a:lvl8pPr indent="-228600" lvl="7" marL="3657600" algn="l">
+            <a:lvl8pPr marL="3657600" lvl="7" indent="-228600" algn="l">
               <a:lnSpc>
                 <a:spcPct val="90000"/>
               </a:lnSpc>
@@ -10154,9 +10365,9 @@
               </a:buClr>
               <a:buSzPts val="1600"/>
               <a:buNone/>
-              <a:defRPr b="1" sz="1600"/>
+              <a:defRPr sz="1600" b="1"/>
             </a:lvl8pPr>
-            <a:lvl9pPr indent="-228600" lvl="8" marL="4114800" algn="l">
+            <a:lvl9pPr marL="4114800" lvl="8" indent="-228600" algn="l">
               <a:lnSpc>
                 <a:spcPct val="90000"/>
               </a:lnSpc>
@@ -10171,18 +10382,22 @@
               </a:buClr>
               <a:buSzPts val="1600"/>
               <a:buNone/>
-              <a:defRPr b="1" sz="1600"/>
+              <a:defRPr sz="1600" b="1"/>
             </a:lvl9pPr>
           </a:lstStyle>
-          <a:p/>
+          <a:p>
+            <a:endParaRPr/>
+          </a:p>
         </p:txBody>
       </p:sp>
       <p:sp>
         <p:nvSpPr>
           <p:cNvPr id="49" name="Google Shape;49;p7"/>
-          <p:cNvSpPr txBox="1"/>
+          <p:cNvSpPr txBox="1">
+            <a:spLocks noGrp="1"/>
+          </p:cNvSpPr>
           <p:nvPr>
-            <p:ph idx="4" type="body"/>
+            <p:ph type="body" idx="4"/>
           </p:nvPr>
         </p:nvSpPr>
         <p:spPr>
@@ -10199,11 +10414,11 @@
           </a:ln>
         </p:spPr>
         <p:txBody>
-          <a:bodyPr anchorCtr="0" anchor="t" bIns="45700" lIns="91425" spcFirstLastPara="1" rIns="91425" wrap="square" tIns="45700">
+          <a:bodyPr spcFirstLastPara="1" wrap="square" lIns="91425" tIns="45700" rIns="91425" bIns="45700" anchor="t" anchorCtr="0">
             <a:normAutofit/>
           </a:bodyPr>
           <a:lstStyle>
-            <a:lvl1pPr indent="-342900" lvl="0" marL="457200" algn="l">
+            <a:lvl1pPr marL="457200" lvl="0" indent="-342900" algn="l">
               <a:lnSpc>
                 <a:spcPct val="90000"/>
               </a:lnSpc>
@@ -10220,7 +10435,7 @@
               <a:buChar char="•"/>
               <a:defRPr/>
             </a:lvl1pPr>
-            <a:lvl2pPr indent="-342900" lvl="1" marL="914400" algn="l">
+            <a:lvl2pPr marL="914400" lvl="1" indent="-342900" algn="l">
               <a:lnSpc>
                 <a:spcPct val="90000"/>
               </a:lnSpc>
@@ -10237,7 +10452,7 @@
               <a:buChar char="•"/>
               <a:defRPr/>
             </a:lvl2pPr>
-            <a:lvl3pPr indent="-342900" lvl="2" marL="1371600" algn="l">
+            <a:lvl3pPr marL="1371600" lvl="2" indent="-342900" algn="l">
               <a:lnSpc>
                 <a:spcPct val="90000"/>
               </a:lnSpc>
@@ -10254,7 +10469,7 @@
               <a:buChar char="•"/>
               <a:defRPr/>
             </a:lvl3pPr>
-            <a:lvl4pPr indent="-342900" lvl="3" marL="1828800" algn="l">
+            <a:lvl4pPr marL="1828800" lvl="3" indent="-342900" algn="l">
               <a:lnSpc>
                 <a:spcPct val="90000"/>
               </a:lnSpc>
@@ -10271,7 +10486,7 @@
               <a:buChar char="•"/>
               <a:defRPr/>
             </a:lvl4pPr>
-            <a:lvl5pPr indent="-342900" lvl="4" marL="2286000" algn="l">
+            <a:lvl5pPr marL="2286000" lvl="4" indent="-342900" algn="l">
               <a:lnSpc>
                 <a:spcPct val="90000"/>
               </a:lnSpc>
@@ -10288,7 +10503,7 @@
               <a:buChar char="•"/>
               <a:defRPr/>
             </a:lvl5pPr>
-            <a:lvl6pPr indent="-342900" lvl="5" marL="2743200" algn="l">
+            <a:lvl6pPr marL="2743200" lvl="5" indent="-342900" algn="l">
               <a:lnSpc>
                 <a:spcPct val="90000"/>
               </a:lnSpc>
@@ -10305,7 +10520,7 @@
               <a:buChar char="•"/>
               <a:defRPr/>
             </a:lvl6pPr>
-            <a:lvl7pPr indent="-342900" lvl="6" marL="3200400" algn="l">
+            <a:lvl7pPr marL="3200400" lvl="6" indent="-342900" algn="l">
               <a:lnSpc>
                 <a:spcPct val="90000"/>
               </a:lnSpc>
@@ -10322,7 +10537,7 @@
               <a:buChar char="•"/>
               <a:defRPr/>
             </a:lvl7pPr>
-            <a:lvl8pPr indent="-342900" lvl="7" marL="3657600" algn="l">
+            <a:lvl8pPr marL="3657600" lvl="7" indent="-342900" algn="l">
               <a:lnSpc>
                 <a:spcPct val="90000"/>
               </a:lnSpc>
@@ -10339,7 +10554,7 @@
               <a:buChar char="•"/>
               <a:defRPr/>
             </a:lvl8pPr>
-            <a:lvl9pPr indent="-342900" lvl="8" marL="4114800" algn="l">
+            <a:lvl9pPr marL="4114800" lvl="8" indent="-342900" algn="l">
               <a:lnSpc>
                 <a:spcPct val="90000"/>
               </a:lnSpc>
@@ -10357,15 +10572,19 @@
               <a:defRPr/>
             </a:lvl9pPr>
           </a:lstStyle>
-          <a:p/>
+          <a:p>
+            <a:endParaRPr/>
+          </a:p>
         </p:txBody>
       </p:sp>
       <p:sp>
         <p:nvSpPr>
           <p:cNvPr id="50" name="Google Shape;50;p7"/>
-          <p:cNvSpPr txBox="1"/>
+          <p:cNvSpPr txBox="1">
+            <a:spLocks noGrp="1"/>
+          </p:cNvSpPr>
           <p:nvPr>
-            <p:ph idx="10" type="dt"/>
+            <p:ph type="dt" idx="10"/>
           </p:nvPr>
         </p:nvSpPr>
         <p:spPr>
@@ -10382,7 +10601,7 @@
           </a:ln>
         </p:spPr>
         <p:txBody>
-          <a:bodyPr anchorCtr="0" anchor="ctr" bIns="45700" lIns="91425" spcFirstLastPara="1" rIns="91425" wrap="square" tIns="45700">
+          <a:bodyPr spcFirstLastPara="1" wrap="square" lIns="91425" tIns="45700" rIns="91425" bIns="45700" anchor="ctr" anchorCtr="0">
             <a:noAutofit/>
           </a:bodyPr>
           <a:lstStyle>
@@ -10513,15 +10732,19 @@
               <a:defRPr/>
             </a:lvl9pPr>
           </a:lstStyle>
-          <a:p/>
+          <a:p>
+            <a:endParaRPr/>
+          </a:p>
         </p:txBody>
       </p:sp>
       <p:sp>
         <p:nvSpPr>
           <p:cNvPr id="51" name="Google Shape;51;p7"/>
-          <p:cNvSpPr txBox="1"/>
+          <p:cNvSpPr txBox="1">
+            <a:spLocks noGrp="1"/>
+          </p:cNvSpPr>
           <p:nvPr>
-            <p:ph idx="11" type="ftr"/>
+            <p:ph type="ftr" idx="11"/>
           </p:nvPr>
         </p:nvSpPr>
         <p:spPr>
@@ -10538,7 +10761,7 @@
           </a:ln>
         </p:spPr>
         <p:txBody>
-          <a:bodyPr anchorCtr="0" anchor="ctr" bIns="45700" lIns="91425" spcFirstLastPara="1" rIns="91425" wrap="square" tIns="45700">
+          <a:bodyPr spcFirstLastPara="1" wrap="square" lIns="91425" tIns="45700" rIns="91425" bIns="45700" anchor="ctr" anchorCtr="0">
             <a:noAutofit/>
           </a:bodyPr>
           <a:lstStyle>
@@ -10669,15 +10892,19 @@
               <a:defRPr/>
             </a:lvl9pPr>
           </a:lstStyle>
-          <a:p/>
+          <a:p>
+            <a:endParaRPr/>
+          </a:p>
         </p:txBody>
       </p:sp>
       <p:sp>
         <p:nvSpPr>
           <p:cNvPr id="52" name="Google Shape;52;p7"/>
-          <p:cNvSpPr txBox="1"/>
+          <p:cNvSpPr txBox="1">
+            <a:spLocks noGrp="1"/>
+          </p:cNvSpPr>
           <p:nvPr>
-            <p:ph idx="12" type="sldNum"/>
+            <p:ph type="sldNum" idx="12"/>
           </p:nvPr>
         </p:nvSpPr>
         <p:spPr>
@@ -10694,11 +10921,11 @@
           </a:ln>
         </p:spPr>
         <p:txBody>
-          <a:bodyPr anchorCtr="0" anchor="ctr" bIns="45700" lIns="91425" spcFirstLastPara="1" rIns="91425" wrap="square" tIns="45700">
+          <a:bodyPr spcFirstLastPara="1" wrap="square" lIns="91425" tIns="45700" rIns="91425" bIns="45700" anchor="ctr" anchorCtr="0">
             <a:noAutofit/>
           </a:bodyPr>
           <a:lstStyle>
-            <a:lvl1pPr indent="0" lvl="0" marL="0" marR="0" algn="r">
+            <a:lvl1pPr marL="0" marR="0" lvl="0" indent="0" algn="r">
               <a:lnSpc>
                 <a:spcPct val="100000"/>
               </a:lnSpc>
@@ -10714,7 +10941,7 @@
               <a:buSzPts val="1200"/>
               <a:buFont typeface="Arial"/>
               <a:buNone/>
-              <a:defRPr b="0" i="0" sz="1200" u="none" cap="none" strike="noStrike">
+              <a:defRPr sz="1200" b="0" i="0" u="none" strike="noStrike" cap="none">
                 <a:solidFill>
                   <a:srgbClr val="888888"/>
                 </a:solidFill>
@@ -10724,7 +10951,7 @@
                 <a:sym typeface="Calibri"/>
               </a:defRPr>
             </a:lvl1pPr>
-            <a:lvl2pPr indent="0" lvl="1" marL="0" marR="0" algn="r">
+            <a:lvl2pPr marL="0" marR="0" lvl="1" indent="0" algn="r">
               <a:lnSpc>
                 <a:spcPct val="100000"/>
               </a:lnSpc>
@@ -10740,7 +10967,7 @@
               <a:buSzPts val="1200"/>
               <a:buFont typeface="Arial"/>
               <a:buNone/>
-              <a:defRPr b="0" i="0" sz="1200" u="none" cap="none" strike="noStrike">
+              <a:defRPr sz="1200" b="0" i="0" u="none" strike="noStrike" cap="none">
                 <a:solidFill>
                   <a:srgbClr val="888888"/>
                 </a:solidFill>
@@ -10750,7 +10977,7 @@
                 <a:sym typeface="Calibri"/>
               </a:defRPr>
             </a:lvl2pPr>
-            <a:lvl3pPr indent="0" lvl="2" marL="0" marR="0" algn="r">
+            <a:lvl3pPr marL="0" marR="0" lvl="2" indent="0" algn="r">
               <a:lnSpc>
                 <a:spcPct val="100000"/>
               </a:lnSpc>
@@ -10766,7 +10993,7 @@
               <a:buSzPts val="1200"/>
               <a:buFont typeface="Arial"/>
               <a:buNone/>
-              <a:defRPr b="0" i="0" sz="1200" u="none" cap="none" strike="noStrike">
+              <a:defRPr sz="1200" b="0" i="0" u="none" strike="noStrike" cap="none">
                 <a:solidFill>
                   <a:srgbClr val="888888"/>
                 </a:solidFill>
@@ -10776,7 +11003,7 @@
                 <a:sym typeface="Calibri"/>
               </a:defRPr>
             </a:lvl3pPr>
-            <a:lvl4pPr indent="0" lvl="3" marL="0" marR="0" algn="r">
+            <a:lvl4pPr marL="0" marR="0" lvl="3" indent="0" algn="r">
               <a:lnSpc>
                 <a:spcPct val="100000"/>
               </a:lnSpc>
@@ -10792,7 +11019,7 @@
               <a:buSzPts val="1200"/>
               <a:buFont typeface="Arial"/>
               <a:buNone/>
-              <a:defRPr b="0" i="0" sz="1200" u="none" cap="none" strike="noStrike">
+              <a:defRPr sz="1200" b="0" i="0" u="none" strike="noStrike" cap="none">
                 <a:solidFill>
                   <a:srgbClr val="888888"/>
                 </a:solidFill>
@@ -10802,7 +11029,7 @@
                 <a:sym typeface="Calibri"/>
               </a:defRPr>
             </a:lvl4pPr>
-            <a:lvl5pPr indent="0" lvl="4" marL="0" marR="0" algn="r">
+            <a:lvl5pPr marL="0" marR="0" lvl="4" indent="0" algn="r">
               <a:lnSpc>
                 <a:spcPct val="100000"/>
               </a:lnSpc>
@@ -10818,7 +11045,7 @@
               <a:buSzPts val="1200"/>
               <a:buFont typeface="Arial"/>
               <a:buNone/>
-              <a:defRPr b="0" i="0" sz="1200" u="none" cap="none" strike="noStrike">
+              <a:defRPr sz="1200" b="0" i="0" u="none" strike="noStrike" cap="none">
                 <a:solidFill>
                   <a:srgbClr val="888888"/>
                 </a:solidFill>
@@ -10828,7 +11055,7 @@
                 <a:sym typeface="Calibri"/>
               </a:defRPr>
             </a:lvl5pPr>
-            <a:lvl6pPr indent="0" lvl="5" marL="0" marR="0" algn="r">
+            <a:lvl6pPr marL="0" marR="0" lvl="5" indent="0" algn="r">
               <a:lnSpc>
                 <a:spcPct val="100000"/>
               </a:lnSpc>
@@ -10844,7 +11071,7 @@
               <a:buSzPts val="1200"/>
               <a:buFont typeface="Arial"/>
               <a:buNone/>
-              <a:defRPr b="0" i="0" sz="1200" u="none" cap="none" strike="noStrike">
+              <a:defRPr sz="1200" b="0" i="0" u="none" strike="noStrike" cap="none">
                 <a:solidFill>
                   <a:srgbClr val="888888"/>
                 </a:solidFill>
@@ -10854,7 +11081,7 @@
                 <a:sym typeface="Calibri"/>
               </a:defRPr>
             </a:lvl6pPr>
-            <a:lvl7pPr indent="0" lvl="6" marL="0" marR="0" algn="r">
+            <a:lvl7pPr marL="0" marR="0" lvl="6" indent="0" algn="r">
               <a:lnSpc>
                 <a:spcPct val="100000"/>
               </a:lnSpc>
@@ -10870,7 +11097,7 @@
               <a:buSzPts val="1200"/>
               <a:buFont typeface="Arial"/>
               <a:buNone/>
-              <a:defRPr b="0" i="0" sz="1200" u="none" cap="none" strike="noStrike">
+              <a:defRPr sz="1200" b="0" i="0" u="none" strike="noStrike" cap="none">
                 <a:solidFill>
                   <a:srgbClr val="888888"/>
                 </a:solidFill>
@@ -10880,7 +11107,7 @@
                 <a:sym typeface="Calibri"/>
               </a:defRPr>
             </a:lvl7pPr>
-            <a:lvl8pPr indent="0" lvl="7" marL="0" marR="0" algn="r">
+            <a:lvl8pPr marL="0" marR="0" lvl="7" indent="0" algn="r">
               <a:lnSpc>
                 <a:spcPct val="100000"/>
               </a:lnSpc>
@@ -10896,7 +11123,7 @@
               <a:buSzPts val="1200"/>
               <a:buFont typeface="Arial"/>
               <a:buNone/>
-              <a:defRPr b="0" i="0" sz="1200" u="none" cap="none" strike="noStrike">
+              <a:defRPr sz="1200" b="0" i="0" u="none" strike="noStrike" cap="none">
                 <a:solidFill>
                   <a:srgbClr val="888888"/>
                 </a:solidFill>
@@ -10906,7 +11133,7 @@
                 <a:sym typeface="Calibri"/>
               </a:defRPr>
             </a:lvl8pPr>
-            <a:lvl9pPr indent="0" lvl="8" marL="0" marR="0" algn="r">
+            <a:lvl9pPr marL="0" marR="0" lvl="8" indent="0" algn="r">
               <a:lnSpc>
                 <a:spcPct val="100000"/>
               </a:lnSpc>
@@ -10922,7 +11149,7 @@
               <a:buSzPts val="1200"/>
               <a:buFont typeface="Arial"/>
               <a:buNone/>
-              <a:defRPr b="0" i="0" sz="1200" u="none" cap="none" strike="noStrike">
+              <a:defRPr sz="1200" b="0" i="0" u="none" strike="noStrike" cap="none">
                 <a:solidFill>
                   <a:srgbClr val="888888"/>
                 </a:solidFill>
@@ -10934,7 +11161,7 @@
             </a:lvl9pPr>
           </a:lstStyle>
           <a:p>
-            <a:pPr indent="0" lvl="0" marL="0" rtl="0" algn="r">
+            <a:pPr marL="0" lvl="0" indent="0" algn="r" rtl="0">
               <a:spcBef>
                 <a:spcPts val="0"/>
               </a:spcBef>
@@ -10960,11 +11187,11 @@
 </file>
 
 <file path=ppt/slideLayouts/slideLayout7.xml><?xml version="1.0" encoding="utf-8"?>
-<p:sldLayout xmlns:a="http://schemas.openxmlformats.org/drawingml/2006/main" xmlns:r="http://schemas.openxmlformats.org/officeDocument/2006/relationships" xmlns:mc="http://schemas.openxmlformats.org/markup-compatibility/2006" xmlns:mv="urn:schemas-microsoft-com:mac:vml" xmlns:p="http://schemas.openxmlformats.org/presentationml/2006/main" xmlns:c="http://schemas.openxmlformats.org/drawingml/2006/chart" xmlns:dgm="http://schemas.openxmlformats.org/drawingml/2006/diagram" xmlns:o="urn:schemas-microsoft-com:office:office" xmlns:v="urn:schemas-microsoft-com:vml" xmlns:pvml="urn:schemas-microsoft-com:office:powerpoint" xmlns:com="http://schemas.openxmlformats.org/drawingml/2006/compatibility" xmlns:p14="http://schemas.microsoft.com/office/powerpoint/2010/main" xmlns:p15="http://schemas.microsoft.com/office/powerpoint/2012/main" xmlns:ahyp="http://schemas.microsoft.com/office/drawing/2018/hyperlinkcolor" matchingName="Только заголовок" type="titleOnly">
+<p:sldLayout xmlns:a="http://schemas.openxmlformats.org/drawingml/2006/main" xmlns:r="http://schemas.openxmlformats.org/officeDocument/2006/relationships" xmlns:p="http://schemas.openxmlformats.org/presentationml/2006/main" matchingName="Только заголовок" type="titleOnly">
   <p:cSld name="TITLE_ONLY">
     <p:spTree>
       <p:nvGrpSpPr>
-        <p:cNvPr id="53" name="Shape 53"/>
+        <p:cNvPr id="1" name="Shape 53"/>
         <p:cNvGrpSpPr/>
         <p:nvPr/>
       </p:nvGrpSpPr>
@@ -10979,7 +11206,9 @@
       <p:sp>
         <p:nvSpPr>
           <p:cNvPr id="54" name="Google Shape;54;p8"/>
-          <p:cNvSpPr txBox="1"/>
+          <p:cNvSpPr txBox="1">
+            <a:spLocks noGrp="1"/>
+          </p:cNvSpPr>
           <p:nvPr>
             <p:ph type="title"/>
           </p:nvPr>
@@ -10998,7 +11227,7 @@
           </a:ln>
         </p:spPr>
         <p:txBody>
-          <a:bodyPr anchorCtr="0" anchor="ctr" bIns="45700" lIns="91425" spcFirstLastPara="1" rIns="91425" wrap="square" tIns="45700">
+          <a:bodyPr spcFirstLastPara="1" wrap="square" lIns="91425" tIns="45700" rIns="91425" bIns="45700" anchor="ctr" anchorCtr="0">
             <a:normAutofit/>
           </a:bodyPr>
           <a:lstStyle>
@@ -11132,15 +11361,19 @@
               <a:defRPr/>
             </a:lvl9pPr>
           </a:lstStyle>
-          <a:p/>
+          <a:p>
+            <a:endParaRPr/>
+          </a:p>
         </p:txBody>
       </p:sp>
       <p:sp>
         <p:nvSpPr>
           <p:cNvPr id="55" name="Google Shape;55;p8"/>
-          <p:cNvSpPr txBox="1"/>
+          <p:cNvSpPr txBox="1">
+            <a:spLocks noGrp="1"/>
+          </p:cNvSpPr>
           <p:nvPr>
-            <p:ph idx="10" type="dt"/>
+            <p:ph type="dt" idx="10"/>
           </p:nvPr>
         </p:nvSpPr>
         <p:spPr>
@@ -11157,7 +11390,7 @@
           </a:ln>
         </p:spPr>
         <p:txBody>
-          <a:bodyPr anchorCtr="0" anchor="ctr" bIns="45700" lIns="91425" spcFirstLastPara="1" rIns="91425" wrap="square" tIns="45700">
+          <a:bodyPr spcFirstLastPara="1" wrap="square" lIns="91425" tIns="45700" rIns="91425" bIns="45700" anchor="ctr" anchorCtr="0">
             <a:noAutofit/>
           </a:bodyPr>
           <a:lstStyle>
@@ -11288,15 +11521,19 @@
               <a:defRPr/>
             </a:lvl9pPr>
           </a:lstStyle>
-          <a:p/>
+          <a:p>
+            <a:endParaRPr/>
+          </a:p>
         </p:txBody>
       </p:sp>
       <p:sp>
         <p:nvSpPr>
           <p:cNvPr id="56" name="Google Shape;56;p8"/>
-          <p:cNvSpPr txBox="1"/>
+          <p:cNvSpPr txBox="1">
+            <a:spLocks noGrp="1"/>
+          </p:cNvSpPr>
           <p:nvPr>
-            <p:ph idx="11" type="ftr"/>
+            <p:ph type="ftr" idx="11"/>
           </p:nvPr>
         </p:nvSpPr>
         <p:spPr>
@@ -11313,7 +11550,7 @@
           </a:ln>
         </p:spPr>
         <p:txBody>
-          <a:bodyPr anchorCtr="0" anchor="ctr" bIns="45700" lIns="91425" spcFirstLastPara="1" rIns="91425" wrap="square" tIns="45700">
+          <a:bodyPr spcFirstLastPara="1" wrap="square" lIns="91425" tIns="45700" rIns="91425" bIns="45700" anchor="ctr" anchorCtr="0">
             <a:noAutofit/>
           </a:bodyPr>
           <a:lstStyle>
@@ -11444,15 +11681,19 @@
               <a:defRPr/>
             </a:lvl9pPr>
           </a:lstStyle>
-          <a:p/>
+          <a:p>
+            <a:endParaRPr/>
+          </a:p>
         </p:txBody>
       </p:sp>
       <p:sp>
         <p:nvSpPr>
           <p:cNvPr id="57" name="Google Shape;57;p8"/>
-          <p:cNvSpPr txBox="1"/>
+          <p:cNvSpPr txBox="1">
+            <a:spLocks noGrp="1"/>
+          </p:cNvSpPr>
           <p:nvPr>
-            <p:ph idx="12" type="sldNum"/>
+            <p:ph type="sldNum" idx="12"/>
           </p:nvPr>
         </p:nvSpPr>
         <p:spPr>
@@ -11469,11 +11710,11 @@
           </a:ln>
         </p:spPr>
         <p:txBody>
-          <a:bodyPr anchorCtr="0" anchor="ctr" bIns="45700" lIns="91425" spcFirstLastPara="1" rIns="91425" wrap="square" tIns="45700">
+          <a:bodyPr spcFirstLastPara="1" wrap="square" lIns="91425" tIns="45700" rIns="91425" bIns="45700" anchor="ctr" anchorCtr="0">
             <a:noAutofit/>
           </a:bodyPr>
           <a:lstStyle>
-            <a:lvl1pPr indent="0" lvl="0" marL="0" marR="0" algn="r">
+            <a:lvl1pPr marL="0" marR="0" lvl="0" indent="0" algn="r">
               <a:lnSpc>
                 <a:spcPct val="100000"/>
               </a:lnSpc>
@@ -11489,7 +11730,7 @@
               <a:buSzPts val="1200"/>
               <a:buFont typeface="Arial"/>
               <a:buNone/>
-              <a:defRPr b="0" i="0" sz="1200" u="none" cap="none" strike="noStrike">
+              <a:defRPr sz="1200" b="0" i="0" u="none" strike="noStrike" cap="none">
                 <a:solidFill>
                   <a:srgbClr val="888888"/>
                 </a:solidFill>
@@ -11499,7 +11740,7 @@
                 <a:sym typeface="Calibri"/>
               </a:defRPr>
             </a:lvl1pPr>
-            <a:lvl2pPr indent="0" lvl="1" marL="0" marR="0" algn="r">
+            <a:lvl2pPr marL="0" marR="0" lvl="1" indent="0" algn="r">
               <a:lnSpc>
                 <a:spcPct val="100000"/>
               </a:lnSpc>
@@ -11515,7 +11756,7 @@
               <a:buSzPts val="1200"/>
               <a:buFont typeface="Arial"/>
               <a:buNone/>
-              <a:defRPr b="0" i="0" sz="1200" u="none" cap="none" strike="noStrike">
+              <a:defRPr sz="1200" b="0" i="0" u="none" strike="noStrike" cap="none">
                 <a:solidFill>
                   <a:srgbClr val="888888"/>
                 </a:solidFill>
@@ -11525,7 +11766,7 @@
                 <a:sym typeface="Calibri"/>
               </a:defRPr>
             </a:lvl2pPr>
-            <a:lvl3pPr indent="0" lvl="2" marL="0" marR="0" algn="r">
+            <a:lvl3pPr marL="0" marR="0" lvl="2" indent="0" algn="r">
               <a:lnSpc>
                 <a:spcPct val="100000"/>
               </a:lnSpc>
@@ -11541,7 +11782,7 @@
               <a:buSzPts val="1200"/>
               <a:buFont typeface="Arial"/>
               <a:buNone/>
-              <a:defRPr b="0" i="0" sz="1200" u="none" cap="none" strike="noStrike">
+              <a:defRPr sz="1200" b="0" i="0" u="none" strike="noStrike" cap="none">
                 <a:solidFill>
                   <a:srgbClr val="888888"/>
                 </a:solidFill>
@@ -11551,7 +11792,7 @@
                 <a:sym typeface="Calibri"/>
               </a:defRPr>
             </a:lvl3pPr>
-            <a:lvl4pPr indent="0" lvl="3" marL="0" marR="0" algn="r">
+            <a:lvl4pPr marL="0" marR="0" lvl="3" indent="0" algn="r">
               <a:lnSpc>
                 <a:spcPct val="100000"/>
               </a:lnSpc>
@@ -11567,7 +11808,7 @@
               <a:buSzPts val="1200"/>
               <a:buFont typeface="Arial"/>
               <a:buNone/>
-              <a:defRPr b="0" i="0" sz="1200" u="none" cap="none" strike="noStrike">
+              <a:defRPr sz="1200" b="0" i="0" u="none" strike="noStrike" cap="none">
                 <a:solidFill>
                   <a:srgbClr val="888888"/>
                 </a:solidFill>
@@ -11577,7 +11818,7 @@
                 <a:sym typeface="Calibri"/>
               </a:defRPr>
             </a:lvl4pPr>
-            <a:lvl5pPr indent="0" lvl="4" marL="0" marR="0" algn="r">
+            <a:lvl5pPr marL="0" marR="0" lvl="4" indent="0" algn="r">
               <a:lnSpc>
                 <a:spcPct val="100000"/>
               </a:lnSpc>
@@ -11593,7 +11834,7 @@
               <a:buSzPts val="1200"/>
               <a:buFont typeface="Arial"/>
               <a:buNone/>
-              <a:defRPr b="0" i="0" sz="1200" u="none" cap="none" strike="noStrike">
+              <a:defRPr sz="1200" b="0" i="0" u="none" strike="noStrike" cap="none">
                 <a:solidFill>
                   <a:srgbClr val="888888"/>
                 </a:solidFill>
@@ -11603,7 +11844,7 @@
                 <a:sym typeface="Calibri"/>
               </a:defRPr>
             </a:lvl5pPr>
-            <a:lvl6pPr indent="0" lvl="5" marL="0" marR="0" algn="r">
+            <a:lvl6pPr marL="0" marR="0" lvl="5" indent="0" algn="r">
               <a:lnSpc>
                 <a:spcPct val="100000"/>
               </a:lnSpc>
@@ -11619,7 +11860,7 @@
               <a:buSzPts val="1200"/>
               <a:buFont typeface="Arial"/>
               <a:buNone/>
-              <a:defRPr b="0" i="0" sz="1200" u="none" cap="none" strike="noStrike">
+              <a:defRPr sz="1200" b="0" i="0" u="none" strike="noStrike" cap="none">
                 <a:solidFill>
                   <a:srgbClr val="888888"/>
                 </a:solidFill>
@@ -11629,7 +11870,7 @@
                 <a:sym typeface="Calibri"/>
               </a:defRPr>
             </a:lvl6pPr>
-            <a:lvl7pPr indent="0" lvl="6" marL="0" marR="0" algn="r">
+            <a:lvl7pPr marL="0" marR="0" lvl="6" indent="0" algn="r">
               <a:lnSpc>
                 <a:spcPct val="100000"/>
               </a:lnSpc>
@@ -11645,7 +11886,7 @@
               <a:buSzPts val="1200"/>
               <a:buFont typeface="Arial"/>
               <a:buNone/>
-              <a:defRPr b="0" i="0" sz="1200" u="none" cap="none" strike="noStrike">
+              <a:defRPr sz="1200" b="0" i="0" u="none" strike="noStrike" cap="none">
                 <a:solidFill>
                   <a:srgbClr val="888888"/>
                 </a:solidFill>
@@ -11655,7 +11896,7 @@
                 <a:sym typeface="Calibri"/>
               </a:defRPr>
             </a:lvl7pPr>
-            <a:lvl8pPr indent="0" lvl="7" marL="0" marR="0" algn="r">
+            <a:lvl8pPr marL="0" marR="0" lvl="7" indent="0" algn="r">
               <a:lnSpc>
                 <a:spcPct val="100000"/>
               </a:lnSpc>
@@ -11671,7 +11912,7 @@
               <a:buSzPts val="1200"/>
               <a:buFont typeface="Arial"/>
               <a:buNone/>
-              <a:defRPr b="0" i="0" sz="1200" u="none" cap="none" strike="noStrike">
+              <a:defRPr sz="1200" b="0" i="0" u="none" strike="noStrike" cap="none">
                 <a:solidFill>
                   <a:srgbClr val="888888"/>
                 </a:solidFill>
@@ -11681,7 +11922,7 @@
                 <a:sym typeface="Calibri"/>
               </a:defRPr>
             </a:lvl8pPr>
-            <a:lvl9pPr indent="0" lvl="8" marL="0" marR="0" algn="r">
+            <a:lvl9pPr marL="0" marR="0" lvl="8" indent="0" algn="r">
               <a:lnSpc>
                 <a:spcPct val="100000"/>
               </a:lnSpc>
@@ -11697,7 +11938,7 @@
               <a:buSzPts val="1200"/>
               <a:buFont typeface="Arial"/>
               <a:buNone/>
-              <a:defRPr b="0" i="0" sz="1200" u="none" cap="none" strike="noStrike">
+              <a:defRPr sz="1200" b="0" i="0" u="none" strike="noStrike" cap="none">
                 <a:solidFill>
                   <a:srgbClr val="888888"/>
                 </a:solidFill>
@@ -11709,7 +11950,7 @@
             </a:lvl9pPr>
           </a:lstStyle>
           <a:p>
-            <a:pPr indent="0" lvl="0" marL="0" rtl="0" algn="r">
+            <a:pPr marL="0" lvl="0" indent="0" algn="r" rtl="0">
               <a:spcBef>
                 <a:spcPts val="0"/>
               </a:spcBef>
@@ -11735,11 +11976,11 @@
 </file>
 
 <file path=ppt/slideLayouts/slideLayout8.xml><?xml version="1.0" encoding="utf-8"?>
-<p:sldLayout xmlns:a="http://schemas.openxmlformats.org/drawingml/2006/main" xmlns:r="http://schemas.openxmlformats.org/officeDocument/2006/relationships" xmlns:mc="http://schemas.openxmlformats.org/markup-compatibility/2006" xmlns:mv="urn:schemas-microsoft-com:mac:vml" xmlns:p="http://schemas.openxmlformats.org/presentationml/2006/main" xmlns:c="http://schemas.openxmlformats.org/drawingml/2006/chart" xmlns:dgm="http://schemas.openxmlformats.org/drawingml/2006/diagram" xmlns:o="urn:schemas-microsoft-com:office:office" xmlns:v="urn:schemas-microsoft-com:vml" xmlns:pvml="urn:schemas-microsoft-com:office:powerpoint" xmlns:com="http://schemas.openxmlformats.org/drawingml/2006/compatibility" xmlns:p14="http://schemas.microsoft.com/office/powerpoint/2010/main" xmlns:p15="http://schemas.microsoft.com/office/powerpoint/2012/main" xmlns:ahyp="http://schemas.microsoft.com/office/drawing/2018/hyperlinkcolor" matchingName="Объект с подписью" type="objTx">
+<p:sldLayout xmlns:a="http://schemas.openxmlformats.org/drawingml/2006/main" xmlns:r="http://schemas.openxmlformats.org/officeDocument/2006/relationships" xmlns:p="http://schemas.openxmlformats.org/presentationml/2006/main" matchingName="Объект с подписью" type="objTx">
   <p:cSld name="OBJECT_WITH_CAPTION_TEXT">
     <p:spTree>
       <p:nvGrpSpPr>
-        <p:cNvPr id="58" name="Shape 58"/>
+        <p:cNvPr id="1" name="Shape 58"/>
         <p:cNvGrpSpPr/>
         <p:nvPr/>
       </p:nvGrpSpPr>
@@ -11754,7 +11995,9 @@
       <p:sp>
         <p:nvSpPr>
           <p:cNvPr id="59" name="Google Shape;59;p9"/>
-          <p:cNvSpPr txBox="1"/>
+          <p:cNvSpPr txBox="1">
+            <a:spLocks noGrp="1"/>
+          </p:cNvSpPr>
           <p:nvPr>
             <p:ph type="title"/>
           </p:nvPr>
@@ -11773,7 +12016,7 @@
           </a:ln>
         </p:spPr>
         <p:txBody>
-          <a:bodyPr anchorCtr="0" anchor="b" bIns="45700" lIns="91425" spcFirstLastPara="1" rIns="91425" wrap="square" tIns="45700">
+          <a:bodyPr spcFirstLastPara="1" wrap="square" lIns="91425" tIns="45700" rIns="91425" bIns="45700" anchor="b" anchorCtr="0">
             <a:normAutofit/>
           </a:bodyPr>
           <a:lstStyle>
@@ -11908,15 +12151,19 @@
               <a:defRPr/>
             </a:lvl9pPr>
           </a:lstStyle>
-          <a:p/>
+          <a:p>
+            <a:endParaRPr/>
+          </a:p>
         </p:txBody>
       </p:sp>
       <p:sp>
         <p:nvSpPr>
           <p:cNvPr id="60" name="Google Shape;60;p9"/>
-          <p:cNvSpPr txBox="1"/>
+          <p:cNvSpPr txBox="1">
+            <a:spLocks noGrp="1"/>
+          </p:cNvSpPr>
           <p:nvPr>
-            <p:ph idx="1" type="body"/>
+            <p:ph type="body" idx="1"/>
           </p:nvPr>
         </p:nvSpPr>
         <p:spPr>
@@ -11933,11 +12180,11 @@
           </a:ln>
         </p:spPr>
         <p:txBody>
-          <a:bodyPr anchorCtr="0" anchor="t" bIns="45700" lIns="91425" spcFirstLastPara="1" rIns="91425" wrap="square" tIns="45700">
+          <a:bodyPr spcFirstLastPara="1" wrap="square" lIns="91425" tIns="45700" rIns="91425" bIns="45700" anchor="t" anchorCtr="0">
             <a:normAutofit/>
           </a:bodyPr>
           <a:lstStyle>
-            <a:lvl1pPr indent="-431800" lvl="0" marL="457200" algn="l">
+            <a:lvl1pPr marL="457200" lvl="0" indent="-431800" algn="l">
               <a:lnSpc>
                 <a:spcPct val="90000"/>
               </a:lnSpc>
@@ -11954,7 +12201,7 @@
               <a:buChar char="•"/>
               <a:defRPr sz="3200"/>
             </a:lvl1pPr>
-            <a:lvl2pPr indent="-406400" lvl="1" marL="914400" algn="l">
+            <a:lvl2pPr marL="914400" lvl="1" indent="-406400" algn="l">
               <a:lnSpc>
                 <a:spcPct val="90000"/>
               </a:lnSpc>
@@ -11971,7 +12218,7 @@
               <a:buChar char="•"/>
               <a:defRPr sz="2800"/>
             </a:lvl2pPr>
-            <a:lvl3pPr indent="-381000" lvl="2" marL="1371600" algn="l">
+            <a:lvl3pPr marL="1371600" lvl="2" indent="-381000" algn="l">
               <a:lnSpc>
                 <a:spcPct val="90000"/>
               </a:lnSpc>
@@ -11988,7 +12235,7 @@
               <a:buChar char="•"/>
               <a:defRPr sz="2400"/>
             </a:lvl3pPr>
-            <a:lvl4pPr indent="-355600" lvl="3" marL="1828800" algn="l">
+            <a:lvl4pPr marL="1828800" lvl="3" indent="-355600" algn="l">
               <a:lnSpc>
                 <a:spcPct val="90000"/>
               </a:lnSpc>
@@ -12005,7 +12252,7 @@
               <a:buChar char="•"/>
               <a:defRPr sz="2000"/>
             </a:lvl4pPr>
-            <a:lvl5pPr indent="-355600" lvl="4" marL="2286000" algn="l">
+            <a:lvl5pPr marL="2286000" lvl="4" indent="-355600" algn="l">
               <a:lnSpc>
                 <a:spcPct val="90000"/>
               </a:lnSpc>
@@ -12022,7 +12269,7 @@
               <a:buChar char="•"/>
               <a:defRPr sz="2000"/>
             </a:lvl5pPr>
-            <a:lvl6pPr indent="-355600" lvl="5" marL="2743200" algn="l">
+            <a:lvl6pPr marL="2743200" lvl="5" indent="-355600" algn="l">
               <a:lnSpc>
                 <a:spcPct val="90000"/>
               </a:lnSpc>
@@ -12039,7 +12286,7 @@
               <a:buChar char="•"/>
               <a:defRPr sz="2000"/>
             </a:lvl6pPr>
-            <a:lvl7pPr indent="-355600" lvl="6" marL="3200400" algn="l">
+            <a:lvl7pPr marL="3200400" lvl="6" indent="-355600" algn="l">
               <a:lnSpc>
                 <a:spcPct val="90000"/>
               </a:lnSpc>
@@ -12056,7 +12303,7 @@
               <a:buChar char="•"/>
               <a:defRPr sz="2000"/>
             </a:lvl7pPr>
-            <a:lvl8pPr indent="-355600" lvl="7" marL="3657600" algn="l">
+            <a:lvl8pPr marL="3657600" lvl="7" indent="-355600" algn="l">
               <a:lnSpc>
                 <a:spcPct val="90000"/>
               </a:lnSpc>
@@ -12073,7 +12320,7 @@
               <a:buChar char="•"/>
               <a:defRPr sz="2000"/>
             </a:lvl8pPr>
-            <a:lvl9pPr indent="-355600" lvl="8" marL="4114800" algn="l">
+            <a:lvl9pPr marL="4114800" lvl="8" indent="-355600" algn="l">
               <a:lnSpc>
                 <a:spcPct val="90000"/>
               </a:lnSpc>
@@ -12091,15 +12338,19 @@
               <a:defRPr sz="2000"/>
             </a:lvl9pPr>
           </a:lstStyle>
-          <a:p/>
+          <a:p>
+            <a:endParaRPr/>
+          </a:p>
         </p:txBody>
       </p:sp>
       <p:sp>
         <p:nvSpPr>
           <p:cNvPr id="61" name="Google Shape;61;p9"/>
-          <p:cNvSpPr txBox="1"/>
+          <p:cNvSpPr txBox="1">
+            <a:spLocks noGrp="1"/>
+          </p:cNvSpPr>
           <p:nvPr>
-            <p:ph idx="2" type="body"/>
+            <p:ph type="body" idx="2"/>
           </p:nvPr>
         </p:nvSpPr>
         <p:spPr>
@@ -12116,11 +12367,11 @@
           </a:ln>
         </p:spPr>
         <p:txBody>
-          <a:bodyPr anchorCtr="0" anchor="t" bIns="45700" lIns="91425" spcFirstLastPara="1" rIns="91425" wrap="square" tIns="45700">
+          <a:bodyPr spcFirstLastPara="1" wrap="square" lIns="91425" tIns="45700" rIns="91425" bIns="45700" anchor="t" anchorCtr="0">
             <a:normAutofit/>
           </a:bodyPr>
           <a:lstStyle>
-            <a:lvl1pPr indent="-228600" lvl="0" marL="457200" algn="l">
+            <a:lvl1pPr marL="457200" lvl="0" indent="-228600" algn="l">
               <a:lnSpc>
                 <a:spcPct val="90000"/>
               </a:lnSpc>
@@ -12137,7 +12388,7 @@
               <a:buNone/>
               <a:defRPr sz="1600"/>
             </a:lvl1pPr>
-            <a:lvl2pPr indent="-228600" lvl="1" marL="914400" algn="l">
+            <a:lvl2pPr marL="914400" lvl="1" indent="-228600" algn="l">
               <a:lnSpc>
                 <a:spcPct val="90000"/>
               </a:lnSpc>
@@ -12154,7 +12405,7 @@
               <a:buNone/>
               <a:defRPr sz="1400"/>
             </a:lvl2pPr>
-            <a:lvl3pPr indent="-228600" lvl="2" marL="1371600" algn="l">
+            <a:lvl3pPr marL="1371600" lvl="2" indent="-228600" algn="l">
               <a:lnSpc>
                 <a:spcPct val="90000"/>
               </a:lnSpc>
@@ -12171,7 +12422,7 @@
               <a:buNone/>
               <a:defRPr sz="1200"/>
             </a:lvl3pPr>
-            <a:lvl4pPr indent="-228600" lvl="3" marL="1828800" algn="l">
+            <a:lvl4pPr marL="1828800" lvl="3" indent="-228600" algn="l">
               <a:lnSpc>
                 <a:spcPct val="90000"/>
               </a:lnSpc>
@@ -12188,7 +12439,7 @@
               <a:buNone/>
               <a:defRPr sz="1000"/>
             </a:lvl4pPr>
-            <a:lvl5pPr indent="-228600" lvl="4" marL="2286000" algn="l">
+            <a:lvl5pPr marL="2286000" lvl="4" indent="-228600" algn="l">
               <a:lnSpc>
                 <a:spcPct val="90000"/>
               </a:lnSpc>
@@ -12205,7 +12456,7 @@
               <a:buNone/>
               <a:defRPr sz="1000"/>
             </a:lvl5pPr>
-            <a:lvl6pPr indent="-228600" lvl="5" marL="2743200" algn="l">
+            <a:lvl6pPr marL="2743200" lvl="5" indent="-228600" algn="l">
               <a:lnSpc>
                 <a:spcPct val="90000"/>
               </a:lnSpc>
@@ -12222,7 +12473,7 @@
               <a:buNone/>
               <a:defRPr sz="1000"/>
             </a:lvl6pPr>
-            <a:lvl7pPr indent="-228600" lvl="6" marL="3200400" algn="l">
+            <a:lvl7pPr marL="3200400" lvl="6" indent="-228600" algn="l">
               <a:lnSpc>
                 <a:spcPct val="90000"/>
               </a:lnSpc>
@@ -12239,7 +12490,7 @@
               <a:buNone/>
               <a:defRPr sz="1000"/>
             </a:lvl7pPr>
-            <a:lvl8pPr indent="-228600" lvl="7" marL="3657600" algn="l">
+            <a:lvl8pPr marL="3657600" lvl="7" indent="-228600" algn="l">
               <a:lnSpc>
                 <a:spcPct val="90000"/>
               </a:lnSpc>
@@ -12256,7 +12507,7 @@
               <a:buNone/>
               <a:defRPr sz="1000"/>
             </a:lvl8pPr>
-            <a:lvl9pPr indent="-228600" lvl="8" marL="4114800" algn="l">
+            <a:lvl9pPr marL="4114800" lvl="8" indent="-228600" algn="l">
               <a:lnSpc>
                 <a:spcPct val="90000"/>
               </a:lnSpc>
@@ -12274,15 +12525,19 @@
               <a:defRPr sz="1000"/>
             </a:lvl9pPr>
           </a:lstStyle>
-          <a:p/>
+          <a:p>
+            <a:endParaRPr/>
+          </a:p>
         </p:txBody>
       </p:sp>
       <p:sp>
         <p:nvSpPr>
           <p:cNvPr id="62" name="Google Shape;62;p9"/>
-          <p:cNvSpPr txBox="1"/>
+          <p:cNvSpPr txBox="1">
+            <a:spLocks noGrp="1"/>
+          </p:cNvSpPr>
           <p:nvPr>
-            <p:ph idx="10" type="dt"/>
+            <p:ph type="dt" idx="10"/>
           </p:nvPr>
         </p:nvSpPr>
         <p:spPr>
@@ -12299,7 +12554,7 @@
           </a:ln>
         </p:spPr>
         <p:txBody>
-          <a:bodyPr anchorCtr="0" anchor="ctr" bIns="45700" lIns="91425" spcFirstLastPara="1" rIns="91425" wrap="square" tIns="45700">
+          <a:bodyPr spcFirstLastPara="1" wrap="square" lIns="91425" tIns="45700" rIns="91425" bIns="45700" anchor="ctr" anchorCtr="0">
             <a:noAutofit/>
           </a:bodyPr>
           <a:lstStyle>
@@ -12430,15 +12685,19 @@
               <a:defRPr/>
             </a:lvl9pPr>
           </a:lstStyle>
-          <a:p/>
+          <a:p>
+            <a:endParaRPr/>
+          </a:p>
         </p:txBody>
       </p:sp>
       <p:sp>
         <p:nvSpPr>
           <p:cNvPr id="63" name="Google Shape;63;p9"/>
-          <p:cNvSpPr txBox="1"/>
+          <p:cNvSpPr txBox="1">
+            <a:spLocks noGrp="1"/>
+          </p:cNvSpPr>
           <p:nvPr>
-            <p:ph idx="11" type="ftr"/>
+            <p:ph type="ftr" idx="11"/>
           </p:nvPr>
         </p:nvSpPr>
         <p:spPr>
@@ -12455,7 +12714,7 @@
           </a:ln>
         </p:spPr>
         <p:txBody>
-          <a:bodyPr anchorCtr="0" anchor="ctr" bIns="45700" lIns="91425" spcFirstLastPara="1" rIns="91425" wrap="square" tIns="45700">
+          <a:bodyPr spcFirstLastPara="1" wrap="square" lIns="91425" tIns="45700" rIns="91425" bIns="45700" anchor="ctr" anchorCtr="0">
             <a:noAutofit/>
           </a:bodyPr>
           <a:lstStyle>
@@ -12586,15 +12845,19 @@
               <a:defRPr/>
             </a:lvl9pPr>
           </a:lstStyle>
-          <a:p/>
+          <a:p>
+            <a:endParaRPr/>
+          </a:p>
         </p:txBody>
       </p:sp>
       <p:sp>
         <p:nvSpPr>
           <p:cNvPr id="64" name="Google Shape;64;p9"/>
-          <p:cNvSpPr txBox="1"/>
+          <p:cNvSpPr txBox="1">
+            <a:spLocks noGrp="1"/>
+          </p:cNvSpPr>
           <p:nvPr>
-            <p:ph idx="12" type="sldNum"/>
+            <p:ph type="sldNum" idx="12"/>
           </p:nvPr>
         </p:nvSpPr>
         <p:spPr>
@@ -12611,11 +12874,11 @@
           </a:ln>
         </p:spPr>
         <p:txBody>
-          <a:bodyPr anchorCtr="0" anchor="ctr" bIns="45700" lIns="91425" spcFirstLastPara="1" rIns="91425" wrap="square" tIns="45700">
+          <a:bodyPr spcFirstLastPara="1" wrap="square" lIns="91425" tIns="45700" rIns="91425" bIns="45700" anchor="ctr" anchorCtr="0">
             <a:noAutofit/>
           </a:bodyPr>
           <a:lstStyle>
-            <a:lvl1pPr indent="0" lvl="0" marL="0" marR="0" algn="r">
+            <a:lvl1pPr marL="0" marR="0" lvl="0" indent="0" algn="r">
               <a:lnSpc>
                 <a:spcPct val="100000"/>
               </a:lnSpc>
@@ -12631,7 +12894,7 @@
               <a:buSzPts val="1200"/>
               <a:buFont typeface="Arial"/>
               <a:buNone/>
-              <a:defRPr b="0" i="0" sz="1200" u="none" cap="none" strike="noStrike">
+              <a:defRPr sz="1200" b="0" i="0" u="none" strike="noStrike" cap="none">
                 <a:solidFill>
                   <a:srgbClr val="888888"/>
                 </a:solidFill>
@@ -12641,7 +12904,7 @@
                 <a:sym typeface="Calibri"/>
               </a:defRPr>
             </a:lvl1pPr>
-            <a:lvl2pPr indent="0" lvl="1" marL="0" marR="0" algn="r">
+            <a:lvl2pPr marL="0" marR="0" lvl="1" indent="0" algn="r">
               <a:lnSpc>
                 <a:spcPct val="100000"/>
               </a:lnSpc>
@@ -12657,7 +12920,7 @@
               <a:buSzPts val="1200"/>
               <a:buFont typeface="Arial"/>
               <a:buNone/>
-              <a:defRPr b="0" i="0" sz="1200" u="none" cap="none" strike="noStrike">
+              <a:defRPr sz="1200" b="0" i="0" u="none" strike="noStrike" cap="none">
                 <a:solidFill>
                   <a:srgbClr val="888888"/>
                 </a:solidFill>
@@ -12667,7 +12930,7 @@
                 <a:sym typeface="Calibri"/>
               </a:defRPr>
             </a:lvl2pPr>
-            <a:lvl3pPr indent="0" lvl="2" marL="0" marR="0" algn="r">
+            <a:lvl3pPr marL="0" marR="0" lvl="2" indent="0" algn="r">
               <a:lnSpc>
                 <a:spcPct val="100000"/>
               </a:lnSpc>
@@ -12683,7 +12946,7 @@
               <a:buSzPts val="1200"/>
               <a:buFont typeface="Arial"/>
               <a:buNone/>
-              <a:defRPr b="0" i="0" sz="1200" u="none" cap="none" strike="noStrike">
+              <a:defRPr sz="1200" b="0" i="0" u="none" strike="noStrike" cap="none">
                 <a:solidFill>
                   <a:srgbClr val="888888"/>
                 </a:solidFill>
@@ -12693,7 +12956,7 @@
                 <a:sym typeface="Calibri"/>
               </a:defRPr>
             </a:lvl3pPr>
-            <a:lvl4pPr indent="0" lvl="3" marL="0" marR="0" algn="r">
+            <a:lvl4pPr marL="0" marR="0" lvl="3" indent="0" algn="r">
               <a:lnSpc>
                 <a:spcPct val="100000"/>
               </a:lnSpc>
@@ -12709,7 +12972,7 @@
               <a:buSzPts val="1200"/>
               <a:buFont typeface="Arial"/>
               <a:buNone/>
-              <a:defRPr b="0" i="0" sz="1200" u="none" cap="none" strike="noStrike">
+              <a:defRPr sz="1200" b="0" i="0" u="none" strike="noStrike" cap="none">
                 <a:solidFill>
                   <a:srgbClr val="888888"/>
                 </a:solidFill>
@@ -12719,7 +12982,7 @@
                 <a:sym typeface="Calibri"/>
               </a:defRPr>
             </a:lvl4pPr>
-            <a:lvl5pPr indent="0" lvl="4" marL="0" marR="0" algn="r">
+            <a:lvl5pPr marL="0" marR="0" lvl="4" indent="0" algn="r">
               <a:lnSpc>
                 <a:spcPct val="100000"/>
               </a:lnSpc>
@@ -12735,7 +12998,7 @@
               <a:buSzPts val="1200"/>
               <a:buFont typeface="Arial"/>
               <a:buNone/>
-              <a:defRPr b="0" i="0" sz="1200" u="none" cap="none" strike="noStrike">
+              <a:defRPr sz="1200" b="0" i="0" u="none" strike="noStrike" cap="none">
                 <a:solidFill>
                   <a:srgbClr val="888888"/>
                 </a:solidFill>
@@ -12745,7 +13008,7 @@
                 <a:sym typeface="Calibri"/>
               </a:defRPr>
             </a:lvl5pPr>
-            <a:lvl6pPr indent="0" lvl="5" marL="0" marR="0" algn="r">
+            <a:lvl6pPr marL="0" marR="0" lvl="5" indent="0" algn="r">
               <a:lnSpc>
                 <a:spcPct val="100000"/>
               </a:lnSpc>
@@ -12761,7 +13024,7 @@
               <a:buSzPts val="1200"/>
               <a:buFont typeface="Arial"/>
               <a:buNone/>
-              <a:defRPr b="0" i="0" sz="1200" u="none" cap="none" strike="noStrike">
+              <a:defRPr sz="1200" b="0" i="0" u="none" strike="noStrike" cap="none">
                 <a:solidFill>
                   <a:srgbClr val="888888"/>
                 </a:solidFill>
@@ -12771,7 +13034,7 @@
                 <a:sym typeface="Calibri"/>
               </a:defRPr>
             </a:lvl6pPr>
-            <a:lvl7pPr indent="0" lvl="6" marL="0" marR="0" algn="r">
+            <a:lvl7pPr marL="0" marR="0" lvl="6" indent="0" algn="r">
               <a:lnSpc>
                 <a:spcPct val="100000"/>
               </a:lnSpc>
@@ -12787,7 +13050,7 @@
               <a:buSzPts val="1200"/>
               <a:buFont typeface="Arial"/>
               <a:buNone/>
-              <a:defRPr b="0" i="0" sz="1200" u="none" cap="none" strike="noStrike">
+              <a:defRPr sz="1200" b="0" i="0" u="none" strike="noStrike" cap="none">
                 <a:solidFill>
                   <a:srgbClr val="888888"/>
                 </a:solidFill>
@@ -12797,7 +13060,7 @@
                 <a:sym typeface="Calibri"/>
               </a:defRPr>
             </a:lvl7pPr>
-            <a:lvl8pPr indent="0" lvl="7" marL="0" marR="0" algn="r">
+            <a:lvl8pPr marL="0" marR="0" lvl="7" indent="0" algn="r">
               <a:lnSpc>
                 <a:spcPct val="100000"/>
               </a:lnSpc>
@@ -12813,7 +13076,7 @@
               <a:buSzPts val="1200"/>
               <a:buFont typeface="Arial"/>
               <a:buNone/>
-              <a:defRPr b="0" i="0" sz="1200" u="none" cap="none" strike="noStrike">
+              <a:defRPr sz="1200" b="0" i="0" u="none" strike="noStrike" cap="none">
                 <a:solidFill>
                   <a:srgbClr val="888888"/>
                 </a:solidFill>
@@ -12823,7 +13086,7 @@
                 <a:sym typeface="Calibri"/>
               </a:defRPr>
             </a:lvl8pPr>
-            <a:lvl9pPr indent="0" lvl="8" marL="0" marR="0" algn="r">
+            <a:lvl9pPr marL="0" marR="0" lvl="8" indent="0" algn="r">
               <a:lnSpc>
                 <a:spcPct val="100000"/>
               </a:lnSpc>
@@ -12839,7 +13102,7 @@
               <a:buSzPts val="1200"/>
               <a:buFont typeface="Arial"/>
               <a:buNone/>
-              <a:defRPr b="0" i="0" sz="1200" u="none" cap="none" strike="noStrike">
+              <a:defRPr sz="1200" b="0" i="0" u="none" strike="noStrike" cap="none">
                 <a:solidFill>
                   <a:srgbClr val="888888"/>
                 </a:solidFill>
@@ -12851,7 +13114,7 @@
             </a:lvl9pPr>
           </a:lstStyle>
           <a:p>
-            <a:pPr indent="0" lvl="0" marL="0" rtl="0" algn="r">
+            <a:pPr marL="0" lvl="0" indent="0" algn="r" rtl="0">
               <a:spcBef>
                 <a:spcPts val="0"/>
               </a:spcBef>
@@ -12877,11 +13140,11 @@
 </file>
 
 <file path=ppt/slideLayouts/slideLayout9.xml><?xml version="1.0" encoding="utf-8"?>
-<p:sldLayout xmlns:a="http://schemas.openxmlformats.org/drawingml/2006/main" xmlns:r="http://schemas.openxmlformats.org/officeDocument/2006/relationships" xmlns:mc="http://schemas.openxmlformats.org/markup-compatibility/2006" xmlns:mv="urn:schemas-microsoft-com:mac:vml" xmlns:p="http://schemas.openxmlformats.org/presentationml/2006/main" xmlns:c="http://schemas.openxmlformats.org/drawingml/2006/chart" xmlns:dgm="http://schemas.openxmlformats.org/drawingml/2006/diagram" xmlns:o="urn:schemas-microsoft-com:office:office" xmlns:v="urn:schemas-microsoft-com:vml" xmlns:pvml="urn:schemas-microsoft-com:office:powerpoint" xmlns:com="http://schemas.openxmlformats.org/drawingml/2006/compatibility" xmlns:p14="http://schemas.microsoft.com/office/powerpoint/2010/main" xmlns:p15="http://schemas.microsoft.com/office/powerpoint/2012/main" xmlns:ahyp="http://schemas.microsoft.com/office/drawing/2018/hyperlinkcolor" matchingName="Рисунок с подписью" type="picTx">
+<p:sldLayout xmlns:a="http://schemas.openxmlformats.org/drawingml/2006/main" xmlns:r="http://schemas.openxmlformats.org/officeDocument/2006/relationships" xmlns:p="http://schemas.openxmlformats.org/presentationml/2006/main" matchingName="Рисунок с подписью" type="picTx">
   <p:cSld name="PICTURE_WITH_CAPTION_TEXT">
     <p:spTree>
       <p:nvGrpSpPr>
-        <p:cNvPr id="65" name="Shape 65"/>
+        <p:cNvPr id="1" name="Shape 65"/>
         <p:cNvGrpSpPr/>
         <p:nvPr/>
       </p:nvGrpSpPr>
@@ -12896,7 +13159,9 @@
       <p:sp>
         <p:nvSpPr>
           <p:cNvPr id="66" name="Google Shape;66;p10"/>
-          <p:cNvSpPr txBox="1"/>
+          <p:cNvSpPr txBox="1">
+            <a:spLocks noGrp="1"/>
+          </p:cNvSpPr>
           <p:nvPr>
             <p:ph type="title"/>
           </p:nvPr>
@@ -12915,7 +13180,7 @@
           </a:ln>
         </p:spPr>
         <p:txBody>
-          <a:bodyPr anchorCtr="0" anchor="b" bIns="45700" lIns="91425" spcFirstLastPara="1" rIns="91425" wrap="square" tIns="45700">
+          <a:bodyPr spcFirstLastPara="1" wrap="square" lIns="91425" tIns="45700" rIns="91425" bIns="45700" anchor="b" anchorCtr="0">
             <a:normAutofit/>
           </a:bodyPr>
           <a:lstStyle>
@@ -13050,15 +13315,19 @@
               <a:defRPr/>
             </a:lvl9pPr>
           </a:lstStyle>
-          <a:p/>
+          <a:p>
+            <a:endParaRPr/>
+          </a:p>
         </p:txBody>
       </p:sp>
       <p:sp>
         <p:nvSpPr>
           <p:cNvPr id="67" name="Google Shape;67;p10"/>
-          <p:cNvSpPr/>
+          <p:cNvSpPr>
+            <a:spLocks noGrp="1"/>
+          </p:cNvSpPr>
           <p:nvPr>
-            <p:ph idx="2" type="pic"/>
+            <p:ph type="pic" idx="2"/>
           </p:nvPr>
         </p:nvSpPr>
         <p:spPr>
@@ -13078,9 +13347,11 @@
       <p:sp>
         <p:nvSpPr>
           <p:cNvPr id="68" name="Google Shape;68;p10"/>
-          <p:cNvSpPr txBox="1"/>
+          <p:cNvSpPr txBox="1">
+            <a:spLocks noGrp="1"/>
+          </p:cNvSpPr>
           <p:nvPr>
-            <p:ph idx="1" type="body"/>
+            <p:ph type="body" idx="1"/>
           </p:nvPr>
         </p:nvSpPr>
         <p:spPr>
@@ -13097,11 +13368,11 @@
           </a:ln>
         </p:spPr>
         <p:txBody>
-          <a:bodyPr anchorCtr="0" anchor="t" bIns="45700" lIns="91425" spcFirstLastPara="1" rIns="91425" wrap="square" tIns="45700">
+          <a:bodyPr spcFirstLastPara="1" wrap="square" lIns="91425" tIns="45700" rIns="91425" bIns="45700" anchor="t" anchorCtr="0">
             <a:normAutofit/>
           </a:bodyPr>
           <a:lstStyle>
-            <a:lvl1pPr indent="-228600" lvl="0" marL="457200" algn="l">
+            <a:lvl1pPr marL="457200" lvl="0" indent="-228600" algn="l">
               <a:lnSpc>
                 <a:spcPct val="90000"/>
               </a:lnSpc>
@@ -13118,7 +13389,7 @@
               <a:buNone/>
               <a:defRPr sz="1600"/>
             </a:lvl1pPr>
-            <a:lvl2pPr indent="-228600" lvl="1" marL="914400" algn="l">
+            <a:lvl2pPr marL="914400" lvl="1" indent="-228600" algn="l">
               <a:lnSpc>
                 <a:spcPct val="90000"/>
               </a:lnSpc>
@@ -13135,7 +13406,7 @@
               <a:buNone/>
               <a:defRPr sz="1400"/>
             </a:lvl2pPr>
-            <a:lvl3pPr indent="-228600" lvl="2" marL="1371600" algn="l">
+            <a:lvl3pPr marL="1371600" lvl="2" indent="-228600" algn="l">
               <a:lnSpc>
                 <a:spcPct val="90000"/>
               </a:lnSpc>
@@ -13152,7 +13423,7 @@
               <a:buNone/>
               <a:defRPr sz="1200"/>
             </a:lvl3pPr>
-            <a:lvl4pPr indent="-228600" lvl="3" marL="1828800" algn="l">
+            <a:lvl4pPr marL="1828800" lvl="3" indent="-228600" algn="l">
               <a:lnSpc>
                 <a:spcPct val="90000"/>
               </a:lnSpc>
@@ -13169,7 +13440,7 @@
               <a:buNone/>
               <a:defRPr sz="1000"/>
             </a:lvl4pPr>
-            <a:lvl5pPr indent="-228600" lvl="4" marL="2286000" algn="l">
+            <a:lvl5pPr marL="2286000" lvl="4" indent="-228600" algn="l">
               <a:lnSpc>
                 <a:spcPct val="90000"/>
               </a:lnSpc>
@@ -13186,7 +13457,7 @@
               <a:buNone/>
               <a:defRPr sz="1000"/>
             </a:lvl5pPr>
-            <a:lvl6pPr indent="-228600" lvl="5" marL="2743200" algn="l">
+            <a:lvl6pPr marL="2743200" lvl="5" indent="-228600" algn="l">
               <a:lnSpc>
                 <a:spcPct val="90000"/>
               </a:lnSpc>
@@ -13203,7 +13474,7 @@
               <a:buNone/>
               <a:defRPr sz="1000"/>
             </a:lvl6pPr>
-            <a:lvl7pPr indent="-228600" lvl="6" marL="3200400" algn="l">
+            <a:lvl7pPr marL="3200400" lvl="6" indent="-228600" algn="l">
               <a:lnSpc>
                 <a:spcPct val="90000"/>
               </a:lnSpc>
@@ -13220,7 +13491,7 @@
               <a:buNone/>
               <a:defRPr sz="1000"/>
             </a:lvl7pPr>
-            <a:lvl8pPr indent="-228600" lvl="7" marL="3657600" algn="l">
+            <a:lvl8pPr marL="3657600" lvl="7" indent="-228600" algn="l">
               <a:lnSpc>
                 <a:spcPct val="90000"/>
               </a:lnSpc>
@@ -13237,7 +13508,7 @@
               <a:buNone/>
               <a:defRPr sz="1000"/>
             </a:lvl8pPr>
-            <a:lvl9pPr indent="-228600" lvl="8" marL="4114800" algn="l">
+            <a:lvl9pPr marL="4114800" lvl="8" indent="-228600" algn="l">
               <a:lnSpc>
                 <a:spcPct val="90000"/>
               </a:lnSpc>
@@ -13255,15 +13526,19 @@
               <a:defRPr sz="1000"/>
             </a:lvl9pPr>
           </a:lstStyle>
-          <a:p/>
+          <a:p>
+            <a:endParaRPr/>
+          </a:p>
         </p:txBody>
       </p:sp>
       <p:sp>
         <p:nvSpPr>
           <p:cNvPr id="69" name="Google Shape;69;p10"/>
-          <p:cNvSpPr txBox="1"/>
+          <p:cNvSpPr txBox="1">
+            <a:spLocks noGrp="1"/>
+          </p:cNvSpPr>
           <p:nvPr>
-            <p:ph idx="10" type="dt"/>
+            <p:ph type="dt" idx="10"/>
           </p:nvPr>
         </p:nvSpPr>
         <p:spPr>
@@ -13280,7 +13555,7 @@
           </a:ln>
         </p:spPr>
         <p:txBody>
-          <a:bodyPr anchorCtr="0" anchor="ctr" bIns="45700" lIns="91425" spcFirstLastPara="1" rIns="91425" wrap="square" tIns="45700">
+          <a:bodyPr spcFirstLastPara="1" wrap="square" lIns="91425" tIns="45700" rIns="91425" bIns="45700" anchor="ctr" anchorCtr="0">
             <a:noAutofit/>
           </a:bodyPr>
           <a:lstStyle>
@@ -13411,15 +13686,19 @@
               <a:defRPr/>
             </a:lvl9pPr>
           </a:lstStyle>
-          <a:p/>
+          <a:p>
+            <a:endParaRPr/>
+          </a:p>
         </p:txBody>
       </p:sp>
       <p:sp>
         <p:nvSpPr>
           <p:cNvPr id="70" name="Google Shape;70;p10"/>
-          <p:cNvSpPr txBox="1"/>
+          <p:cNvSpPr txBox="1">
+            <a:spLocks noGrp="1"/>
+          </p:cNvSpPr>
           <p:nvPr>
-            <p:ph idx="11" type="ftr"/>
+            <p:ph type="ftr" idx="11"/>
           </p:nvPr>
         </p:nvSpPr>
         <p:spPr>
@@ -13436,7 +13715,7 @@
           </a:ln>
         </p:spPr>
         <p:txBody>
-          <a:bodyPr anchorCtr="0" anchor="ctr" bIns="45700" lIns="91425" spcFirstLastPara="1" rIns="91425" wrap="square" tIns="45700">
+          <a:bodyPr spcFirstLastPara="1" wrap="square" lIns="91425" tIns="45700" rIns="91425" bIns="45700" anchor="ctr" anchorCtr="0">
             <a:noAutofit/>
           </a:bodyPr>
           <a:lstStyle>
@@ -13567,15 +13846,19 @@
               <a:defRPr/>
             </a:lvl9pPr>
           </a:lstStyle>
-          <a:p/>
+          <a:p>
+            <a:endParaRPr/>
+          </a:p>
         </p:txBody>
       </p:sp>
       <p:sp>
         <p:nvSpPr>
           <p:cNvPr id="71" name="Google Shape;71;p10"/>
-          <p:cNvSpPr txBox="1"/>
+          <p:cNvSpPr txBox="1">
+            <a:spLocks noGrp="1"/>
+          </p:cNvSpPr>
           <p:nvPr>
-            <p:ph idx="12" type="sldNum"/>
+            <p:ph type="sldNum" idx="12"/>
           </p:nvPr>
         </p:nvSpPr>
         <p:spPr>
@@ -13592,11 +13875,11 @@
           </a:ln>
         </p:spPr>
         <p:txBody>
-          <a:bodyPr anchorCtr="0" anchor="ctr" bIns="45700" lIns="91425" spcFirstLastPara="1" rIns="91425" wrap="square" tIns="45700">
+          <a:bodyPr spcFirstLastPara="1" wrap="square" lIns="91425" tIns="45700" rIns="91425" bIns="45700" anchor="ctr" anchorCtr="0">
             <a:noAutofit/>
           </a:bodyPr>
           <a:lstStyle>
-            <a:lvl1pPr indent="0" lvl="0" marL="0" marR="0" algn="r">
+            <a:lvl1pPr marL="0" marR="0" lvl="0" indent="0" algn="r">
               <a:lnSpc>
                 <a:spcPct val="100000"/>
               </a:lnSpc>
@@ -13612,7 +13895,7 @@
               <a:buSzPts val="1200"/>
               <a:buFont typeface="Arial"/>
               <a:buNone/>
-              <a:defRPr b="0" i="0" sz="1200" u="none" cap="none" strike="noStrike">
+              <a:defRPr sz="1200" b="0" i="0" u="none" strike="noStrike" cap="none">
                 <a:solidFill>
                   <a:srgbClr val="888888"/>
                 </a:solidFill>
@@ -13622,7 +13905,7 @@
                 <a:sym typeface="Calibri"/>
               </a:defRPr>
             </a:lvl1pPr>
-            <a:lvl2pPr indent="0" lvl="1" marL="0" marR="0" algn="r">
+            <a:lvl2pPr marL="0" marR="0" lvl="1" indent="0" algn="r">
               <a:lnSpc>
                 <a:spcPct val="100000"/>
               </a:lnSpc>
@@ -13638,7 +13921,7 @@
               <a:buSzPts val="1200"/>
               <a:buFont typeface="Arial"/>
               <a:buNone/>
-              <a:defRPr b="0" i="0" sz="1200" u="none" cap="none" strike="noStrike">
+              <a:defRPr sz="1200" b="0" i="0" u="none" strike="noStrike" cap="none">
                 <a:solidFill>
                   <a:srgbClr val="888888"/>
                 </a:solidFill>
@@ -13648,7 +13931,7 @@
                 <a:sym typeface="Calibri"/>
               </a:defRPr>
             </a:lvl2pPr>
-            <a:lvl3pPr indent="0" lvl="2" marL="0" marR="0" algn="r">
+            <a:lvl3pPr marL="0" marR="0" lvl="2" indent="0" algn="r">
               <a:lnSpc>
                 <a:spcPct val="100000"/>
               </a:lnSpc>
@@ -13664,7 +13947,7 @@
               <a:buSzPts val="1200"/>
               <a:buFont typeface="Arial"/>
               <a:buNone/>
-              <a:defRPr b="0" i="0" sz="1200" u="none" cap="none" strike="noStrike">
+              <a:defRPr sz="1200" b="0" i="0" u="none" strike="noStrike" cap="none">
                 <a:solidFill>
                   <a:srgbClr val="888888"/>
                 </a:solidFill>
@@ -13674,7 +13957,7 @@
                 <a:sym typeface="Calibri"/>
               </a:defRPr>
             </a:lvl3pPr>
-            <a:lvl4pPr indent="0" lvl="3" marL="0" marR="0" algn="r">
+            <a:lvl4pPr marL="0" marR="0" lvl="3" indent="0" algn="r">
               <a:lnSpc>
                 <a:spcPct val="100000"/>
               </a:lnSpc>
@@ -13690,7 +13973,7 @@
               <a:buSzPts val="1200"/>
               <a:buFont typeface="Arial"/>
               <a:buNone/>
-              <a:defRPr b="0" i="0" sz="1200" u="none" cap="none" strike="noStrike">
+              <a:defRPr sz="1200" b="0" i="0" u="none" strike="noStrike" cap="none">
                 <a:solidFill>
                   <a:srgbClr val="888888"/>
                 </a:solidFill>
@@ -13700,7 +13983,7 @@
                 <a:sym typeface="Calibri"/>
               </a:defRPr>
             </a:lvl4pPr>
-            <a:lvl5pPr indent="0" lvl="4" marL="0" marR="0" algn="r">
+            <a:lvl5pPr marL="0" marR="0" lvl="4" indent="0" algn="r">
               <a:lnSpc>
                 <a:spcPct val="100000"/>
               </a:lnSpc>
@@ -13716,7 +13999,7 @@
               <a:buSzPts val="1200"/>
               <a:buFont typeface="Arial"/>
               <a:buNone/>
-              <a:defRPr b="0" i="0" sz="1200" u="none" cap="none" strike="noStrike">
+              <a:defRPr sz="1200" b="0" i="0" u="none" strike="noStrike" cap="none">
                 <a:solidFill>
                   <a:srgbClr val="888888"/>
                 </a:solidFill>
@@ -13726,7 +14009,7 @@
                 <a:sym typeface="Calibri"/>
               </a:defRPr>
             </a:lvl5pPr>
-            <a:lvl6pPr indent="0" lvl="5" marL="0" marR="0" algn="r">
+            <a:lvl6pPr marL="0" marR="0" lvl="5" indent="0" algn="r">
               <a:lnSpc>
                 <a:spcPct val="100000"/>
               </a:lnSpc>
@@ -13742,7 +14025,7 @@
               <a:buSzPts val="1200"/>
               <a:buFont typeface="Arial"/>
               <a:buNone/>
-              <a:defRPr b="0" i="0" sz="1200" u="none" cap="none" strike="noStrike">
+              <a:defRPr sz="1200" b="0" i="0" u="none" strike="noStrike" cap="none">
                 <a:solidFill>
                   <a:srgbClr val="888888"/>
                 </a:solidFill>
@@ -13752,7 +14035,7 @@
                 <a:sym typeface="Calibri"/>
               </a:defRPr>
             </a:lvl6pPr>
-            <a:lvl7pPr indent="0" lvl="6" marL="0" marR="0" algn="r">
+            <a:lvl7pPr marL="0" marR="0" lvl="6" indent="0" algn="r">
               <a:lnSpc>
                 <a:spcPct val="100000"/>
               </a:lnSpc>
@@ -13768,7 +14051,7 @@
               <a:buSzPts val="1200"/>
               <a:buFont typeface="Arial"/>
               <a:buNone/>
-              <a:defRPr b="0" i="0" sz="1200" u="none" cap="none" strike="noStrike">
+              <a:defRPr sz="1200" b="0" i="0" u="none" strike="noStrike" cap="none">
                 <a:solidFill>
                   <a:srgbClr val="888888"/>
                 </a:solidFill>
@@ -13778,7 +14061,7 @@
                 <a:sym typeface="Calibri"/>
               </a:defRPr>
             </a:lvl7pPr>
-            <a:lvl8pPr indent="0" lvl="7" marL="0" marR="0" algn="r">
+            <a:lvl8pPr marL="0" marR="0" lvl="7" indent="0" algn="r">
               <a:lnSpc>
                 <a:spcPct val="100000"/>
               </a:lnSpc>
@@ -13794,7 +14077,7 @@
               <a:buSzPts val="1200"/>
               <a:buFont typeface="Arial"/>
               <a:buNone/>
-              <a:defRPr b="0" i="0" sz="1200" u="none" cap="none" strike="noStrike">
+              <a:defRPr sz="1200" b="0" i="0" u="none" strike="noStrike" cap="none">
                 <a:solidFill>
                   <a:srgbClr val="888888"/>
                 </a:solidFill>
@@ -13804,7 +14087,7 @@
                 <a:sym typeface="Calibri"/>
               </a:defRPr>
             </a:lvl8pPr>
-            <a:lvl9pPr indent="0" lvl="8" marL="0" marR="0" algn="r">
+            <a:lvl9pPr marL="0" marR="0" lvl="8" indent="0" algn="r">
               <a:lnSpc>
                 <a:spcPct val="100000"/>
               </a:lnSpc>
@@ -13820,7 +14103,7 @@
               <a:buSzPts val="1200"/>
               <a:buFont typeface="Arial"/>
               <a:buNone/>
-              <a:defRPr b="0" i="0" sz="1200" u="none" cap="none" strike="noStrike">
+              <a:defRPr sz="1200" b="0" i="0" u="none" strike="noStrike" cap="none">
                 <a:solidFill>
                   <a:srgbClr val="888888"/>
                 </a:solidFill>
@@ -13832,7 +14115,7 @@
             </a:lvl9pPr>
           </a:lstStyle>
           <a:p>
-            <a:pPr indent="0" lvl="0" marL="0" rtl="0" algn="r">
+            <a:pPr marL="0" lvl="0" indent="0" algn="r" rtl="0">
               <a:spcBef>
                 <a:spcPts val="0"/>
               </a:spcBef>
@@ -13858,18 +14141,19 @@
 </file>
 
 <file path=ppt/slideMasters/slideMaster1.xml><?xml version="1.0" encoding="utf-8"?>
-<p:sldMaster xmlns:a="http://schemas.openxmlformats.org/drawingml/2006/main" xmlns:r="http://schemas.openxmlformats.org/officeDocument/2006/relationships" xmlns:mc="http://schemas.openxmlformats.org/markup-compatibility/2006" xmlns:mv="urn:schemas-microsoft-com:mac:vml" xmlns:p="http://schemas.openxmlformats.org/presentationml/2006/main" xmlns:c="http://schemas.openxmlformats.org/drawingml/2006/chart" xmlns:dgm="http://schemas.openxmlformats.org/drawingml/2006/diagram" xmlns:o="urn:schemas-microsoft-com:office:office" xmlns:v="urn:schemas-microsoft-com:vml" xmlns:pvml="urn:schemas-microsoft-com:office:powerpoint" xmlns:com="http://schemas.openxmlformats.org/drawingml/2006/compatibility" xmlns:p14="http://schemas.microsoft.com/office/powerpoint/2010/main" xmlns:p15="http://schemas.microsoft.com/office/powerpoint/2012/main" xmlns:ahyp="http://schemas.microsoft.com/office/drawing/2018/hyperlinkcolor">
+<p:sldMaster xmlns:a="http://schemas.openxmlformats.org/drawingml/2006/main" xmlns:r="http://schemas.openxmlformats.org/officeDocument/2006/relationships" xmlns:p="http://schemas.openxmlformats.org/presentationml/2006/main">
   <p:cSld>
     <p:bg>
       <p:bgPr>
         <a:solidFill>
           <a:schemeClr val="lt1"/>
         </a:solidFill>
+        <a:effectLst/>
       </p:bgPr>
     </p:bg>
     <p:spTree>
       <p:nvGrpSpPr>
-        <p:cNvPr id="9" name="Shape 9"/>
+        <p:cNvPr id="1" name="Shape 9"/>
         <p:cNvGrpSpPr/>
         <p:nvPr/>
       </p:nvGrpSpPr>
@@ -13884,7 +14168,9 @@
       <p:sp>
         <p:nvSpPr>
           <p:cNvPr id="10" name="Google Shape;10;p1"/>
-          <p:cNvSpPr txBox="1"/>
+          <p:cNvSpPr txBox="1">
+            <a:spLocks noGrp="1"/>
+          </p:cNvSpPr>
           <p:nvPr>
             <p:ph type="title"/>
           </p:nvPr>
@@ -13903,11 +14189,11 @@
           </a:ln>
         </p:spPr>
         <p:txBody>
-          <a:bodyPr anchorCtr="0" anchor="ctr" bIns="45700" lIns="91425" spcFirstLastPara="1" rIns="91425" wrap="square" tIns="45700">
+          <a:bodyPr spcFirstLastPara="1" wrap="square" lIns="91425" tIns="45700" rIns="91425" bIns="45700" anchor="ctr" anchorCtr="0">
             <a:normAutofit/>
           </a:bodyPr>
           <a:lstStyle>
-            <a:lvl1pPr lvl="0" marR="0" rtl="0" algn="l">
+            <a:lvl1pPr marR="0" lvl="0" algn="l" rtl="0">
               <a:lnSpc>
                 <a:spcPct val="90000"/>
               </a:lnSpc>
@@ -13923,7 +14209,7 @@
               <a:buSzPts val="4400"/>
               <a:buFont typeface="Calibri"/>
               <a:buNone/>
-              <a:defRPr b="0" i="0" sz="4400" u="none" cap="none" strike="noStrike">
+              <a:defRPr sz="4400" b="0" i="0" u="none" strike="noStrike" cap="none">
                 <a:solidFill>
                   <a:schemeClr val="dk1"/>
                 </a:solidFill>
@@ -13933,7 +14219,7 @@
                 <a:sym typeface="Calibri"/>
               </a:defRPr>
             </a:lvl1pPr>
-            <a:lvl2pPr lvl="1" marR="0" rtl="0" algn="l">
+            <a:lvl2pPr marR="0" lvl="1" algn="l" rtl="0">
               <a:lnSpc>
                 <a:spcPct val="100000"/>
               </a:lnSpc>
@@ -13949,7 +14235,7 @@
               <a:buSzPts val="1400"/>
               <a:buFont typeface="Arial"/>
               <a:buNone/>
-              <a:defRPr b="0" i="0" sz="1800" u="none" cap="none" strike="noStrike">
+              <a:defRPr sz="1800" b="0" i="0" u="none" strike="noStrike" cap="none">
                 <a:solidFill>
                   <a:srgbClr val="000000"/>
                 </a:solidFill>
@@ -13959,7 +14245,7 @@
                 <a:sym typeface="Arial"/>
               </a:defRPr>
             </a:lvl2pPr>
-            <a:lvl3pPr lvl="2" marR="0" rtl="0" algn="l">
+            <a:lvl3pPr marR="0" lvl="2" algn="l" rtl="0">
               <a:lnSpc>
                 <a:spcPct val="100000"/>
               </a:lnSpc>
@@ -13975,7 +14261,7 @@
               <a:buSzPts val="1400"/>
               <a:buFont typeface="Arial"/>
               <a:buNone/>
-              <a:defRPr b="0" i="0" sz="1800" u="none" cap="none" strike="noStrike">
+              <a:defRPr sz="1800" b="0" i="0" u="none" strike="noStrike" cap="none">
                 <a:solidFill>
                   <a:srgbClr val="000000"/>
                 </a:solidFill>
@@ -13985,7 +14271,7 @@
                 <a:sym typeface="Arial"/>
               </a:defRPr>
             </a:lvl3pPr>
-            <a:lvl4pPr lvl="3" marR="0" rtl="0" algn="l">
+            <a:lvl4pPr marR="0" lvl="3" algn="l" rtl="0">
               <a:lnSpc>
                 <a:spcPct val="100000"/>
               </a:lnSpc>
@@ -14001,7 +14287,7 @@
               <a:buSzPts val="1400"/>
               <a:buFont typeface="Arial"/>
               <a:buNone/>
-              <a:defRPr b="0" i="0" sz="1800" u="none" cap="none" strike="noStrike">
+              <a:defRPr sz="1800" b="0" i="0" u="none" strike="noStrike" cap="none">
                 <a:solidFill>
                   <a:srgbClr val="000000"/>
                 </a:solidFill>
@@ -14011,7 +14297,7 @@
                 <a:sym typeface="Arial"/>
               </a:defRPr>
             </a:lvl4pPr>
-            <a:lvl5pPr lvl="4" marR="0" rtl="0" algn="l">
+            <a:lvl5pPr marR="0" lvl="4" algn="l" rtl="0">
               <a:lnSpc>
                 <a:spcPct val="100000"/>
               </a:lnSpc>
@@ -14027,7 +14313,7 @@
               <a:buSzPts val="1400"/>
               <a:buFont typeface="Arial"/>
               <a:buNone/>
-              <a:defRPr b="0" i="0" sz="1800" u="none" cap="none" strike="noStrike">
+              <a:defRPr sz="1800" b="0" i="0" u="none" strike="noStrike" cap="none">
                 <a:solidFill>
                   <a:srgbClr val="000000"/>
                 </a:solidFill>
@@ -14037,7 +14323,7 @@
                 <a:sym typeface="Arial"/>
               </a:defRPr>
             </a:lvl5pPr>
-            <a:lvl6pPr lvl="5" marR="0" rtl="0" algn="l">
+            <a:lvl6pPr marR="0" lvl="5" algn="l" rtl="0">
               <a:lnSpc>
                 <a:spcPct val="100000"/>
               </a:lnSpc>
@@ -14053,7 +14339,7 @@
               <a:buSzPts val="1400"/>
               <a:buFont typeface="Arial"/>
               <a:buNone/>
-              <a:defRPr b="0" i="0" sz="1800" u="none" cap="none" strike="noStrike">
+              <a:defRPr sz="1800" b="0" i="0" u="none" strike="noStrike" cap="none">
                 <a:solidFill>
                   <a:srgbClr val="000000"/>
                 </a:solidFill>
@@ -14063,7 +14349,7 @@
                 <a:sym typeface="Arial"/>
               </a:defRPr>
             </a:lvl6pPr>
-            <a:lvl7pPr lvl="6" marR="0" rtl="0" algn="l">
+            <a:lvl7pPr marR="0" lvl="6" algn="l" rtl="0">
               <a:lnSpc>
                 <a:spcPct val="100000"/>
               </a:lnSpc>
@@ -14079,7 +14365,7 @@
               <a:buSzPts val="1400"/>
               <a:buFont typeface="Arial"/>
               <a:buNone/>
-              <a:defRPr b="0" i="0" sz="1800" u="none" cap="none" strike="noStrike">
+              <a:defRPr sz="1800" b="0" i="0" u="none" strike="noStrike" cap="none">
                 <a:solidFill>
                   <a:srgbClr val="000000"/>
                 </a:solidFill>
@@ -14089,7 +14375,7 @@
                 <a:sym typeface="Arial"/>
               </a:defRPr>
             </a:lvl7pPr>
-            <a:lvl8pPr lvl="7" marR="0" rtl="0" algn="l">
+            <a:lvl8pPr marR="0" lvl="7" algn="l" rtl="0">
               <a:lnSpc>
                 <a:spcPct val="100000"/>
               </a:lnSpc>
@@ -14105,7 +14391,7 @@
               <a:buSzPts val="1400"/>
               <a:buFont typeface="Arial"/>
               <a:buNone/>
-              <a:defRPr b="0" i="0" sz="1800" u="none" cap="none" strike="noStrike">
+              <a:defRPr sz="1800" b="0" i="0" u="none" strike="noStrike" cap="none">
                 <a:solidFill>
                   <a:srgbClr val="000000"/>
                 </a:solidFill>
@@ -14115,7 +14401,7 @@
                 <a:sym typeface="Arial"/>
               </a:defRPr>
             </a:lvl8pPr>
-            <a:lvl9pPr lvl="8" marR="0" rtl="0" algn="l">
+            <a:lvl9pPr marR="0" lvl="8" algn="l" rtl="0">
               <a:lnSpc>
                 <a:spcPct val="100000"/>
               </a:lnSpc>
@@ -14131,7 +14417,7 @@
               <a:buSzPts val="1400"/>
               <a:buFont typeface="Arial"/>
               <a:buNone/>
-              <a:defRPr b="0" i="0" sz="1800" u="none" cap="none" strike="noStrike">
+              <a:defRPr sz="1800" b="0" i="0" u="none" strike="noStrike" cap="none">
                 <a:solidFill>
                   <a:srgbClr val="000000"/>
                 </a:solidFill>
@@ -14142,15 +14428,19 @@
               </a:defRPr>
             </a:lvl9pPr>
           </a:lstStyle>
-          <a:p/>
+          <a:p>
+            <a:endParaRPr/>
+          </a:p>
         </p:txBody>
       </p:sp>
       <p:sp>
         <p:nvSpPr>
           <p:cNvPr id="11" name="Google Shape;11;p1"/>
-          <p:cNvSpPr txBox="1"/>
+          <p:cNvSpPr txBox="1">
+            <a:spLocks noGrp="1"/>
+          </p:cNvSpPr>
           <p:nvPr>
-            <p:ph idx="1" type="body"/>
+            <p:ph type="body" idx="1"/>
           </p:nvPr>
         </p:nvSpPr>
         <p:spPr>
@@ -14167,11 +14457,11 @@
           </a:ln>
         </p:spPr>
         <p:txBody>
-          <a:bodyPr anchorCtr="0" anchor="t" bIns="45700" lIns="91425" spcFirstLastPara="1" rIns="91425" wrap="square" tIns="45700">
+          <a:bodyPr spcFirstLastPara="1" wrap="square" lIns="91425" tIns="45700" rIns="91425" bIns="45700" anchor="t" anchorCtr="0">
             <a:normAutofit/>
           </a:bodyPr>
           <a:lstStyle>
-            <a:lvl1pPr indent="-406400" lvl="0" marL="457200" marR="0" rtl="0" algn="l">
+            <a:lvl1pPr marL="457200" marR="0" lvl="0" indent="-406400" algn="l" rtl="0">
               <a:lnSpc>
                 <a:spcPct val="90000"/>
               </a:lnSpc>
@@ -14187,7 +14477,7 @@
               <a:buSzPts val="2800"/>
               <a:buFont typeface="Arial"/>
               <a:buChar char="•"/>
-              <a:defRPr b="0" i="0" sz="2800" u="none" cap="none" strike="noStrike">
+              <a:defRPr sz="2800" b="0" i="0" u="none" strike="noStrike" cap="none">
                 <a:solidFill>
                   <a:schemeClr val="dk1"/>
                 </a:solidFill>
@@ -14197,7 +14487,7 @@
                 <a:sym typeface="Calibri"/>
               </a:defRPr>
             </a:lvl1pPr>
-            <a:lvl2pPr indent="-381000" lvl="1" marL="914400" marR="0" rtl="0" algn="l">
+            <a:lvl2pPr marL="914400" marR="0" lvl="1" indent="-381000" algn="l" rtl="0">
               <a:lnSpc>
                 <a:spcPct val="90000"/>
               </a:lnSpc>
@@ -14213,7 +14503,7 @@
               <a:buSzPts val="2400"/>
               <a:buFont typeface="Arial"/>
               <a:buChar char="•"/>
-              <a:defRPr b="0" i="0" sz="2400" u="none" cap="none" strike="noStrike">
+              <a:defRPr sz="2400" b="0" i="0" u="none" strike="noStrike" cap="none">
                 <a:solidFill>
                   <a:schemeClr val="dk1"/>
                 </a:solidFill>
@@ -14223,7 +14513,7 @@
                 <a:sym typeface="Calibri"/>
               </a:defRPr>
             </a:lvl2pPr>
-            <a:lvl3pPr indent="-355600" lvl="2" marL="1371600" marR="0" rtl="0" algn="l">
+            <a:lvl3pPr marL="1371600" marR="0" lvl="2" indent="-355600" algn="l" rtl="0">
               <a:lnSpc>
                 <a:spcPct val="90000"/>
               </a:lnSpc>
@@ -14239,7 +14529,7 @@
               <a:buSzPts val="2000"/>
               <a:buFont typeface="Arial"/>
               <a:buChar char="•"/>
-              <a:defRPr b="0" i="0" sz="2000" u="none" cap="none" strike="noStrike">
+              <a:defRPr sz="2000" b="0" i="0" u="none" strike="noStrike" cap="none">
                 <a:solidFill>
                   <a:schemeClr val="dk1"/>
                 </a:solidFill>
@@ -14249,7 +14539,7 @@
                 <a:sym typeface="Calibri"/>
               </a:defRPr>
             </a:lvl3pPr>
-            <a:lvl4pPr indent="-342900" lvl="3" marL="1828800" marR="0" rtl="0" algn="l">
+            <a:lvl4pPr marL="1828800" marR="0" lvl="3" indent="-342900" algn="l" rtl="0">
               <a:lnSpc>
                 <a:spcPct val="90000"/>
               </a:lnSpc>
@@ -14265,7 +14555,7 @@
               <a:buSzPts val="1800"/>
               <a:buFont typeface="Arial"/>
               <a:buChar char="•"/>
-              <a:defRPr b="0" i="0" sz="1800" u="none" cap="none" strike="noStrike">
+              <a:defRPr sz="1800" b="0" i="0" u="none" strike="noStrike" cap="none">
                 <a:solidFill>
                   <a:schemeClr val="dk1"/>
                 </a:solidFill>
@@ -14275,7 +14565,7 @@
                 <a:sym typeface="Calibri"/>
               </a:defRPr>
             </a:lvl4pPr>
-            <a:lvl5pPr indent="-342900" lvl="4" marL="2286000" marR="0" rtl="0" algn="l">
+            <a:lvl5pPr marL="2286000" marR="0" lvl="4" indent="-342900" algn="l" rtl="0">
               <a:lnSpc>
                 <a:spcPct val="90000"/>
               </a:lnSpc>
@@ -14291,7 +14581,7 @@
               <a:buSzPts val="1800"/>
               <a:buFont typeface="Arial"/>
               <a:buChar char="•"/>
-              <a:defRPr b="0" i="0" sz="1800" u="none" cap="none" strike="noStrike">
+              <a:defRPr sz="1800" b="0" i="0" u="none" strike="noStrike" cap="none">
                 <a:solidFill>
                   <a:schemeClr val="dk1"/>
                 </a:solidFill>
@@ -14301,7 +14591,7 @@
                 <a:sym typeface="Calibri"/>
               </a:defRPr>
             </a:lvl5pPr>
-            <a:lvl6pPr indent="-342900" lvl="5" marL="2743200" marR="0" rtl="0" algn="l">
+            <a:lvl6pPr marL="2743200" marR="0" lvl="5" indent="-342900" algn="l" rtl="0">
               <a:lnSpc>
                 <a:spcPct val="90000"/>
               </a:lnSpc>
@@ -14317,7 +14607,7 @@
               <a:buSzPts val="1800"/>
               <a:buFont typeface="Arial"/>
               <a:buChar char="•"/>
-              <a:defRPr b="0" i="0" sz="1800" u="none" cap="none" strike="noStrike">
+              <a:defRPr sz="1800" b="0" i="0" u="none" strike="noStrike" cap="none">
                 <a:solidFill>
                   <a:schemeClr val="dk1"/>
                 </a:solidFill>
@@ -14327,7 +14617,7 @@
                 <a:sym typeface="Calibri"/>
               </a:defRPr>
             </a:lvl6pPr>
-            <a:lvl7pPr indent="-342900" lvl="6" marL="3200400" marR="0" rtl="0" algn="l">
+            <a:lvl7pPr marL="3200400" marR="0" lvl="6" indent="-342900" algn="l" rtl="0">
               <a:lnSpc>
                 <a:spcPct val="90000"/>
               </a:lnSpc>
@@ -14343,7 +14633,7 @@
               <a:buSzPts val="1800"/>
               <a:buFont typeface="Arial"/>
               <a:buChar char="•"/>
-              <a:defRPr b="0" i="0" sz="1800" u="none" cap="none" strike="noStrike">
+              <a:defRPr sz="1800" b="0" i="0" u="none" strike="noStrike" cap="none">
                 <a:solidFill>
                   <a:schemeClr val="dk1"/>
                 </a:solidFill>
@@ -14353,7 +14643,7 @@
                 <a:sym typeface="Calibri"/>
               </a:defRPr>
             </a:lvl7pPr>
-            <a:lvl8pPr indent="-342900" lvl="7" marL="3657600" marR="0" rtl="0" algn="l">
+            <a:lvl8pPr marL="3657600" marR="0" lvl="7" indent="-342900" algn="l" rtl="0">
               <a:lnSpc>
                 <a:spcPct val="90000"/>
               </a:lnSpc>
@@ -14369,7 +14659,7 @@
               <a:buSzPts val="1800"/>
               <a:buFont typeface="Arial"/>
               <a:buChar char="•"/>
-              <a:defRPr b="0" i="0" sz="1800" u="none" cap="none" strike="noStrike">
+              <a:defRPr sz="1800" b="0" i="0" u="none" strike="noStrike" cap="none">
                 <a:solidFill>
                   <a:schemeClr val="dk1"/>
                 </a:solidFill>
@@ -14379,7 +14669,7 @@
                 <a:sym typeface="Calibri"/>
               </a:defRPr>
             </a:lvl8pPr>
-            <a:lvl9pPr indent="-342900" lvl="8" marL="4114800" marR="0" rtl="0" algn="l">
+            <a:lvl9pPr marL="4114800" marR="0" lvl="8" indent="-342900" algn="l" rtl="0">
               <a:lnSpc>
                 <a:spcPct val="90000"/>
               </a:lnSpc>
@@ -14395,7 +14685,7 @@
               <a:buSzPts val="1800"/>
               <a:buFont typeface="Arial"/>
               <a:buChar char="•"/>
-              <a:defRPr b="0" i="0" sz="1800" u="none" cap="none" strike="noStrike">
+              <a:defRPr sz="1800" b="0" i="0" u="none" strike="noStrike" cap="none">
                 <a:solidFill>
                   <a:schemeClr val="dk1"/>
                 </a:solidFill>
@@ -14406,15 +14696,19 @@
               </a:defRPr>
             </a:lvl9pPr>
           </a:lstStyle>
-          <a:p/>
+          <a:p>
+            <a:endParaRPr/>
+          </a:p>
         </p:txBody>
       </p:sp>
       <p:sp>
         <p:nvSpPr>
           <p:cNvPr id="12" name="Google Shape;12;p1"/>
-          <p:cNvSpPr txBox="1"/>
+          <p:cNvSpPr txBox="1">
+            <a:spLocks noGrp="1"/>
+          </p:cNvSpPr>
           <p:nvPr>
-            <p:ph idx="10" type="dt"/>
+            <p:ph type="dt" idx="10"/>
           </p:nvPr>
         </p:nvSpPr>
         <p:spPr>
@@ -14431,11 +14725,11 @@
           </a:ln>
         </p:spPr>
         <p:txBody>
-          <a:bodyPr anchorCtr="0" anchor="ctr" bIns="45700" lIns="91425" spcFirstLastPara="1" rIns="91425" wrap="square" tIns="45700">
+          <a:bodyPr spcFirstLastPara="1" wrap="square" lIns="91425" tIns="45700" rIns="91425" bIns="45700" anchor="ctr" anchorCtr="0">
             <a:noAutofit/>
           </a:bodyPr>
           <a:lstStyle>
-            <a:lvl1pPr lvl="0" marR="0" rtl="0" algn="l">
+            <a:lvl1pPr marR="0" lvl="0" algn="l" rtl="0">
               <a:lnSpc>
                 <a:spcPct val="100000"/>
               </a:lnSpc>
@@ -14451,7 +14745,7 @@
               <a:buSzPts val="1400"/>
               <a:buFont typeface="Arial"/>
               <a:buNone/>
-              <a:defRPr b="0" i="0" sz="1200" u="none" cap="none" strike="noStrike">
+              <a:defRPr sz="1200" b="0" i="0" u="none" strike="noStrike" cap="none">
                 <a:solidFill>
                   <a:srgbClr val="888888"/>
                 </a:solidFill>
@@ -14461,7 +14755,7 @@
                 <a:sym typeface="Calibri"/>
               </a:defRPr>
             </a:lvl1pPr>
-            <a:lvl2pPr lvl="1" marR="0" rtl="0" algn="l">
+            <a:lvl2pPr marR="0" lvl="1" algn="l" rtl="0">
               <a:lnSpc>
                 <a:spcPct val="100000"/>
               </a:lnSpc>
@@ -14477,7 +14771,7 @@
               <a:buSzPts val="1400"/>
               <a:buFont typeface="Arial"/>
               <a:buNone/>
-              <a:defRPr b="0" i="0" sz="1800" u="none" cap="none" strike="noStrike">
+              <a:defRPr sz="1800" b="0" i="0" u="none" strike="noStrike" cap="none">
                 <a:solidFill>
                   <a:schemeClr val="dk1"/>
                 </a:solidFill>
@@ -14487,7 +14781,7 @@
                 <a:sym typeface="Calibri"/>
               </a:defRPr>
             </a:lvl2pPr>
-            <a:lvl3pPr lvl="2" marR="0" rtl="0" algn="l">
+            <a:lvl3pPr marR="0" lvl="2" algn="l" rtl="0">
               <a:lnSpc>
                 <a:spcPct val="100000"/>
               </a:lnSpc>
@@ -14503,7 +14797,7 @@
               <a:buSzPts val="1400"/>
               <a:buFont typeface="Arial"/>
               <a:buNone/>
-              <a:defRPr b="0" i="0" sz="1800" u="none" cap="none" strike="noStrike">
+              <a:defRPr sz="1800" b="0" i="0" u="none" strike="noStrike" cap="none">
                 <a:solidFill>
                   <a:schemeClr val="dk1"/>
                 </a:solidFill>
@@ -14513,7 +14807,7 @@
                 <a:sym typeface="Calibri"/>
               </a:defRPr>
             </a:lvl3pPr>
-            <a:lvl4pPr lvl="3" marR="0" rtl="0" algn="l">
+            <a:lvl4pPr marR="0" lvl="3" algn="l" rtl="0">
               <a:lnSpc>
                 <a:spcPct val="100000"/>
               </a:lnSpc>
@@ -14529,7 +14823,7 @@
               <a:buSzPts val="1400"/>
               <a:buFont typeface="Arial"/>
               <a:buNone/>
-              <a:defRPr b="0" i="0" sz="1800" u="none" cap="none" strike="noStrike">
+              <a:defRPr sz="1800" b="0" i="0" u="none" strike="noStrike" cap="none">
                 <a:solidFill>
                   <a:schemeClr val="dk1"/>
                 </a:solidFill>
@@ -14539,7 +14833,7 @@
                 <a:sym typeface="Calibri"/>
               </a:defRPr>
             </a:lvl4pPr>
-            <a:lvl5pPr lvl="4" marR="0" rtl="0" algn="l">
+            <a:lvl5pPr marR="0" lvl="4" algn="l" rtl="0">
               <a:lnSpc>
                 <a:spcPct val="100000"/>
               </a:lnSpc>
@@ -14555,7 +14849,7 @@
               <a:buSzPts val="1400"/>
               <a:buFont typeface="Arial"/>
               <a:buNone/>
-              <a:defRPr b="0" i="0" sz="1800" u="none" cap="none" strike="noStrike">
+              <a:defRPr sz="1800" b="0" i="0" u="none" strike="noStrike" cap="none">
                 <a:solidFill>
                   <a:schemeClr val="dk1"/>
                 </a:solidFill>
@@ -14565,7 +14859,7 @@
                 <a:sym typeface="Calibri"/>
               </a:defRPr>
             </a:lvl5pPr>
-            <a:lvl6pPr lvl="5" marR="0" rtl="0" algn="l">
+            <a:lvl6pPr marR="0" lvl="5" algn="l" rtl="0">
               <a:lnSpc>
                 <a:spcPct val="100000"/>
               </a:lnSpc>
@@ -14581,7 +14875,7 @@
               <a:buSzPts val="1400"/>
               <a:buFont typeface="Arial"/>
               <a:buNone/>
-              <a:defRPr b="0" i="0" sz="1800" u="none" cap="none" strike="noStrike">
+              <a:defRPr sz="1800" b="0" i="0" u="none" strike="noStrike" cap="none">
                 <a:solidFill>
                   <a:schemeClr val="dk1"/>
                 </a:solidFill>
@@ -14591,7 +14885,7 @@
                 <a:sym typeface="Calibri"/>
               </a:defRPr>
             </a:lvl6pPr>
-            <a:lvl7pPr lvl="6" marR="0" rtl="0" algn="l">
+            <a:lvl7pPr marR="0" lvl="6" algn="l" rtl="0">
               <a:lnSpc>
                 <a:spcPct val="100000"/>
               </a:lnSpc>
@@ -14607,7 +14901,7 @@
               <a:buSzPts val="1400"/>
               <a:buFont typeface="Arial"/>
               <a:buNone/>
-              <a:defRPr b="0" i="0" sz="1800" u="none" cap="none" strike="noStrike">
+              <a:defRPr sz="1800" b="0" i="0" u="none" strike="noStrike" cap="none">
                 <a:solidFill>
                   <a:schemeClr val="dk1"/>
                 </a:solidFill>
@@ -14617,7 +14911,7 @@
                 <a:sym typeface="Calibri"/>
               </a:defRPr>
             </a:lvl7pPr>
-            <a:lvl8pPr lvl="7" marR="0" rtl="0" algn="l">
+            <a:lvl8pPr marR="0" lvl="7" algn="l" rtl="0">
               <a:lnSpc>
                 <a:spcPct val="100000"/>
               </a:lnSpc>
@@ -14633,7 +14927,7 @@
               <a:buSzPts val="1400"/>
               <a:buFont typeface="Arial"/>
               <a:buNone/>
-              <a:defRPr b="0" i="0" sz="1800" u="none" cap="none" strike="noStrike">
+              <a:defRPr sz="1800" b="0" i="0" u="none" strike="noStrike" cap="none">
                 <a:solidFill>
                   <a:schemeClr val="dk1"/>
                 </a:solidFill>
@@ -14643,7 +14937,7 @@
                 <a:sym typeface="Calibri"/>
               </a:defRPr>
             </a:lvl8pPr>
-            <a:lvl9pPr lvl="8" marR="0" rtl="0" algn="l">
+            <a:lvl9pPr marR="0" lvl="8" algn="l" rtl="0">
               <a:lnSpc>
                 <a:spcPct val="100000"/>
               </a:lnSpc>
@@ -14659,7 +14953,7 @@
               <a:buSzPts val="1400"/>
               <a:buFont typeface="Arial"/>
               <a:buNone/>
-              <a:defRPr b="0" i="0" sz="1800" u="none" cap="none" strike="noStrike">
+              <a:defRPr sz="1800" b="0" i="0" u="none" strike="noStrike" cap="none">
                 <a:solidFill>
                   <a:schemeClr val="dk1"/>
                 </a:solidFill>
@@ -14670,15 +14964,19 @@
               </a:defRPr>
             </a:lvl9pPr>
           </a:lstStyle>
-          <a:p/>
+          <a:p>
+            <a:endParaRPr/>
+          </a:p>
         </p:txBody>
       </p:sp>
       <p:sp>
         <p:nvSpPr>
           <p:cNvPr id="13" name="Google Shape;13;p1"/>
-          <p:cNvSpPr txBox="1"/>
+          <p:cNvSpPr txBox="1">
+            <a:spLocks noGrp="1"/>
+          </p:cNvSpPr>
           <p:nvPr>
-            <p:ph idx="11" type="ftr"/>
+            <p:ph type="ftr" idx="11"/>
           </p:nvPr>
         </p:nvSpPr>
         <p:spPr>
@@ -14695,11 +14993,11 @@
           </a:ln>
         </p:spPr>
         <p:txBody>
-          <a:bodyPr anchorCtr="0" anchor="ctr" bIns="45700" lIns="91425" spcFirstLastPara="1" rIns="91425" wrap="square" tIns="45700">
+          <a:bodyPr spcFirstLastPara="1" wrap="square" lIns="91425" tIns="45700" rIns="91425" bIns="45700" anchor="ctr" anchorCtr="0">
             <a:noAutofit/>
           </a:bodyPr>
           <a:lstStyle>
-            <a:lvl1pPr lvl="0" marR="0" rtl="0" algn="ctr">
+            <a:lvl1pPr marR="0" lvl="0" algn="ctr" rtl="0">
               <a:lnSpc>
                 <a:spcPct val="100000"/>
               </a:lnSpc>
@@ -14715,7 +15013,7 @@
               <a:buSzPts val="1400"/>
               <a:buFont typeface="Arial"/>
               <a:buNone/>
-              <a:defRPr b="0" i="0" sz="1200" u="none" cap="none" strike="noStrike">
+              <a:defRPr sz="1200" b="0" i="0" u="none" strike="noStrike" cap="none">
                 <a:solidFill>
                   <a:srgbClr val="888888"/>
                 </a:solidFill>
@@ -14725,7 +15023,7 @@
                 <a:sym typeface="Calibri"/>
               </a:defRPr>
             </a:lvl1pPr>
-            <a:lvl2pPr lvl="1" marR="0" rtl="0" algn="l">
+            <a:lvl2pPr marR="0" lvl="1" algn="l" rtl="0">
               <a:lnSpc>
                 <a:spcPct val="100000"/>
               </a:lnSpc>
@@ -14741,7 +15039,7 @@
               <a:buSzPts val="1400"/>
               <a:buFont typeface="Arial"/>
               <a:buNone/>
-              <a:defRPr b="0" i="0" sz="1800" u="none" cap="none" strike="noStrike">
+              <a:defRPr sz="1800" b="0" i="0" u="none" strike="noStrike" cap="none">
                 <a:solidFill>
                   <a:schemeClr val="dk1"/>
                 </a:solidFill>
@@ -14751,7 +15049,7 @@
                 <a:sym typeface="Calibri"/>
               </a:defRPr>
             </a:lvl2pPr>
-            <a:lvl3pPr lvl="2" marR="0" rtl="0" algn="l">
+            <a:lvl3pPr marR="0" lvl="2" algn="l" rtl="0">
               <a:lnSpc>
                 <a:spcPct val="100000"/>
               </a:lnSpc>
@@ -14767,7 +15065,7 @@
               <a:buSzPts val="1400"/>
               <a:buFont typeface="Arial"/>
               <a:buNone/>
-              <a:defRPr b="0" i="0" sz="1800" u="none" cap="none" strike="noStrike">
+              <a:defRPr sz="1800" b="0" i="0" u="none" strike="noStrike" cap="none">
                 <a:solidFill>
                   <a:schemeClr val="dk1"/>
                 </a:solidFill>
@@ -14777,7 +15075,7 @@
                 <a:sym typeface="Calibri"/>
               </a:defRPr>
             </a:lvl3pPr>
-            <a:lvl4pPr lvl="3" marR="0" rtl="0" algn="l">
+            <a:lvl4pPr marR="0" lvl="3" algn="l" rtl="0">
               <a:lnSpc>
                 <a:spcPct val="100000"/>
               </a:lnSpc>
@@ -14793,7 +15091,7 @@
               <a:buSzPts val="1400"/>
               <a:buFont typeface="Arial"/>
               <a:buNone/>
-              <a:defRPr b="0" i="0" sz="1800" u="none" cap="none" strike="noStrike">
+              <a:defRPr sz="1800" b="0" i="0" u="none" strike="noStrike" cap="none">
                 <a:solidFill>
                   <a:schemeClr val="dk1"/>
                 </a:solidFill>
@@ -14803,7 +15101,7 @@
                 <a:sym typeface="Calibri"/>
               </a:defRPr>
             </a:lvl4pPr>
-            <a:lvl5pPr lvl="4" marR="0" rtl="0" algn="l">
+            <a:lvl5pPr marR="0" lvl="4" algn="l" rtl="0">
               <a:lnSpc>
                 <a:spcPct val="100000"/>
               </a:lnSpc>
@@ -14819,7 +15117,7 @@
               <a:buSzPts val="1400"/>
               <a:buFont typeface="Arial"/>
               <a:buNone/>
-              <a:defRPr b="0" i="0" sz="1800" u="none" cap="none" strike="noStrike">
+              <a:defRPr sz="1800" b="0" i="0" u="none" strike="noStrike" cap="none">
                 <a:solidFill>
                   <a:schemeClr val="dk1"/>
                 </a:solidFill>
@@ -14829,7 +15127,7 @@
                 <a:sym typeface="Calibri"/>
               </a:defRPr>
             </a:lvl5pPr>
-            <a:lvl6pPr lvl="5" marR="0" rtl="0" algn="l">
+            <a:lvl6pPr marR="0" lvl="5" algn="l" rtl="0">
               <a:lnSpc>
                 <a:spcPct val="100000"/>
               </a:lnSpc>
@@ -14845,7 +15143,7 @@
               <a:buSzPts val="1400"/>
               <a:buFont typeface="Arial"/>
               <a:buNone/>
-              <a:defRPr b="0" i="0" sz="1800" u="none" cap="none" strike="noStrike">
+              <a:defRPr sz="1800" b="0" i="0" u="none" strike="noStrike" cap="none">
                 <a:solidFill>
                   <a:schemeClr val="dk1"/>
                 </a:solidFill>
@@ -14855,7 +15153,7 @@
                 <a:sym typeface="Calibri"/>
               </a:defRPr>
             </a:lvl6pPr>
-            <a:lvl7pPr lvl="6" marR="0" rtl="0" algn="l">
+            <a:lvl7pPr marR="0" lvl="6" algn="l" rtl="0">
               <a:lnSpc>
                 <a:spcPct val="100000"/>
               </a:lnSpc>
@@ -14871,7 +15169,7 @@
               <a:buSzPts val="1400"/>
               <a:buFont typeface="Arial"/>
               <a:buNone/>
-              <a:defRPr b="0" i="0" sz="1800" u="none" cap="none" strike="noStrike">
+              <a:defRPr sz="1800" b="0" i="0" u="none" strike="noStrike" cap="none">
                 <a:solidFill>
                   <a:schemeClr val="dk1"/>
                 </a:solidFill>
@@ -14881,7 +15179,7 @@
                 <a:sym typeface="Calibri"/>
               </a:defRPr>
             </a:lvl7pPr>
-            <a:lvl8pPr lvl="7" marR="0" rtl="0" algn="l">
+            <a:lvl8pPr marR="0" lvl="7" algn="l" rtl="0">
               <a:lnSpc>
                 <a:spcPct val="100000"/>
               </a:lnSpc>
@@ -14897,7 +15195,7 @@
               <a:buSzPts val="1400"/>
               <a:buFont typeface="Arial"/>
               <a:buNone/>
-              <a:defRPr b="0" i="0" sz="1800" u="none" cap="none" strike="noStrike">
+              <a:defRPr sz="1800" b="0" i="0" u="none" strike="noStrike" cap="none">
                 <a:solidFill>
                   <a:schemeClr val="dk1"/>
                 </a:solidFill>
@@ -14907,7 +15205,7 @@
                 <a:sym typeface="Calibri"/>
               </a:defRPr>
             </a:lvl8pPr>
-            <a:lvl9pPr lvl="8" marR="0" rtl="0" algn="l">
+            <a:lvl9pPr marR="0" lvl="8" algn="l" rtl="0">
               <a:lnSpc>
                 <a:spcPct val="100000"/>
               </a:lnSpc>
@@ -14923,7 +15221,7 @@
               <a:buSzPts val="1400"/>
               <a:buFont typeface="Arial"/>
               <a:buNone/>
-              <a:defRPr b="0" i="0" sz="1800" u="none" cap="none" strike="noStrike">
+              <a:defRPr sz="1800" b="0" i="0" u="none" strike="noStrike" cap="none">
                 <a:solidFill>
                   <a:schemeClr val="dk1"/>
                 </a:solidFill>
@@ -14934,15 +15232,19 @@
               </a:defRPr>
             </a:lvl9pPr>
           </a:lstStyle>
-          <a:p/>
+          <a:p>
+            <a:endParaRPr/>
+          </a:p>
         </p:txBody>
       </p:sp>
       <p:sp>
         <p:nvSpPr>
           <p:cNvPr id="14" name="Google Shape;14;p1"/>
-          <p:cNvSpPr txBox="1"/>
+          <p:cNvSpPr txBox="1">
+            <a:spLocks noGrp="1"/>
+          </p:cNvSpPr>
           <p:nvPr>
-            <p:ph idx="12" type="sldNum"/>
+            <p:ph type="sldNum" idx="12"/>
           </p:nvPr>
         </p:nvSpPr>
         <p:spPr>
@@ -14959,11 +15261,11 @@
           </a:ln>
         </p:spPr>
         <p:txBody>
-          <a:bodyPr anchorCtr="0" anchor="ctr" bIns="45700" lIns="91425" spcFirstLastPara="1" rIns="91425" wrap="square" tIns="45700">
+          <a:bodyPr spcFirstLastPara="1" wrap="square" lIns="91425" tIns="45700" rIns="91425" bIns="45700" anchor="ctr" anchorCtr="0">
             <a:noAutofit/>
           </a:bodyPr>
           <a:lstStyle>
-            <a:lvl1pPr indent="0" lvl="0" marL="0" marR="0" rtl="0" algn="r">
+            <a:lvl1pPr marL="0" marR="0" lvl="0" indent="0" algn="r" rtl="0">
               <a:lnSpc>
                 <a:spcPct val="100000"/>
               </a:lnSpc>
@@ -14979,7 +15281,7 @@
               <a:buSzPts val="1200"/>
               <a:buFont typeface="Arial"/>
               <a:buNone/>
-              <a:defRPr b="0" i="0" sz="1200" u="none" cap="none" strike="noStrike">
+              <a:defRPr sz="1200" b="0" i="0" u="none" strike="noStrike" cap="none">
                 <a:solidFill>
                   <a:srgbClr val="888888"/>
                 </a:solidFill>
@@ -14989,7 +15291,7 @@
                 <a:sym typeface="Calibri"/>
               </a:defRPr>
             </a:lvl1pPr>
-            <a:lvl2pPr indent="0" lvl="1" marL="0" marR="0" rtl="0" algn="r">
+            <a:lvl2pPr marL="0" marR="0" lvl="1" indent="0" algn="r" rtl="0">
               <a:lnSpc>
                 <a:spcPct val="100000"/>
               </a:lnSpc>
@@ -15005,7 +15307,7 @@
               <a:buSzPts val="1200"/>
               <a:buFont typeface="Arial"/>
               <a:buNone/>
-              <a:defRPr b="0" i="0" sz="1200" u="none" cap="none" strike="noStrike">
+              <a:defRPr sz="1200" b="0" i="0" u="none" strike="noStrike" cap="none">
                 <a:solidFill>
                   <a:srgbClr val="888888"/>
                 </a:solidFill>
@@ -15015,7 +15317,7 @@
                 <a:sym typeface="Calibri"/>
               </a:defRPr>
             </a:lvl2pPr>
-            <a:lvl3pPr indent="0" lvl="2" marL="0" marR="0" rtl="0" algn="r">
+            <a:lvl3pPr marL="0" marR="0" lvl="2" indent="0" algn="r" rtl="0">
               <a:lnSpc>
                 <a:spcPct val="100000"/>
               </a:lnSpc>
@@ -15031,7 +15333,7 @@
               <a:buSzPts val="1200"/>
               <a:buFont typeface="Arial"/>
               <a:buNone/>
-              <a:defRPr b="0" i="0" sz="1200" u="none" cap="none" strike="noStrike">
+              <a:defRPr sz="1200" b="0" i="0" u="none" strike="noStrike" cap="none">
                 <a:solidFill>
                   <a:srgbClr val="888888"/>
                 </a:solidFill>
@@ -15041,7 +15343,7 @@
                 <a:sym typeface="Calibri"/>
               </a:defRPr>
             </a:lvl3pPr>
-            <a:lvl4pPr indent="0" lvl="3" marL="0" marR="0" rtl="0" algn="r">
+            <a:lvl4pPr marL="0" marR="0" lvl="3" indent="0" algn="r" rtl="0">
               <a:lnSpc>
                 <a:spcPct val="100000"/>
               </a:lnSpc>
@@ -15057,7 +15359,7 @@
               <a:buSzPts val="1200"/>
               <a:buFont typeface="Arial"/>
               <a:buNone/>
-              <a:defRPr b="0" i="0" sz="1200" u="none" cap="none" strike="noStrike">
+              <a:defRPr sz="1200" b="0" i="0" u="none" strike="noStrike" cap="none">
                 <a:solidFill>
                   <a:srgbClr val="888888"/>
                 </a:solidFill>
@@ -15067,7 +15369,7 @@
                 <a:sym typeface="Calibri"/>
               </a:defRPr>
             </a:lvl4pPr>
-            <a:lvl5pPr indent="0" lvl="4" marL="0" marR="0" rtl="0" algn="r">
+            <a:lvl5pPr marL="0" marR="0" lvl="4" indent="0" algn="r" rtl="0">
               <a:lnSpc>
                 <a:spcPct val="100000"/>
               </a:lnSpc>
@@ -15083,7 +15385,7 @@
               <a:buSzPts val="1200"/>
               <a:buFont typeface="Arial"/>
               <a:buNone/>
-              <a:defRPr b="0" i="0" sz="1200" u="none" cap="none" strike="noStrike">
+              <a:defRPr sz="1200" b="0" i="0" u="none" strike="noStrike" cap="none">
                 <a:solidFill>
                   <a:srgbClr val="888888"/>
                 </a:solidFill>
@@ -15093,7 +15395,7 @@
                 <a:sym typeface="Calibri"/>
               </a:defRPr>
             </a:lvl5pPr>
-            <a:lvl6pPr indent="0" lvl="5" marL="0" marR="0" rtl="0" algn="r">
+            <a:lvl6pPr marL="0" marR="0" lvl="5" indent="0" algn="r" rtl="0">
               <a:lnSpc>
                 <a:spcPct val="100000"/>
               </a:lnSpc>
@@ -15109,7 +15411,7 @@
               <a:buSzPts val="1200"/>
               <a:buFont typeface="Arial"/>
               <a:buNone/>
-              <a:defRPr b="0" i="0" sz="1200" u="none" cap="none" strike="noStrike">
+              <a:defRPr sz="1200" b="0" i="0" u="none" strike="noStrike" cap="none">
                 <a:solidFill>
                   <a:srgbClr val="888888"/>
                 </a:solidFill>
@@ -15119,7 +15421,7 @@
                 <a:sym typeface="Calibri"/>
               </a:defRPr>
             </a:lvl6pPr>
-            <a:lvl7pPr indent="0" lvl="6" marL="0" marR="0" rtl="0" algn="r">
+            <a:lvl7pPr marL="0" marR="0" lvl="6" indent="0" algn="r" rtl="0">
               <a:lnSpc>
                 <a:spcPct val="100000"/>
               </a:lnSpc>
@@ -15135,7 +15437,7 @@
               <a:buSzPts val="1200"/>
               <a:buFont typeface="Arial"/>
               <a:buNone/>
-              <a:defRPr b="0" i="0" sz="1200" u="none" cap="none" strike="noStrike">
+              <a:defRPr sz="1200" b="0" i="0" u="none" strike="noStrike" cap="none">
                 <a:solidFill>
                   <a:srgbClr val="888888"/>
                 </a:solidFill>
@@ -15145,7 +15447,7 @@
                 <a:sym typeface="Calibri"/>
               </a:defRPr>
             </a:lvl7pPr>
-            <a:lvl8pPr indent="0" lvl="7" marL="0" marR="0" rtl="0" algn="r">
+            <a:lvl8pPr marL="0" marR="0" lvl="7" indent="0" algn="r" rtl="0">
               <a:lnSpc>
                 <a:spcPct val="100000"/>
               </a:lnSpc>
@@ -15161,7 +15463,7 @@
               <a:buSzPts val="1200"/>
               <a:buFont typeface="Arial"/>
               <a:buNone/>
-              <a:defRPr b="0" i="0" sz="1200" u="none" cap="none" strike="noStrike">
+              <a:defRPr sz="1200" b="0" i="0" u="none" strike="noStrike" cap="none">
                 <a:solidFill>
                   <a:srgbClr val="888888"/>
                 </a:solidFill>
@@ -15171,7 +15473,7 @@
                 <a:sym typeface="Calibri"/>
               </a:defRPr>
             </a:lvl8pPr>
-            <a:lvl9pPr indent="0" lvl="8" marL="0" marR="0" rtl="0" algn="r">
+            <a:lvl9pPr marL="0" marR="0" lvl="8" indent="0" algn="r" rtl="0">
               <a:lnSpc>
                 <a:spcPct val="100000"/>
               </a:lnSpc>
@@ -15187,7 +15489,7 @@
               <a:buSzPts val="1200"/>
               <a:buFont typeface="Arial"/>
               <a:buNone/>
-              <a:defRPr b="0" i="0" sz="1200" u="none" cap="none" strike="noStrike">
+              <a:defRPr sz="1200" b="0" i="0" u="none" strike="noStrike" cap="none">
                 <a:solidFill>
                   <a:srgbClr val="888888"/>
                 </a:solidFill>
@@ -15199,7 +15501,7 @@
             </a:lvl9pPr>
           </a:lstStyle>
           <a:p>
-            <a:pPr indent="0" lvl="0" marL="0" rtl="0" algn="r">
+            <a:pPr marL="0" lvl="0" indent="0" algn="r" rtl="0">
               <a:spcBef>
                 <a:spcPts val="0"/>
               </a:spcBef>
@@ -15218,7 +15520,7 @@
       </p:sp>
     </p:spTree>
   </p:cSld>
-  <p:clrMap accent1="accent1" accent2="accent2" accent3="accent3" accent4="accent4" accent5="accent5" accent6="accent6" bg1="lt1" bg2="dk2" tx1="dk1" tx2="lt2" folHlink="folHlink" hlink="hlink"/>
+  <p:clrMap bg1="lt1" tx1="dk1" bg2="dk2" tx2="lt2" accent1="accent1" accent2="accent2" accent3="accent3" accent4="accent4" accent5="accent5" accent6="accent6" hlink="hlink" folHlink="folHlink"/>
   <p:sldLayoutIdLst>
     <p:sldLayoutId id="2147483648" r:id="rId1"/>
     <p:sldLayoutId id="2147483649" r:id="rId2"/>
@@ -15232,10 +15534,10 @@
     <p:sldLayoutId id="2147483657" r:id="rId10"/>
     <p:sldLayoutId id="2147483658" r:id="rId11"/>
   </p:sldLayoutIdLst>
-  <p:hf dt="0" ftr="0" hdr="0" sldNum="0"/>
+  <p:hf sldNum="0" hdr="0" ftr="0" dt="0"/>
   <p:txStyles>
     <p:titleStyle>
-      <a:defPPr lvl="0" marR="0" rtl="0" algn="l">
+      <a:defPPr marR="0" lvl="0" algn="l" rtl="0">
         <a:lnSpc>
           <a:spcPct val="100000"/>
         </a:lnSpc>
@@ -15246,7 +15548,7 @@
           <a:spcPts val="0"/>
         </a:spcAft>
       </a:defPPr>
-      <a:lvl1pPr lvl="0" marR="0" rtl="0" algn="l">
+      <a:lvl1pPr marR="0" lvl="0" algn="l" rtl="0">
         <a:lnSpc>
           <a:spcPct val="100000"/>
         </a:lnSpc>
@@ -15260,7 +15562,7 @@
           <a:srgbClr val="000000"/>
         </a:buClr>
         <a:buFont typeface="Arial"/>
-        <a:defRPr b="0" i="0" sz="1400" u="none" cap="none" strike="noStrike">
+        <a:defRPr sz="1400" b="0" i="0" u="none" strike="noStrike" cap="none">
           <a:solidFill>
             <a:srgbClr val="000000"/>
           </a:solidFill>
@@ -15270,7 +15572,7 @@
           <a:sym typeface="Arial"/>
         </a:defRPr>
       </a:lvl1pPr>
-      <a:lvl2pPr lvl="1" marR="0" rtl="0" algn="l">
+      <a:lvl2pPr marR="0" lvl="1" algn="l" rtl="0">
         <a:lnSpc>
           <a:spcPct val="100000"/>
         </a:lnSpc>
@@ -15284,7 +15586,7 @@
           <a:srgbClr val="000000"/>
         </a:buClr>
         <a:buFont typeface="Arial"/>
-        <a:defRPr b="0" i="0" sz="1400" u="none" cap="none" strike="noStrike">
+        <a:defRPr sz="1400" b="0" i="0" u="none" strike="noStrike" cap="none">
           <a:solidFill>
             <a:srgbClr val="000000"/>
           </a:solidFill>
@@ -15294,7 +15596,7 @@
           <a:sym typeface="Arial"/>
         </a:defRPr>
       </a:lvl2pPr>
-      <a:lvl3pPr lvl="2" marR="0" rtl="0" algn="l">
+      <a:lvl3pPr marR="0" lvl="2" algn="l" rtl="0">
         <a:lnSpc>
           <a:spcPct val="100000"/>
         </a:lnSpc>
@@ -15308,7 +15610,7 @@
           <a:srgbClr val="000000"/>
         </a:buClr>
         <a:buFont typeface="Arial"/>
-        <a:defRPr b="0" i="0" sz="1400" u="none" cap="none" strike="noStrike">
+        <a:defRPr sz="1400" b="0" i="0" u="none" strike="noStrike" cap="none">
           <a:solidFill>
             <a:srgbClr val="000000"/>
           </a:solidFill>
@@ -15318,7 +15620,7 @@
           <a:sym typeface="Arial"/>
         </a:defRPr>
       </a:lvl3pPr>
-      <a:lvl4pPr lvl="3" marR="0" rtl="0" algn="l">
+      <a:lvl4pPr marR="0" lvl="3" algn="l" rtl="0">
         <a:lnSpc>
           <a:spcPct val="100000"/>
         </a:lnSpc>
@@ -15332,7 +15634,7 @@
           <a:srgbClr val="000000"/>
         </a:buClr>
         <a:buFont typeface="Arial"/>
-        <a:defRPr b="0" i="0" sz="1400" u="none" cap="none" strike="noStrike">
+        <a:defRPr sz="1400" b="0" i="0" u="none" strike="noStrike" cap="none">
           <a:solidFill>
             <a:srgbClr val="000000"/>
           </a:solidFill>
@@ -15342,7 +15644,7 @@
           <a:sym typeface="Arial"/>
         </a:defRPr>
       </a:lvl4pPr>
-      <a:lvl5pPr lvl="4" marR="0" rtl="0" algn="l">
+      <a:lvl5pPr marR="0" lvl="4" algn="l" rtl="0">
         <a:lnSpc>
           <a:spcPct val="100000"/>
         </a:lnSpc>
@@ -15356,7 +15658,7 @@
           <a:srgbClr val="000000"/>
         </a:buClr>
         <a:buFont typeface="Arial"/>
-        <a:defRPr b="0" i="0" sz="1400" u="none" cap="none" strike="noStrike">
+        <a:defRPr sz="1400" b="0" i="0" u="none" strike="noStrike" cap="none">
           <a:solidFill>
             <a:srgbClr val="000000"/>
           </a:solidFill>
@@ -15366,7 +15668,7 @@
           <a:sym typeface="Arial"/>
         </a:defRPr>
       </a:lvl5pPr>
-      <a:lvl6pPr lvl="5" marR="0" rtl="0" algn="l">
+      <a:lvl6pPr marR="0" lvl="5" algn="l" rtl="0">
         <a:lnSpc>
           <a:spcPct val="100000"/>
         </a:lnSpc>
@@ -15380,7 +15682,7 @@
           <a:srgbClr val="000000"/>
         </a:buClr>
         <a:buFont typeface="Arial"/>
-        <a:defRPr b="0" i="0" sz="1400" u="none" cap="none" strike="noStrike">
+        <a:defRPr sz="1400" b="0" i="0" u="none" strike="noStrike" cap="none">
           <a:solidFill>
             <a:srgbClr val="000000"/>
           </a:solidFill>
@@ -15390,7 +15692,7 @@
           <a:sym typeface="Arial"/>
         </a:defRPr>
       </a:lvl6pPr>
-      <a:lvl7pPr lvl="6" marR="0" rtl="0" algn="l">
+      <a:lvl7pPr marR="0" lvl="6" algn="l" rtl="0">
         <a:lnSpc>
           <a:spcPct val="100000"/>
         </a:lnSpc>
@@ -15404,7 +15706,7 @@
           <a:srgbClr val="000000"/>
         </a:buClr>
         <a:buFont typeface="Arial"/>
-        <a:defRPr b="0" i="0" sz="1400" u="none" cap="none" strike="noStrike">
+        <a:defRPr sz="1400" b="0" i="0" u="none" strike="noStrike" cap="none">
           <a:solidFill>
             <a:srgbClr val="000000"/>
           </a:solidFill>
@@ -15414,7 +15716,7 @@
           <a:sym typeface="Arial"/>
         </a:defRPr>
       </a:lvl7pPr>
-      <a:lvl8pPr lvl="7" marR="0" rtl="0" algn="l">
+      <a:lvl8pPr marR="0" lvl="7" algn="l" rtl="0">
         <a:lnSpc>
           <a:spcPct val="100000"/>
         </a:lnSpc>
@@ -15428,7 +15730,7 @@
           <a:srgbClr val="000000"/>
         </a:buClr>
         <a:buFont typeface="Arial"/>
-        <a:defRPr b="0" i="0" sz="1400" u="none" cap="none" strike="noStrike">
+        <a:defRPr sz="1400" b="0" i="0" u="none" strike="noStrike" cap="none">
           <a:solidFill>
             <a:srgbClr val="000000"/>
           </a:solidFill>
@@ -15438,7 +15740,7 @@
           <a:sym typeface="Arial"/>
         </a:defRPr>
       </a:lvl8pPr>
-      <a:lvl9pPr lvl="8" marR="0" rtl="0" algn="l">
+      <a:lvl9pPr marR="0" lvl="8" algn="l" rtl="0">
         <a:lnSpc>
           <a:spcPct val="100000"/>
         </a:lnSpc>
@@ -15452,7 +15754,7 @@
           <a:srgbClr val="000000"/>
         </a:buClr>
         <a:buFont typeface="Arial"/>
-        <a:defRPr b="0" i="0" sz="1400" u="none" cap="none" strike="noStrike">
+        <a:defRPr sz="1400" b="0" i="0" u="none" strike="noStrike" cap="none">
           <a:solidFill>
             <a:srgbClr val="000000"/>
           </a:solidFill>
@@ -15464,7 +15766,7 @@
       </a:lvl9pPr>
     </p:titleStyle>
     <p:bodyStyle>
-      <a:defPPr lvl="0" marR="0" rtl="0" algn="l">
+      <a:defPPr marR="0" lvl="0" algn="l" rtl="0">
         <a:lnSpc>
           <a:spcPct val="100000"/>
         </a:lnSpc>
@@ -15475,7 +15777,7 @@
           <a:spcPts val="0"/>
         </a:spcAft>
       </a:defPPr>
-      <a:lvl1pPr lvl="0" marR="0" rtl="0" algn="l">
+      <a:lvl1pPr marR="0" lvl="0" algn="l" rtl="0">
         <a:lnSpc>
           <a:spcPct val="100000"/>
         </a:lnSpc>
@@ -15489,7 +15791,7 @@
           <a:srgbClr val="000000"/>
         </a:buClr>
         <a:buFont typeface="Arial"/>
-        <a:defRPr b="0" i="0" sz="1400" u="none" cap="none" strike="noStrike">
+        <a:defRPr sz="1400" b="0" i="0" u="none" strike="noStrike" cap="none">
           <a:solidFill>
             <a:srgbClr val="000000"/>
           </a:solidFill>
@@ -15499,7 +15801,7 @@
           <a:sym typeface="Arial"/>
         </a:defRPr>
       </a:lvl1pPr>
-      <a:lvl2pPr lvl="1" marR="0" rtl="0" algn="l">
+      <a:lvl2pPr marR="0" lvl="1" algn="l" rtl="0">
         <a:lnSpc>
           <a:spcPct val="100000"/>
         </a:lnSpc>
@@ -15513,7 +15815,7 @@
           <a:srgbClr val="000000"/>
         </a:buClr>
         <a:buFont typeface="Arial"/>
-        <a:defRPr b="0" i="0" sz="1400" u="none" cap="none" strike="noStrike">
+        <a:defRPr sz="1400" b="0" i="0" u="none" strike="noStrike" cap="none">
           <a:solidFill>
             <a:srgbClr val="000000"/>
           </a:solidFill>
@@ -15523,7 +15825,7 @@
           <a:sym typeface="Arial"/>
         </a:defRPr>
       </a:lvl2pPr>
-      <a:lvl3pPr lvl="2" marR="0" rtl="0" algn="l">
+      <a:lvl3pPr marR="0" lvl="2" algn="l" rtl="0">
         <a:lnSpc>
           <a:spcPct val="100000"/>
         </a:lnSpc>
@@ -15537,7 +15839,7 @@
           <a:srgbClr val="000000"/>
         </a:buClr>
         <a:buFont typeface="Arial"/>
-        <a:defRPr b="0" i="0" sz="1400" u="none" cap="none" strike="noStrike">
+        <a:defRPr sz="1400" b="0" i="0" u="none" strike="noStrike" cap="none">
           <a:solidFill>
             <a:srgbClr val="000000"/>
           </a:solidFill>
@@ -15547,7 +15849,7 @@
           <a:sym typeface="Arial"/>
         </a:defRPr>
       </a:lvl3pPr>
-      <a:lvl4pPr lvl="3" marR="0" rtl="0" algn="l">
+      <a:lvl4pPr marR="0" lvl="3" algn="l" rtl="0">
         <a:lnSpc>
           <a:spcPct val="100000"/>
         </a:lnSpc>
@@ -15561,7 +15863,7 @@
           <a:srgbClr val="000000"/>
         </a:buClr>
         <a:buFont typeface="Arial"/>
-        <a:defRPr b="0" i="0" sz="1400" u="none" cap="none" strike="noStrike">
+        <a:defRPr sz="1400" b="0" i="0" u="none" strike="noStrike" cap="none">
           <a:solidFill>
             <a:srgbClr val="000000"/>
           </a:solidFill>
@@ -15571,7 +15873,7 @@
           <a:sym typeface="Arial"/>
         </a:defRPr>
       </a:lvl4pPr>
-      <a:lvl5pPr lvl="4" marR="0" rtl="0" algn="l">
+      <a:lvl5pPr marR="0" lvl="4" algn="l" rtl="0">
         <a:lnSpc>
           <a:spcPct val="100000"/>
         </a:lnSpc>
@@ -15585,7 +15887,7 @@
           <a:srgbClr val="000000"/>
         </a:buClr>
         <a:buFont typeface="Arial"/>
-        <a:defRPr b="0" i="0" sz="1400" u="none" cap="none" strike="noStrike">
+        <a:defRPr sz="1400" b="0" i="0" u="none" strike="noStrike" cap="none">
           <a:solidFill>
             <a:srgbClr val="000000"/>
           </a:solidFill>
@@ -15595,7 +15897,7 @@
           <a:sym typeface="Arial"/>
         </a:defRPr>
       </a:lvl5pPr>
-      <a:lvl6pPr lvl="5" marR="0" rtl="0" algn="l">
+      <a:lvl6pPr marR="0" lvl="5" algn="l" rtl="0">
         <a:lnSpc>
           <a:spcPct val="100000"/>
         </a:lnSpc>
@@ -15609,7 +15911,7 @@
           <a:srgbClr val="000000"/>
         </a:buClr>
         <a:buFont typeface="Arial"/>
-        <a:defRPr b="0" i="0" sz="1400" u="none" cap="none" strike="noStrike">
+        <a:defRPr sz="1400" b="0" i="0" u="none" strike="noStrike" cap="none">
           <a:solidFill>
             <a:srgbClr val="000000"/>
           </a:solidFill>
@@ -15619,7 +15921,7 @@
           <a:sym typeface="Arial"/>
         </a:defRPr>
       </a:lvl6pPr>
-      <a:lvl7pPr lvl="6" marR="0" rtl="0" algn="l">
+      <a:lvl7pPr marR="0" lvl="6" algn="l" rtl="0">
         <a:lnSpc>
           <a:spcPct val="100000"/>
         </a:lnSpc>
@@ -15633,7 +15935,7 @@
           <a:srgbClr val="000000"/>
         </a:buClr>
         <a:buFont typeface="Arial"/>
-        <a:defRPr b="0" i="0" sz="1400" u="none" cap="none" strike="noStrike">
+        <a:defRPr sz="1400" b="0" i="0" u="none" strike="noStrike" cap="none">
           <a:solidFill>
             <a:srgbClr val="000000"/>
           </a:solidFill>
@@ -15643,7 +15945,7 @@
           <a:sym typeface="Arial"/>
         </a:defRPr>
       </a:lvl7pPr>
-      <a:lvl8pPr lvl="7" marR="0" rtl="0" algn="l">
+      <a:lvl8pPr marR="0" lvl="7" algn="l" rtl="0">
         <a:lnSpc>
           <a:spcPct val="100000"/>
         </a:lnSpc>
@@ -15657,7 +15959,7 @@
           <a:srgbClr val="000000"/>
         </a:buClr>
         <a:buFont typeface="Arial"/>
-        <a:defRPr b="0" i="0" sz="1400" u="none" cap="none" strike="noStrike">
+        <a:defRPr sz="1400" b="0" i="0" u="none" strike="noStrike" cap="none">
           <a:solidFill>
             <a:srgbClr val="000000"/>
           </a:solidFill>
@@ -15667,7 +15969,7 @@
           <a:sym typeface="Arial"/>
         </a:defRPr>
       </a:lvl8pPr>
-      <a:lvl9pPr lvl="8" marR="0" rtl="0" algn="l">
+      <a:lvl9pPr marR="0" lvl="8" algn="l" rtl="0">
         <a:lnSpc>
           <a:spcPct val="100000"/>
         </a:lnSpc>
@@ -15681,7 +15983,7 @@
           <a:srgbClr val="000000"/>
         </a:buClr>
         <a:buFont typeface="Arial"/>
-        <a:defRPr b="0" i="0" sz="1400" u="none" cap="none" strike="noStrike">
+        <a:defRPr sz="1400" b="0" i="0" u="none" strike="noStrike" cap="none">
           <a:solidFill>
             <a:srgbClr val="000000"/>
           </a:solidFill>
@@ -15693,7 +15995,7 @@
       </a:lvl9pPr>
     </p:bodyStyle>
     <p:otherStyle>
-      <a:defPPr lvl="0" marR="0" rtl="0" algn="l">
+      <a:defPPr marR="0" lvl="0" algn="l" rtl="0">
         <a:lnSpc>
           <a:spcPct val="100000"/>
         </a:lnSpc>
@@ -15704,7 +16006,7 @@
           <a:spcPts val="0"/>
         </a:spcAft>
       </a:defPPr>
-      <a:lvl1pPr lvl="0" marR="0" rtl="0" algn="l">
+      <a:lvl1pPr marR="0" lvl="0" algn="l" rtl="0">
         <a:lnSpc>
           <a:spcPct val="100000"/>
         </a:lnSpc>
@@ -15718,7 +16020,7 @@
           <a:srgbClr val="000000"/>
         </a:buClr>
         <a:buFont typeface="Arial"/>
-        <a:defRPr b="0" i="0" sz="1400" u="none" cap="none" strike="noStrike">
+        <a:defRPr sz="1400" b="0" i="0" u="none" strike="noStrike" cap="none">
           <a:solidFill>
             <a:srgbClr val="000000"/>
           </a:solidFill>
@@ -15728,7 +16030,7 @@
           <a:sym typeface="Arial"/>
         </a:defRPr>
       </a:lvl1pPr>
-      <a:lvl2pPr lvl="1" marR="0" rtl="0" algn="l">
+      <a:lvl2pPr marR="0" lvl="1" algn="l" rtl="0">
         <a:lnSpc>
           <a:spcPct val="100000"/>
         </a:lnSpc>
@@ -15742,7 +16044,7 @@
           <a:srgbClr val="000000"/>
         </a:buClr>
         <a:buFont typeface="Arial"/>
-        <a:defRPr b="0" i="0" sz="1400" u="none" cap="none" strike="noStrike">
+        <a:defRPr sz="1400" b="0" i="0" u="none" strike="noStrike" cap="none">
           <a:solidFill>
             <a:srgbClr val="000000"/>
           </a:solidFill>
@@ -15752,7 +16054,7 @@
           <a:sym typeface="Arial"/>
         </a:defRPr>
       </a:lvl2pPr>
-      <a:lvl3pPr lvl="2" marR="0" rtl="0" algn="l">
+      <a:lvl3pPr marR="0" lvl="2" algn="l" rtl="0">
         <a:lnSpc>
           <a:spcPct val="100000"/>
         </a:lnSpc>
@@ -15766,7 +16068,7 @@
           <a:srgbClr val="000000"/>
         </a:buClr>
         <a:buFont typeface="Arial"/>
-        <a:defRPr b="0" i="0" sz="1400" u="none" cap="none" strike="noStrike">
+        <a:defRPr sz="1400" b="0" i="0" u="none" strike="noStrike" cap="none">
           <a:solidFill>
             <a:srgbClr val="000000"/>
           </a:solidFill>
@@ -15776,7 +16078,7 @@
           <a:sym typeface="Arial"/>
         </a:defRPr>
       </a:lvl3pPr>
-      <a:lvl4pPr lvl="3" marR="0" rtl="0" algn="l">
+      <a:lvl4pPr marR="0" lvl="3" algn="l" rtl="0">
         <a:lnSpc>
           <a:spcPct val="100000"/>
         </a:lnSpc>
@@ -15790,7 +16092,7 @@
           <a:srgbClr val="000000"/>
         </a:buClr>
         <a:buFont typeface="Arial"/>
-        <a:defRPr b="0" i="0" sz="1400" u="none" cap="none" strike="noStrike">
+        <a:defRPr sz="1400" b="0" i="0" u="none" strike="noStrike" cap="none">
           <a:solidFill>
             <a:srgbClr val="000000"/>
           </a:solidFill>
@@ -15800,7 +16102,7 @@
           <a:sym typeface="Arial"/>
         </a:defRPr>
       </a:lvl4pPr>
-      <a:lvl5pPr lvl="4" marR="0" rtl="0" algn="l">
+      <a:lvl5pPr marR="0" lvl="4" algn="l" rtl="0">
         <a:lnSpc>
           <a:spcPct val="100000"/>
         </a:lnSpc>
@@ -15814,7 +16116,7 @@
           <a:srgbClr val="000000"/>
         </a:buClr>
         <a:buFont typeface="Arial"/>
-        <a:defRPr b="0" i="0" sz="1400" u="none" cap="none" strike="noStrike">
+        <a:defRPr sz="1400" b="0" i="0" u="none" strike="noStrike" cap="none">
           <a:solidFill>
             <a:srgbClr val="000000"/>
           </a:solidFill>
@@ -15824,7 +16126,7 @@
           <a:sym typeface="Arial"/>
         </a:defRPr>
       </a:lvl5pPr>
-      <a:lvl6pPr lvl="5" marR="0" rtl="0" algn="l">
+      <a:lvl6pPr marR="0" lvl="5" algn="l" rtl="0">
         <a:lnSpc>
           <a:spcPct val="100000"/>
         </a:lnSpc>
@@ -15838,7 +16140,7 @@
           <a:srgbClr val="000000"/>
         </a:buClr>
         <a:buFont typeface="Arial"/>
-        <a:defRPr b="0" i="0" sz="1400" u="none" cap="none" strike="noStrike">
+        <a:defRPr sz="1400" b="0" i="0" u="none" strike="noStrike" cap="none">
           <a:solidFill>
             <a:srgbClr val="000000"/>
           </a:solidFill>
@@ -15848,7 +16150,7 @@
           <a:sym typeface="Arial"/>
         </a:defRPr>
       </a:lvl6pPr>
-      <a:lvl7pPr lvl="6" marR="0" rtl="0" algn="l">
+      <a:lvl7pPr marR="0" lvl="6" algn="l" rtl="0">
         <a:lnSpc>
           <a:spcPct val="100000"/>
         </a:lnSpc>
@@ -15862,7 +16164,7 @@
           <a:srgbClr val="000000"/>
         </a:buClr>
         <a:buFont typeface="Arial"/>
-        <a:defRPr b="0" i="0" sz="1400" u="none" cap="none" strike="noStrike">
+        <a:defRPr sz="1400" b="0" i="0" u="none" strike="noStrike" cap="none">
           <a:solidFill>
             <a:srgbClr val="000000"/>
           </a:solidFill>
@@ -15872,7 +16174,7 @@
           <a:sym typeface="Arial"/>
         </a:defRPr>
       </a:lvl7pPr>
-      <a:lvl8pPr lvl="7" marR="0" rtl="0" algn="l">
+      <a:lvl8pPr marR="0" lvl="7" algn="l" rtl="0">
         <a:lnSpc>
           <a:spcPct val="100000"/>
         </a:lnSpc>
@@ -15886,7 +16188,7 @@
           <a:srgbClr val="000000"/>
         </a:buClr>
         <a:buFont typeface="Arial"/>
-        <a:defRPr b="0" i="0" sz="1400" u="none" cap="none" strike="noStrike">
+        <a:defRPr sz="1400" b="0" i="0" u="none" strike="noStrike" cap="none">
           <a:solidFill>
             <a:srgbClr val="000000"/>
           </a:solidFill>
@@ -15896,7 +16198,7 @@
           <a:sym typeface="Arial"/>
         </a:defRPr>
       </a:lvl8pPr>
-      <a:lvl9pPr lvl="8" marR="0" rtl="0" algn="l">
+      <a:lvl9pPr marR="0" lvl="8" algn="l" rtl="0">
         <a:lnSpc>
           <a:spcPct val="100000"/>
         </a:lnSpc>
@@ -15910,7 +16212,7 @@
           <a:srgbClr val="000000"/>
         </a:buClr>
         <a:buFont typeface="Arial"/>
-        <a:defRPr b="0" i="0" sz="1400" u="none" cap="none" strike="noStrike">
+        <a:defRPr sz="1400" b="0" i="0" u="none" strike="noStrike" cap="none">
           <a:solidFill>
             <a:srgbClr val="000000"/>
           </a:solidFill>
@@ -15926,11 +16228,11 @@
 </file>
 
 <file path=ppt/slides/slide1.xml><?xml version="1.0" encoding="utf-8"?>
-<p:sld xmlns:a="http://schemas.openxmlformats.org/drawingml/2006/main" xmlns:r="http://schemas.openxmlformats.org/officeDocument/2006/relationships" xmlns:mc="http://schemas.openxmlformats.org/markup-compatibility/2006" xmlns:mv="urn:schemas-microsoft-com:mac:vml" xmlns:p="http://schemas.openxmlformats.org/presentationml/2006/main" xmlns:c="http://schemas.openxmlformats.org/drawingml/2006/chart" xmlns:dgm="http://schemas.openxmlformats.org/drawingml/2006/diagram" xmlns:o="urn:schemas-microsoft-com:office:office" xmlns:v="urn:schemas-microsoft-com:vml" xmlns:pvml="urn:schemas-microsoft-com:office:powerpoint" xmlns:com="http://schemas.openxmlformats.org/drawingml/2006/compatibility" xmlns:p14="http://schemas.microsoft.com/office/powerpoint/2010/main" xmlns:p15="http://schemas.microsoft.com/office/powerpoint/2012/main" xmlns:ahyp="http://schemas.microsoft.com/office/drawing/2018/hyperlinkcolor">
+<p:sld xmlns:a="http://schemas.openxmlformats.org/drawingml/2006/main" xmlns:r="http://schemas.openxmlformats.org/officeDocument/2006/relationships" xmlns:p="http://schemas.openxmlformats.org/presentationml/2006/main">
   <p:cSld>
     <p:spTree>
       <p:nvGrpSpPr>
-        <p:cNvPr id="87" name="Shape 87"/>
+        <p:cNvPr id="1" name="Shape 87"/>
         <p:cNvGrpSpPr/>
         <p:nvPr/>
       </p:nvGrpSpPr>
@@ -15945,7 +16247,9 @@
       <p:sp>
         <p:nvSpPr>
           <p:cNvPr id="88" name="Google Shape;88;p13"/>
-          <p:cNvSpPr txBox="1"/>
+          <p:cNvSpPr txBox="1">
+            <a:spLocks noGrp="1"/>
+          </p:cNvSpPr>
           <p:nvPr>
             <p:ph type="ctrTitle"/>
           </p:nvPr>
@@ -15964,12 +16268,12 @@
           </a:ln>
         </p:spPr>
         <p:txBody>
-          <a:bodyPr anchorCtr="0" anchor="b" bIns="45700" lIns="91425" spcFirstLastPara="1" rIns="91425" wrap="square" tIns="45700">
+          <a:bodyPr spcFirstLastPara="1" wrap="square" lIns="91425" tIns="45700" rIns="91425" bIns="45700" anchor="b" anchorCtr="0">
             <a:noAutofit/>
           </a:bodyPr>
           <a:lstStyle/>
           <a:p>
-            <a:pPr indent="0" lvl="0" marL="0" rtl="0" algn="ctr">
+            <a:pPr marL="0" lvl="0" indent="0" algn="ctr" rtl="0">
               <a:lnSpc>
                 <a:spcPct val="150000"/>
               </a:lnSpc>
@@ -15987,7 +16291,7 @@
               <a:buNone/>
             </a:pPr>
             <a:r>
-              <a:rPr b="1" lang="ru-RU" sz="2800">
+              <a:rPr lang="ru-RU" sz="2800" b="1">
                 <a:latin typeface="Times New Roman"/>
                 <a:ea typeface="Times New Roman"/>
                 <a:cs typeface="Times New Roman"/>
@@ -15996,7 +16300,7 @@
               <a:t>ПРОЕКТ</a:t>
             </a:r>
             <a:br>
-              <a:rPr b="1" lang="ru-RU" sz="2800">
+              <a:rPr lang="ru-RU" sz="2800" b="1">
                 <a:latin typeface="Times New Roman"/>
                 <a:ea typeface="Times New Roman"/>
                 <a:cs typeface="Times New Roman"/>
@@ -16004,7 +16308,7 @@
               </a:rPr>
             </a:br>
             <a:r>
-              <a:rPr b="1" lang="ru-RU" sz="2000">
+              <a:rPr lang="ru-RU" sz="2000" b="1">
                 <a:latin typeface="Times New Roman"/>
                 <a:ea typeface="Times New Roman"/>
                 <a:cs typeface="Times New Roman"/>
@@ -16045,9 +16349,11 @@
       <p:sp>
         <p:nvSpPr>
           <p:cNvPr id="89" name="Google Shape;89;p13"/>
-          <p:cNvSpPr txBox="1"/>
+          <p:cNvSpPr txBox="1">
+            <a:spLocks noGrp="1"/>
+          </p:cNvSpPr>
           <p:nvPr>
-            <p:ph idx="1" type="subTitle"/>
+            <p:ph type="subTitle" idx="1"/>
           </p:nvPr>
         </p:nvSpPr>
         <p:spPr>
@@ -16064,12 +16370,12 @@
           </a:ln>
         </p:spPr>
         <p:txBody>
-          <a:bodyPr anchorCtr="0" anchor="t" bIns="45700" lIns="91425" spcFirstLastPara="1" rIns="91425" wrap="square" tIns="45700">
+          <a:bodyPr spcFirstLastPara="1" wrap="square" lIns="91425" tIns="45700" rIns="91425" bIns="45700" anchor="t" anchorCtr="0">
             <a:noAutofit/>
           </a:bodyPr>
           <a:lstStyle/>
           <a:p>
-            <a:pPr indent="0" lvl="0" marL="0" rtl="0" algn="l">
+            <a:pPr marL="0" lvl="0" indent="0" algn="l" rtl="0">
               <a:lnSpc>
                 <a:spcPct val="90000"/>
               </a:lnSpc>
@@ -16097,7 +16403,7 @@
             <a:endParaRPr/>
           </a:p>
           <a:p>
-            <a:pPr indent="0" lvl="0" marL="0" rtl="0" algn="l">
+            <a:pPr marL="0" lvl="0" indent="0" algn="l" rtl="0">
               <a:lnSpc>
                 <a:spcPct val="90000"/>
               </a:lnSpc>
@@ -16125,7 +16431,7 @@
             <a:endParaRPr/>
           </a:p>
           <a:p>
-            <a:pPr indent="0" lvl="0" marL="0" rtl="0" algn="l">
+            <a:pPr marL="0" lvl="0" indent="0" algn="l" rtl="0">
               <a:lnSpc>
                 <a:spcPct val="90000"/>
               </a:lnSpc>
@@ -16153,7 +16459,7 @@
             <a:endParaRPr/>
           </a:p>
           <a:p>
-            <a:pPr indent="0" lvl="0" marL="0" rtl="0" algn="l">
+            <a:pPr marL="0" lvl="0" indent="0" algn="l" rtl="0">
               <a:lnSpc>
                 <a:spcPct val="90000"/>
               </a:lnSpc>
@@ -16202,12 +16508,12 @@
           </a:ln>
         </p:spPr>
         <p:txBody>
-          <a:bodyPr anchorCtr="0" anchor="t" bIns="45700" lIns="91425" spcFirstLastPara="1" rIns="91425" wrap="square" tIns="45700">
+          <a:bodyPr spcFirstLastPara="1" wrap="square" lIns="91425" tIns="45700" rIns="91425" bIns="45700" anchor="t" anchorCtr="0">
             <a:noAutofit/>
           </a:bodyPr>
           <a:lstStyle/>
           <a:p>
-            <a:pPr indent="0" lvl="0" marL="0" marR="0" rtl="0" algn="just">
+            <a:pPr marL="0" marR="0" lvl="0" indent="0" algn="just" rtl="0">
               <a:lnSpc>
                 <a:spcPct val="100000"/>
               </a:lnSpc>
@@ -16225,7 +16531,7 @@
               <a:buNone/>
             </a:pPr>
             <a:r>
-              <a:rPr b="0" i="0" lang="ru-RU" sz="1800" u="none" cap="none" strike="noStrike">
+              <a:rPr lang="ru-RU" sz="1800" b="0" i="0" u="none" strike="noStrike" cap="none">
                 <a:solidFill>
                   <a:schemeClr val="dk1"/>
                 </a:solidFill>
@@ -16236,7 +16542,7 @@
               </a:rPr>
               <a:t>Москва, 2022 год</a:t>
             </a:r>
-            <a:endParaRPr b="0" i="0" sz="1400" u="none" cap="none" strike="noStrike">
+            <a:endParaRPr sz="1400" b="0" i="0" u="none" strike="noStrike" cap="none">
               <a:solidFill>
                 <a:srgbClr val="000000"/>
               </a:solidFill>
@@ -16268,12 +16574,12 @@
           </a:ln>
         </p:spPr>
         <p:txBody>
-          <a:bodyPr anchorCtr="0" anchor="t" bIns="45700" lIns="91425" spcFirstLastPara="1" rIns="91425" wrap="square" tIns="45700">
+          <a:bodyPr spcFirstLastPara="1" wrap="square" lIns="91425" tIns="45700" rIns="91425" bIns="45700" anchor="t" anchorCtr="0">
             <a:noAutofit/>
           </a:bodyPr>
           <a:lstStyle/>
           <a:p>
-            <a:pPr indent="0" lvl="0" marL="0" marR="0" rtl="0" algn="ctr">
+            <a:pPr marL="0" marR="0" lvl="0" indent="0" algn="ctr" rtl="0">
               <a:lnSpc>
                 <a:spcPct val="100000"/>
               </a:lnSpc>
@@ -16291,7 +16597,7 @@
               <a:buNone/>
             </a:pPr>
             <a:r>
-              <a:rPr b="0" i="0" lang="ru-RU" sz="1800" u="none" cap="none" strike="noStrike">
+              <a:rPr lang="ru-RU" sz="1800" b="0" i="0" u="none" strike="noStrike" cap="none">
                 <a:solidFill>
                   <a:schemeClr val="dk1"/>
                 </a:solidFill>
@@ -16302,7 +16608,7 @@
               </a:rPr>
               <a:t>ДЕПАРТАМЕНТ ОБРАЗОВАНИЯ И НАУКИ ГОРОДА МОСКВЫ</a:t>
             </a:r>
-            <a:endParaRPr b="0" i="0" sz="1100" u="none" cap="none" strike="noStrike">
+            <a:endParaRPr sz="1100" b="0" i="0" u="none" strike="noStrike" cap="none">
               <a:solidFill>
                 <a:schemeClr val="dk1"/>
               </a:solidFill>
@@ -16313,7 +16619,7 @@
             </a:endParaRPr>
           </a:p>
           <a:p>
-            <a:pPr indent="0" lvl="0" marL="0" marR="0" rtl="0" algn="ctr">
+            <a:pPr marL="0" marR="0" lvl="0" indent="0" algn="ctr" rtl="0">
               <a:lnSpc>
                 <a:spcPct val="100000"/>
               </a:lnSpc>
@@ -16331,7 +16637,7 @@
               <a:buNone/>
             </a:pPr>
             <a:r>
-              <a:rPr b="0" i="0" lang="ru-RU" sz="1800" u="none" cap="none" strike="noStrike">
+              <a:rPr lang="ru-RU" sz="1800" b="0" i="0" u="none" strike="noStrike" cap="none">
                 <a:solidFill>
                   <a:schemeClr val="dk1"/>
                 </a:solidFill>
@@ -16342,7 +16648,7 @@
               </a:rPr>
               <a:t>ГОСУДАРСТВЕННОЕ БЮДЖЕТНОЕ ПРОФЕССИОНАЛЬНОЕ </a:t>
             </a:r>
-            <a:endParaRPr b="0" i="0" sz="1100" u="none" cap="none" strike="noStrike">
+            <a:endParaRPr sz="1100" b="0" i="0" u="none" strike="noStrike" cap="none">
               <a:solidFill>
                 <a:schemeClr val="dk1"/>
               </a:solidFill>
@@ -16353,7 +16659,7 @@
             </a:endParaRPr>
           </a:p>
           <a:p>
-            <a:pPr indent="0" lvl="0" marL="0" marR="0" rtl="0" algn="ctr">
+            <a:pPr marL="0" marR="0" lvl="0" indent="0" algn="ctr" rtl="0">
               <a:lnSpc>
                 <a:spcPct val="100000"/>
               </a:lnSpc>
@@ -16371,7 +16677,7 @@
               <a:buNone/>
             </a:pPr>
             <a:r>
-              <a:rPr b="0" i="0" lang="ru-RU" sz="1800" u="none" cap="none" strike="noStrike">
+              <a:rPr lang="ru-RU" sz="1800" b="0" i="0" u="none" strike="noStrike" cap="none">
                 <a:solidFill>
                   <a:schemeClr val="dk1"/>
                 </a:solidFill>
@@ -16382,7 +16688,7 @@
               </a:rPr>
               <a:t>ОБРАЗОВАТЕЛЬНОЕ УЧЕРЕЖДЕНИЕ ГОРОДА МОСКВЫ</a:t>
             </a:r>
-            <a:endParaRPr b="0" i="0" sz="1100" u="none" cap="none" strike="noStrike">
+            <a:endParaRPr sz="1100" b="0" i="0" u="none" strike="noStrike" cap="none">
               <a:solidFill>
                 <a:schemeClr val="dk1"/>
               </a:solidFill>
@@ -16393,7 +16699,7 @@
             </a:endParaRPr>
           </a:p>
           <a:p>
-            <a:pPr indent="0" lvl="0" marL="0" marR="0" rtl="0" algn="ctr">
+            <a:pPr marL="0" marR="0" lvl="0" indent="0" algn="ctr" rtl="0">
               <a:lnSpc>
                 <a:spcPct val="100000"/>
               </a:lnSpc>
@@ -16411,7 +16717,7 @@
               <a:buNone/>
             </a:pPr>
             <a:r>
-              <a:rPr b="0" i="0" lang="ru-RU" sz="1800" u="none" cap="none" strike="noStrike">
+              <a:rPr lang="ru-RU" sz="1800" b="0" i="0" u="none" strike="noStrike" cap="none">
                 <a:solidFill>
                   <a:schemeClr val="dk1"/>
                 </a:solidFill>
@@ -16422,7 +16728,7 @@
               </a:rPr>
               <a:t>«ПЕРВЫЙ МОСКОВСКИЙ ОБРАЗОВАТЕЛЬНЫЙ КОМПЛЕКС»</a:t>
             </a:r>
-            <a:endParaRPr b="0" i="0" sz="1100" u="none" cap="none" strike="noStrike">
+            <a:endParaRPr sz="1100" b="0" i="0" u="none" strike="noStrike" cap="none">
               <a:solidFill>
                 <a:schemeClr val="dk1"/>
               </a:solidFill>
@@ -16433,7 +16739,7 @@
             </a:endParaRPr>
           </a:p>
           <a:p>
-            <a:pPr indent="0" lvl="0" marL="0" marR="0" rtl="0" algn="l">
+            <a:pPr marL="0" marR="0" lvl="0" indent="0" algn="l" rtl="0">
               <a:lnSpc>
                 <a:spcPct val="100000"/>
               </a:lnSpc>
@@ -16451,7 +16757,7 @@
               <a:buNone/>
             </a:pPr>
             <a:r>
-              <a:rPr b="1" i="0" lang="ru-RU" sz="1800" u="none" cap="none" strike="noStrike">
+              <a:rPr lang="ru-RU" sz="1800" b="1" i="0" u="none" strike="noStrike" cap="none">
                 <a:solidFill>
                   <a:schemeClr val="dk1"/>
                 </a:solidFill>
@@ -16462,7 +16768,7 @@
               </a:rPr>
               <a:t> </a:t>
             </a:r>
-            <a:endParaRPr b="0" i="0" sz="1100" u="none" cap="none" strike="noStrike">
+            <a:endParaRPr sz="1100" b="0" i="0" u="none" strike="noStrike" cap="none">
               <a:solidFill>
                 <a:schemeClr val="dk1"/>
               </a:solidFill>
@@ -16483,11 +16789,11 @@
 </file>
 
 <file path=ppt/slides/slide10.xml><?xml version="1.0" encoding="utf-8"?>
-<p:sld xmlns:a="http://schemas.openxmlformats.org/drawingml/2006/main" xmlns:r="http://schemas.openxmlformats.org/officeDocument/2006/relationships" xmlns:mc="http://schemas.openxmlformats.org/markup-compatibility/2006" xmlns:mv="urn:schemas-microsoft-com:mac:vml" xmlns:p="http://schemas.openxmlformats.org/presentationml/2006/main" xmlns:c="http://schemas.openxmlformats.org/drawingml/2006/chart" xmlns:dgm="http://schemas.openxmlformats.org/drawingml/2006/diagram" xmlns:o="urn:schemas-microsoft-com:office:office" xmlns:v="urn:schemas-microsoft-com:vml" xmlns:pvml="urn:schemas-microsoft-com:office:powerpoint" xmlns:com="http://schemas.openxmlformats.org/drawingml/2006/compatibility" xmlns:p14="http://schemas.microsoft.com/office/powerpoint/2010/main" xmlns:p15="http://schemas.microsoft.com/office/powerpoint/2012/main" xmlns:ahyp="http://schemas.microsoft.com/office/drawing/2018/hyperlinkcolor">
+<p:sld xmlns:a="http://schemas.openxmlformats.org/drawingml/2006/main" xmlns:r="http://schemas.openxmlformats.org/officeDocument/2006/relationships" xmlns:p="http://schemas.openxmlformats.org/presentationml/2006/main">
   <p:cSld>
     <p:spTree>
       <p:nvGrpSpPr>
-        <p:cNvPr id="141" name="Shape 141"/>
+        <p:cNvPr id="1" name="Shape 141"/>
         <p:cNvGrpSpPr/>
         <p:nvPr/>
       </p:nvGrpSpPr>
@@ -16502,9 +16808,11 @@
       <p:sp>
         <p:nvSpPr>
           <p:cNvPr id="142" name="Google Shape;142;p22"/>
-          <p:cNvSpPr txBox="1"/>
+          <p:cNvSpPr txBox="1">
+            <a:spLocks noGrp="1"/>
+          </p:cNvSpPr>
           <p:nvPr>
-            <p:ph idx="1" type="body"/>
+            <p:ph type="body" idx="1"/>
           </p:nvPr>
         </p:nvSpPr>
         <p:spPr>
@@ -16521,12 +16829,12 @@
           </a:ln>
         </p:spPr>
         <p:txBody>
-          <a:bodyPr anchorCtr="0" anchor="t" bIns="45700" lIns="91425" spcFirstLastPara="1" rIns="91425" wrap="square" tIns="45700">
+          <a:bodyPr spcFirstLastPara="1" wrap="square" lIns="91425" tIns="45700" rIns="91425" bIns="45700" anchor="t" anchorCtr="0">
             <a:normAutofit/>
           </a:bodyPr>
           <a:lstStyle/>
           <a:p>
-            <a:pPr indent="0" lvl="0" marL="0" rtl="0" algn="ctr">
+            <a:pPr marL="0" lvl="0" indent="0" algn="ctr" rtl="0">
               <a:lnSpc>
                 <a:spcPct val="90000"/>
               </a:lnSpc>
@@ -16543,7 +16851,7 @@
               <a:buNone/>
             </a:pPr>
             <a:r>
-              <a:rPr b="1" lang="ru-RU">
+              <a:rPr lang="ru-RU" b="1">
                 <a:latin typeface="Times New Roman"/>
                 <a:ea typeface="Times New Roman"/>
                 <a:cs typeface="Times New Roman"/>
@@ -16554,7 +16862,7 @@
             <a:endParaRPr/>
           </a:p>
           <a:p>
-            <a:pPr indent="0" lvl="0" marL="0" rtl="0" algn="ctr">
+            <a:pPr marL="0" lvl="0" indent="0" algn="ctr" rtl="0">
               <a:lnSpc>
                 <a:spcPct val="90000"/>
               </a:lnSpc>
@@ -16570,9 +16878,6 @@
               <a:buSzPts val="2800"/>
               <a:buNone/>
             </a:pPr>
-            <a:r>
-              <a:t/>
-            </a:r>
             <a:endParaRPr b="1">
               <a:latin typeface="Times New Roman"/>
               <a:ea typeface="Times New Roman"/>
@@ -16591,11 +16896,11 @@
 </file>
 
 <file path=ppt/slides/slide2.xml><?xml version="1.0" encoding="utf-8"?>
-<p:sld xmlns:a="http://schemas.openxmlformats.org/drawingml/2006/main" xmlns:r="http://schemas.openxmlformats.org/officeDocument/2006/relationships" xmlns:mc="http://schemas.openxmlformats.org/markup-compatibility/2006" xmlns:mv="urn:schemas-microsoft-com:mac:vml" xmlns:p="http://schemas.openxmlformats.org/presentationml/2006/main" xmlns:c="http://schemas.openxmlformats.org/drawingml/2006/chart" xmlns:dgm="http://schemas.openxmlformats.org/drawingml/2006/diagram" xmlns:o="urn:schemas-microsoft-com:office:office" xmlns:v="urn:schemas-microsoft-com:vml" xmlns:pvml="urn:schemas-microsoft-com:office:powerpoint" xmlns:com="http://schemas.openxmlformats.org/drawingml/2006/compatibility" xmlns:p14="http://schemas.microsoft.com/office/powerpoint/2010/main" xmlns:p15="http://schemas.microsoft.com/office/powerpoint/2012/main" xmlns:ahyp="http://schemas.microsoft.com/office/drawing/2018/hyperlinkcolor">
+<p:sld xmlns:a="http://schemas.openxmlformats.org/drawingml/2006/main" xmlns:r="http://schemas.openxmlformats.org/officeDocument/2006/relationships" xmlns:p="http://schemas.openxmlformats.org/presentationml/2006/main">
   <p:cSld>
     <p:spTree>
       <p:nvGrpSpPr>
-        <p:cNvPr id="95" name="Shape 95"/>
+        <p:cNvPr id="1" name="Shape 95"/>
         <p:cNvGrpSpPr/>
         <p:nvPr/>
       </p:nvGrpSpPr>
@@ -16610,9 +16915,11 @@
       <p:sp>
         <p:nvSpPr>
           <p:cNvPr id="96" name="Google Shape;96;p14"/>
-          <p:cNvSpPr txBox="1"/>
+          <p:cNvSpPr txBox="1">
+            <a:spLocks noGrp="1"/>
+          </p:cNvSpPr>
           <p:nvPr>
-            <p:ph idx="1" type="subTitle"/>
+            <p:ph type="subTitle" idx="1"/>
           </p:nvPr>
         </p:nvSpPr>
         <p:spPr>
@@ -16629,12 +16936,12 @@
           </a:ln>
         </p:spPr>
         <p:txBody>
-          <a:bodyPr anchorCtr="0" anchor="t" bIns="45700" lIns="91425" spcFirstLastPara="1" rIns="91425" wrap="square" tIns="45700">
+          <a:bodyPr spcFirstLastPara="1" wrap="square" lIns="91425" tIns="45700" rIns="91425" bIns="45700" anchor="t" anchorCtr="0">
             <a:noAutofit/>
           </a:bodyPr>
           <a:lstStyle/>
           <a:p>
-            <a:pPr indent="0" lvl="0" marL="0" rtl="0" algn="just">
+            <a:pPr marL="0" lvl="0" indent="0" algn="just" rtl="0">
               <a:lnSpc>
                 <a:spcPct val="150000"/>
               </a:lnSpc>
@@ -16651,7 +16958,7 @@
               <a:buNone/>
             </a:pPr>
             <a:r>
-              <a:rPr b="1" lang="ru-RU">
+              <a:rPr lang="ru-RU" b="1">
                 <a:latin typeface="Times New Roman"/>
                 <a:ea typeface="Times New Roman"/>
                 <a:cs typeface="Times New Roman"/>
@@ -16662,7 +16969,7 @@
             <a:endParaRPr/>
           </a:p>
           <a:p>
-            <a:pPr indent="0" lvl="0" marL="0" rtl="0" algn="just">
+            <a:pPr marL="0" lvl="0" indent="0" algn="just" rtl="0">
               <a:lnSpc>
                 <a:spcPct val="150000"/>
               </a:lnSpc>
@@ -16678,9 +16985,6 @@
               <a:buSzPts val="2400"/>
               <a:buNone/>
             </a:pPr>
-            <a:r>
-              <a:t/>
-            </a:r>
             <a:endParaRPr>
               <a:latin typeface="Times New Roman"/>
               <a:ea typeface="Times New Roman"/>
@@ -16689,7 +16993,7 @@
             </a:endParaRPr>
           </a:p>
           <a:p>
-            <a:pPr indent="0" lvl="0" marL="0" rtl="0" algn="just">
+            <a:pPr marL="0" lvl="0" indent="0" algn="just" rtl="0">
               <a:lnSpc>
                 <a:spcPct val="90000"/>
               </a:lnSpc>
@@ -16703,7 +17007,7 @@
               <a:buNone/>
             </a:pPr>
             <a:r>
-              <a:rPr b="1" lang="ru-RU">
+              <a:rPr lang="ru-RU" b="1">
                 <a:latin typeface="Times New Roman"/>
                 <a:ea typeface="Times New Roman"/>
                 <a:cs typeface="Times New Roman"/>
@@ -16714,7 +17018,7 @@
             <a:endParaRPr/>
           </a:p>
           <a:p>
-            <a:pPr indent="0" lvl="0" marL="0" rtl="0" algn="just">
+            <a:pPr marL="0" lvl="0" indent="0" algn="just" rtl="0">
               <a:lnSpc>
                 <a:spcPct val="90000"/>
               </a:lnSpc>
@@ -16728,7 +17032,7 @@
               <a:buNone/>
             </a:pPr>
             <a:r>
-              <a:rPr b="1" lang="ru-RU">
+              <a:rPr lang="ru-RU" b="1">
                 <a:latin typeface="Times New Roman"/>
                 <a:ea typeface="Times New Roman"/>
                 <a:cs typeface="Times New Roman"/>
@@ -16739,7 +17043,7 @@
             <a:endParaRPr/>
           </a:p>
           <a:p>
-            <a:pPr indent="0" lvl="0" marL="0" rtl="0" algn="just">
+            <a:pPr marL="0" lvl="0" indent="0" algn="just" rtl="0">
               <a:lnSpc>
                 <a:spcPct val="90000"/>
               </a:lnSpc>
@@ -16753,7 +17057,7 @@
               <a:buNone/>
             </a:pPr>
             <a:r>
-              <a:rPr b="1" lang="ru-RU">
+              <a:rPr lang="ru-RU" b="1">
                 <a:latin typeface="Times New Roman"/>
                 <a:ea typeface="Times New Roman"/>
                 <a:cs typeface="Times New Roman"/>
@@ -16764,7 +17068,7 @@
             <a:endParaRPr/>
           </a:p>
           <a:p>
-            <a:pPr indent="0" lvl="0" marL="0" rtl="0" algn="just">
+            <a:pPr marL="0" lvl="0" indent="0" algn="just" rtl="0">
               <a:lnSpc>
                 <a:spcPct val="150000"/>
               </a:lnSpc>
@@ -16780,9 +17084,6 @@
               <a:buSzPts val="2400"/>
               <a:buNone/>
             </a:pPr>
-            <a:r>
-              <a:t/>
-            </a:r>
             <a:endParaRPr>
               <a:latin typeface="Times New Roman"/>
               <a:ea typeface="Times New Roman"/>
@@ -16791,7 +17092,7 @@
             </a:endParaRPr>
           </a:p>
           <a:p>
-            <a:pPr indent="0" lvl="0" marL="0" rtl="0" algn="ctr">
+            <a:pPr marL="0" lvl="0" indent="0" algn="ctr" rtl="0">
               <a:lnSpc>
                 <a:spcPct val="90000"/>
               </a:lnSpc>
@@ -16807,9 +17108,6 @@
               <a:buSzPts val="2400"/>
               <a:buNone/>
             </a:pPr>
-            <a:r>
-              <a:t/>
-            </a:r>
             <a:endParaRPr/>
           </a:p>
         </p:txBody>
@@ -16823,11 +17121,11 @@
 </file>
 
 <file path=ppt/slides/slide3.xml><?xml version="1.0" encoding="utf-8"?>
-<p:sld xmlns:a="http://schemas.openxmlformats.org/drawingml/2006/main" xmlns:r="http://schemas.openxmlformats.org/officeDocument/2006/relationships" xmlns:mc="http://schemas.openxmlformats.org/markup-compatibility/2006" xmlns:mv="urn:schemas-microsoft-com:mac:vml" xmlns:p="http://schemas.openxmlformats.org/presentationml/2006/main" xmlns:c="http://schemas.openxmlformats.org/drawingml/2006/chart" xmlns:dgm="http://schemas.openxmlformats.org/drawingml/2006/diagram" xmlns:o="urn:schemas-microsoft-com:office:office" xmlns:v="urn:schemas-microsoft-com:vml" xmlns:pvml="urn:schemas-microsoft-com:office:powerpoint" xmlns:com="http://schemas.openxmlformats.org/drawingml/2006/compatibility" xmlns:p14="http://schemas.microsoft.com/office/powerpoint/2010/main" xmlns:p15="http://schemas.microsoft.com/office/powerpoint/2012/main" xmlns:ahyp="http://schemas.microsoft.com/office/drawing/2018/hyperlinkcolor">
+<p:sld xmlns:a="http://schemas.openxmlformats.org/drawingml/2006/main" xmlns:r="http://schemas.openxmlformats.org/officeDocument/2006/relationships" xmlns:p="http://schemas.openxmlformats.org/presentationml/2006/main">
   <p:cSld>
     <p:spTree>
       <p:nvGrpSpPr>
-        <p:cNvPr id="100" name="Shape 100"/>
+        <p:cNvPr id="1" name="Shape 100"/>
         <p:cNvGrpSpPr/>
         <p:nvPr/>
       </p:nvGrpSpPr>
@@ -16842,9 +17140,11 @@
       <p:sp>
         <p:nvSpPr>
           <p:cNvPr id="101" name="Google Shape;101;p15"/>
-          <p:cNvSpPr txBox="1"/>
+          <p:cNvSpPr txBox="1">
+            <a:spLocks noGrp="1"/>
+          </p:cNvSpPr>
           <p:nvPr>
-            <p:ph idx="1" type="body"/>
+            <p:ph type="body" idx="1"/>
           </p:nvPr>
         </p:nvSpPr>
         <p:spPr>
@@ -16861,12 +17161,12 @@
           </a:ln>
         </p:spPr>
         <p:txBody>
-          <a:bodyPr anchorCtr="0" anchor="t" bIns="45700" lIns="91425" spcFirstLastPara="1" rIns="91425" wrap="square" tIns="45700">
+          <a:bodyPr spcFirstLastPara="1" wrap="square" lIns="91425" tIns="45700" rIns="91425" bIns="45700" anchor="t" anchorCtr="0">
             <a:normAutofit fontScale="92500"/>
           </a:bodyPr>
           <a:lstStyle/>
           <a:p>
-            <a:pPr indent="0" lvl="0" marL="0" rtl="0" algn="ctr">
+            <a:pPr marL="0" lvl="0" indent="0" algn="ctr" rtl="0">
               <a:lnSpc>
                 <a:spcPct val="90000"/>
               </a:lnSpc>
@@ -16883,7 +17183,7 @@
               <a:buNone/>
             </a:pPr>
             <a:r>
-              <a:rPr b="1" lang="ru-RU">
+              <a:rPr lang="ru-RU" b="1">
                 <a:latin typeface="Times New Roman"/>
                 <a:ea typeface="Times New Roman"/>
                 <a:cs typeface="Times New Roman"/>
@@ -16894,7 +17194,7 @@
             <a:endParaRPr/>
           </a:p>
           <a:p>
-            <a:pPr indent="447675" lvl="0" marL="0" rtl="0" algn="just">
+            <a:pPr marL="0" lvl="0" indent="447675" algn="just" rtl="0">
               <a:lnSpc>
                 <a:spcPct val="90000"/>
               </a:lnSpc>
@@ -16932,11 +17232,11 @@
 </file>
 
 <file path=ppt/slides/slide4.xml><?xml version="1.0" encoding="utf-8"?>
-<p:sld xmlns:a="http://schemas.openxmlformats.org/drawingml/2006/main" xmlns:r="http://schemas.openxmlformats.org/officeDocument/2006/relationships" xmlns:mc="http://schemas.openxmlformats.org/markup-compatibility/2006" xmlns:mv="urn:schemas-microsoft-com:mac:vml" xmlns:p="http://schemas.openxmlformats.org/presentationml/2006/main" xmlns:c="http://schemas.openxmlformats.org/drawingml/2006/chart" xmlns:dgm="http://schemas.openxmlformats.org/drawingml/2006/diagram" xmlns:o="urn:schemas-microsoft-com:office:office" xmlns:v="urn:schemas-microsoft-com:vml" xmlns:pvml="urn:schemas-microsoft-com:office:powerpoint" xmlns:com="http://schemas.openxmlformats.org/drawingml/2006/compatibility" xmlns:p14="http://schemas.microsoft.com/office/powerpoint/2010/main" xmlns:p15="http://schemas.microsoft.com/office/powerpoint/2012/main" xmlns:ahyp="http://schemas.microsoft.com/office/drawing/2018/hyperlinkcolor">
+<p:sld xmlns:a="http://schemas.openxmlformats.org/drawingml/2006/main" xmlns:r="http://schemas.openxmlformats.org/officeDocument/2006/relationships" xmlns:p="http://schemas.openxmlformats.org/presentationml/2006/main">
   <p:cSld>
     <p:spTree>
       <p:nvGrpSpPr>
-        <p:cNvPr id="105" name="Shape 105"/>
+        <p:cNvPr id="1" name="Shape 105"/>
         <p:cNvGrpSpPr/>
         <p:nvPr/>
       </p:nvGrpSpPr>
@@ -16951,9 +17251,11 @@
       <p:sp>
         <p:nvSpPr>
           <p:cNvPr id="106" name="Google Shape;106;p16"/>
-          <p:cNvSpPr txBox="1"/>
+          <p:cNvSpPr txBox="1">
+            <a:spLocks noGrp="1"/>
+          </p:cNvSpPr>
           <p:nvPr>
-            <p:ph idx="1" type="body"/>
+            <p:ph type="body" idx="1"/>
           </p:nvPr>
         </p:nvSpPr>
         <p:spPr>
@@ -16970,12 +17272,12 @@
           </a:ln>
         </p:spPr>
         <p:txBody>
-          <a:bodyPr anchorCtr="0" anchor="t" bIns="45700" lIns="91425" spcFirstLastPara="1" rIns="91425" wrap="square" tIns="45700">
+          <a:bodyPr spcFirstLastPara="1" wrap="square" lIns="91425" tIns="45700" rIns="91425" bIns="45700" anchor="t" anchorCtr="0">
             <a:normAutofit/>
           </a:bodyPr>
           <a:lstStyle/>
           <a:p>
-            <a:pPr indent="0" lvl="0" marL="0" rtl="0" algn="ctr">
+            <a:pPr marL="0" lvl="0" indent="0" algn="ctr" rtl="0">
               <a:lnSpc>
                 <a:spcPct val="90000"/>
               </a:lnSpc>
@@ -16992,7 +17294,7 @@
               <a:buNone/>
             </a:pPr>
             <a:r>
-              <a:rPr b="1" lang="ru-RU">
+              <a:rPr lang="ru-RU" b="1">
                 <a:latin typeface="Times New Roman"/>
                 <a:ea typeface="Times New Roman"/>
                 <a:cs typeface="Times New Roman"/>
@@ -17003,7 +17305,7 @@
             <a:endParaRPr/>
           </a:p>
           <a:p>
-            <a:pPr indent="0" lvl="0" marL="0" rtl="0" algn="ctr">
+            <a:pPr marL="0" lvl="0" indent="0" algn="ctr" rtl="0">
               <a:lnSpc>
                 <a:spcPct val="90000"/>
               </a:lnSpc>
@@ -17020,7 +17322,7 @@
               <a:buNone/>
             </a:pPr>
             <a:r>
-              <a:rPr b="1" lang="ru-RU">
+              <a:rPr lang="ru-RU" b="1">
                 <a:latin typeface="Times New Roman"/>
                 <a:ea typeface="Times New Roman"/>
                 <a:cs typeface="Times New Roman"/>
@@ -17042,7 +17344,7 @@
           <a:blip r:embed="rId3">
             <a:alphaModFix/>
           </a:blip>
-          <a:srcRect b="0" l="0" r="0" t="0"/>
+          <a:srcRect/>
           <a:stretch/>
         </p:blipFill>
         <p:spPr>
@@ -17069,7 +17371,7 @@
           <a:blip r:embed="rId4">
             <a:alphaModFix/>
           </a:blip>
-          <a:srcRect b="0" l="0" r="0" t="0"/>
+          <a:srcRect/>
           <a:stretch/>
         </p:blipFill>
         <p:spPr>
@@ -17095,11 +17397,11 @@
 </file>
 
 <file path=ppt/slides/slide5.xml><?xml version="1.0" encoding="utf-8"?>
-<p:sld xmlns:a="http://schemas.openxmlformats.org/drawingml/2006/main" xmlns:r="http://schemas.openxmlformats.org/officeDocument/2006/relationships" xmlns:mc="http://schemas.openxmlformats.org/markup-compatibility/2006" xmlns:mv="urn:schemas-microsoft-com:mac:vml" xmlns:p="http://schemas.openxmlformats.org/presentationml/2006/main" xmlns:c="http://schemas.openxmlformats.org/drawingml/2006/chart" xmlns:dgm="http://schemas.openxmlformats.org/drawingml/2006/diagram" xmlns:o="urn:schemas-microsoft-com:office:office" xmlns:v="urn:schemas-microsoft-com:vml" xmlns:pvml="urn:schemas-microsoft-com:office:powerpoint" xmlns:com="http://schemas.openxmlformats.org/drawingml/2006/compatibility" xmlns:p14="http://schemas.microsoft.com/office/powerpoint/2010/main" xmlns:p15="http://schemas.microsoft.com/office/powerpoint/2012/main" xmlns:ahyp="http://schemas.microsoft.com/office/drawing/2018/hyperlinkcolor">
+<p:sld xmlns:a="http://schemas.openxmlformats.org/drawingml/2006/main" xmlns:r="http://schemas.openxmlformats.org/officeDocument/2006/relationships" xmlns:p="http://schemas.openxmlformats.org/presentationml/2006/main">
   <p:cSld>
     <p:spTree>
       <p:nvGrpSpPr>
-        <p:cNvPr id="112" name="Shape 112"/>
+        <p:cNvPr id="1" name="Shape 112"/>
         <p:cNvGrpSpPr/>
         <p:nvPr/>
       </p:nvGrpSpPr>
@@ -17114,9 +17416,11 @@
       <p:sp>
         <p:nvSpPr>
           <p:cNvPr id="113" name="Google Shape;113;p17"/>
-          <p:cNvSpPr txBox="1"/>
+          <p:cNvSpPr txBox="1">
+            <a:spLocks noGrp="1"/>
+          </p:cNvSpPr>
           <p:nvPr>
-            <p:ph idx="1" type="body"/>
+            <p:ph type="body" idx="1"/>
           </p:nvPr>
         </p:nvSpPr>
         <p:spPr>
@@ -17133,12 +17437,12 @@
           </a:ln>
         </p:spPr>
         <p:txBody>
-          <a:bodyPr anchorCtr="0" anchor="t" bIns="45700" lIns="91425" spcFirstLastPara="1" rIns="91425" wrap="square" tIns="45700">
+          <a:bodyPr spcFirstLastPara="1" wrap="square" lIns="91425" tIns="45700" rIns="91425" bIns="45700" anchor="t" anchorCtr="0">
             <a:normAutofit/>
           </a:bodyPr>
           <a:lstStyle/>
           <a:p>
-            <a:pPr indent="0" lvl="0" marL="0" rtl="0" algn="ctr">
+            <a:pPr marL="0" lvl="0" indent="0" algn="ctr" rtl="0">
               <a:lnSpc>
                 <a:spcPct val="90000"/>
               </a:lnSpc>
@@ -17155,7 +17459,7 @@
               <a:buNone/>
             </a:pPr>
             <a:r>
-              <a:rPr b="1" lang="ru-RU">
+              <a:rPr lang="ru-RU" b="1">
                 <a:latin typeface="Times New Roman"/>
                 <a:ea typeface="Times New Roman"/>
                 <a:cs typeface="Times New Roman"/>
@@ -17166,7 +17470,7 @@
             <a:endParaRPr/>
           </a:p>
           <a:p>
-            <a:pPr indent="0" lvl="0" marL="0" rtl="0" algn="ctr">
+            <a:pPr marL="0" lvl="0" indent="0" algn="ctr" rtl="0">
               <a:lnSpc>
                 <a:spcPct val="90000"/>
               </a:lnSpc>
@@ -17183,7 +17487,7 @@
               <a:buNone/>
             </a:pPr>
             <a:r>
-              <a:rPr b="1" lang="ru-RU">
+              <a:rPr lang="ru-RU" b="1">
                 <a:latin typeface="Times New Roman"/>
                 <a:ea typeface="Times New Roman"/>
                 <a:cs typeface="Times New Roman"/>
@@ -17205,7 +17509,7 @@
           <a:blip r:embed="rId3">
             <a:alphaModFix/>
           </a:blip>
-          <a:srcRect b="0" l="0" r="0" t="0"/>
+          <a:srcRect/>
           <a:stretch/>
         </p:blipFill>
         <p:spPr>
@@ -17232,7 +17536,7 @@
           <a:blip r:embed="rId4">
             <a:alphaModFix/>
           </a:blip>
-          <a:srcRect b="0" l="0" r="0" t="0"/>
+          <a:srcRect/>
           <a:stretch/>
         </p:blipFill>
         <p:spPr>
@@ -17259,7 +17563,7 @@
           <a:blip r:embed="rId5">
             <a:alphaModFix/>
           </a:blip>
-          <a:srcRect b="0" l="0" r="0" t="0"/>
+          <a:srcRect/>
           <a:stretch/>
         </p:blipFill>
         <p:spPr>
@@ -17285,11 +17589,11 @@
 </file>
 
 <file path=ppt/slides/slide6.xml><?xml version="1.0" encoding="utf-8"?>
-<p:sld xmlns:a="http://schemas.openxmlformats.org/drawingml/2006/main" xmlns:r="http://schemas.openxmlformats.org/officeDocument/2006/relationships" xmlns:mc="http://schemas.openxmlformats.org/markup-compatibility/2006" xmlns:mv="urn:schemas-microsoft-com:mac:vml" xmlns:p="http://schemas.openxmlformats.org/presentationml/2006/main" xmlns:c="http://schemas.openxmlformats.org/drawingml/2006/chart" xmlns:dgm="http://schemas.openxmlformats.org/drawingml/2006/diagram" xmlns:o="urn:schemas-microsoft-com:office:office" xmlns:v="urn:schemas-microsoft-com:vml" xmlns:pvml="urn:schemas-microsoft-com:office:powerpoint" xmlns:com="http://schemas.openxmlformats.org/drawingml/2006/compatibility" xmlns:p14="http://schemas.microsoft.com/office/powerpoint/2010/main" xmlns:p15="http://schemas.microsoft.com/office/powerpoint/2012/main" xmlns:ahyp="http://schemas.microsoft.com/office/drawing/2018/hyperlinkcolor">
+<p:sld xmlns:a="http://schemas.openxmlformats.org/drawingml/2006/main" xmlns:r="http://schemas.openxmlformats.org/officeDocument/2006/relationships" xmlns:p="http://schemas.openxmlformats.org/presentationml/2006/main">
   <p:cSld>
     <p:spTree>
       <p:nvGrpSpPr>
-        <p:cNvPr id="120" name="Shape 120"/>
+        <p:cNvPr id="1" name="Shape 120"/>
         <p:cNvGrpSpPr/>
         <p:nvPr/>
       </p:nvGrpSpPr>
@@ -17321,12 +17625,12 @@
           </a:ln>
         </p:spPr>
         <p:txBody>
-          <a:bodyPr anchorCtr="0" anchor="t" bIns="45700" lIns="91425" spcFirstLastPara="1" rIns="91425" wrap="square" tIns="45700">
+          <a:bodyPr spcFirstLastPara="1" wrap="square" lIns="91425" tIns="45700" rIns="91425" bIns="45700" anchor="t" anchorCtr="0">
             <a:normAutofit/>
           </a:bodyPr>
           <a:lstStyle/>
           <a:p>
-            <a:pPr indent="0" lvl="0" marL="0" marR="0" rtl="0" algn="ctr">
+            <a:pPr marL="0" marR="0" lvl="0" indent="0" algn="ctr" rtl="0">
               <a:lnSpc>
                 <a:spcPct val="90000"/>
               </a:lnSpc>
@@ -17344,7 +17648,7 @@
               <a:buNone/>
             </a:pPr>
             <a:r>
-              <a:rPr b="1" i="0" lang="ru-RU" sz="2800" u="none" cap="none" strike="noStrike">
+              <a:rPr lang="ru-RU" sz="2800" b="1" i="0" u="none" strike="noStrike" cap="none">
                 <a:solidFill>
                   <a:schemeClr val="dk1"/>
                 </a:solidFill>
@@ -17355,7 +17659,7 @@
               </a:rPr>
               <a:t>Инструкция должностного лица</a:t>
             </a:r>
-            <a:endParaRPr b="0" i="0" sz="1400" u="none" cap="none" strike="noStrike">
+            <a:endParaRPr sz="1400" b="0" i="0" u="none" strike="noStrike" cap="none">
               <a:solidFill>
                 <a:srgbClr val="000000"/>
               </a:solidFill>
@@ -17366,7 +17670,7 @@
             </a:endParaRPr>
           </a:p>
           <a:p>
-            <a:pPr indent="0" lvl="0" marL="0" marR="0" rtl="0" algn="ctr">
+            <a:pPr marL="0" marR="0" lvl="0" indent="0" algn="ctr" rtl="0">
               <a:lnSpc>
                 <a:spcPct val="90000"/>
               </a:lnSpc>
@@ -17383,10 +17687,7 @@
               <a:buFont typeface="Arial"/>
               <a:buNone/>
             </a:pPr>
-            <a:r>
-              <a:t/>
-            </a:r>
-            <a:endParaRPr b="1" i="0" sz="2800" u="none" cap="none" strike="noStrike">
+            <a:endParaRPr sz="2800" b="1" i="0" u="none" strike="noStrike" cap="none">
               <a:solidFill>
                 <a:schemeClr val="dk1"/>
               </a:solidFill>
@@ -17397,7 +17698,7 @@
             </a:endParaRPr>
           </a:p>
           <a:p>
-            <a:pPr indent="0" lvl="0" marL="0" marR="0" rtl="0" algn="ctr">
+            <a:pPr marL="0" marR="0" lvl="0" indent="0" algn="ctr" rtl="0">
               <a:lnSpc>
                 <a:spcPct val="90000"/>
               </a:lnSpc>
@@ -17415,7 +17716,7 @@
               <a:buNone/>
             </a:pPr>
             <a:r>
-              <a:rPr b="1" i="0" lang="ru-RU" sz="2800" u="none" cap="none" strike="noStrike">
+              <a:rPr lang="ru-RU" sz="2800" b="1" i="0" u="none" strike="noStrike" cap="none">
                 <a:solidFill>
                   <a:schemeClr val="dk1"/>
                 </a:solidFill>
@@ -17429,7 +17730,7 @@
             <a:endParaRPr/>
           </a:p>
           <a:p>
-            <a:pPr indent="0" lvl="0" marL="0" marR="0" rtl="0" algn="l">
+            <a:pPr marL="0" marR="0" lvl="0" indent="0" algn="l" rtl="0">
               <a:lnSpc>
                 <a:spcPct val="90000"/>
               </a:lnSpc>
@@ -17447,7 +17748,7 @@
               <a:buNone/>
             </a:pPr>
             <a:r>
-              <a:rPr b="0" i="0" lang="ru-RU" sz="2800" u="none" cap="none" strike="noStrike">
+              <a:rPr lang="ru-RU" sz="2800" b="0" i="0" u="none" strike="noStrike" cap="none">
                 <a:solidFill>
                   <a:schemeClr val="dk1"/>
                 </a:solidFill>
@@ -17458,7 +17759,7 @@
               </a:rPr>
               <a:t>Клиент может зарегистрироваться и войти в свой аккаунт. Клиент может просматривать свою историю покупок и список автомобилей на продажу чтобы выбрать себе авто. Так же покупатель может выбрать себе авто для сравнения с другим по цене, мощности двигателя и красоте.</a:t>
             </a:r>
-            <a:endParaRPr b="0" i="0" sz="1400" u="none" cap="none" strike="noStrike">
+            <a:endParaRPr sz="1400" b="0" i="0" u="none" strike="noStrike" cap="none">
               <a:solidFill>
                 <a:srgbClr val="000000"/>
               </a:solidFill>
@@ -17479,11 +17780,11 @@
 </file>
 
 <file path=ppt/slides/slide7.xml><?xml version="1.0" encoding="utf-8"?>
-<p:sld xmlns:a="http://schemas.openxmlformats.org/drawingml/2006/main" xmlns:r="http://schemas.openxmlformats.org/officeDocument/2006/relationships" xmlns:mc="http://schemas.openxmlformats.org/markup-compatibility/2006" xmlns:mv="urn:schemas-microsoft-com:mac:vml" xmlns:p="http://schemas.openxmlformats.org/presentationml/2006/main" xmlns:c="http://schemas.openxmlformats.org/drawingml/2006/chart" xmlns:dgm="http://schemas.openxmlformats.org/drawingml/2006/diagram" xmlns:o="urn:schemas-microsoft-com:office:office" xmlns:v="urn:schemas-microsoft-com:vml" xmlns:pvml="urn:schemas-microsoft-com:office:powerpoint" xmlns:com="http://schemas.openxmlformats.org/drawingml/2006/compatibility" xmlns:p14="http://schemas.microsoft.com/office/powerpoint/2010/main" xmlns:p15="http://schemas.microsoft.com/office/powerpoint/2012/main" xmlns:ahyp="http://schemas.microsoft.com/office/drawing/2018/hyperlinkcolor">
+<p:sld xmlns:a="http://schemas.openxmlformats.org/drawingml/2006/main" xmlns:r="http://schemas.openxmlformats.org/officeDocument/2006/relationships" xmlns:p="http://schemas.openxmlformats.org/presentationml/2006/main">
   <p:cSld>
     <p:spTree>
       <p:nvGrpSpPr>
-        <p:cNvPr id="125" name="Shape 125"/>
+        <p:cNvPr id="1" name="Shape 125"/>
         <p:cNvGrpSpPr/>
         <p:nvPr/>
       </p:nvGrpSpPr>
@@ -17498,9 +17799,11 @@
       <p:sp>
         <p:nvSpPr>
           <p:cNvPr id="126" name="Google Shape;126;p19"/>
-          <p:cNvSpPr txBox="1"/>
+          <p:cNvSpPr txBox="1">
+            <a:spLocks noGrp="1"/>
+          </p:cNvSpPr>
           <p:nvPr>
-            <p:ph idx="1" type="body"/>
+            <p:ph type="body" idx="1"/>
           </p:nvPr>
         </p:nvSpPr>
         <p:spPr>
@@ -17517,12 +17820,12 @@
           </a:ln>
         </p:spPr>
         <p:txBody>
-          <a:bodyPr anchorCtr="0" anchor="t" bIns="45700" lIns="91425" spcFirstLastPara="1" rIns="91425" wrap="square" tIns="45700">
+          <a:bodyPr spcFirstLastPara="1" wrap="square" lIns="91425" tIns="45700" rIns="91425" bIns="45700" anchor="t" anchorCtr="0">
             <a:normAutofit/>
           </a:bodyPr>
           <a:lstStyle/>
           <a:p>
-            <a:pPr indent="0" lvl="0" marL="0" rtl="0" algn="ctr">
+            <a:pPr marL="0" lvl="0" indent="0" algn="ctr" rtl="0">
               <a:lnSpc>
                 <a:spcPct val="90000"/>
               </a:lnSpc>
@@ -17539,7 +17842,7 @@
               <a:buNone/>
             </a:pPr>
             <a:r>
-              <a:rPr b="1" lang="ru-RU">
+              <a:rPr lang="ru-RU" b="1">
                 <a:latin typeface="Times New Roman"/>
                 <a:ea typeface="Times New Roman"/>
                 <a:cs typeface="Times New Roman"/>
@@ -17550,7 +17853,7 @@
             <a:endParaRPr/>
           </a:p>
           <a:p>
-            <a:pPr indent="0" lvl="0" marL="0" rtl="0" algn="ctr">
+            <a:pPr marL="0" lvl="0" indent="0" algn="ctr" rtl="0">
               <a:lnSpc>
                 <a:spcPct val="90000"/>
               </a:lnSpc>
@@ -17566,9 +17869,6 @@
               <a:buSzPts val="2800"/>
               <a:buNone/>
             </a:pPr>
-            <a:r>
-              <a:t/>
-            </a:r>
             <a:endParaRPr b="1">
               <a:latin typeface="Times New Roman"/>
               <a:ea typeface="Times New Roman"/>
@@ -17580,29 +17880,32 @@
       </p:sp>
       <p:pic>
         <p:nvPicPr>
-          <p:cNvPr id="127" name="Google Shape;127;p19"/>
-          <p:cNvPicPr preferRelativeResize="0"/>
+          <p:cNvPr id="2" name="Рисунок 1">
+            <a:extLst>
+              <a:ext uri="{FF2B5EF4-FFF2-40B4-BE49-F238E27FC236}">
+                <a16:creationId xmlns:a16="http://schemas.microsoft.com/office/drawing/2014/main" id="{0D170F81-6157-44E8-8E48-A99C0233EE8F}"/>
+              </a:ext>
+            </a:extLst>
+          </p:cNvPr>
+          <p:cNvPicPr>
+            <a:picLocks noChangeAspect="1"/>
+          </p:cNvPicPr>
           <p:nvPr/>
         </p:nvPicPr>
-        <p:blipFill rotWithShape="1">
-          <a:blip r:embed="rId3">
-            <a:alphaModFix/>
-          </a:blip>
-          <a:srcRect b="0" l="0" r="0" t="0"/>
-          <a:stretch/>
+        <p:blipFill>
+          <a:blip r:embed="rId3"/>
+          <a:stretch>
+            <a:fillRect/>
+          </a:stretch>
         </p:blipFill>
         <p:spPr>
           <a:xfrm>
-            <a:off x="1457936" y="842633"/>
-            <a:ext cx="8169922" cy="5677270"/>
+            <a:off x="2086661" y="492658"/>
+            <a:ext cx="8018678" cy="6365342"/>
           </a:xfrm>
           <a:prstGeom prst="rect">
             <a:avLst/>
           </a:prstGeom>
-          <a:noFill/>
-          <a:ln>
-            <a:noFill/>
-          </a:ln>
         </p:spPr>
       </p:pic>
     </p:spTree>
@@ -17614,11 +17917,11 @@
 </file>
 
 <file path=ppt/slides/slide8.xml><?xml version="1.0" encoding="utf-8"?>
-<p:sld xmlns:a="http://schemas.openxmlformats.org/drawingml/2006/main" xmlns:r="http://schemas.openxmlformats.org/officeDocument/2006/relationships" xmlns:mc="http://schemas.openxmlformats.org/markup-compatibility/2006" xmlns:mv="urn:schemas-microsoft-com:mac:vml" xmlns:p="http://schemas.openxmlformats.org/presentationml/2006/main" xmlns:c="http://schemas.openxmlformats.org/drawingml/2006/chart" xmlns:dgm="http://schemas.openxmlformats.org/drawingml/2006/diagram" xmlns:o="urn:schemas-microsoft-com:office:office" xmlns:v="urn:schemas-microsoft-com:vml" xmlns:pvml="urn:schemas-microsoft-com:office:powerpoint" xmlns:com="http://schemas.openxmlformats.org/drawingml/2006/compatibility" xmlns:p14="http://schemas.microsoft.com/office/powerpoint/2010/main" xmlns:p15="http://schemas.microsoft.com/office/powerpoint/2012/main" xmlns:ahyp="http://schemas.microsoft.com/office/drawing/2018/hyperlinkcolor">
+<p:sld xmlns:a="http://schemas.openxmlformats.org/drawingml/2006/main" xmlns:r="http://schemas.openxmlformats.org/officeDocument/2006/relationships" xmlns:p="http://schemas.openxmlformats.org/presentationml/2006/main">
   <p:cSld>
     <p:spTree>
       <p:nvGrpSpPr>
-        <p:cNvPr id="131" name="Shape 131"/>
+        <p:cNvPr id="1" name="Shape 131"/>
         <p:cNvGrpSpPr/>
         <p:nvPr/>
       </p:nvGrpSpPr>
@@ -17633,9 +17936,11 @@
       <p:sp>
         <p:nvSpPr>
           <p:cNvPr id="132" name="Google Shape;132;p20"/>
-          <p:cNvSpPr txBox="1"/>
+          <p:cNvSpPr txBox="1">
+            <a:spLocks noGrp="1"/>
+          </p:cNvSpPr>
           <p:nvPr>
-            <p:ph idx="1" type="body"/>
+            <p:ph type="body" idx="1"/>
           </p:nvPr>
         </p:nvSpPr>
         <p:spPr>
@@ -17652,12 +17957,12 @@
           </a:ln>
         </p:spPr>
         <p:txBody>
-          <a:bodyPr anchorCtr="0" anchor="t" bIns="45700" lIns="91425" spcFirstLastPara="1" rIns="91425" wrap="square" tIns="45700">
+          <a:bodyPr spcFirstLastPara="1" wrap="square" lIns="91425" tIns="45700" rIns="91425" bIns="45700" anchor="t" anchorCtr="0">
             <a:normAutofit/>
           </a:bodyPr>
           <a:lstStyle/>
           <a:p>
-            <a:pPr indent="0" lvl="0" marL="0" rtl="0" algn="ctr">
+            <a:pPr marL="0" lvl="0" indent="0" algn="ctr" rtl="0">
               <a:lnSpc>
                 <a:spcPct val="90000"/>
               </a:lnSpc>
@@ -17674,7 +17979,7 @@
               <a:buNone/>
             </a:pPr>
             <a:r>
-              <a:rPr b="1" lang="ru-RU">
+              <a:rPr lang="ru-RU" b="1">
                 <a:latin typeface="Times New Roman"/>
                 <a:ea typeface="Times New Roman"/>
                 <a:cs typeface="Times New Roman"/>
@@ -17685,7 +17990,7 @@
             <a:endParaRPr/>
           </a:p>
           <a:p>
-            <a:pPr indent="0" lvl="0" marL="0" rtl="0" algn="ctr">
+            <a:pPr marL="0" lvl="0" indent="0" algn="ctr" rtl="0">
               <a:lnSpc>
                 <a:spcPct val="90000"/>
               </a:lnSpc>
@@ -17701,9 +18006,6 @@
               <a:buSzPts val="2800"/>
               <a:buNone/>
             </a:pPr>
-            <a:r>
-              <a:t/>
-            </a:r>
             <a:endParaRPr b="1">
               <a:latin typeface="Times New Roman"/>
               <a:ea typeface="Times New Roman"/>
@@ -17712,7 +18014,7 @@
             </a:endParaRPr>
           </a:p>
           <a:p>
-            <a:pPr indent="0" lvl="0" marL="0" rtl="0" algn="ctr">
+            <a:pPr marL="0" lvl="0" indent="0" algn="ctr" rtl="0">
               <a:lnSpc>
                 <a:spcPct val="90000"/>
               </a:lnSpc>
@@ -17729,7 +18031,7 @@
               <a:buNone/>
             </a:pPr>
             <a:r>
-              <a:rPr b="1" lang="ru-RU">
+              <a:rPr lang="ru-RU" b="1">
                 <a:latin typeface="Times New Roman"/>
                 <a:ea typeface="Times New Roman"/>
                 <a:cs typeface="Times New Roman"/>
@@ -17740,7 +18042,7 @@
             <a:endParaRPr/>
           </a:p>
           <a:p>
-            <a:pPr indent="0" lvl="0" marL="0" rtl="0" algn="ctr">
+            <a:pPr marL="0" lvl="0" indent="0" algn="ctr" rtl="0">
               <a:lnSpc>
                 <a:spcPct val="90000"/>
               </a:lnSpc>
@@ -17756,9 +18058,6 @@
               <a:buSzPts val="2800"/>
               <a:buNone/>
             </a:pPr>
-            <a:r>
-              <a:t/>
-            </a:r>
             <a:endParaRPr b="1">
               <a:latin typeface="Times New Roman"/>
               <a:ea typeface="Times New Roman"/>
@@ -17767,7 +18066,7 @@
             </a:endParaRPr>
           </a:p>
           <a:p>
-            <a:pPr indent="0" lvl="0" marL="0" rtl="0" algn="ctr">
+            <a:pPr marL="0" lvl="0" indent="0" algn="ctr" rtl="0">
               <a:lnSpc>
                 <a:spcPct val="90000"/>
               </a:lnSpc>
@@ -17783,9 +18082,6 @@
               <a:buSzPts val="2800"/>
               <a:buNone/>
             </a:pPr>
-            <a:r>
-              <a:t/>
-            </a:r>
             <a:endParaRPr b="1">
               <a:latin typeface="Times New Roman"/>
               <a:ea typeface="Times New Roman"/>
@@ -17794,7 +18090,7 @@
             </a:endParaRPr>
           </a:p>
           <a:p>
-            <a:pPr indent="0" lvl="0" marL="0" rtl="0" algn="ctr">
+            <a:pPr marL="0" lvl="0" indent="0" algn="ctr" rtl="0">
               <a:lnSpc>
                 <a:spcPct val="90000"/>
               </a:lnSpc>
@@ -17811,7 +18107,7 @@
               <a:buNone/>
             </a:pPr>
             <a:r>
-              <a:rPr b="1" lang="ru-RU" sz="4000">
+              <a:rPr lang="ru-RU" sz="4000" b="1">
                 <a:solidFill>
                   <a:srgbClr val="C00000"/>
                 </a:solidFill>
@@ -17835,11 +18131,11 @@
 </file>
 
 <file path=ppt/slides/slide9.xml><?xml version="1.0" encoding="utf-8"?>
-<p:sld xmlns:a="http://schemas.openxmlformats.org/drawingml/2006/main" xmlns:r="http://schemas.openxmlformats.org/officeDocument/2006/relationships" xmlns:mc="http://schemas.openxmlformats.org/markup-compatibility/2006" xmlns:mv="urn:schemas-microsoft-com:mac:vml" xmlns:p="http://schemas.openxmlformats.org/presentationml/2006/main" xmlns:c="http://schemas.openxmlformats.org/drawingml/2006/chart" xmlns:dgm="http://schemas.openxmlformats.org/drawingml/2006/diagram" xmlns:o="urn:schemas-microsoft-com:office:office" xmlns:v="urn:schemas-microsoft-com:vml" xmlns:pvml="urn:schemas-microsoft-com:office:powerpoint" xmlns:com="http://schemas.openxmlformats.org/drawingml/2006/compatibility" xmlns:p14="http://schemas.microsoft.com/office/powerpoint/2010/main" xmlns:p15="http://schemas.microsoft.com/office/powerpoint/2012/main" xmlns:ahyp="http://schemas.microsoft.com/office/drawing/2018/hyperlinkcolor">
+<p:sld xmlns:a="http://schemas.openxmlformats.org/drawingml/2006/main" xmlns:r="http://schemas.openxmlformats.org/officeDocument/2006/relationships" xmlns:p="http://schemas.openxmlformats.org/presentationml/2006/main">
   <p:cSld>
     <p:spTree>
       <p:nvGrpSpPr>
-        <p:cNvPr id="136" name="Shape 136"/>
+        <p:cNvPr id="1" name="Shape 136"/>
         <p:cNvGrpSpPr/>
         <p:nvPr/>
       </p:nvGrpSpPr>
@@ -17854,9 +18150,11 @@
       <p:sp>
         <p:nvSpPr>
           <p:cNvPr id="137" name="Google Shape;137;p21"/>
-          <p:cNvSpPr txBox="1"/>
+          <p:cNvSpPr txBox="1">
+            <a:spLocks noGrp="1"/>
+          </p:cNvSpPr>
           <p:nvPr>
-            <p:ph idx="1" type="body"/>
+            <p:ph type="body" idx="1"/>
           </p:nvPr>
         </p:nvSpPr>
         <p:spPr>
@@ -17873,12 +18171,12 @@
           </a:ln>
         </p:spPr>
         <p:txBody>
-          <a:bodyPr anchorCtr="0" anchor="t" bIns="45700" lIns="91425" spcFirstLastPara="1" rIns="91425" wrap="square" tIns="45700">
+          <a:bodyPr spcFirstLastPara="1" wrap="square" lIns="91425" tIns="45700" rIns="91425" bIns="45700" anchor="t" anchorCtr="0">
             <a:normAutofit/>
           </a:bodyPr>
           <a:lstStyle/>
           <a:p>
-            <a:pPr indent="0" lvl="0" marL="0" rtl="0" algn="ctr">
+            <a:pPr marL="0" lvl="0" indent="0" algn="ctr" rtl="0">
               <a:lnSpc>
                 <a:spcPct val="90000"/>
               </a:lnSpc>
@@ -17895,7 +18193,7 @@
               <a:buNone/>
             </a:pPr>
             <a:r>
-              <a:rPr b="1" lang="ru-RU">
+              <a:rPr lang="ru-RU" b="1">
                 <a:latin typeface="Times New Roman"/>
                 <a:ea typeface="Times New Roman"/>
                 <a:cs typeface="Times New Roman"/>
@@ -17906,7 +18204,7 @@
             <a:endParaRPr/>
           </a:p>
           <a:p>
-            <a:pPr indent="0" lvl="0" marL="0" rtl="0" algn="ctr">
+            <a:pPr marL="0" lvl="0" indent="0" algn="ctr" rtl="0">
               <a:lnSpc>
                 <a:spcPct val="90000"/>
               </a:lnSpc>
@@ -17922,9 +18220,6 @@
               <a:buSzPts val="2800"/>
               <a:buNone/>
             </a:pPr>
-            <a:r>
-              <a:t/>
-            </a:r>
             <a:endParaRPr b="1">
               <a:latin typeface="Times New Roman"/>
               <a:ea typeface="Times New Roman"/>
@@ -17933,7 +18228,7 @@
             </a:endParaRPr>
           </a:p>
           <a:p>
-            <a:pPr indent="-457200" lvl="0" marL="457200" rtl="0" algn="l">
+            <a:pPr marL="457200" lvl="0" indent="-457200" algn="l" rtl="0">
               <a:lnSpc>
                 <a:spcPct val="90000"/>
               </a:lnSpc>
@@ -17947,7 +18242,7 @@
               <a:buChar char="•"/>
             </a:pPr>
             <a:r>
-              <a:rPr b="1" lang="ru-RU">
+              <a:rPr lang="ru-RU" b="1">
                 <a:latin typeface="Times New Roman"/>
                 <a:ea typeface="Times New Roman"/>
                 <a:cs typeface="Times New Roman"/>
@@ -17958,7 +18253,7 @@
             <a:endParaRPr/>
           </a:p>
           <a:p>
-            <a:pPr indent="-457200" lvl="0" marL="457200" rtl="0" algn="l">
+            <a:pPr marL="457200" lvl="0" indent="-457200" algn="l" rtl="0">
               <a:lnSpc>
                 <a:spcPct val="90000"/>
               </a:lnSpc>
@@ -17972,7 +18267,7 @@
               <a:buChar char="•"/>
             </a:pPr>
             <a:r>
-              <a:rPr b="1" lang="ru-RU">
+              <a:rPr lang="ru-RU" b="1">
                 <a:latin typeface="Times New Roman"/>
                 <a:ea typeface="Times New Roman"/>
                 <a:cs typeface="Times New Roman"/>
@@ -17983,7 +18278,7 @@
             <a:endParaRPr/>
           </a:p>
           <a:p>
-            <a:pPr indent="-457200" lvl="0" marL="457200" rtl="0" algn="l">
+            <a:pPr marL="457200" lvl="0" indent="-457200" algn="l" rtl="0">
               <a:lnSpc>
                 <a:spcPct val="90000"/>
               </a:lnSpc>
@@ -17997,7 +18292,7 @@
               <a:buChar char="•"/>
             </a:pPr>
             <a:r>
-              <a:rPr b="1" lang="ru-RU">
+              <a:rPr lang="ru-RU" b="1">
                 <a:latin typeface="Times New Roman"/>
                 <a:ea typeface="Times New Roman"/>
                 <a:cs typeface="Times New Roman"/>
@@ -18008,7 +18303,7 @@
             <a:endParaRPr/>
           </a:p>
           <a:p>
-            <a:pPr indent="-457200" lvl="0" marL="457200" rtl="0" algn="l">
+            <a:pPr marL="457200" lvl="0" indent="-457200" algn="l" rtl="0">
               <a:lnSpc>
                 <a:spcPct val="90000"/>
               </a:lnSpc>
@@ -18022,7 +18317,7 @@
               <a:buChar char="•"/>
             </a:pPr>
             <a:r>
-              <a:rPr b="1" lang="ru-RU">
+              <a:rPr lang="ru-RU" b="1">
                 <a:latin typeface="Times New Roman"/>
                 <a:ea typeface="Times New Roman"/>
                 <a:cs typeface="Times New Roman"/>
@@ -18033,7 +18328,7 @@
             <a:endParaRPr/>
           </a:p>
           <a:p>
-            <a:pPr indent="-457200" lvl="0" marL="457200" rtl="0" algn="l">
+            <a:pPr marL="457200" lvl="0" indent="-457200" algn="l" rtl="0">
               <a:lnSpc>
                 <a:spcPct val="90000"/>
               </a:lnSpc>
@@ -18047,7 +18342,7 @@
               <a:buChar char="•"/>
             </a:pPr>
             <a:r>
-              <a:rPr b="1" lang="ru-RU">
+              <a:rPr lang="ru-RU" b="1">
                 <a:latin typeface="Times New Roman"/>
                 <a:ea typeface="Times New Roman"/>
                 <a:cs typeface="Times New Roman"/>
@@ -18058,7 +18353,7 @@
             <a:endParaRPr/>
           </a:p>
           <a:p>
-            <a:pPr indent="-457200" lvl="0" marL="457200" rtl="0" algn="l">
+            <a:pPr marL="457200" lvl="0" indent="-457200" algn="l" rtl="0">
               <a:lnSpc>
                 <a:spcPct val="90000"/>
               </a:lnSpc>
@@ -18072,7 +18367,7 @@
               <a:buChar char="•"/>
             </a:pPr>
             <a:r>
-              <a:rPr b="1" lang="ru-RU">
+              <a:rPr lang="ru-RU" b="1">
                 <a:latin typeface="Times New Roman"/>
                 <a:ea typeface="Times New Roman"/>
                 <a:cs typeface="Times New Roman"/>
@@ -18083,7 +18378,7 @@
             <a:endParaRPr/>
           </a:p>
           <a:p>
-            <a:pPr indent="-457200" lvl="0" marL="457200" rtl="0" algn="l">
+            <a:pPr marL="457200" lvl="0" indent="-457200" algn="l" rtl="0">
               <a:lnSpc>
                 <a:spcPct val="90000"/>
               </a:lnSpc>
@@ -18097,7 +18392,7 @@
               <a:buChar char="•"/>
             </a:pPr>
             <a:r>
-              <a:rPr b="1" lang="ru-RU">
+              <a:rPr lang="ru-RU" b="1">
                 <a:latin typeface="Times New Roman"/>
                 <a:ea typeface="Times New Roman"/>
                 <a:cs typeface="Times New Roman"/>
@@ -18118,7 +18413,7 @@
 </file>
 
 <file path=ppt/theme/theme1.xml><?xml version="1.0" encoding="utf-8"?>
-<a:theme xmlns:a="http://schemas.openxmlformats.org/drawingml/2006/main" xmlns:r="http://schemas.openxmlformats.org/officeDocument/2006/relationships" name="Тема Office">
+<a:theme xmlns:a="http://schemas.openxmlformats.org/drawingml/2006/main" name="Тема Office">
   <a:themeElements>
     <a:clrScheme name="Стандартная">
       <a:dk1>
@@ -18393,11 +18688,13 @@
       </a:bgFillStyleLst>
     </a:fmtScheme>
   </a:themeElements>
+  <a:objectDefaults/>
+  <a:extraClrSchemeLst/>
 </a:theme>
 </file>
 
 <file path=ppt/theme/theme2.xml><?xml version="1.0" encoding="utf-8"?>
-<a:theme xmlns:a="http://schemas.openxmlformats.org/drawingml/2006/main" xmlns:r="http://schemas.openxmlformats.org/officeDocument/2006/relationships" name="Тема Office">
+<a:theme xmlns:a="http://schemas.openxmlformats.org/drawingml/2006/main" name="Тема Office">
   <a:themeElements>
     <a:clrScheme name="Стандартная">
       <a:dk1>
@@ -18672,5 +18969,7 @@
       </a:bgFillStyleLst>
     </a:fmtScheme>
   </a:themeElements>
+  <a:objectDefaults/>
+  <a:extraClrSchemeLst/>
 </a:theme>
 </file>
--- a/для сдачи/Презентация.pptx
+++ b/для сдачи/Презентация.pptx
@@ -17880,10 +17880,10 @@
       </p:sp>
       <p:pic>
         <p:nvPicPr>
-          <p:cNvPr id="2" name="Рисунок 1">
+          <p:cNvPr id="4" name="Рисунок 3">
             <a:extLst>
               <a:ext uri="{FF2B5EF4-FFF2-40B4-BE49-F238E27FC236}">
-                <a16:creationId xmlns:a16="http://schemas.microsoft.com/office/drawing/2014/main" id="{0D170F81-6157-44E8-8E48-A99C0233EE8F}"/>
+                <a16:creationId xmlns:a16="http://schemas.microsoft.com/office/drawing/2014/main" id="{764A8B60-80F6-155D-A7E5-889BBADF12FB}"/>
               </a:ext>
             </a:extLst>
           </p:cNvPr>
@@ -17900,8 +17900,8 @@
         </p:blipFill>
         <p:spPr>
           <a:xfrm>
-            <a:off x="2086661" y="492658"/>
-            <a:ext cx="8018678" cy="6365342"/>
+            <a:off x="2444966" y="683491"/>
+            <a:ext cx="7927897" cy="5836412"/>
           </a:xfrm>
           <a:prstGeom prst="rect">
             <a:avLst/>
@@ -18193,7 +18193,7 @@
               <a:buNone/>
             </a:pPr>
             <a:r>
-              <a:rPr lang="ru-RU" b="1">
+              <a:rPr lang="ru-RU" b="1" dirty="0">
                 <a:latin typeface="Times New Roman"/>
                 <a:ea typeface="Times New Roman"/>
                 <a:cs typeface="Times New Roman"/>
@@ -18201,7 +18201,7 @@
               </a:rPr>
               <a:t>Разработка и оформление предложений по расширению функциональности информационной системы</a:t>
             </a:r>
-            <a:endParaRPr/>
+            <a:endParaRPr dirty="0"/>
           </a:p>
           <a:p>
             <a:pPr marL="0" lvl="0" indent="0" algn="ctr" rtl="0">
@@ -18220,7 +18220,7 @@
               <a:buSzPts val="2800"/>
               <a:buNone/>
             </a:pPr>
-            <a:endParaRPr b="1">
+            <a:endParaRPr b="1" dirty="0">
               <a:latin typeface="Times New Roman"/>
               <a:ea typeface="Times New Roman"/>
               <a:cs typeface="Times New Roman"/>
@@ -18242,7 +18242,7 @@
               <a:buChar char="•"/>
             </a:pPr>
             <a:r>
-              <a:rPr lang="ru-RU" b="1">
+              <a:rPr lang="ru-RU" b="1" dirty="0">
                 <a:latin typeface="Times New Roman"/>
                 <a:ea typeface="Times New Roman"/>
                 <a:cs typeface="Times New Roman"/>
@@ -18250,7 +18250,7 @@
               </a:rPr>
               <a:t>Улучшить дизайн приложения</a:t>
             </a:r>
-            <a:endParaRPr/>
+            <a:endParaRPr dirty="0"/>
           </a:p>
           <a:p>
             <a:pPr marL="457200" lvl="0" indent="-457200" algn="l" rtl="0">
@@ -18267,15 +18267,14 @@
               <a:buChar char="•"/>
             </a:pPr>
             <a:r>
-              <a:rPr lang="ru-RU" b="1">
+              <a:rPr lang="ru-RU" b="1" dirty="0">
                 <a:latin typeface="Times New Roman"/>
-                <a:ea typeface="Times New Roman"/>
                 <a:cs typeface="Times New Roman"/>
                 <a:sym typeface="Times New Roman"/>
               </a:rPr>
-              <a:t>Доработать функционал админ панели</a:t>
+              <a:t>Добавить панель для клиентов и сотрудников</a:t>
             </a:r>
-            <a:endParaRPr/>
+            <a:endParaRPr dirty="0"/>
           </a:p>
           <a:p>
             <a:pPr marL="457200" lvl="0" indent="-457200" algn="l" rtl="0">
@@ -18292,7 +18291,7 @@
               <a:buChar char="•"/>
             </a:pPr>
             <a:r>
-              <a:rPr lang="ru-RU" b="1">
+              <a:rPr lang="ru-RU" b="1" dirty="0">
                 <a:latin typeface="Times New Roman"/>
                 <a:ea typeface="Times New Roman"/>
                 <a:cs typeface="Times New Roman"/>
@@ -18300,7 +18299,6 @@
               </a:rPr>
               <a:t>Обеспечить автоматизацию для клиентов</a:t>
             </a:r>
-            <a:endParaRPr/>
           </a:p>
           <a:p>
             <a:pPr marL="457200" lvl="0" indent="-457200" algn="l" rtl="0">
@@ -18317,15 +18315,13 @@
               <a:buChar char="•"/>
             </a:pPr>
             <a:r>
-              <a:rPr lang="ru-RU" b="1">
+              <a:rPr lang="ru-RU" b="1" dirty="0">
                 <a:latin typeface="Times New Roman"/>
-                <a:ea typeface="Times New Roman"/>
                 <a:cs typeface="Times New Roman"/>
                 <a:sym typeface="Times New Roman"/>
               </a:rPr>
-              <a:t>Оптимизировать код</a:t>
+              <a:t>Расширить базу данных</a:t>
             </a:r>
-            <a:endParaRPr/>
           </a:p>
           <a:p>
             <a:pPr marL="457200" lvl="0" indent="-457200" algn="l" rtl="0">
@@ -18342,7 +18338,54 @@
               <a:buChar char="•"/>
             </a:pPr>
             <a:r>
-              <a:rPr lang="ru-RU" b="1">
+              <a:rPr lang="ru-RU" b="1" dirty="0">
+                <a:latin typeface="Times New Roman"/>
+                <a:cs typeface="Times New Roman"/>
+                <a:sym typeface="Times New Roman"/>
+              </a:rPr>
+              <a:t>Добавить логотип для производителей</a:t>
+            </a:r>
+          </a:p>
+          <a:p>
+            <a:pPr marL="457200" lvl="0" indent="-457200" algn="l" rtl="0">
+              <a:lnSpc>
+                <a:spcPct val="90000"/>
+              </a:lnSpc>
+              <a:spcBef>
+                <a:spcPts val="1000"/>
+              </a:spcBef>
+              <a:spcAft>
+                <a:spcPts val="0"/>
+              </a:spcAft>
+              <a:buSzPts val="2800"/>
+              <a:buChar char="•"/>
+            </a:pPr>
+            <a:r>
+              <a:rPr lang="ru-RU" b="1" dirty="0">
+                <a:latin typeface="Times New Roman"/>
+                <a:cs typeface="Times New Roman"/>
+                <a:sym typeface="Times New Roman"/>
+              </a:rPr>
+              <a:t>Сделать более подробную информацию об автомобилях</a:t>
+            </a:r>
+            <a:endParaRPr lang="ru-RU" dirty="0"/>
+          </a:p>
+          <a:p>
+            <a:pPr marL="457200" lvl="0" indent="-457200" algn="l" rtl="0">
+              <a:lnSpc>
+                <a:spcPct val="90000"/>
+              </a:lnSpc>
+              <a:spcBef>
+                <a:spcPts val="1000"/>
+              </a:spcBef>
+              <a:spcAft>
+                <a:spcPts val="0"/>
+              </a:spcAft>
+              <a:buSzPts val="2800"/>
+              <a:buChar char="•"/>
+            </a:pPr>
+            <a:r>
+              <a:rPr lang="ru-RU" b="1" dirty="0">
                 <a:latin typeface="Times New Roman"/>
                 <a:ea typeface="Times New Roman"/>
                 <a:cs typeface="Times New Roman"/>
@@ -18350,7 +18393,7 @@
               </a:rPr>
               <a:t>Сделать удалённую базу данных</a:t>
             </a:r>
-            <a:endParaRPr/>
+            <a:endParaRPr dirty="0"/>
           </a:p>
           <a:p>
             <a:pPr marL="457200" lvl="0" indent="-457200" algn="l" rtl="0">
@@ -18367,7 +18410,7 @@
               <a:buChar char="•"/>
             </a:pPr>
             <a:r>
-              <a:rPr lang="ru-RU" b="1">
+              <a:rPr lang="ru-RU" b="1" dirty="0">
                 <a:latin typeface="Times New Roman"/>
                 <a:ea typeface="Times New Roman"/>
                 <a:cs typeface="Times New Roman"/>
@@ -18375,7 +18418,7 @@
               </a:rPr>
               <a:t>Переделать приложение в сайт</a:t>
             </a:r>
-            <a:endParaRPr/>
+            <a:endParaRPr dirty="0"/>
           </a:p>
           <a:p>
             <a:pPr marL="457200" lvl="0" indent="-457200" algn="l" rtl="0">
@@ -18392,7 +18435,7 @@
               <a:buChar char="•"/>
             </a:pPr>
             <a:r>
-              <a:rPr lang="ru-RU" b="1">
+              <a:rPr lang="ru-RU" b="1" dirty="0">
                 <a:latin typeface="Times New Roman"/>
                 <a:ea typeface="Times New Roman"/>
                 <a:cs typeface="Times New Roman"/>
@@ -18400,7 +18443,7 @@
               </a:rPr>
               <a:t>Сделать сайт интуитивно понятным</a:t>
             </a:r>
-            <a:endParaRPr/>
+            <a:endParaRPr dirty="0"/>
           </a:p>
         </p:txBody>
       </p:sp>
